--- a/slides/nlp p03 feed forward networks/nlp p03.2 surname classification preprocessing.pptx
+++ b/slides/nlp p03 feed forward networks/nlp p03.2 surname classification preprocessing.pptx
@@ -5,20 +5,17 @@
     <p:sldMasterId id="2147483648" r:id="rId1"/>
   </p:sldMasterIdLst>
   <p:notesMasterIdLst>
-    <p:notesMasterId r:id="rId13"/>
+    <p:notesMasterId r:id="rId10"/>
   </p:notesMasterIdLst>
   <p:sldIdLst>
     <p:sldId id="256" r:id="rId2"/>
     <p:sldId id="280" r:id="rId3"/>
-    <p:sldId id="297" r:id="rId4"/>
-    <p:sldId id="355" r:id="rId5"/>
-    <p:sldId id="356" r:id="rId6"/>
-    <p:sldId id="357" r:id="rId7"/>
+    <p:sldId id="358" r:id="rId4"/>
+    <p:sldId id="340" r:id="rId5"/>
+    <p:sldId id="368" r:id="rId6"/>
+    <p:sldId id="355" r:id="rId7"/>
     <p:sldId id="360" r:id="rId8"/>
-    <p:sldId id="359" r:id="rId9"/>
-    <p:sldId id="317" r:id="rId10"/>
-    <p:sldId id="361" r:id="rId11"/>
-    <p:sldId id="362" r:id="rId12"/>
+    <p:sldId id="361" r:id="rId9"/>
   </p:sldIdLst>
   <p:sldSz cx="9144000" cy="6858000" type="screen4x3"/>
   <p:notesSz cx="6858000" cy="9144000"/>
@@ -219,7 +216,7 @@
             <a:fld id="{C9C2CC2B-07F5-486B-80F8-D7AC8876AF81}" type="datetimeFigureOut">
               <a:rPr lang="sr-Latn-CS" smtClean="0"/>
               <a:pPr/>
-              <a:t>3.11.22.</a:t>
+              <a:t>1.11.22.</a:t>
             </a:fld>
             <a:endParaRPr lang="hr-HR" dirty="0"/>
           </a:p>
@@ -670,7 +667,7 @@
             <a:fld id="{DA765C48-E28F-491B-A6FC-AD0BFE4ABDB2}" type="datetimeFigureOut">
               <a:rPr lang="sr-Latn-CS" smtClean="0"/>
               <a:pPr/>
-              <a:t>3.11.22.</a:t>
+              <a:t>1.11.22.</a:t>
             </a:fld>
             <a:endParaRPr lang="hr-HR" dirty="0"/>
           </a:p>
@@ -841,7 +838,7 @@
             <a:fld id="{DA765C48-E28F-491B-A6FC-AD0BFE4ABDB2}" type="datetimeFigureOut">
               <a:rPr lang="sr-Latn-CS" smtClean="0"/>
               <a:pPr/>
-              <a:t>3.11.22.</a:t>
+              <a:t>1.11.22.</a:t>
             </a:fld>
             <a:endParaRPr lang="hr-HR" dirty="0"/>
           </a:p>
@@ -1018,7 +1015,7 @@
             <a:fld id="{DA765C48-E28F-491B-A6FC-AD0BFE4ABDB2}" type="datetimeFigureOut">
               <a:rPr lang="sr-Latn-CS" smtClean="0"/>
               <a:pPr/>
-              <a:t>3.11.22.</a:t>
+              <a:t>1.11.22.</a:t>
             </a:fld>
             <a:endParaRPr lang="hr-HR" dirty="0"/>
           </a:p>
@@ -1189,7 +1186,7 @@
             <a:fld id="{DA765C48-E28F-491B-A6FC-AD0BFE4ABDB2}" type="datetimeFigureOut">
               <a:rPr lang="sr-Latn-CS" smtClean="0"/>
               <a:pPr/>
-              <a:t>3.11.22.</a:t>
+              <a:t>1.11.22.</a:t>
             </a:fld>
             <a:endParaRPr lang="hr-HR" dirty="0"/>
           </a:p>
@@ -1430,7 +1427,7 @@
             <a:fld id="{DA765C48-E28F-491B-A6FC-AD0BFE4ABDB2}" type="datetimeFigureOut">
               <a:rPr lang="sr-Latn-CS" smtClean="0"/>
               <a:pPr/>
-              <a:t>3.11.22.</a:t>
+              <a:t>1.11.22.</a:t>
             </a:fld>
             <a:endParaRPr lang="hr-HR" dirty="0"/>
           </a:p>
@@ -1719,7 +1716,7 @@
             <a:fld id="{DA765C48-E28F-491B-A6FC-AD0BFE4ABDB2}" type="datetimeFigureOut">
               <a:rPr lang="sr-Latn-CS" smtClean="0"/>
               <a:pPr/>
-              <a:t>3.11.22.</a:t>
+              <a:t>1.11.22.</a:t>
             </a:fld>
             <a:endParaRPr lang="hr-HR" dirty="0"/>
           </a:p>
@@ -2138,7 +2135,7 @@
             <a:fld id="{DA765C48-E28F-491B-A6FC-AD0BFE4ABDB2}" type="datetimeFigureOut">
               <a:rPr lang="sr-Latn-CS" smtClean="0"/>
               <a:pPr/>
-              <a:t>3.11.22.</a:t>
+              <a:t>1.11.22.</a:t>
             </a:fld>
             <a:endParaRPr lang="hr-HR" dirty="0"/>
           </a:p>
@@ -2257,7 +2254,7 @@
             <a:fld id="{DA765C48-E28F-491B-A6FC-AD0BFE4ABDB2}" type="datetimeFigureOut">
               <a:rPr lang="sr-Latn-CS" smtClean="0"/>
               <a:pPr/>
-              <a:t>3.11.22.</a:t>
+              <a:t>1.11.22.</a:t>
             </a:fld>
             <a:endParaRPr lang="hr-HR" dirty="0"/>
           </a:p>
@@ -2349,7 +2346,7 @@
             <a:fld id="{DA765C48-E28F-491B-A6FC-AD0BFE4ABDB2}" type="datetimeFigureOut">
               <a:rPr lang="sr-Latn-CS" smtClean="0"/>
               <a:pPr/>
-              <a:t>3.11.22.</a:t>
+              <a:t>1.11.22.</a:t>
             </a:fld>
             <a:endParaRPr lang="hr-HR" dirty="0"/>
           </a:p>
@@ -2623,7 +2620,7 @@
             <a:fld id="{DA765C48-E28F-491B-A6FC-AD0BFE4ABDB2}" type="datetimeFigureOut">
               <a:rPr lang="sr-Latn-CS" smtClean="0"/>
               <a:pPr/>
-              <a:t>3.11.22.</a:t>
+              <a:t>1.11.22.</a:t>
             </a:fld>
             <a:endParaRPr lang="hr-HR" dirty="0"/>
           </a:p>
@@ -2877,7 +2874,7 @@
             <a:fld id="{DA765C48-E28F-491B-A6FC-AD0BFE4ABDB2}" type="datetimeFigureOut">
               <a:rPr lang="sr-Latn-CS" smtClean="0"/>
               <a:pPr/>
-              <a:t>3.11.22.</a:t>
+              <a:t>1.11.22.</a:t>
             </a:fld>
             <a:endParaRPr lang="hr-HR" dirty="0"/>
           </a:p>
@@ -3095,7 +3092,7 @@
             <a:fld id="{DA765C48-E28F-491B-A6FC-AD0BFE4ABDB2}" type="datetimeFigureOut">
               <a:rPr lang="sr-Latn-CS" smtClean="0"/>
               <a:pPr/>
-              <a:t>3.11.22.</a:t>
+              <a:t>1.11.22.</a:t>
             </a:fld>
             <a:endParaRPr lang="hr-HR" dirty="0"/>
           </a:p>
@@ -3490,11 +3487,7 @@
             </a:br>
             <a:r>
               <a:rPr lang="en-US" dirty="0"/>
-              <a:t>Surname Classification </a:t>
-            </a:r>
-            <a:r>
-              <a:rPr lang="en-US"/>
-              <a:t>- Preprocessing</a:t>
+              <a:t>Surname Classification - Preprocessing</a:t>
             </a:r>
             <a:br>
               <a:rPr lang="en-US" dirty="0"/>
@@ -3540,7 +3533,7 @@
 </p:sld>
 </file>
 
-<file path=ppt/slides/slide10.xml><?xml version="1.0" encoding="utf-8"?>
+<file path=ppt/slides/slide2.xml><?xml version="1.0" encoding="utf-8"?>
 <p:sld xmlns:a="http://schemas.openxmlformats.org/drawingml/2006/main" xmlns:r="http://schemas.openxmlformats.org/officeDocument/2006/relationships" xmlns:p="http://schemas.openxmlformats.org/presentationml/2006/main">
   <p:cSld>
     <p:spTree>
@@ -3574,1165 +3567,39 @@
           <a:p>
             <a:r>
               <a:rPr lang="en-US" dirty="0"/>
-              <a:t>The Multilayer Perceptron</a:t>
+              <a:t>Contents</a:t>
             </a:r>
           </a:p>
         </p:txBody>
       </p:sp>
-      <p:graphicFrame>
-        <p:nvGraphicFramePr>
-          <p:cNvPr id="16" name="Table 16">
-            <a:extLst>
-              <a:ext uri="{FF2B5EF4-FFF2-40B4-BE49-F238E27FC236}">
-                <a16:creationId xmlns:a16="http://schemas.microsoft.com/office/drawing/2014/main" id="{93F44A5E-B3CE-3BA0-3C48-A4083A6F3496}"/>
-              </a:ext>
-            </a:extLst>
-          </p:cNvPr>
-          <p:cNvGraphicFramePr>
-            <a:graphicFrameLocks noGrp="1"/>
-          </p:cNvGraphicFramePr>
+      <p:sp>
+        <p:nvSpPr>
+          <p:cNvPr id="3" name="Content Placeholder 2"/>
+          <p:cNvSpPr>
+            <a:spLocks noGrp="1"/>
+          </p:cNvSpPr>
           <p:nvPr>
-            <p:extLst>
-              <p:ext uri="{D42A27DB-BD31-4B8C-83A1-F6EECF244321}">
-                <p14:modId xmlns:p14="http://schemas.microsoft.com/office/powerpoint/2010/main" val="4162791573"/>
-              </p:ext>
-            </p:extLst>
+            <p:ph idx="1"/>
           </p:nvPr>
-        </p:nvGraphicFramePr>
-        <p:xfrm>
-          <a:off x="179512" y="548680"/>
-          <a:ext cx="8640960" cy="5303520"/>
-        </p:xfrm>
-        <a:graphic>
-          <a:graphicData uri="http://schemas.openxmlformats.org/drawingml/2006/table">
-            <a:tbl>
-              <a:tblPr>
-                <a:tableStyleId>{5C22544A-7EE6-4342-B048-85BDC9FD1C3A}</a:tableStyleId>
-              </a:tblPr>
-              <a:tblGrid>
-                <a:gridCol w="8640960">
-                  <a:extLst>
-                    <a:ext uri="{9D8B030D-6E8A-4147-A177-3AD203B41FA5}">
-                      <a16:colId xmlns:a16="http://schemas.microsoft.com/office/drawing/2014/main" val="2706851558"/>
-                    </a:ext>
-                  </a:extLst>
-                </a:gridCol>
-              </a:tblGrid>
-              <a:tr h="202515">
-                <a:tc>
-                  <a:txBody>
-                    <a:bodyPr/>
-                    <a:lstStyle/>
-                    <a:p>
-                      <a:r>
-                        <a:rPr lang="en-GB" sz="1800" b="0" noProof="1">
-                          <a:ln>
-                            <a:solidFill>
-                              <a:schemeClr val="tx1"/>
-                            </a:solidFill>
-                          </a:ln>
-                          <a:solidFill>
-                            <a:schemeClr val="tx1"/>
-                          </a:solidFill>
-                          <a:latin typeface="+mn-lt"/>
-                        </a:rPr>
-                        <a:t>Because of the </a:t>
-                      </a:r>
-                      <a:r>
-                        <a:rPr lang="en-GB" sz="1800" b="0" noProof="1">
-                          <a:ln>
-                            <a:solidFill>
-                              <a:schemeClr val="tx1"/>
-                            </a:solidFill>
-                          </a:ln>
-                          <a:solidFill>
-                            <a:schemeClr val="tx1"/>
-                          </a:solidFill>
-                          <a:latin typeface="+mn-lt"/>
-                          <a:cs typeface="MoolBoran" panose="020B0100010101010101" pitchFamily="34" charset="0"/>
-                        </a:rPr>
-                        <a:t>sequential</a:t>
-                      </a:r>
-                      <a:r>
-                        <a:rPr lang="en-GB" sz="1800" b="0" noProof="1">
-                          <a:ln>
-                            <a:solidFill>
-                              <a:schemeClr val="tx1"/>
-                            </a:solidFill>
-                          </a:ln>
-                          <a:solidFill>
-                            <a:schemeClr val="tx1"/>
-                          </a:solidFill>
-                          <a:latin typeface="+mn-lt"/>
-                        </a:rPr>
-                        <a:t> nature of the layers, you must take care to ensure that the number of outputs in a layer is equal to the number of inputs to the next layer.</a:t>
-                      </a:r>
-                    </a:p>
-                    <a:p>
-                      <a:pPr marL="342900" indent="-342900">
-                        <a:buAutoNum type="arabicParenBoth"/>
-                      </a:pPr>
-                      <a:r>
-                        <a:rPr lang="en-GB" sz="1800" b="0" i="0" kern="1200" dirty="0">
-                          <a:solidFill>
-                            <a:schemeClr val="dk1"/>
-                          </a:solidFill>
-                          <a:effectLst/>
-                          <a:latin typeface="+mn-lt"/>
-                          <a:ea typeface="+mn-ea"/>
-                          <a:cs typeface="Courier New" panose="02070309020205020404" pitchFamily="49" charset="0"/>
-                        </a:rPr>
-                        <a:t>store input data</a:t>
-                      </a:r>
-                    </a:p>
-                    <a:p>
-                      <a:pPr marL="342900" indent="-342900">
-                        <a:buAutoNum type="arabicParenBoth"/>
-                      </a:pPr>
-                      <a:r>
-                        <a:rPr lang="es-ES_tradnl" sz="1800" noProof="1">
-                          <a:latin typeface="+mn-lt"/>
-                          <a:cs typeface="Courier New" pitchFamily="49" charset="0"/>
-                        </a:rPr>
-                        <a:t>store outputs of first n – 1 layers</a:t>
-                      </a:r>
-                    </a:p>
-                    <a:p>
-                      <a:pPr marL="342900" indent="-342900">
-                        <a:buAutoNum type="arabicParenBoth"/>
-                      </a:pPr>
-                      <a:r>
-                        <a:rPr lang="es-ES_tradnl" sz="1800" noProof="1">
-                          <a:latin typeface="+mn-lt"/>
-                          <a:cs typeface="Courier New" pitchFamily="49" charset="0"/>
-                        </a:rPr>
-                        <a:t>store outputs of final layer</a:t>
-                      </a:r>
-                    </a:p>
-                    <a:p>
-                      <a:pPr marL="342900" indent="-342900">
-                        <a:buAutoNum type="arabicParenBoth"/>
-                      </a:pPr>
-                      <a:r>
-                        <a:rPr lang="es-ES_tradnl" sz="1800" noProof="1">
-                          <a:latin typeface="+mn-lt"/>
-                          <a:cs typeface="Courier New" pitchFamily="49" charset="0"/>
-                        </a:rPr>
-                        <a:t>apply softmax</a:t>
-                      </a:r>
-                    </a:p>
-                    <a:p>
-                      <a:pPr marL="342900" indent="-342900">
-                        <a:buAutoNum type="arabicParenBoth"/>
-                      </a:pPr>
-                      <a:endParaRPr lang="es-ES_tradnl" sz="1800" noProof="1">
-                        <a:latin typeface="+mn-lt"/>
-                        <a:cs typeface="Courier New" pitchFamily="49" charset="0"/>
-                      </a:endParaRPr>
-                    </a:p>
-                  </a:txBody>
-                  <a:tcPr>
-                    <a:lnL w="9525" cap="flat" cmpd="sng" algn="ctr">
-                      <a:noFill/>
-                      <a:prstDash val="solid"/>
-                      <a:round/>
-                      <a:headEnd type="none" w="med" len="med"/>
-                      <a:tailEnd type="none" w="med" len="med"/>
-                    </a:lnL>
-                    <a:lnR w="9525" cap="flat" cmpd="sng" algn="ctr">
-                      <a:noFill/>
-                      <a:prstDash val="solid"/>
-                      <a:round/>
-                      <a:headEnd type="none" w="med" len="med"/>
-                      <a:tailEnd type="none" w="med" len="med"/>
-                    </a:lnR>
-                    <a:lnT w="9525" cap="flat" cmpd="sng" algn="ctr">
-                      <a:noFill/>
-                      <a:prstDash val="solid"/>
-                      <a:round/>
-                      <a:headEnd type="none" w="med" len="med"/>
-                      <a:tailEnd type="none" w="med" len="med"/>
-                    </a:lnT>
-                    <a:lnB w="12700" cap="flat" cmpd="sng" algn="ctr">
-                      <a:noFill/>
-                      <a:prstDash val="solid"/>
-                      <a:round/>
-                      <a:headEnd type="none" w="med" len="med"/>
-                      <a:tailEnd type="none" w="med" len="med"/>
-                    </a:lnB>
-                    <a:noFill/>
-                  </a:tcPr>
-                </a:tc>
-                <a:extLst>
-                  <a:ext uri="{0D108BD9-81ED-4DB2-BD59-A6C34878D82A}">
-                    <a16:rowId xmlns:a16="http://schemas.microsoft.com/office/drawing/2014/main" val="533612861"/>
-                  </a:ext>
-                </a:extLst>
-              </a:tr>
-              <a:tr h="202515">
-                <a:tc>
-                  <a:txBody>
-                    <a:bodyPr/>
-                    <a:lstStyle/>
-                    <a:p>
-                      <a:r>
-                        <a:rPr lang="en-GB" sz="1400" b="0" dirty="0">
-                          <a:solidFill>
-                            <a:srgbClr val="0000FF"/>
-                          </a:solidFill>
-                          <a:effectLst/>
-                          <a:latin typeface="Courier New" panose="02070309020205020404" pitchFamily="49" charset="0"/>
-                        </a:rPr>
-                        <a:t>def</a:t>
-                      </a:r>
-                      <a:r>
-                        <a:rPr lang="en-GB" sz="1400" b="0" dirty="0">
-                          <a:solidFill>
-                            <a:srgbClr val="000000"/>
-                          </a:solidFill>
-                          <a:effectLst/>
-                          <a:latin typeface="Courier New" panose="02070309020205020404" pitchFamily="49" charset="0"/>
-                        </a:rPr>
-                        <a:t> </a:t>
-                      </a:r>
-                      <a:r>
-                        <a:rPr lang="en-GB" sz="1400" b="0" dirty="0">
-                          <a:solidFill>
-                            <a:srgbClr val="795E26"/>
-                          </a:solidFill>
-                          <a:effectLst/>
-                          <a:latin typeface="Courier New" panose="02070309020205020404" pitchFamily="49" charset="0"/>
-                        </a:rPr>
-                        <a:t>forward</a:t>
-                      </a:r>
-                      <a:r>
-                        <a:rPr lang="en-GB" sz="1400" b="0" dirty="0">
-                          <a:solidFill>
-                            <a:srgbClr val="000000"/>
-                          </a:solidFill>
-                          <a:effectLst/>
-                          <a:latin typeface="Courier New" panose="02070309020205020404" pitchFamily="49" charset="0"/>
-                        </a:rPr>
-                        <a:t>(</a:t>
-                      </a:r>
-                      <a:r>
-                        <a:rPr lang="en-GB" sz="1400" b="0" dirty="0">
-                          <a:solidFill>
-                            <a:srgbClr val="001080"/>
-                          </a:solidFill>
-                          <a:effectLst/>
-                          <a:latin typeface="Courier New" panose="02070309020205020404" pitchFamily="49" charset="0"/>
-                        </a:rPr>
-                        <a:t>self</a:t>
-                      </a:r>
-                      <a:r>
-                        <a:rPr lang="en-GB" sz="1400" b="0" dirty="0">
-                          <a:solidFill>
-                            <a:srgbClr val="000000"/>
-                          </a:solidFill>
-                          <a:effectLst/>
-                          <a:latin typeface="Courier New" panose="02070309020205020404" pitchFamily="49" charset="0"/>
-                        </a:rPr>
-                        <a:t>, </a:t>
-                      </a:r>
-                      <a:r>
-                        <a:rPr lang="en-GB" sz="1400" b="0" dirty="0">
-                          <a:solidFill>
-                            <a:srgbClr val="001080"/>
-                          </a:solidFill>
-                          <a:effectLst/>
-                          <a:latin typeface="Courier New" panose="02070309020205020404" pitchFamily="49" charset="0"/>
-                        </a:rPr>
-                        <a:t>x</a:t>
-                      </a:r>
-                      <a:r>
-                        <a:rPr lang="en-GB" sz="1400" b="0" dirty="0">
-                          <a:solidFill>
-                            <a:srgbClr val="000000"/>
-                          </a:solidFill>
-                          <a:effectLst/>
-                          <a:latin typeface="Courier New" panose="02070309020205020404" pitchFamily="49" charset="0"/>
-                        </a:rPr>
-                        <a:t>, </a:t>
-                      </a:r>
-                      <a:r>
-                        <a:rPr lang="en-GB" sz="1400" b="0" dirty="0" err="1">
-                          <a:solidFill>
-                            <a:srgbClr val="001080"/>
-                          </a:solidFill>
-                          <a:effectLst/>
-                          <a:latin typeface="Courier New" panose="02070309020205020404" pitchFamily="49" charset="0"/>
-                        </a:rPr>
-                        <a:t>apply_softmax</a:t>
-                      </a:r>
-                      <a:r>
-                        <a:rPr lang="en-GB" sz="1400" b="0" dirty="0">
-                          <a:solidFill>
-                            <a:srgbClr val="000000"/>
-                          </a:solidFill>
-                          <a:effectLst/>
-                          <a:latin typeface="Courier New" panose="02070309020205020404" pitchFamily="49" charset="0"/>
-                        </a:rPr>
-                        <a:t>=</a:t>
-                      </a:r>
-                      <a:r>
-                        <a:rPr lang="en-GB" sz="1400" b="0" dirty="0">
-                          <a:solidFill>
-                            <a:srgbClr val="0000FF"/>
-                          </a:solidFill>
-                          <a:effectLst/>
-                          <a:latin typeface="Courier New" panose="02070309020205020404" pitchFamily="49" charset="0"/>
-                        </a:rPr>
-                        <a:t>False</a:t>
-                      </a:r>
-                      <a:r>
-                        <a:rPr lang="en-GB" sz="1400" b="0" dirty="0">
-                          <a:solidFill>
-                            <a:srgbClr val="000000"/>
-                          </a:solidFill>
-                          <a:effectLst/>
-                          <a:latin typeface="Courier New" panose="02070309020205020404" pitchFamily="49" charset="0"/>
-                        </a:rPr>
-                        <a:t>):</a:t>
-                      </a:r>
-                    </a:p>
-                    <a:p>
-                      <a:r>
-                        <a:rPr lang="en-GB" sz="1400" b="0" dirty="0">
-                          <a:solidFill>
-                            <a:srgbClr val="001080"/>
-                          </a:solidFill>
-                          <a:effectLst/>
-                          <a:latin typeface="Courier New" panose="02070309020205020404" pitchFamily="49" charset="0"/>
-                        </a:rPr>
-                        <a:t>    </a:t>
-                      </a:r>
-                      <a:r>
-                        <a:rPr lang="en-GB" sz="1400" b="0" dirty="0" err="1">
-                          <a:solidFill>
-                            <a:srgbClr val="001080"/>
-                          </a:solidFill>
-                          <a:effectLst/>
-                          <a:latin typeface="Courier New" panose="02070309020205020404" pitchFamily="49" charset="0"/>
-                        </a:rPr>
-                        <a:t>self</a:t>
-                      </a:r>
-                      <a:r>
-                        <a:rPr lang="en-GB" sz="1400" b="0" dirty="0" err="1">
-                          <a:solidFill>
-                            <a:srgbClr val="000000"/>
-                          </a:solidFill>
-                          <a:effectLst/>
-                          <a:latin typeface="Courier New" panose="02070309020205020404" pitchFamily="49" charset="0"/>
-                        </a:rPr>
-                        <a:t>.last_forward_cache</a:t>
-                      </a:r>
-                      <a:r>
-                        <a:rPr lang="en-GB" sz="1400" b="0" dirty="0">
-                          <a:solidFill>
-                            <a:srgbClr val="000000"/>
-                          </a:solidFill>
-                          <a:effectLst/>
-                          <a:latin typeface="Courier New" panose="02070309020205020404" pitchFamily="49" charset="0"/>
-                        </a:rPr>
-                        <a:t> = []</a:t>
-                      </a:r>
-                    </a:p>
-                    <a:p>
-                      <a:r>
-                        <a:rPr lang="en-GB" sz="1400" b="0" dirty="0">
-                          <a:solidFill>
-                            <a:srgbClr val="001080"/>
-                          </a:solidFill>
-                          <a:effectLst/>
-                          <a:latin typeface="Courier New" panose="02070309020205020404" pitchFamily="49" charset="0"/>
-                        </a:rPr>
-                        <a:t>    </a:t>
-                      </a:r>
-                      <a:r>
-                        <a:rPr lang="en-GB" sz="1400" b="0" dirty="0" err="1">
-                          <a:solidFill>
-                            <a:srgbClr val="001080"/>
-                          </a:solidFill>
-                          <a:effectLst/>
-                          <a:latin typeface="Courier New" panose="02070309020205020404" pitchFamily="49" charset="0"/>
-                        </a:rPr>
-                        <a:t>self</a:t>
-                      </a:r>
-                      <a:r>
-                        <a:rPr lang="en-GB" sz="1400" b="0" dirty="0" err="1">
-                          <a:solidFill>
-                            <a:srgbClr val="000000"/>
-                          </a:solidFill>
-                          <a:effectLst/>
-                          <a:latin typeface="Courier New" panose="02070309020205020404" pitchFamily="49" charset="0"/>
-                        </a:rPr>
-                        <a:t>.last_forward_cache.append</a:t>
-                      </a:r>
-                      <a:r>
-                        <a:rPr lang="en-GB" sz="1400" b="0" dirty="0">
-                          <a:solidFill>
-                            <a:srgbClr val="000000"/>
-                          </a:solidFill>
-                          <a:effectLst/>
-                          <a:latin typeface="Courier New" panose="02070309020205020404" pitchFamily="49" charset="0"/>
-                        </a:rPr>
-                        <a:t>(</a:t>
-                      </a:r>
-                      <a:r>
-                        <a:rPr lang="en-GB" sz="1400" b="0" dirty="0" err="1">
-                          <a:solidFill>
-                            <a:srgbClr val="000000"/>
-                          </a:solidFill>
-                          <a:effectLst/>
-                          <a:latin typeface="Courier New" panose="02070309020205020404" pitchFamily="49" charset="0"/>
-                        </a:rPr>
-                        <a:t>x.to</a:t>
-                      </a:r>
-                      <a:r>
-                        <a:rPr lang="en-GB" sz="1400" b="0" dirty="0">
-                          <a:solidFill>
-                            <a:srgbClr val="000000"/>
-                          </a:solidFill>
-                          <a:effectLst/>
-                          <a:latin typeface="Courier New" panose="02070309020205020404" pitchFamily="49" charset="0"/>
-                        </a:rPr>
-                        <a:t>(</a:t>
-                      </a:r>
-                      <a:r>
-                        <a:rPr lang="en-GB" sz="1400" b="0" dirty="0">
-                          <a:solidFill>
-                            <a:srgbClr val="A31515"/>
-                          </a:solidFill>
-                          <a:effectLst/>
-                          <a:latin typeface="Courier New" panose="02070309020205020404" pitchFamily="49" charset="0"/>
-                        </a:rPr>
-                        <a:t>"</a:t>
-                      </a:r>
-                      <a:r>
-                        <a:rPr lang="en-GB" sz="1400" b="0" dirty="0" err="1">
-                          <a:solidFill>
-                            <a:srgbClr val="A31515"/>
-                          </a:solidFill>
-                          <a:effectLst/>
-                          <a:latin typeface="Courier New" panose="02070309020205020404" pitchFamily="49" charset="0"/>
-                        </a:rPr>
-                        <a:t>cpu</a:t>
-                      </a:r>
-                      <a:r>
-                        <a:rPr lang="en-GB" sz="1400" b="0" dirty="0">
-                          <a:solidFill>
-                            <a:srgbClr val="A31515"/>
-                          </a:solidFill>
-                          <a:effectLst/>
-                          <a:latin typeface="Courier New" panose="02070309020205020404" pitchFamily="49" charset="0"/>
-                        </a:rPr>
-                        <a:t>"</a:t>
-                      </a:r>
-                      <a:r>
-                        <a:rPr lang="en-GB" sz="1400" b="0" dirty="0">
-                          <a:solidFill>
-                            <a:srgbClr val="000000"/>
-                          </a:solidFill>
-                          <a:effectLst/>
-                          <a:latin typeface="Courier New" panose="02070309020205020404" pitchFamily="49" charset="0"/>
-                        </a:rPr>
-                        <a:t>).</a:t>
-                      </a:r>
-                      <a:r>
-                        <a:rPr lang="en-GB" sz="1400" b="0" dirty="0" err="1">
-                          <a:solidFill>
-                            <a:srgbClr val="000000"/>
-                          </a:solidFill>
-                          <a:effectLst/>
-                          <a:latin typeface="Courier New" panose="02070309020205020404" pitchFamily="49" charset="0"/>
-                        </a:rPr>
-                        <a:t>numpy</a:t>
-                      </a:r>
-                      <a:r>
-                        <a:rPr lang="en-GB" sz="1400" b="0" dirty="0">
-                          <a:solidFill>
-                            <a:srgbClr val="000000"/>
-                          </a:solidFill>
-                          <a:effectLst/>
-                          <a:latin typeface="Courier New" panose="02070309020205020404" pitchFamily="49" charset="0"/>
-                        </a:rPr>
-                        <a:t>())  # </a:t>
-                      </a:r>
-                      <a:r>
-                        <a:rPr lang="en-GB" sz="1400" b="0" dirty="0">
-                          <a:solidFill>
-                            <a:srgbClr val="000000"/>
-                          </a:solidFill>
-                          <a:effectLst/>
-                          <a:highlight>
-                            <a:srgbClr val="FFFF00"/>
-                          </a:highlight>
-                          <a:latin typeface="Courier New" panose="02070309020205020404" pitchFamily="49" charset="0"/>
-                        </a:rPr>
-                        <a:t>(1)</a:t>
-                      </a:r>
-                    </a:p>
-                    <a:p>
-                      <a:br>
-                        <a:rPr lang="en-GB" sz="1400" b="0" dirty="0">
-                          <a:solidFill>
-                            <a:srgbClr val="000000"/>
-                          </a:solidFill>
-                          <a:effectLst/>
-                          <a:latin typeface="Courier New" panose="02070309020205020404" pitchFamily="49" charset="0"/>
-                        </a:rPr>
-                      </a:br>
-                      <a:r>
-                        <a:rPr lang="en-GB" sz="1400" b="0" dirty="0">
-                          <a:solidFill>
-                            <a:srgbClr val="000000"/>
-                          </a:solidFill>
-                          <a:effectLst/>
-                          <a:latin typeface="Courier New" panose="02070309020205020404" pitchFamily="49" charset="0"/>
-                        </a:rPr>
-                        <a:t>    </a:t>
-                      </a:r>
-                      <a:r>
-                        <a:rPr lang="en-GB" sz="1400" b="0" dirty="0">
-                          <a:solidFill>
-                            <a:srgbClr val="AF00DB"/>
-                          </a:solidFill>
-                          <a:effectLst/>
-                          <a:latin typeface="Courier New" panose="02070309020205020404" pitchFamily="49" charset="0"/>
-                        </a:rPr>
-                        <a:t>for</a:t>
-                      </a:r>
-                      <a:r>
-                        <a:rPr lang="en-GB" sz="1400" b="0" dirty="0">
-                          <a:solidFill>
-                            <a:srgbClr val="000000"/>
-                          </a:solidFill>
-                          <a:effectLst/>
-                          <a:latin typeface="Courier New" panose="02070309020205020404" pitchFamily="49" charset="0"/>
-                        </a:rPr>
-                        <a:t> module </a:t>
-                      </a:r>
-                      <a:r>
-                        <a:rPr lang="en-GB" sz="1400" b="0" dirty="0">
-                          <a:solidFill>
-                            <a:srgbClr val="0000FF"/>
-                          </a:solidFill>
-                          <a:effectLst/>
-                          <a:latin typeface="Courier New" panose="02070309020205020404" pitchFamily="49" charset="0"/>
-                        </a:rPr>
-                        <a:t>in</a:t>
-                      </a:r>
-                      <a:r>
-                        <a:rPr lang="en-GB" sz="1400" b="0" dirty="0">
-                          <a:solidFill>
-                            <a:srgbClr val="000000"/>
-                          </a:solidFill>
-                          <a:effectLst/>
-                          <a:latin typeface="Courier New" panose="02070309020205020404" pitchFamily="49" charset="0"/>
-                        </a:rPr>
-                        <a:t> </a:t>
-                      </a:r>
-                      <a:r>
-                        <a:rPr lang="en-GB" sz="1400" b="0" dirty="0" err="1">
-                          <a:solidFill>
-                            <a:srgbClr val="001080"/>
-                          </a:solidFill>
-                          <a:effectLst/>
-                          <a:latin typeface="Courier New" panose="02070309020205020404" pitchFamily="49" charset="0"/>
-                        </a:rPr>
-                        <a:t>self</a:t>
-                      </a:r>
-                      <a:r>
-                        <a:rPr lang="en-GB" sz="1400" b="0" dirty="0" err="1">
-                          <a:solidFill>
-                            <a:srgbClr val="000000"/>
-                          </a:solidFill>
-                          <a:effectLst/>
-                          <a:latin typeface="Courier New" panose="02070309020205020404" pitchFamily="49" charset="0"/>
-                        </a:rPr>
-                        <a:t>.module_list</a:t>
-                      </a:r>
-                      <a:r>
-                        <a:rPr lang="en-GB" sz="1400" b="0" dirty="0">
-                          <a:solidFill>
-                            <a:srgbClr val="000000"/>
-                          </a:solidFill>
-                          <a:effectLst/>
-                          <a:latin typeface="Courier New" panose="02070309020205020404" pitchFamily="49" charset="0"/>
-                        </a:rPr>
-                        <a:t>:</a:t>
-                      </a:r>
-                    </a:p>
-                    <a:p>
-                      <a:r>
-                        <a:rPr lang="en-GB" sz="1400" b="0" dirty="0">
-                          <a:solidFill>
-                            <a:srgbClr val="000000"/>
-                          </a:solidFill>
-                          <a:effectLst/>
-                          <a:latin typeface="Courier New" panose="02070309020205020404" pitchFamily="49" charset="0"/>
-                        </a:rPr>
-                        <a:t>        x = module(x) # </a:t>
-                      </a:r>
-                      <a:r>
-                        <a:rPr lang="en-GB" sz="1400" b="0" dirty="0">
-                          <a:solidFill>
-                            <a:srgbClr val="000000"/>
-                          </a:solidFill>
-                          <a:effectLst/>
-                          <a:highlight>
-                            <a:srgbClr val="FFFF00"/>
-                          </a:highlight>
-                          <a:latin typeface="Courier New" panose="02070309020205020404" pitchFamily="49" charset="0"/>
-                        </a:rPr>
-                        <a:t>(2)</a:t>
-                      </a:r>
-                    </a:p>
-                    <a:p>
-                      <a:r>
-                        <a:rPr lang="en-GB" sz="1400" b="0" dirty="0">
-                          <a:solidFill>
-                            <a:srgbClr val="001080"/>
-                          </a:solidFill>
-                          <a:effectLst/>
-                          <a:latin typeface="Courier New" panose="02070309020205020404" pitchFamily="49" charset="0"/>
-                        </a:rPr>
-                        <a:t>        </a:t>
-                      </a:r>
-                      <a:r>
-                        <a:rPr lang="en-GB" sz="1400" b="0" dirty="0" err="1">
-                          <a:solidFill>
-                            <a:srgbClr val="001080"/>
-                          </a:solidFill>
-                          <a:effectLst/>
-                          <a:latin typeface="Courier New" panose="02070309020205020404" pitchFamily="49" charset="0"/>
-                        </a:rPr>
-                        <a:t>self</a:t>
-                      </a:r>
-                      <a:r>
-                        <a:rPr lang="en-GB" sz="1400" b="0" dirty="0" err="1">
-                          <a:solidFill>
-                            <a:srgbClr val="000000"/>
-                          </a:solidFill>
-                          <a:effectLst/>
-                          <a:latin typeface="Courier New" panose="02070309020205020404" pitchFamily="49" charset="0"/>
-                        </a:rPr>
-                        <a:t>.last_forward_cache.append</a:t>
-                      </a:r>
-                      <a:r>
-                        <a:rPr lang="en-GB" sz="1400" b="0" dirty="0">
-                          <a:solidFill>
-                            <a:srgbClr val="000000"/>
-                          </a:solidFill>
-                          <a:effectLst/>
-                          <a:latin typeface="Courier New" panose="02070309020205020404" pitchFamily="49" charset="0"/>
-                        </a:rPr>
-                        <a:t>(</a:t>
-                      </a:r>
-                      <a:r>
-                        <a:rPr lang="en-GB" sz="1400" b="0" dirty="0" err="1">
-                          <a:solidFill>
-                            <a:srgbClr val="000000"/>
-                          </a:solidFill>
-                          <a:effectLst/>
-                          <a:latin typeface="Courier New" panose="02070309020205020404" pitchFamily="49" charset="0"/>
-                        </a:rPr>
-                        <a:t>x.to</a:t>
-                      </a:r>
-                      <a:r>
-                        <a:rPr lang="en-GB" sz="1400" b="0" dirty="0">
-                          <a:solidFill>
-                            <a:srgbClr val="000000"/>
-                          </a:solidFill>
-                          <a:effectLst/>
-                          <a:latin typeface="Courier New" panose="02070309020205020404" pitchFamily="49" charset="0"/>
-                        </a:rPr>
-                        <a:t>(</a:t>
-                      </a:r>
-                      <a:r>
-                        <a:rPr lang="en-GB" sz="1400" b="0" dirty="0">
-                          <a:solidFill>
-                            <a:srgbClr val="A31515"/>
-                          </a:solidFill>
-                          <a:effectLst/>
-                          <a:latin typeface="Courier New" panose="02070309020205020404" pitchFamily="49" charset="0"/>
-                        </a:rPr>
-                        <a:t>"</a:t>
-                      </a:r>
-                      <a:r>
-                        <a:rPr lang="en-GB" sz="1400" b="0" dirty="0" err="1">
-                          <a:solidFill>
-                            <a:srgbClr val="A31515"/>
-                          </a:solidFill>
-                          <a:effectLst/>
-                          <a:latin typeface="Courier New" panose="02070309020205020404" pitchFamily="49" charset="0"/>
-                        </a:rPr>
-                        <a:t>cpu</a:t>
-                      </a:r>
-                      <a:r>
-                        <a:rPr lang="en-GB" sz="1400" b="0" dirty="0">
-                          <a:solidFill>
-                            <a:srgbClr val="A31515"/>
-                          </a:solidFill>
-                          <a:effectLst/>
-                          <a:latin typeface="Courier New" panose="02070309020205020404" pitchFamily="49" charset="0"/>
-                        </a:rPr>
-                        <a:t>"</a:t>
-                      </a:r>
-                      <a:r>
-                        <a:rPr lang="en-GB" sz="1400" b="0" dirty="0">
-                          <a:solidFill>
-                            <a:srgbClr val="000000"/>
-                          </a:solidFill>
-                          <a:effectLst/>
-                          <a:latin typeface="Courier New" panose="02070309020205020404" pitchFamily="49" charset="0"/>
-                        </a:rPr>
-                        <a:t>).</a:t>
-                      </a:r>
-                      <a:r>
-                        <a:rPr lang="en-GB" sz="1400" b="0" dirty="0" err="1">
-                          <a:solidFill>
-                            <a:srgbClr val="000000"/>
-                          </a:solidFill>
-                          <a:effectLst/>
-                          <a:latin typeface="Courier New" panose="02070309020205020404" pitchFamily="49" charset="0"/>
-                        </a:rPr>
-                        <a:t>data.numpy</a:t>
-                      </a:r>
-                      <a:r>
-                        <a:rPr lang="en-GB" sz="1400" b="0" dirty="0">
-                          <a:solidFill>
-                            <a:srgbClr val="000000"/>
-                          </a:solidFill>
-                          <a:effectLst/>
-                          <a:latin typeface="Courier New" panose="02070309020205020404" pitchFamily="49" charset="0"/>
-                        </a:rPr>
-                        <a:t>())</a:t>
-                      </a:r>
-                    </a:p>
-                    <a:p>
-                      <a:r>
-                        <a:rPr lang="en-GB" sz="1400" b="0" dirty="0">
-                          <a:solidFill>
-                            <a:srgbClr val="000000"/>
-                          </a:solidFill>
-                          <a:effectLst/>
-                          <a:latin typeface="Courier New" panose="02070309020205020404" pitchFamily="49" charset="0"/>
-                        </a:rPr>
-                        <a:t>    </a:t>
-                      </a:r>
-                    </a:p>
-                    <a:p>
-                      <a:r>
-                        <a:rPr lang="en-GB" sz="1400" b="0" dirty="0">
-                          <a:solidFill>
-                            <a:srgbClr val="000000"/>
-                          </a:solidFill>
-                          <a:effectLst/>
-                          <a:latin typeface="Courier New" panose="02070309020205020404" pitchFamily="49" charset="0"/>
-                        </a:rPr>
-                        <a:t>    output = </a:t>
-                      </a:r>
-                      <a:r>
-                        <a:rPr lang="en-GB" sz="1400" b="0" dirty="0" err="1">
-                          <a:solidFill>
-                            <a:srgbClr val="001080"/>
-                          </a:solidFill>
-                          <a:effectLst/>
-                          <a:latin typeface="Courier New" panose="02070309020205020404" pitchFamily="49" charset="0"/>
-                        </a:rPr>
-                        <a:t>self</a:t>
-                      </a:r>
-                      <a:r>
-                        <a:rPr lang="en-GB" sz="1400" b="0" dirty="0" err="1">
-                          <a:solidFill>
-                            <a:srgbClr val="000000"/>
-                          </a:solidFill>
-                          <a:effectLst/>
-                          <a:latin typeface="Courier New" panose="02070309020205020404" pitchFamily="49" charset="0"/>
-                        </a:rPr>
-                        <a:t>.fc_final</a:t>
-                      </a:r>
-                      <a:r>
-                        <a:rPr lang="en-GB" sz="1400" b="0" dirty="0">
-                          <a:solidFill>
-                            <a:srgbClr val="000000"/>
-                          </a:solidFill>
-                          <a:effectLst/>
-                          <a:latin typeface="Courier New" panose="02070309020205020404" pitchFamily="49" charset="0"/>
-                        </a:rPr>
-                        <a:t>(x)</a:t>
-                      </a:r>
-                    </a:p>
-                    <a:p>
-                      <a:r>
-                        <a:rPr lang="en-GB" sz="1400" b="0" dirty="0">
-                          <a:solidFill>
-                            <a:srgbClr val="001080"/>
-                          </a:solidFill>
-                          <a:effectLst/>
-                          <a:latin typeface="Courier New" panose="02070309020205020404" pitchFamily="49" charset="0"/>
-                        </a:rPr>
-                        <a:t>    </a:t>
-                      </a:r>
-                      <a:r>
-                        <a:rPr lang="en-GB" sz="1400" b="0" dirty="0" err="1">
-                          <a:solidFill>
-                            <a:srgbClr val="001080"/>
-                          </a:solidFill>
-                          <a:effectLst/>
-                          <a:latin typeface="Courier New" panose="02070309020205020404" pitchFamily="49" charset="0"/>
-                        </a:rPr>
-                        <a:t>self</a:t>
-                      </a:r>
-                      <a:r>
-                        <a:rPr lang="en-GB" sz="1400" b="0" dirty="0" err="1">
-                          <a:solidFill>
-                            <a:srgbClr val="000000"/>
-                          </a:solidFill>
-                          <a:effectLst/>
-                          <a:latin typeface="Courier New" panose="02070309020205020404" pitchFamily="49" charset="0"/>
-                        </a:rPr>
-                        <a:t>.last_forward_cache.append</a:t>
-                      </a:r>
-                      <a:r>
-                        <a:rPr lang="en-GB" sz="1400" b="0" dirty="0">
-                          <a:solidFill>
-                            <a:srgbClr val="000000"/>
-                          </a:solidFill>
-                          <a:effectLst/>
-                          <a:latin typeface="Courier New" panose="02070309020205020404" pitchFamily="49" charset="0"/>
-                        </a:rPr>
-                        <a:t>(</a:t>
-                      </a:r>
-                      <a:r>
-                        <a:rPr lang="en-GB" sz="1400" b="0" dirty="0" err="1">
-                          <a:solidFill>
-                            <a:srgbClr val="000000"/>
-                          </a:solidFill>
-                          <a:effectLst/>
-                          <a:latin typeface="Courier New" panose="02070309020205020404" pitchFamily="49" charset="0"/>
-                        </a:rPr>
-                        <a:t>output.to</a:t>
-                      </a:r>
-                      <a:r>
-                        <a:rPr lang="en-GB" sz="1400" b="0" dirty="0">
-                          <a:solidFill>
-                            <a:srgbClr val="000000"/>
-                          </a:solidFill>
-                          <a:effectLst/>
-                          <a:latin typeface="Courier New" panose="02070309020205020404" pitchFamily="49" charset="0"/>
-                        </a:rPr>
-                        <a:t>(</a:t>
-                      </a:r>
-                      <a:r>
-                        <a:rPr lang="en-GB" sz="1400" b="0" dirty="0">
-                          <a:solidFill>
-                            <a:srgbClr val="A31515"/>
-                          </a:solidFill>
-                          <a:effectLst/>
-                          <a:latin typeface="Courier New" panose="02070309020205020404" pitchFamily="49" charset="0"/>
-                        </a:rPr>
-                        <a:t>"</a:t>
-                      </a:r>
-                      <a:r>
-                        <a:rPr lang="en-GB" sz="1400" b="0" dirty="0" err="1">
-                          <a:solidFill>
-                            <a:srgbClr val="A31515"/>
-                          </a:solidFill>
-                          <a:effectLst/>
-                          <a:latin typeface="Courier New" panose="02070309020205020404" pitchFamily="49" charset="0"/>
-                        </a:rPr>
-                        <a:t>cpu</a:t>
-                      </a:r>
-                      <a:r>
-                        <a:rPr lang="en-GB" sz="1400" b="0" dirty="0">
-                          <a:solidFill>
-                            <a:srgbClr val="A31515"/>
-                          </a:solidFill>
-                          <a:effectLst/>
-                          <a:latin typeface="Courier New" panose="02070309020205020404" pitchFamily="49" charset="0"/>
-                        </a:rPr>
-                        <a:t>"</a:t>
-                      </a:r>
-                      <a:r>
-                        <a:rPr lang="en-GB" sz="1400" b="0" dirty="0">
-                          <a:solidFill>
-                            <a:srgbClr val="000000"/>
-                          </a:solidFill>
-                          <a:effectLst/>
-                          <a:latin typeface="Courier New" panose="02070309020205020404" pitchFamily="49" charset="0"/>
-                        </a:rPr>
-                        <a:t>).</a:t>
-                      </a:r>
-                      <a:r>
-                        <a:rPr lang="en-GB" sz="1400" b="0" dirty="0" err="1">
-                          <a:solidFill>
-                            <a:srgbClr val="000000"/>
-                          </a:solidFill>
-                          <a:effectLst/>
-                          <a:latin typeface="Courier New" panose="02070309020205020404" pitchFamily="49" charset="0"/>
-                        </a:rPr>
-                        <a:t>data.numpy</a:t>
-                      </a:r>
-                      <a:r>
-                        <a:rPr lang="en-GB" sz="1400" b="0" dirty="0">
-                          <a:solidFill>
-                            <a:srgbClr val="000000"/>
-                          </a:solidFill>
-                          <a:effectLst/>
-                          <a:latin typeface="Courier New" panose="02070309020205020404" pitchFamily="49" charset="0"/>
-                        </a:rPr>
-                        <a:t>()) # </a:t>
-                      </a:r>
-                      <a:r>
-                        <a:rPr lang="en-GB" sz="1400" b="0" dirty="0">
-                          <a:solidFill>
-                            <a:srgbClr val="000000"/>
-                          </a:solidFill>
-                          <a:effectLst/>
-                          <a:highlight>
-                            <a:srgbClr val="FFFF00"/>
-                          </a:highlight>
-                          <a:latin typeface="Courier New" panose="02070309020205020404" pitchFamily="49" charset="0"/>
-                        </a:rPr>
-                        <a:t>(3)</a:t>
-                      </a:r>
-                    </a:p>
-                    <a:p>
-                      <a:br>
-                        <a:rPr lang="en-GB" sz="1400" b="0" dirty="0">
-                          <a:solidFill>
-                            <a:srgbClr val="000000"/>
-                          </a:solidFill>
-                          <a:effectLst/>
-                          <a:latin typeface="Courier New" panose="02070309020205020404" pitchFamily="49" charset="0"/>
-                        </a:rPr>
-                      </a:br>
-                      <a:r>
-                        <a:rPr lang="en-GB" sz="1400" b="0" dirty="0">
-                          <a:solidFill>
-                            <a:srgbClr val="000000"/>
-                          </a:solidFill>
-                          <a:effectLst/>
-                          <a:latin typeface="Courier New" panose="02070309020205020404" pitchFamily="49" charset="0"/>
-                        </a:rPr>
-                        <a:t>    </a:t>
-                      </a:r>
-                      <a:r>
-                        <a:rPr lang="en-GB" sz="1400" b="0" dirty="0">
-                          <a:solidFill>
-                            <a:srgbClr val="AF00DB"/>
-                          </a:solidFill>
-                          <a:effectLst/>
-                          <a:latin typeface="Courier New" panose="02070309020205020404" pitchFamily="49" charset="0"/>
-                        </a:rPr>
-                        <a:t>if</a:t>
-                      </a:r>
-                      <a:r>
-                        <a:rPr lang="en-GB" sz="1400" b="0" dirty="0">
-                          <a:solidFill>
-                            <a:srgbClr val="000000"/>
-                          </a:solidFill>
-                          <a:effectLst/>
-                          <a:latin typeface="Courier New" panose="02070309020205020404" pitchFamily="49" charset="0"/>
-                        </a:rPr>
-                        <a:t> </a:t>
-                      </a:r>
-                      <a:r>
-                        <a:rPr lang="en-GB" sz="1400" b="0" dirty="0" err="1">
-                          <a:solidFill>
-                            <a:srgbClr val="000000"/>
-                          </a:solidFill>
-                          <a:effectLst/>
-                          <a:latin typeface="Courier New" panose="02070309020205020404" pitchFamily="49" charset="0"/>
-                        </a:rPr>
-                        <a:t>apply_softmax</a:t>
-                      </a:r>
-                      <a:r>
-                        <a:rPr lang="en-GB" sz="1400" b="0" dirty="0">
-                          <a:solidFill>
-                            <a:srgbClr val="000000"/>
-                          </a:solidFill>
-                          <a:effectLst/>
-                          <a:latin typeface="Courier New" panose="02070309020205020404" pitchFamily="49" charset="0"/>
-                        </a:rPr>
-                        <a:t>:</a:t>
-                      </a:r>
-                    </a:p>
-                    <a:p>
-                      <a:r>
-                        <a:rPr lang="en-GB" sz="1400" b="0" dirty="0">
-                          <a:solidFill>
-                            <a:srgbClr val="000000"/>
-                          </a:solidFill>
-                          <a:effectLst/>
-                          <a:latin typeface="Courier New" panose="02070309020205020404" pitchFamily="49" charset="0"/>
-                        </a:rPr>
-                        <a:t>        output = </a:t>
-                      </a:r>
-                      <a:r>
-                        <a:rPr lang="en-GB" sz="1400" b="0" dirty="0" err="1">
-                          <a:solidFill>
-                            <a:srgbClr val="000000"/>
-                          </a:solidFill>
-                          <a:effectLst/>
-                          <a:latin typeface="Courier New" panose="02070309020205020404" pitchFamily="49" charset="0"/>
-                        </a:rPr>
-                        <a:t>F.softmax</a:t>
-                      </a:r>
-                      <a:r>
-                        <a:rPr lang="en-GB" sz="1400" b="0" dirty="0">
-                          <a:solidFill>
-                            <a:srgbClr val="000000"/>
-                          </a:solidFill>
-                          <a:effectLst/>
-                          <a:latin typeface="Courier New" panose="02070309020205020404" pitchFamily="49" charset="0"/>
-                        </a:rPr>
-                        <a:t>(output, dim=</a:t>
-                      </a:r>
-                      <a:r>
-                        <a:rPr lang="en-GB" sz="1400" b="0" dirty="0">
-                          <a:solidFill>
-                            <a:srgbClr val="09885A"/>
-                          </a:solidFill>
-                          <a:effectLst/>
-                          <a:latin typeface="Courier New" panose="02070309020205020404" pitchFamily="49" charset="0"/>
-                        </a:rPr>
-                        <a:t>1</a:t>
-                      </a:r>
-                      <a:r>
-                        <a:rPr lang="en-GB" sz="1400" b="0" dirty="0">
-                          <a:solidFill>
-                            <a:srgbClr val="000000"/>
-                          </a:solidFill>
-                          <a:effectLst/>
-                          <a:latin typeface="Courier New" panose="02070309020205020404" pitchFamily="49" charset="0"/>
-                        </a:rPr>
-                        <a:t>)  # </a:t>
-                      </a:r>
-                      <a:r>
-                        <a:rPr lang="en-GB" sz="1400" b="0" dirty="0">
-                          <a:solidFill>
-                            <a:srgbClr val="000000"/>
-                          </a:solidFill>
-                          <a:effectLst/>
-                          <a:highlight>
-                            <a:srgbClr val="FFFF00"/>
-                          </a:highlight>
-                          <a:latin typeface="Courier New" panose="02070309020205020404" pitchFamily="49" charset="0"/>
-                        </a:rPr>
-                        <a:t>(4)</a:t>
-                      </a:r>
-                    </a:p>
-                    <a:p>
-                      <a:br>
-                        <a:rPr lang="en-GB" sz="1400" b="0" dirty="0">
-                          <a:solidFill>
-                            <a:srgbClr val="000000"/>
-                          </a:solidFill>
-                          <a:effectLst/>
-                          <a:latin typeface="Courier New" panose="02070309020205020404" pitchFamily="49" charset="0"/>
-                        </a:rPr>
-                      </a:br>
-                      <a:r>
-                        <a:rPr lang="en-GB" sz="1400" b="0" dirty="0">
-                          <a:solidFill>
-                            <a:srgbClr val="000000"/>
-                          </a:solidFill>
-                          <a:effectLst/>
-                          <a:latin typeface="Courier New" panose="02070309020205020404" pitchFamily="49" charset="0"/>
-                        </a:rPr>
-                        <a:t>    </a:t>
-                      </a:r>
-                      <a:r>
-                        <a:rPr lang="en-GB" sz="1400" b="0" dirty="0">
-                          <a:solidFill>
-                            <a:srgbClr val="AF00DB"/>
-                          </a:solidFill>
-                          <a:effectLst/>
-                          <a:latin typeface="Courier New" panose="02070309020205020404" pitchFamily="49" charset="0"/>
-                        </a:rPr>
-                        <a:t>return</a:t>
-                      </a:r>
-                      <a:r>
-                        <a:rPr lang="en-GB" sz="1400" b="0" dirty="0">
-                          <a:solidFill>
-                            <a:srgbClr val="000000"/>
-                          </a:solidFill>
-                          <a:effectLst/>
-                          <a:latin typeface="Courier New" panose="02070309020205020404" pitchFamily="49" charset="0"/>
-                        </a:rPr>
-                        <a:t> output</a:t>
-                      </a:r>
-                      <a:endParaRPr lang="en-GB" sz="2000" b="0" dirty="0">
-                        <a:solidFill>
-                          <a:srgbClr val="000000"/>
-                        </a:solidFill>
-                        <a:effectLst/>
-                        <a:latin typeface="Courier New" panose="02070309020205020404" pitchFamily="49" charset="0"/>
-                      </a:endParaRPr>
-                    </a:p>
-                  </a:txBody>
-                  <a:tcPr>
-                    <a:lnL w="9525" cap="flat" cmpd="sng" algn="ctr">
-                      <a:solidFill>
-                        <a:schemeClr val="accent1"/>
-                      </a:solidFill>
-                      <a:prstDash val="solid"/>
-                      <a:round/>
-                      <a:headEnd type="none" w="med" len="med"/>
-                      <a:tailEnd type="none" w="med" len="med"/>
-                    </a:lnL>
-                    <a:lnR w="9525" cap="flat" cmpd="sng" algn="ctr">
-                      <a:solidFill>
-                        <a:schemeClr val="accent1"/>
-                      </a:solidFill>
-                      <a:prstDash val="solid"/>
-                      <a:round/>
-                      <a:headEnd type="none" w="med" len="med"/>
-                      <a:tailEnd type="none" w="med" len="med"/>
-                    </a:lnR>
-                    <a:lnT w="12700" cap="flat" cmpd="sng" algn="ctr">
-                      <a:noFill/>
-                      <a:prstDash val="solid"/>
-                      <a:round/>
-                      <a:headEnd type="none" w="med" len="med"/>
-                      <a:tailEnd type="none" w="med" len="med"/>
-                    </a:lnT>
-                    <a:lnB w="9525" cap="flat" cmpd="sng" algn="ctr">
-                      <a:solidFill>
-                        <a:schemeClr val="accent1"/>
-                      </a:solidFill>
-                      <a:prstDash val="solid"/>
-                      <a:round/>
-                      <a:headEnd type="none" w="med" len="med"/>
-                      <a:tailEnd type="none" w="med" len="med"/>
-                    </a:lnB>
-                    <a:solidFill>
-                      <a:schemeClr val="bg1">
-                        <a:lumMod val="95000"/>
-                      </a:schemeClr>
-                    </a:solidFill>
-                  </a:tcPr>
-                </a:tc>
-                <a:extLst>
-                  <a:ext uri="{0D108BD9-81ED-4DB2-BD59-A6C34878D82A}">
-                    <a16:rowId xmlns:a16="http://schemas.microsoft.com/office/drawing/2014/main" val="2014089395"/>
-                  </a:ext>
-                </a:extLst>
-              </a:tr>
-            </a:tbl>
-          </a:graphicData>
-        </a:graphic>
-      </p:graphicFrame>
+        </p:nvSpPr>
+        <p:spPr/>
+        <p:txBody>
+          <a:bodyPr/>
+          <a:lstStyle/>
+          <a:p>
+            <a:pPr marL="457200" indent="-457200">
+              <a:buFont typeface="+mj-lt"/>
+              <a:buAutoNum type="arabicPeriod"/>
+            </a:pPr>
+            <a:r>
+              <a:rPr lang="en-US"/>
+              <a:t>Preprocessing</a:t>
+            </a:r>
+            <a:endParaRPr lang="en-US" dirty="0"/>
+          </a:p>
+        </p:txBody>
+      </p:sp>
     </p:spTree>
-    <p:extLst>
-      <p:ext uri="{BB962C8B-B14F-4D97-AF65-F5344CB8AC3E}">
-        <p14:creationId xmlns:p14="http://schemas.microsoft.com/office/powerpoint/2010/main" val="3907678775"/>
-      </p:ext>
-    </p:extLst>
   </p:cSld>
   <p:clrMapOvr>
     <a:masterClrMapping/>
@@ -4740,7 +3607,7 @@
 </p:sld>
 </file>
 
-<file path=ppt/slides/slide11.xml><?xml version="1.0" encoding="utf-8"?>
+<file path=ppt/slides/slide3.xml><?xml version="1.0" encoding="utf-8"?>
 <p:sld xmlns:a="http://schemas.openxmlformats.org/drawingml/2006/main" xmlns:r="http://schemas.openxmlformats.org/officeDocument/2006/relationships" xmlns:p="http://schemas.openxmlformats.org/presentationml/2006/main">
   <p:cSld>
     <p:spTree>
@@ -4767,14 +3634,19 @@
             <p:ph type="title"/>
           </p:nvPr>
         </p:nvSpPr>
-        <p:spPr/>
+        <p:spPr>
+          <a:xfrm>
+            <a:off x="-2631" y="0"/>
+            <a:ext cx="9144000" cy="500042"/>
+          </a:xfrm>
+        </p:spPr>
         <p:txBody>
           <a:bodyPr/>
           <a:lstStyle/>
           <a:p>
             <a:r>
               <a:rPr lang="en-US" dirty="0"/>
-              <a:t>The Multilayer Perceptron</a:t>
+              <a:t>Preprocessing</a:t>
             </a:r>
           </a:p>
         </p:txBody>
@@ -4794,14 +3666,14 @@
           <p:nvPr>
             <p:extLst>
               <p:ext uri="{D42A27DB-BD31-4B8C-83A1-F6EECF244321}">
-                <p14:modId xmlns:p14="http://schemas.microsoft.com/office/powerpoint/2010/main" val="3829547738"/>
+                <p14:modId xmlns:p14="http://schemas.microsoft.com/office/powerpoint/2010/main" val="4230457498"/>
               </p:ext>
             </p:extLst>
           </p:nvPr>
         </p:nvGraphicFramePr>
         <p:xfrm>
           <a:off x="179512" y="548680"/>
-          <a:ext cx="8640960" cy="3383280"/>
+          <a:ext cx="8640960" cy="3779520"/>
         </p:xfrm>
         <a:graphic>
           <a:graphicData uri="http://schemas.openxmlformats.org/drawingml/2006/table">
@@ -4824,56 +3696,42 @@
                     <a:bodyPr/>
                     <a:lstStyle/>
                     <a:p>
-                      <a:r>
-                        <a:rPr lang="hr-HR" sz="1800" b="0" noProof="1">
-                          <a:ln>
-                            <a:solidFill>
-                              <a:schemeClr val="tx1"/>
-                            </a:solidFill>
-                          </a:ln>
-                          <a:solidFill>
-                            <a:schemeClr val="tx1"/>
-                          </a:solidFill>
-                          <a:latin typeface="+mn-lt"/>
-                        </a:rPr>
-                        <a:t>Multilayer perceptron with 1 hidden layer</a:t>
-                      </a:r>
-                      <a:endParaRPr lang="es-ES_tradnl" sz="1800" b="0" noProof="1">
-                        <a:ln>
-                          <a:solidFill>
-                            <a:schemeClr val="tx1"/>
-                          </a:solidFill>
-                        </a:ln>
-                        <a:solidFill>
-                          <a:schemeClr val="tx1"/>
-                        </a:solidFill>
-                        <a:latin typeface="+mn-lt"/>
-                        <a:cs typeface="Courier New" pitchFamily="49" charset="0"/>
-                      </a:endParaRPr>
-                    </a:p>
-                    <a:p>
-                      <a:endParaRPr lang="es-ES_tradnl" sz="1800" noProof="1">
-                        <a:latin typeface="+mn-lt"/>
-                        <a:cs typeface="Courier New" pitchFamily="49" charset="0"/>
-                      </a:endParaRPr>
+                      <a:pPr marL="0" marR="0" lvl="0" indent="0" algn="l" defTabSz="914400" rtl="0" eaLnBrk="1" fontAlgn="auto" latinLnBrk="0" hangingPunct="1">
+                        <a:lnSpc>
+                          <a:spcPct val="100000"/>
+                        </a:lnSpc>
+                        <a:spcBef>
+                          <a:spcPts val="0"/>
+                        </a:spcBef>
+                        <a:spcAft>
+                          <a:spcPts val="0"/>
+                        </a:spcAft>
+                        <a:buClrTx/>
+                        <a:buSzTx/>
+                        <a:buFontTx/>
+                        <a:buNone/>
+                        <a:tabLst/>
+                        <a:defRPr/>
+                      </a:pPr>
+                      <a:endParaRPr lang="en-US" sz="1600" b="0" dirty="0"/>
                     </a:p>
                   </a:txBody>
                   <a:tcPr>
-                    <a:lnL w="9525" cap="flat" cmpd="sng" algn="ctr">
+                    <a:lnL w="12700" cap="flat" cmpd="sng" algn="ctr">
                       <a:noFill/>
                       <a:prstDash val="solid"/>
                       <a:round/>
                       <a:headEnd type="none" w="med" len="med"/>
                       <a:tailEnd type="none" w="med" len="med"/>
                     </a:lnL>
-                    <a:lnR w="9525" cap="flat" cmpd="sng" algn="ctr">
+                    <a:lnR w="12700" cap="flat" cmpd="sng" algn="ctr">
                       <a:noFill/>
                       <a:prstDash val="solid"/>
                       <a:round/>
                       <a:headEnd type="none" w="med" len="med"/>
                       <a:tailEnd type="none" w="med" len="med"/>
                     </a:lnR>
-                    <a:lnT w="9525" cap="flat" cmpd="sng" algn="ctr">
+                    <a:lnT w="12700" cap="flat" cmpd="sng" algn="ctr">
                       <a:noFill/>
                       <a:prstDash val="solid"/>
                       <a:round/>
@@ -4889,6 +3747,14 @@
                       <a:headEnd type="none" w="med" len="med"/>
                       <a:tailEnd type="none" w="med" len="med"/>
                     </a:lnB>
+                    <a:lnTlToBr w="12700" cmpd="sng">
+                      <a:noFill/>
+                      <a:prstDash val="solid"/>
+                    </a:lnTlToBr>
+                    <a:lnBlToTr w="12700" cmpd="sng">
+                      <a:noFill/>
+                      <a:prstDash val="solid"/>
+                    </a:lnBlToTr>
                     <a:noFill/>
                   </a:tcPr>
                 </a:tc>
@@ -4904,270 +3770,205 @@
                     <a:bodyPr/>
                     <a:lstStyle/>
                     <a:p>
-                      <a:pPr algn="l"/>
-                      <a:r>
-                        <a:rPr lang="en-GB" sz="1400" b="0" i="0" u="none" strike="noStrike" dirty="0" err="1">
-                          <a:solidFill>
-                            <a:srgbClr val="000000"/>
-                          </a:solidFill>
-                          <a:effectLst/>
-                          <a:latin typeface="Courier New" panose="02070309020205020404" pitchFamily="49" charset="0"/>
-                        </a:rPr>
-                        <a:t>mlp</a:t>
-                      </a:r>
-                      <a:r>
-                        <a:rPr lang="en-GB" sz="1400" b="0" i="0" u="none" strike="noStrike" dirty="0">
-                          <a:solidFill>
-                            <a:srgbClr val="000000"/>
-                          </a:solidFill>
-                          <a:effectLst/>
-                          <a:latin typeface="Courier New" panose="02070309020205020404" pitchFamily="49" charset="0"/>
-                        </a:rPr>
-                        <a:t> = </a:t>
-                      </a:r>
-                      <a:r>
-                        <a:rPr lang="en-GB" sz="1400" b="0" i="0" u="none" strike="noStrike" dirty="0" err="1">
-                          <a:solidFill>
-                            <a:srgbClr val="000000"/>
-                          </a:solidFill>
-                          <a:effectLst/>
-                          <a:latin typeface="Courier New" panose="02070309020205020404" pitchFamily="49" charset="0"/>
-                        </a:rPr>
-                        <a:t>MultilayerPerceptron</a:t>
-                      </a:r>
-                      <a:r>
-                        <a:rPr lang="en-GB" sz="1400" b="0" i="0" u="none" strike="noStrike" dirty="0">
-                          <a:solidFill>
-                            <a:srgbClr val="000000"/>
-                          </a:solidFill>
-                          <a:effectLst/>
-                          <a:latin typeface="Courier New" panose="02070309020205020404" pitchFamily="49" charset="0"/>
-                        </a:rPr>
-                        <a:t>(</a:t>
-                      </a:r>
-                      <a:r>
-                        <a:rPr lang="en-GB" sz="1400" b="0" i="0" u="none" strike="noStrike" dirty="0" err="1">
-                          <a:solidFill>
-                            <a:srgbClr val="000000"/>
-                          </a:solidFill>
-                          <a:effectLst/>
-                          <a:latin typeface="Courier New" panose="02070309020205020404" pitchFamily="49" charset="0"/>
-                        </a:rPr>
-                        <a:t>input_size</a:t>
-                      </a:r>
-                      <a:r>
-                        <a:rPr lang="en-GB" sz="1400" b="0" i="0" u="none" strike="noStrike" dirty="0">
-                          <a:solidFill>
-                            <a:srgbClr val="000000"/>
-                          </a:solidFill>
-                          <a:effectLst/>
-                          <a:latin typeface="Courier New" panose="02070309020205020404" pitchFamily="49" charset="0"/>
-                        </a:rPr>
-                        <a:t>=</a:t>
-                      </a:r>
-                      <a:r>
-                        <a:rPr lang="en-GB" sz="1400" b="0" i="0" u="none" strike="noStrike" dirty="0">
-                          <a:solidFill>
-                            <a:srgbClr val="09885A"/>
-                          </a:solidFill>
-                          <a:effectLst/>
-                          <a:latin typeface="Courier New" panose="02070309020205020404" pitchFamily="49" charset="0"/>
-                        </a:rPr>
-                        <a:t>2</a:t>
-                      </a:r>
-                      <a:r>
-                        <a:rPr lang="en-GB" sz="1400" b="0" i="0" u="none" strike="noStrike" dirty="0">
-                          <a:solidFill>
-                            <a:srgbClr val="000000"/>
-                          </a:solidFill>
-                          <a:effectLst/>
-                          <a:latin typeface="Courier New" panose="02070309020205020404" pitchFamily="49" charset="0"/>
-                        </a:rPr>
-                        <a:t>, </a:t>
-                      </a:r>
-                    </a:p>
-                    <a:p>
-                      <a:pPr algn="l"/>
-                      <a:r>
-                        <a:rPr lang="en-GB" sz="1400" b="0" i="0" u="none" strike="noStrike" dirty="0">
-                          <a:solidFill>
-                            <a:srgbClr val="000000"/>
-                          </a:solidFill>
-                          <a:effectLst/>
-                          <a:latin typeface="Courier New" panose="02070309020205020404" pitchFamily="49" charset="0"/>
-                        </a:rPr>
-                        <a:t>                           </a:t>
-                      </a:r>
-                      <a:r>
-                        <a:rPr lang="en-GB" sz="1400" b="0" i="0" u="none" strike="noStrike" dirty="0" err="1">
-                          <a:solidFill>
-                            <a:srgbClr val="000000"/>
-                          </a:solidFill>
-                          <a:effectLst/>
-                          <a:latin typeface="Courier New" panose="02070309020205020404" pitchFamily="49" charset="0"/>
-                        </a:rPr>
-                        <a:t>hidden_size</a:t>
-                      </a:r>
-                      <a:r>
-                        <a:rPr lang="en-GB" sz="1400" b="0" i="0" u="none" strike="noStrike" dirty="0">
-                          <a:solidFill>
-                            <a:srgbClr val="000000"/>
-                          </a:solidFill>
-                          <a:effectLst/>
-                          <a:latin typeface="Courier New" panose="02070309020205020404" pitchFamily="49" charset="0"/>
-                        </a:rPr>
-                        <a:t>=</a:t>
-                      </a:r>
-                      <a:r>
-                        <a:rPr lang="en-GB" sz="1400" b="0" i="0" u="none" strike="noStrike" dirty="0">
-                          <a:solidFill>
-                            <a:srgbClr val="09885A"/>
-                          </a:solidFill>
-                          <a:effectLst/>
-                          <a:latin typeface="Courier New" panose="02070309020205020404" pitchFamily="49" charset="0"/>
-                        </a:rPr>
-                        <a:t>2</a:t>
-                      </a:r>
-                      <a:r>
-                        <a:rPr lang="en-GB" sz="1400" b="0" i="0" u="none" strike="noStrike" dirty="0">
-                          <a:solidFill>
-                            <a:srgbClr val="000000"/>
-                          </a:solidFill>
-                          <a:effectLst/>
-                          <a:latin typeface="Courier New" panose="02070309020205020404" pitchFamily="49" charset="0"/>
-                        </a:rPr>
-                        <a:t>, </a:t>
-                      </a:r>
-                    </a:p>
-                    <a:p>
-                      <a:pPr algn="l"/>
-                      <a:r>
-                        <a:rPr lang="en-GB" sz="1400" b="0" i="0" u="none" strike="noStrike" dirty="0">
-                          <a:solidFill>
-                            <a:srgbClr val="000000"/>
-                          </a:solidFill>
-                          <a:effectLst/>
-                          <a:latin typeface="Courier New" panose="02070309020205020404" pitchFamily="49" charset="0"/>
-                        </a:rPr>
-                        <a:t>                           </a:t>
-                      </a:r>
-                      <a:r>
-                        <a:rPr lang="en-GB" sz="1400" b="0" i="0" u="none" strike="noStrike" dirty="0" err="1">
-                          <a:solidFill>
-                            <a:srgbClr val="000000"/>
-                          </a:solidFill>
-                          <a:effectLst/>
-                          <a:latin typeface="Courier New" panose="02070309020205020404" pitchFamily="49" charset="0"/>
-                        </a:rPr>
-                        <a:t>num_hidden_layers</a:t>
-                      </a:r>
-                      <a:r>
-                        <a:rPr lang="en-GB" sz="1400" b="0" i="0" u="none" strike="noStrike" dirty="0">
-                          <a:solidFill>
-                            <a:srgbClr val="000000"/>
-                          </a:solidFill>
-                          <a:effectLst/>
-                          <a:latin typeface="Courier New" panose="02070309020205020404" pitchFamily="49" charset="0"/>
-                        </a:rPr>
-                        <a:t>=</a:t>
-                      </a:r>
-                      <a:r>
-                        <a:rPr lang="en-GB" sz="1400" b="0" i="0" u="none" strike="noStrike" dirty="0">
-                          <a:solidFill>
-                            <a:srgbClr val="09885A"/>
-                          </a:solidFill>
-                          <a:effectLst/>
-                          <a:latin typeface="Courier New" panose="02070309020205020404" pitchFamily="49" charset="0"/>
-                        </a:rPr>
-                        <a:t>1</a:t>
-                      </a:r>
-                      <a:r>
-                        <a:rPr lang="en-GB" sz="1400" b="0" i="0" u="none" strike="noStrike" dirty="0">
-                          <a:solidFill>
-                            <a:srgbClr val="000000"/>
-                          </a:solidFill>
-                          <a:effectLst/>
-                          <a:latin typeface="Courier New" panose="02070309020205020404" pitchFamily="49" charset="0"/>
-                        </a:rPr>
-                        <a:t>, </a:t>
-                      </a:r>
-                    </a:p>
-                    <a:p>
-                      <a:pPr algn="l"/>
-                      <a:r>
-                        <a:rPr lang="en-GB" sz="1400" b="0" i="0" u="none" strike="noStrike" dirty="0">
-                          <a:solidFill>
-                            <a:srgbClr val="000000"/>
-                          </a:solidFill>
-                          <a:effectLst/>
-                          <a:latin typeface="Courier New" panose="02070309020205020404" pitchFamily="49" charset="0"/>
-                        </a:rPr>
-                        <a:t>                           </a:t>
-                      </a:r>
-                      <a:r>
-                        <a:rPr lang="en-GB" sz="1400" b="0" i="0" u="none" strike="noStrike" dirty="0" err="1">
-                          <a:solidFill>
-                            <a:srgbClr val="000000"/>
-                          </a:solidFill>
-                          <a:effectLst/>
-                          <a:latin typeface="Courier New" panose="02070309020205020404" pitchFamily="49" charset="0"/>
-                        </a:rPr>
-                        <a:t>output_size</a:t>
-                      </a:r>
-                      <a:r>
-                        <a:rPr lang="en-GB" sz="1400" b="0" i="0" u="none" strike="noStrike" dirty="0">
-                          <a:solidFill>
-                            <a:srgbClr val="000000"/>
-                          </a:solidFill>
-                          <a:effectLst/>
-                          <a:latin typeface="Courier New" panose="02070309020205020404" pitchFamily="49" charset="0"/>
-                        </a:rPr>
-                        <a:t>=</a:t>
-                      </a:r>
-                      <a:r>
-                        <a:rPr lang="en-GB" sz="1400" b="0" i="0" u="none" strike="noStrike" dirty="0">
-                          <a:solidFill>
-                            <a:srgbClr val="09885A"/>
-                          </a:solidFill>
-                          <a:effectLst/>
-                          <a:latin typeface="Courier New" panose="02070309020205020404" pitchFamily="49" charset="0"/>
-                        </a:rPr>
-                        <a:t>2</a:t>
-                      </a:r>
-                      <a:r>
-                        <a:rPr lang="en-GB" sz="1400" b="0" i="0" u="none" strike="noStrike" dirty="0">
-                          <a:solidFill>
-                            <a:srgbClr val="000000"/>
-                          </a:solidFill>
-                          <a:effectLst/>
-                          <a:latin typeface="Courier New" panose="02070309020205020404" pitchFamily="49" charset="0"/>
-                        </a:rPr>
-                        <a:t>)</a:t>
-                      </a:r>
-                    </a:p>
-                    <a:p>
-                      <a:pPr algn="l"/>
-                      <a:r>
-                        <a:rPr lang="en-GB" sz="1400" b="0" i="0" u="none" strike="noStrike" dirty="0" err="1">
-                          <a:solidFill>
-                            <a:srgbClr val="000000"/>
-                          </a:solidFill>
-                          <a:effectLst/>
-                          <a:latin typeface="Courier New" panose="02070309020205020404" pitchFamily="49" charset="0"/>
-                        </a:rPr>
-                        <a:t>mlp</a:t>
-                      </a:r>
-                      <a:endParaRPr lang="en-GB" sz="1400" b="0" i="0" u="none" strike="noStrike" dirty="0">
-                        <a:solidFill>
-                          <a:srgbClr val="000000"/>
-                        </a:solidFill>
-                        <a:effectLst/>
-                        <a:latin typeface="Courier New" panose="02070309020205020404" pitchFamily="49" charset="0"/>
-                      </a:endParaRPr>
+                      <a:r>
+                        <a:rPr lang="en-GB" sz="1600" b="0" dirty="0">
+                          <a:solidFill>
+                            <a:srgbClr val="AF00DB"/>
+                          </a:solidFill>
+                          <a:effectLst/>
+                          <a:latin typeface="Courier New" panose="02070309020205020404" pitchFamily="49" charset="0"/>
+                        </a:rPr>
+                        <a:t>import</a:t>
+                      </a:r>
+                      <a:r>
+                        <a:rPr lang="en-GB" sz="1600" b="0" dirty="0">
+                          <a:solidFill>
+                            <a:srgbClr val="000000"/>
+                          </a:solidFill>
+                          <a:effectLst/>
+                          <a:latin typeface="Courier New" panose="02070309020205020404" pitchFamily="49" charset="0"/>
+                        </a:rPr>
+                        <a:t> collections</a:t>
+                      </a:r>
+                    </a:p>
+                    <a:p>
+                      <a:r>
+                        <a:rPr lang="en-GB" sz="1600" b="0" dirty="0">
+                          <a:solidFill>
+                            <a:srgbClr val="AF00DB"/>
+                          </a:solidFill>
+                          <a:effectLst/>
+                          <a:latin typeface="Courier New" panose="02070309020205020404" pitchFamily="49" charset="0"/>
+                        </a:rPr>
+                        <a:t>import</a:t>
+                      </a:r>
+                      <a:r>
+                        <a:rPr lang="en-GB" sz="1600" b="0" dirty="0">
+                          <a:solidFill>
+                            <a:srgbClr val="000000"/>
+                          </a:solidFill>
+                          <a:effectLst/>
+                          <a:latin typeface="Courier New" panose="02070309020205020404" pitchFamily="49" charset="0"/>
+                        </a:rPr>
+                        <a:t> </a:t>
+                      </a:r>
+                      <a:r>
+                        <a:rPr lang="en-GB" sz="1600" b="0" dirty="0" err="1">
+                          <a:solidFill>
+                            <a:srgbClr val="000000"/>
+                          </a:solidFill>
+                          <a:effectLst/>
+                          <a:latin typeface="Courier New" panose="02070309020205020404" pitchFamily="49" charset="0"/>
+                        </a:rPr>
+                        <a:t>numpy</a:t>
+                      </a:r>
+                      <a:r>
+                        <a:rPr lang="en-GB" sz="1600" b="0" dirty="0">
+                          <a:solidFill>
+                            <a:srgbClr val="000000"/>
+                          </a:solidFill>
+                          <a:effectLst/>
+                          <a:latin typeface="Courier New" panose="02070309020205020404" pitchFamily="49" charset="0"/>
+                        </a:rPr>
+                        <a:t> </a:t>
+                      </a:r>
+                      <a:r>
+                        <a:rPr lang="en-GB" sz="1600" b="0" dirty="0">
+                          <a:solidFill>
+                            <a:srgbClr val="AF00DB"/>
+                          </a:solidFill>
+                          <a:effectLst/>
+                          <a:latin typeface="Courier New" panose="02070309020205020404" pitchFamily="49" charset="0"/>
+                        </a:rPr>
+                        <a:t>as</a:t>
+                      </a:r>
+                      <a:r>
+                        <a:rPr lang="en-GB" sz="1600" b="0" dirty="0">
+                          <a:solidFill>
+                            <a:srgbClr val="000000"/>
+                          </a:solidFill>
+                          <a:effectLst/>
+                          <a:latin typeface="Courier New" panose="02070309020205020404" pitchFamily="49" charset="0"/>
+                        </a:rPr>
+                        <a:t> np</a:t>
+                      </a:r>
+                    </a:p>
+                    <a:p>
+                      <a:r>
+                        <a:rPr lang="en-GB" sz="1600" b="0" dirty="0">
+                          <a:solidFill>
+                            <a:srgbClr val="AF00DB"/>
+                          </a:solidFill>
+                          <a:effectLst/>
+                          <a:latin typeface="Courier New" panose="02070309020205020404" pitchFamily="49" charset="0"/>
+                        </a:rPr>
+                        <a:t>import</a:t>
+                      </a:r>
+                      <a:r>
+                        <a:rPr lang="en-GB" sz="1600" b="0" dirty="0">
+                          <a:solidFill>
+                            <a:srgbClr val="000000"/>
+                          </a:solidFill>
+                          <a:effectLst/>
+                          <a:latin typeface="Courier New" panose="02070309020205020404" pitchFamily="49" charset="0"/>
+                        </a:rPr>
+                        <a:t> pandas </a:t>
+                      </a:r>
+                      <a:r>
+                        <a:rPr lang="en-GB" sz="1600" b="0" dirty="0">
+                          <a:solidFill>
+                            <a:srgbClr val="AF00DB"/>
+                          </a:solidFill>
+                          <a:effectLst/>
+                          <a:latin typeface="Courier New" panose="02070309020205020404" pitchFamily="49" charset="0"/>
+                        </a:rPr>
+                        <a:t>as</a:t>
+                      </a:r>
+                      <a:r>
+                        <a:rPr lang="en-GB" sz="1600" b="0" dirty="0">
+                          <a:solidFill>
+                            <a:srgbClr val="000000"/>
+                          </a:solidFill>
+                          <a:effectLst/>
+                          <a:latin typeface="Courier New" panose="02070309020205020404" pitchFamily="49" charset="0"/>
+                        </a:rPr>
+                        <a:t> pd</a:t>
+                      </a:r>
+                    </a:p>
+                    <a:p>
+                      <a:br>
+                        <a:rPr lang="en-GB" sz="1600" b="0" dirty="0">
+                          <a:solidFill>
+                            <a:srgbClr val="000000"/>
+                          </a:solidFill>
+                          <a:effectLst/>
+                          <a:latin typeface="Courier New" panose="02070309020205020404" pitchFamily="49" charset="0"/>
+                        </a:rPr>
+                      </a:br>
+                      <a:r>
+                        <a:rPr lang="en-GB" sz="1600" b="0" dirty="0">
+                          <a:solidFill>
+                            <a:srgbClr val="AF00DB"/>
+                          </a:solidFill>
+                          <a:effectLst/>
+                          <a:latin typeface="Courier New" panose="02070309020205020404" pitchFamily="49" charset="0"/>
+                        </a:rPr>
+                        <a:t>from</a:t>
+                      </a:r>
+                      <a:r>
+                        <a:rPr lang="en-GB" sz="1600" b="0" dirty="0">
+                          <a:solidFill>
+                            <a:srgbClr val="000000"/>
+                          </a:solidFill>
+                          <a:effectLst/>
+                          <a:latin typeface="Courier New" panose="02070309020205020404" pitchFamily="49" charset="0"/>
+                        </a:rPr>
+                        <a:t> </a:t>
+                      </a:r>
+                      <a:r>
+                        <a:rPr lang="en-GB" sz="1600" b="0" dirty="0" err="1">
+                          <a:solidFill>
+                            <a:srgbClr val="000000"/>
+                          </a:solidFill>
+                          <a:effectLst/>
+                          <a:latin typeface="Courier New" panose="02070309020205020404" pitchFamily="49" charset="0"/>
+                        </a:rPr>
+                        <a:t>argparse</a:t>
+                      </a:r>
+                      <a:r>
+                        <a:rPr lang="en-GB" sz="1600" b="0" dirty="0">
+                          <a:solidFill>
+                            <a:srgbClr val="000000"/>
+                          </a:solidFill>
+                          <a:effectLst/>
+                          <a:latin typeface="Courier New" panose="02070309020205020404" pitchFamily="49" charset="0"/>
+                        </a:rPr>
+                        <a:t> </a:t>
+                      </a:r>
+                      <a:r>
+                        <a:rPr lang="en-GB" sz="1600" b="0" dirty="0">
+                          <a:solidFill>
+                            <a:srgbClr val="AF00DB"/>
+                          </a:solidFill>
+                          <a:effectLst/>
+                          <a:latin typeface="Courier New" panose="02070309020205020404" pitchFamily="49" charset="0"/>
+                        </a:rPr>
+                        <a:t>import</a:t>
+                      </a:r>
+                      <a:r>
+                        <a:rPr lang="en-GB" sz="1600" b="0" dirty="0">
+                          <a:solidFill>
+                            <a:srgbClr val="000000"/>
+                          </a:solidFill>
+                          <a:effectLst/>
+                          <a:latin typeface="Courier New" panose="02070309020205020404" pitchFamily="49" charset="0"/>
+                        </a:rPr>
+                        <a:t> Namespace</a:t>
+                      </a:r>
                     </a:p>
                   </a:txBody>
                   <a:tcPr>
-                    <a:lnL w="9525" cap="flat" cmpd="sng" algn="ctr">
+                    <a:lnL w="12700" cap="flat" cmpd="sng" algn="ctr">
                       <a:solidFill>
                         <a:schemeClr val="accent1"/>
                       </a:solidFill>
@@ -5176,7 +3977,7 @@
                       <a:headEnd type="none" w="med" len="med"/>
                       <a:tailEnd type="none" w="med" len="med"/>
                     </a:lnL>
-                    <a:lnR w="9525" cap="flat" cmpd="sng" algn="ctr">
+                    <a:lnR w="12700" cap="flat" cmpd="sng" algn="ctr">
                       <a:solidFill>
                         <a:schemeClr val="accent1"/>
                       </a:solidFill>
@@ -5222,7 +4023,7 @@
                     <a:bodyPr/>
                     <a:lstStyle/>
                     <a:p>
-                      <a:pPr marL="0" marR="0" indent="0" algn="l" defTabSz="914400" rtl="0" eaLnBrk="1" fontAlgn="auto" latinLnBrk="0" hangingPunct="1">
+                      <a:pPr marL="0" marR="0" lvl="0" indent="0" algn="l" defTabSz="914400" rtl="0" eaLnBrk="1" fontAlgn="auto" latinLnBrk="0" hangingPunct="1">
                         <a:lnSpc>
                           <a:spcPct val="100000"/>
                         </a:lnSpc>
@@ -5240,343 +4041,21 @@
                         <a:defRPr/>
                       </a:pPr>
                       <a:r>
-                        <a:rPr lang="en-GB" sz="1400" b="0" i="0" u="none" strike="noStrike" dirty="0" err="1">
-                          <a:solidFill>
-                            <a:srgbClr val="000000"/>
-                          </a:solidFill>
-                          <a:effectLst/>
-                          <a:latin typeface="Courier New" panose="02070309020205020404" pitchFamily="49" charset="0"/>
-                        </a:rPr>
-                        <a:t>MultilayerPerceptron</a:t>
-                      </a:r>
-                      <a:r>
-                        <a:rPr lang="en-GB" sz="1400" b="0" i="0" u="none" strike="noStrike" dirty="0">
-                          <a:solidFill>
-                            <a:srgbClr val="000000"/>
-                          </a:solidFill>
-                          <a:effectLst/>
-                          <a:latin typeface="Courier New" panose="02070309020205020404" pitchFamily="49" charset="0"/>
-                        </a:rPr>
-                        <a:t>( </a:t>
-                      </a:r>
-                    </a:p>
-                    <a:p>
-                      <a:pPr marL="0" marR="0" indent="0" algn="l" defTabSz="914400" rtl="0" eaLnBrk="1" fontAlgn="auto" latinLnBrk="0" hangingPunct="1">
-                        <a:lnSpc>
-                          <a:spcPct val="100000"/>
-                        </a:lnSpc>
-                        <a:spcBef>
-                          <a:spcPts val="0"/>
-                        </a:spcBef>
-                        <a:spcAft>
-                          <a:spcPts val="0"/>
-                        </a:spcAft>
-                        <a:buClrTx/>
-                        <a:buSzTx/>
-                        <a:buFontTx/>
-                        <a:buNone/>
-                        <a:tabLst/>
-                        <a:defRPr/>
-                      </a:pPr>
-                      <a:r>
-                        <a:rPr lang="en-GB" sz="1400" b="0" i="0" u="none" strike="noStrike" dirty="0">
-                          <a:solidFill>
-                            <a:srgbClr val="000000"/>
-                          </a:solidFill>
-                          <a:effectLst/>
-                          <a:latin typeface="Courier New" panose="02070309020205020404" pitchFamily="49" charset="0"/>
-                        </a:rPr>
-                        <a:t>  (</a:t>
-                      </a:r>
-                      <a:r>
-                        <a:rPr lang="en-GB" sz="1400" b="0" i="0" u="none" strike="noStrike" dirty="0" err="1">
-                          <a:solidFill>
-                            <a:srgbClr val="000000"/>
-                          </a:solidFill>
-                          <a:effectLst/>
-                          <a:latin typeface="Courier New" panose="02070309020205020404" pitchFamily="49" charset="0"/>
-                        </a:rPr>
-                        <a:t>module_list</a:t>
-                      </a:r>
-                      <a:r>
-                        <a:rPr lang="en-GB" sz="1400" b="0" i="0" u="none" strike="noStrike" dirty="0">
-                          <a:solidFill>
-                            <a:srgbClr val="000000"/>
-                          </a:solidFill>
-                          <a:effectLst/>
-                          <a:latin typeface="Courier New" panose="02070309020205020404" pitchFamily="49" charset="0"/>
-                        </a:rPr>
-                        <a:t>): </a:t>
-                      </a:r>
-                      <a:r>
-                        <a:rPr lang="en-GB" sz="1400" b="0" i="0" u="none" strike="noStrike" dirty="0" err="1">
-                          <a:solidFill>
-                            <a:srgbClr val="000000"/>
-                          </a:solidFill>
-                          <a:effectLst/>
-                          <a:latin typeface="Courier New" panose="02070309020205020404" pitchFamily="49" charset="0"/>
-                        </a:rPr>
-                        <a:t>ModuleList</a:t>
-                      </a:r>
-                      <a:r>
-                        <a:rPr lang="en-GB" sz="1400" b="0" i="0" u="none" strike="noStrike" dirty="0">
-                          <a:solidFill>
-                            <a:srgbClr val="000000"/>
-                          </a:solidFill>
-                          <a:effectLst/>
-                          <a:latin typeface="Courier New" panose="02070309020205020404" pitchFamily="49" charset="0"/>
-                        </a:rPr>
-                        <a:t>( </a:t>
-                      </a:r>
-                    </a:p>
-                    <a:p>
-                      <a:pPr marL="0" marR="0" indent="0" algn="l" defTabSz="914400" rtl="0" eaLnBrk="1" fontAlgn="auto" latinLnBrk="0" hangingPunct="1">
-                        <a:lnSpc>
-                          <a:spcPct val="100000"/>
-                        </a:lnSpc>
-                        <a:spcBef>
-                          <a:spcPts val="0"/>
-                        </a:spcBef>
-                        <a:spcAft>
-                          <a:spcPts val="0"/>
-                        </a:spcAft>
-                        <a:buClrTx/>
-                        <a:buSzTx/>
-                        <a:buFontTx/>
-                        <a:buNone/>
-                        <a:tabLst/>
-                        <a:defRPr/>
-                      </a:pPr>
-                      <a:r>
-                        <a:rPr lang="en-GB" sz="1400" b="0" i="0" u="none" strike="noStrike" dirty="0">
-                          <a:solidFill>
-                            <a:srgbClr val="000000"/>
-                          </a:solidFill>
-                          <a:effectLst/>
-                          <a:latin typeface="Courier New" panose="02070309020205020404" pitchFamily="49" charset="0"/>
-                        </a:rPr>
-                        <a:t>      (0): Linear(</a:t>
-                      </a:r>
-                      <a:r>
-                        <a:rPr lang="en-GB" sz="1400" b="0" i="0" u="none" strike="noStrike" dirty="0" err="1">
-                          <a:solidFill>
-                            <a:srgbClr val="000000"/>
-                          </a:solidFill>
-                          <a:effectLst/>
-                          <a:latin typeface="Courier New" panose="02070309020205020404" pitchFamily="49" charset="0"/>
-                        </a:rPr>
-                        <a:t>in_features</a:t>
-                      </a:r>
-                      <a:r>
-                        <a:rPr lang="en-GB" sz="1400" b="0" i="0" u="none" strike="noStrike" dirty="0">
-                          <a:solidFill>
-                            <a:srgbClr val="000000"/>
-                          </a:solidFill>
-                          <a:effectLst/>
-                          <a:latin typeface="Courier New" panose="02070309020205020404" pitchFamily="49" charset="0"/>
-                        </a:rPr>
-                        <a:t>=2, </a:t>
-                      </a:r>
-                      <a:r>
-                        <a:rPr lang="en-GB" sz="1400" b="0" i="0" u="none" strike="noStrike" dirty="0" err="1">
-                          <a:solidFill>
-                            <a:srgbClr val="000000"/>
-                          </a:solidFill>
-                          <a:effectLst/>
-                          <a:latin typeface="Courier New" panose="02070309020205020404" pitchFamily="49" charset="0"/>
-                        </a:rPr>
-                        <a:t>out_features</a:t>
-                      </a:r>
-                      <a:r>
-                        <a:rPr lang="en-GB" sz="1400" b="0" i="0" u="none" strike="noStrike" dirty="0">
-                          <a:solidFill>
-                            <a:srgbClr val="000000"/>
-                          </a:solidFill>
-                          <a:effectLst/>
-                          <a:latin typeface="Courier New" panose="02070309020205020404" pitchFamily="49" charset="0"/>
-                        </a:rPr>
-                        <a:t>=2, bias=True) </a:t>
-                      </a:r>
-                    </a:p>
-                    <a:p>
-                      <a:pPr marL="0" marR="0" indent="0" algn="l" defTabSz="914400" rtl="0" eaLnBrk="1" fontAlgn="auto" latinLnBrk="0" hangingPunct="1">
-                        <a:lnSpc>
-                          <a:spcPct val="100000"/>
-                        </a:lnSpc>
-                        <a:spcBef>
-                          <a:spcPts val="0"/>
-                        </a:spcBef>
-                        <a:spcAft>
-                          <a:spcPts val="0"/>
-                        </a:spcAft>
-                        <a:buClrTx/>
-                        <a:buSzTx/>
-                        <a:buFontTx/>
-                        <a:buNone/>
-                        <a:tabLst/>
-                        <a:defRPr/>
-                      </a:pPr>
-                      <a:r>
-                        <a:rPr lang="en-GB" sz="1400" b="0" i="0" u="none" strike="noStrike" dirty="0">
-                          <a:solidFill>
-                            <a:srgbClr val="000000"/>
-                          </a:solidFill>
-                          <a:effectLst/>
-                          <a:latin typeface="Courier New" panose="02070309020205020404" pitchFamily="49" charset="0"/>
-                        </a:rPr>
-                        <a:t>      (1): Sigmoid() </a:t>
-                      </a:r>
-                    </a:p>
-                    <a:p>
-                      <a:pPr marL="0" marR="0" indent="0" algn="l" defTabSz="914400" rtl="0" eaLnBrk="1" fontAlgn="auto" latinLnBrk="0" hangingPunct="1">
-                        <a:lnSpc>
-                          <a:spcPct val="100000"/>
-                        </a:lnSpc>
-                        <a:spcBef>
-                          <a:spcPts val="0"/>
-                        </a:spcBef>
-                        <a:spcAft>
-                          <a:spcPts val="0"/>
-                        </a:spcAft>
-                        <a:buClrTx/>
-                        <a:buSzTx/>
-                        <a:buFontTx/>
-                        <a:buNone/>
-                        <a:tabLst/>
-                        <a:defRPr/>
-                      </a:pPr>
-                      <a:r>
-                        <a:rPr lang="en-GB" sz="1400" b="0" i="0" u="none" strike="noStrike" dirty="0">
-                          <a:solidFill>
-                            <a:srgbClr val="000000"/>
-                          </a:solidFill>
-                          <a:effectLst/>
-                          <a:latin typeface="Courier New" panose="02070309020205020404" pitchFamily="49" charset="0"/>
-                        </a:rPr>
-                        <a:t>  ) </a:t>
-                      </a:r>
-                    </a:p>
-                    <a:p>
-                      <a:pPr marL="0" marR="0" indent="0" algn="l" defTabSz="914400" rtl="0" eaLnBrk="1" fontAlgn="auto" latinLnBrk="0" hangingPunct="1">
-                        <a:lnSpc>
-                          <a:spcPct val="100000"/>
-                        </a:lnSpc>
-                        <a:spcBef>
-                          <a:spcPts val="0"/>
-                        </a:spcBef>
-                        <a:spcAft>
-                          <a:spcPts val="0"/>
-                        </a:spcAft>
-                        <a:buClrTx/>
-                        <a:buSzTx/>
-                        <a:buFontTx/>
-                        <a:buNone/>
-                        <a:tabLst/>
-                        <a:defRPr/>
-                      </a:pPr>
-                      <a:r>
-                        <a:rPr lang="en-GB" sz="1400" b="0" i="0" u="none" strike="noStrike" dirty="0">
-                          <a:solidFill>
-                            <a:srgbClr val="000000"/>
-                          </a:solidFill>
-                          <a:effectLst/>
-                          <a:latin typeface="Courier New" panose="02070309020205020404" pitchFamily="49" charset="0"/>
-                        </a:rPr>
-                        <a:t>  (</a:t>
-                      </a:r>
-                      <a:r>
-                        <a:rPr lang="en-GB" sz="1400" b="0" i="0" u="none" strike="noStrike" dirty="0" err="1">
-                          <a:solidFill>
-                            <a:srgbClr val="000000"/>
-                          </a:solidFill>
-                          <a:effectLst/>
-                          <a:latin typeface="Courier New" panose="02070309020205020404" pitchFamily="49" charset="0"/>
-                        </a:rPr>
-                        <a:t>fc_final</a:t>
-                      </a:r>
-                      <a:r>
-                        <a:rPr lang="en-GB" sz="1400" b="0" i="0" u="none" strike="noStrike" dirty="0">
-                          <a:solidFill>
-                            <a:srgbClr val="000000"/>
-                          </a:solidFill>
-                          <a:effectLst/>
-                          <a:latin typeface="Courier New" panose="02070309020205020404" pitchFamily="49" charset="0"/>
-                        </a:rPr>
-                        <a:t>): Linear(</a:t>
-                      </a:r>
-                      <a:r>
-                        <a:rPr lang="en-GB" sz="1400" b="0" i="0" u="none" strike="noStrike" dirty="0" err="1">
-                          <a:solidFill>
-                            <a:srgbClr val="000000"/>
-                          </a:solidFill>
-                          <a:effectLst/>
-                          <a:latin typeface="Courier New" panose="02070309020205020404" pitchFamily="49" charset="0"/>
-                        </a:rPr>
-                        <a:t>in_features</a:t>
-                      </a:r>
-                      <a:r>
-                        <a:rPr lang="en-GB" sz="1400" b="0" i="0" u="none" strike="noStrike" dirty="0">
-                          <a:solidFill>
-                            <a:srgbClr val="000000"/>
-                          </a:solidFill>
-                          <a:effectLst/>
-                          <a:latin typeface="Courier New" panose="02070309020205020404" pitchFamily="49" charset="0"/>
-                        </a:rPr>
-                        <a:t>=2, </a:t>
-                      </a:r>
-                      <a:r>
-                        <a:rPr lang="en-GB" sz="1400" b="0" i="0" u="none" strike="noStrike" dirty="0" err="1">
-                          <a:solidFill>
-                            <a:srgbClr val="000000"/>
-                          </a:solidFill>
-                          <a:effectLst/>
-                          <a:latin typeface="Courier New" panose="02070309020205020404" pitchFamily="49" charset="0"/>
-                        </a:rPr>
-                        <a:t>out_features</a:t>
-                      </a:r>
-                      <a:r>
-                        <a:rPr lang="en-GB" sz="1400" b="0" i="0" u="none" strike="noStrike" dirty="0">
-                          <a:solidFill>
-                            <a:srgbClr val="000000"/>
-                          </a:solidFill>
-                          <a:effectLst/>
-                          <a:latin typeface="Courier New" panose="02070309020205020404" pitchFamily="49" charset="0"/>
-                        </a:rPr>
-                        <a:t>=2, bias=True) </a:t>
-                      </a:r>
-                    </a:p>
-                    <a:p>
-                      <a:pPr marL="0" marR="0" indent="0" algn="l" defTabSz="914400" rtl="0" eaLnBrk="1" fontAlgn="auto" latinLnBrk="0" hangingPunct="1">
-                        <a:lnSpc>
-                          <a:spcPct val="100000"/>
-                        </a:lnSpc>
-                        <a:spcBef>
-                          <a:spcPts val="0"/>
-                        </a:spcBef>
-                        <a:spcAft>
-                          <a:spcPts val="0"/>
-                        </a:spcAft>
-                        <a:buClrTx/>
-                        <a:buSzTx/>
-                        <a:buFontTx/>
-                        <a:buNone/>
-                        <a:tabLst/>
-                        <a:defRPr/>
-                      </a:pPr>
-                      <a:r>
-                        <a:rPr lang="en-GB" sz="1400" b="0" i="0" u="none" strike="noStrike" dirty="0">
-                          <a:solidFill>
-                            <a:srgbClr val="000000"/>
-                          </a:solidFill>
-                          <a:effectLst/>
-                          <a:latin typeface="Courier New" panose="02070309020205020404" pitchFamily="49" charset="0"/>
-                        </a:rPr>
-                        <a:t>)</a:t>
+                        <a:rPr lang="en-US" sz="1600" b="0" dirty="0"/>
+                        <a:t>To aid in management of the parameters </a:t>
+                      </a:r>
+                      <a:r>
+                        <a:rPr lang="en-US" sz="1600" b="0" dirty="0" err="1"/>
+                        <a:t>args</a:t>
+                      </a:r>
+                      <a:r>
+                        <a:rPr lang="en-US" sz="1600" b="0" dirty="0"/>
+                        <a:t> object is used to centrally coordinate all preprocessing parameters.</a:t>
                       </a:r>
                     </a:p>
                   </a:txBody>
                   <a:tcPr>
-                    <a:lnL w="9525" cap="flat" cmpd="sng" algn="ctr">
+                    <a:lnL w="12700" cap="flat" cmpd="sng" algn="ctr">
                       <a:solidFill>
                         <a:schemeClr val="accent1"/>
                       </a:solidFill>
@@ -5585,7 +4064,7 @@
                       <a:headEnd type="none" w="med" len="med"/>
                       <a:tailEnd type="none" w="med" len="med"/>
                     </a:lnL>
-                    <a:lnR w="9525" cap="flat" cmpd="sng" algn="ctr">
+                    <a:lnR w="12700" cap="flat" cmpd="sng" algn="ctr">
                       <a:solidFill>
                         <a:schemeClr val="accent1"/>
                       </a:solidFill>
@@ -5603,7 +4082,7 @@
                       <a:headEnd type="none" w="med" len="med"/>
                       <a:tailEnd type="none" w="med" len="med"/>
                     </a:lnT>
-                    <a:lnB w="9525" cap="flat" cmpd="sng" algn="ctr">
+                    <a:lnB w="12700" cap="flat" cmpd="sng" algn="ctr">
                       <a:solidFill>
                         <a:schemeClr val="accent1"/>
                       </a:solidFill>
@@ -5612,12 +4091,418 @@
                       <a:headEnd type="none" w="med" len="med"/>
                       <a:tailEnd type="none" w="med" len="med"/>
                     </a:lnB>
-                    <a:noFill/>
+                    <a:solidFill>
+                      <a:schemeClr val="bg1"/>
+                    </a:solidFill>
                   </a:tcPr>
                 </a:tc>
                 <a:extLst>
                   <a:ext uri="{0D108BD9-81ED-4DB2-BD59-A6C34878D82A}">
-                    <a16:rowId xmlns:a16="http://schemas.microsoft.com/office/drawing/2014/main" val="2029310397"/>
+                    <a16:rowId xmlns:a16="http://schemas.microsoft.com/office/drawing/2014/main" val="143748898"/>
+                  </a:ext>
+                </a:extLst>
+              </a:tr>
+              <a:tr h="202515">
+                <a:tc>
+                  <a:txBody>
+                    <a:bodyPr/>
+                    <a:lstStyle/>
+                    <a:p>
+                      <a:pPr algn="l"/>
+                      <a:r>
+                        <a:rPr lang="en-US" sz="1600" b="0" i="0" u="none" strike="noStrike" dirty="0" err="1">
+                          <a:solidFill>
+                            <a:srgbClr val="000000"/>
+                          </a:solidFill>
+                          <a:effectLst/>
+                          <a:latin typeface="Courier New" panose="02070309020205020404" pitchFamily="49" charset="0"/>
+                        </a:rPr>
+                        <a:t>args</a:t>
+                      </a:r>
+                      <a:r>
+                        <a:rPr lang="en-US" sz="1600" b="0" i="0" u="none" strike="noStrike" dirty="0">
+                          <a:solidFill>
+                            <a:srgbClr val="000000"/>
+                          </a:solidFill>
+                          <a:effectLst/>
+                          <a:latin typeface="Courier New" panose="02070309020205020404" pitchFamily="49" charset="0"/>
+                        </a:rPr>
+                        <a:t> = Namespace(</a:t>
+                      </a:r>
+                      <a:r>
+                        <a:rPr lang="en-US" sz="1600" b="0" i="0" u="none" strike="noStrike" dirty="0" err="1">
+                          <a:solidFill>
+                            <a:srgbClr val="000000"/>
+                          </a:solidFill>
+                          <a:effectLst/>
+                          <a:latin typeface="Courier New" panose="02070309020205020404" pitchFamily="49" charset="0"/>
+                        </a:rPr>
+                        <a:t>raw_dataset_csv</a:t>
+                      </a:r>
+                      <a:r>
+                        <a:rPr lang="en-US" sz="1600" b="0" i="0" u="none" strike="noStrike" dirty="0">
+                          <a:solidFill>
+                            <a:srgbClr val="000000"/>
+                          </a:solidFill>
+                          <a:effectLst/>
+                          <a:latin typeface="Courier New" panose="02070309020205020404" pitchFamily="49" charset="0"/>
+                        </a:rPr>
+                        <a:t>=</a:t>
+                      </a:r>
+                      <a:r>
+                        <a:rPr lang="en-US" sz="1600" b="0" i="0" u="none" strike="noStrike" dirty="0">
+                          <a:solidFill>
+                            <a:srgbClr val="A31515"/>
+                          </a:solidFill>
+                          <a:effectLst/>
+                          <a:latin typeface="Courier New" panose="02070309020205020404" pitchFamily="49" charset="0"/>
+                        </a:rPr>
+                        <a:t>"</a:t>
+                      </a:r>
+                      <a:r>
+                        <a:rPr lang="en-US" sz="1600" b="0" i="0" u="none" strike="noStrike" dirty="0" err="1">
+                          <a:solidFill>
+                            <a:srgbClr val="A31515"/>
+                          </a:solidFill>
+                          <a:effectLst/>
+                          <a:latin typeface="Courier New" panose="02070309020205020404" pitchFamily="49" charset="0"/>
+                        </a:rPr>
+                        <a:t>surnames.csv</a:t>
+                      </a:r>
+                      <a:r>
+                        <a:rPr lang="en-US" sz="1600" b="0" i="0" u="none" strike="noStrike" dirty="0">
+                          <a:solidFill>
+                            <a:srgbClr val="A31515"/>
+                          </a:solidFill>
+                          <a:effectLst/>
+                          <a:latin typeface="Courier New" panose="02070309020205020404" pitchFamily="49" charset="0"/>
+                        </a:rPr>
+                        <a:t>"</a:t>
+                      </a:r>
+                      <a:r>
+                        <a:rPr lang="en-US" sz="1600" b="0" i="0" u="none" strike="noStrike" dirty="0">
+                          <a:solidFill>
+                            <a:srgbClr val="000000"/>
+                          </a:solidFill>
+                          <a:effectLst/>
+                          <a:latin typeface="Courier New" panose="02070309020205020404" pitchFamily="49" charset="0"/>
+                        </a:rPr>
+                        <a:t>,</a:t>
+                      </a:r>
+                    </a:p>
+                    <a:p>
+                      <a:pPr algn="l"/>
+                      <a:r>
+                        <a:rPr lang="en-US" sz="1600" b="0" i="0" u="none" strike="noStrike" dirty="0">
+                          <a:solidFill>
+                            <a:srgbClr val="000000"/>
+                          </a:solidFill>
+                          <a:effectLst/>
+                          <a:latin typeface="Courier New" panose="02070309020205020404" pitchFamily="49" charset="0"/>
+                        </a:rPr>
+                        <a:t>                 </a:t>
+                      </a:r>
+                      <a:r>
+                        <a:rPr lang="en-US" sz="1600" b="0" i="0" u="none" strike="noStrike" dirty="0" err="1">
+                          <a:solidFill>
+                            <a:srgbClr val="000000"/>
+                          </a:solidFill>
+                          <a:effectLst/>
+                          <a:latin typeface="Courier New" panose="02070309020205020404" pitchFamily="49" charset="0"/>
+                        </a:rPr>
+                        <a:t>train_proportion</a:t>
+                      </a:r>
+                      <a:r>
+                        <a:rPr lang="en-US" sz="1600" b="0" i="0" u="none" strike="noStrike" dirty="0">
+                          <a:solidFill>
+                            <a:srgbClr val="000000"/>
+                          </a:solidFill>
+                          <a:effectLst/>
+                          <a:latin typeface="Courier New" panose="02070309020205020404" pitchFamily="49" charset="0"/>
+                        </a:rPr>
+                        <a:t>=</a:t>
+                      </a:r>
+                      <a:r>
+                        <a:rPr lang="en-US" sz="1600" b="0" i="0" u="none" strike="noStrike" dirty="0">
+                          <a:solidFill>
+                            <a:srgbClr val="09885A"/>
+                          </a:solidFill>
+                          <a:effectLst/>
+                          <a:latin typeface="Courier New" panose="02070309020205020404" pitchFamily="49" charset="0"/>
+                        </a:rPr>
+                        <a:t>0.7</a:t>
+                      </a:r>
+                      <a:r>
+                        <a:rPr lang="en-US" sz="1600" b="0" i="0" u="none" strike="noStrike" dirty="0">
+                          <a:solidFill>
+                            <a:srgbClr val="000000"/>
+                          </a:solidFill>
+                          <a:effectLst/>
+                          <a:latin typeface="Courier New" panose="02070309020205020404" pitchFamily="49" charset="0"/>
+                        </a:rPr>
+                        <a:t>,</a:t>
+                      </a:r>
+                    </a:p>
+                    <a:p>
+                      <a:pPr algn="l"/>
+                      <a:r>
+                        <a:rPr lang="en-US" sz="1600" b="0" i="0" u="none" strike="noStrike" dirty="0">
+                          <a:solidFill>
+                            <a:srgbClr val="000000"/>
+                          </a:solidFill>
+                          <a:effectLst/>
+                          <a:latin typeface="Courier New" panose="02070309020205020404" pitchFamily="49" charset="0"/>
+                        </a:rPr>
+                        <a:t>                 </a:t>
+                      </a:r>
+                      <a:r>
+                        <a:rPr lang="en-US" sz="1600" b="0" i="0" u="none" strike="noStrike" dirty="0" err="1">
+                          <a:solidFill>
+                            <a:srgbClr val="000000"/>
+                          </a:solidFill>
+                          <a:effectLst/>
+                          <a:latin typeface="Courier New" panose="02070309020205020404" pitchFamily="49" charset="0"/>
+                        </a:rPr>
+                        <a:t>val_proportion</a:t>
+                      </a:r>
+                      <a:r>
+                        <a:rPr lang="en-US" sz="1600" b="0" i="0" u="none" strike="noStrike" dirty="0">
+                          <a:solidFill>
+                            <a:srgbClr val="000000"/>
+                          </a:solidFill>
+                          <a:effectLst/>
+                          <a:latin typeface="Courier New" panose="02070309020205020404" pitchFamily="49" charset="0"/>
+                        </a:rPr>
+                        <a:t>=</a:t>
+                      </a:r>
+                      <a:r>
+                        <a:rPr lang="en-US" sz="1600" b="0" i="0" u="none" strike="noStrike" dirty="0">
+                          <a:solidFill>
+                            <a:srgbClr val="09885A"/>
+                          </a:solidFill>
+                          <a:effectLst/>
+                          <a:latin typeface="Courier New" panose="02070309020205020404" pitchFamily="49" charset="0"/>
+                        </a:rPr>
+                        <a:t>0.15</a:t>
+                      </a:r>
+                      <a:r>
+                        <a:rPr lang="en-US" sz="1600" b="0" i="0" u="none" strike="noStrike" dirty="0">
+                          <a:solidFill>
+                            <a:srgbClr val="000000"/>
+                          </a:solidFill>
+                          <a:effectLst/>
+                          <a:latin typeface="Courier New" panose="02070309020205020404" pitchFamily="49" charset="0"/>
+                        </a:rPr>
+                        <a:t>,</a:t>
+                      </a:r>
+                    </a:p>
+                    <a:p>
+                      <a:pPr algn="l"/>
+                      <a:r>
+                        <a:rPr lang="en-US" sz="1600" b="0" i="0" u="none" strike="noStrike" dirty="0">
+                          <a:solidFill>
+                            <a:srgbClr val="000000"/>
+                          </a:solidFill>
+                          <a:effectLst/>
+                          <a:latin typeface="Courier New" panose="02070309020205020404" pitchFamily="49" charset="0"/>
+                        </a:rPr>
+                        <a:t>                 </a:t>
+                      </a:r>
+                      <a:r>
+                        <a:rPr lang="en-US" sz="1600" b="0" i="0" u="none" strike="noStrike" dirty="0" err="1">
+                          <a:solidFill>
+                            <a:srgbClr val="000000"/>
+                          </a:solidFill>
+                          <a:effectLst/>
+                          <a:latin typeface="Courier New" panose="02070309020205020404" pitchFamily="49" charset="0"/>
+                        </a:rPr>
+                        <a:t>test_proportion</a:t>
+                      </a:r>
+                      <a:r>
+                        <a:rPr lang="en-US" sz="1600" b="0" i="0" u="none" strike="noStrike" dirty="0">
+                          <a:solidFill>
+                            <a:srgbClr val="000000"/>
+                          </a:solidFill>
+                          <a:effectLst/>
+                          <a:latin typeface="Courier New" panose="02070309020205020404" pitchFamily="49" charset="0"/>
+                        </a:rPr>
+                        <a:t>=</a:t>
+                      </a:r>
+                      <a:r>
+                        <a:rPr lang="en-US" sz="1600" b="0" i="0" u="none" strike="noStrike" dirty="0">
+                          <a:solidFill>
+                            <a:srgbClr val="09885A"/>
+                          </a:solidFill>
+                          <a:effectLst/>
+                          <a:latin typeface="Courier New" panose="02070309020205020404" pitchFamily="49" charset="0"/>
+                        </a:rPr>
+                        <a:t>0.15</a:t>
+                      </a:r>
+                      <a:r>
+                        <a:rPr lang="en-US" sz="1600" b="0" i="0" u="none" strike="noStrike" dirty="0">
+                          <a:solidFill>
+                            <a:srgbClr val="000000"/>
+                          </a:solidFill>
+                          <a:effectLst/>
+                          <a:latin typeface="Courier New" panose="02070309020205020404" pitchFamily="49" charset="0"/>
+                        </a:rPr>
+                        <a:t>,</a:t>
+                      </a:r>
+                    </a:p>
+                    <a:p>
+                      <a:pPr algn="l"/>
+                      <a:r>
+                        <a:rPr lang="en-US" sz="1600" b="0" i="0" u="none" strike="noStrike" dirty="0">
+                          <a:solidFill>
+                            <a:srgbClr val="000000"/>
+                          </a:solidFill>
+                          <a:effectLst/>
+                          <a:latin typeface="Courier New" panose="02070309020205020404" pitchFamily="49" charset="0"/>
+                        </a:rPr>
+                        <a:t>                 </a:t>
+                      </a:r>
+                      <a:r>
+                        <a:rPr lang="en-US" sz="1600" b="0" i="0" u="none" strike="noStrike" dirty="0" err="1">
+                          <a:solidFill>
+                            <a:srgbClr val="000000"/>
+                          </a:solidFill>
+                          <a:effectLst/>
+                          <a:latin typeface="Courier New" panose="02070309020205020404" pitchFamily="49" charset="0"/>
+                        </a:rPr>
+                        <a:t>output_munged_csv</a:t>
+                      </a:r>
+                      <a:r>
+                        <a:rPr lang="en-US" sz="1600" b="0" i="0" u="none" strike="noStrike" dirty="0">
+                          <a:solidFill>
+                            <a:srgbClr val="000000"/>
+                          </a:solidFill>
+                          <a:effectLst/>
+                          <a:latin typeface="Courier New" panose="02070309020205020404" pitchFamily="49" charset="0"/>
+                        </a:rPr>
+                        <a:t>=</a:t>
+                      </a:r>
+                      <a:r>
+                        <a:rPr lang="en-US" sz="1600" b="0" i="0" u="none" strike="noStrike" dirty="0">
+                          <a:solidFill>
+                            <a:srgbClr val="A31515"/>
+                          </a:solidFill>
+                          <a:effectLst/>
+                          <a:latin typeface="Courier New" panose="02070309020205020404" pitchFamily="49" charset="0"/>
+                        </a:rPr>
+                        <a:t>"</a:t>
+                      </a:r>
+                      <a:r>
+                        <a:rPr lang="en-US" sz="1600" b="0" i="0" u="none" strike="noStrike" dirty="0" err="1">
+                          <a:solidFill>
+                            <a:srgbClr val="A31515"/>
+                          </a:solidFill>
+                          <a:effectLst/>
+                          <a:latin typeface="Courier New" panose="02070309020205020404" pitchFamily="49" charset="0"/>
+                        </a:rPr>
+                        <a:t>surnames_with_splits.csv</a:t>
+                      </a:r>
+                      <a:r>
+                        <a:rPr lang="en-US" sz="1600" b="0" i="0" u="none" strike="noStrike" dirty="0">
+                          <a:solidFill>
+                            <a:srgbClr val="A31515"/>
+                          </a:solidFill>
+                          <a:effectLst/>
+                          <a:latin typeface="Courier New" panose="02070309020205020404" pitchFamily="49" charset="0"/>
+                        </a:rPr>
+                        <a:t>"</a:t>
+                      </a:r>
+                      <a:r>
+                        <a:rPr lang="en-US" sz="1600" b="0" i="0" u="none" strike="noStrike" dirty="0">
+                          <a:solidFill>
+                            <a:srgbClr val="000000"/>
+                          </a:solidFill>
+                          <a:effectLst/>
+                          <a:latin typeface="Courier New" panose="02070309020205020404" pitchFamily="49" charset="0"/>
+                        </a:rPr>
+                        <a:t>,</a:t>
+                      </a:r>
+                    </a:p>
+                    <a:p>
+                      <a:pPr algn="l"/>
+                      <a:r>
+                        <a:rPr lang="en-US" sz="1600" b="0" i="0" u="none" strike="noStrike" dirty="0">
+                          <a:solidFill>
+                            <a:srgbClr val="000000"/>
+                          </a:solidFill>
+                          <a:effectLst/>
+                          <a:latin typeface="Courier New" panose="02070309020205020404" pitchFamily="49" charset="0"/>
+                        </a:rPr>
+                        <a:t>                 seed=</a:t>
+                      </a:r>
+                      <a:r>
+                        <a:rPr lang="en-US" sz="1600" b="0" i="0" u="none" strike="noStrike" dirty="0">
+                          <a:solidFill>
+                            <a:srgbClr val="09885A"/>
+                          </a:solidFill>
+                          <a:effectLst/>
+                          <a:latin typeface="Courier New" panose="02070309020205020404" pitchFamily="49" charset="0"/>
+                        </a:rPr>
+                        <a:t>1337</a:t>
+                      </a:r>
+                      <a:r>
+                        <a:rPr lang="en-US" sz="1600" b="0" i="0" u="none" strike="noStrike" dirty="0">
+                          <a:solidFill>
+                            <a:srgbClr val="000000"/>
+                          </a:solidFill>
+                          <a:effectLst/>
+                          <a:latin typeface="Courier New" panose="02070309020205020404" pitchFamily="49" charset="0"/>
+                        </a:rPr>
+                        <a:t>)</a:t>
+                      </a:r>
+                    </a:p>
+                  </a:txBody>
+                  <a:tcPr>
+                    <a:lnL w="12700" cap="flat" cmpd="sng" algn="ctr">
+                      <a:solidFill>
+                        <a:schemeClr val="accent1"/>
+                      </a:solidFill>
+                      <a:prstDash val="solid"/>
+                      <a:round/>
+                      <a:headEnd type="none" w="med" len="med"/>
+                      <a:tailEnd type="none" w="med" len="med"/>
+                    </a:lnL>
+                    <a:lnR w="12700" cap="flat" cmpd="sng" algn="ctr">
+                      <a:solidFill>
+                        <a:schemeClr val="accent1"/>
+                      </a:solidFill>
+                      <a:prstDash val="solid"/>
+                      <a:round/>
+                      <a:headEnd type="none" w="med" len="med"/>
+                      <a:tailEnd type="none" w="med" len="med"/>
+                    </a:lnR>
+                    <a:lnT w="12700" cap="flat" cmpd="sng" algn="ctr">
+                      <a:solidFill>
+                        <a:schemeClr val="accent1"/>
+                      </a:solidFill>
+                      <a:prstDash val="solid"/>
+                      <a:round/>
+                      <a:headEnd type="none" w="med" len="med"/>
+                      <a:tailEnd type="none" w="med" len="med"/>
+                    </a:lnT>
+                    <a:lnB w="12700" cap="flat" cmpd="sng" algn="ctr">
+                      <a:solidFill>
+                        <a:schemeClr val="accent1"/>
+                      </a:solidFill>
+                      <a:prstDash val="solid"/>
+                      <a:round/>
+                      <a:headEnd type="none" w="med" len="med"/>
+                      <a:tailEnd type="none" w="med" len="med"/>
+                    </a:lnB>
+                    <a:solidFill>
+                      <a:schemeClr val="bg1">
+                        <a:lumMod val="95000"/>
+                      </a:schemeClr>
+                    </a:solidFill>
+                  </a:tcPr>
+                </a:tc>
+                <a:extLst>
+                  <a:ext uri="{0D108BD9-81ED-4DB2-BD59-A6C34878D82A}">
+                    <a16:rowId xmlns:a16="http://schemas.microsoft.com/office/drawing/2014/main" val="2433388719"/>
                   </a:ext>
                 </a:extLst>
               </a:tr>
@@ -5628,230 +4513,7 @@
     </p:spTree>
     <p:extLst>
       <p:ext uri="{BB962C8B-B14F-4D97-AF65-F5344CB8AC3E}">
-        <p14:creationId xmlns:p14="http://schemas.microsoft.com/office/powerpoint/2010/main" val="2740371495"/>
-      </p:ext>
-    </p:extLst>
-  </p:cSld>
-  <p:clrMapOvr>
-    <a:masterClrMapping/>
-  </p:clrMapOvr>
-</p:sld>
-</file>
-
-<file path=ppt/slides/slide2.xml><?xml version="1.0" encoding="utf-8"?>
-<p:sld xmlns:a="http://schemas.openxmlformats.org/drawingml/2006/main" xmlns:r="http://schemas.openxmlformats.org/officeDocument/2006/relationships" xmlns:p="http://schemas.openxmlformats.org/presentationml/2006/main">
-  <p:cSld>
-    <p:spTree>
-      <p:nvGrpSpPr>
-        <p:cNvPr id="1" name=""/>
-        <p:cNvGrpSpPr/>
-        <p:nvPr/>
-      </p:nvGrpSpPr>
-      <p:grpSpPr>
-        <a:xfrm>
-          <a:off x="0" y="0"/>
-          <a:ext cx="0" cy="0"/>
-          <a:chOff x="0" y="0"/>
-          <a:chExt cx="0" cy="0"/>
-        </a:xfrm>
-      </p:grpSpPr>
-      <p:sp>
-        <p:nvSpPr>
-          <p:cNvPr id="2" name="Title 1"/>
-          <p:cNvSpPr>
-            <a:spLocks noGrp="1"/>
-          </p:cNvSpPr>
-          <p:nvPr>
-            <p:ph type="title"/>
-          </p:nvPr>
-        </p:nvSpPr>
-        <p:spPr/>
-        <p:txBody>
-          <a:bodyPr/>
-          <a:lstStyle/>
-          <a:p>
-            <a:r>
-              <a:rPr lang="en-US" dirty="0"/>
-              <a:t>Contents</a:t>
-            </a:r>
-          </a:p>
-        </p:txBody>
-      </p:sp>
-      <p:sp>
-        <p:nvSpPr>
-          <p:cNvPr id="3" name="Content Placeholder 2"/>
-          <p:cNvSpPr>
-            <a:spLocks noGrp="1"/>
-          </p:cNvSpPr>
-          <p:nvPr>
-            <p:ph idx="1"/>
-          </p:nvPr>
-        </p:nvSpPr>
-        <p:spPr/>
-        <p:txBody>
-          <a:bodyPr/>
-          <a:lstStyle/>
-          <a:p>
-            <a:r>
-              <a:rPr lang="en-US" dirty="0"/>
-              <a:t>Basic ideas involved in building neural networks:</a:t>
-            </a:r>
-          </a:p>
-          <a:p>
-            <a:pPr lvl="1"/>
-            <a:r>
-              <a:rPr lang="en-US" dirty="0"/>
-              <a:t>activation functions, </a:t>
-            </a:r>
-          </a:p>
-          <a:p>
-            <a:pPr lvl="1"/>
-            <a:r>
-              <a:rPr lang="en-US" dirty="0"/>
-              <a:t>loss functions, </a:t>
-            </a:r>
-          </a:p>
-          <a:p>
-            <a:pPr lvl="1"/>
-            <a:r>
-              <a:rPr lang="en-US" dirty="0"/>
-              <a:t>optimizers, and </a:t>
-            </a:r>
-          </a:p>
-          <a:p>
-            <a:pPr lvl="1"/>
-            <a:r>
-              <a:rPr lang="en-US" dirty="0"/>
-              <a:t>the supervised training setup.</a:t>
-            </a:r>
-          </a:p>
-        </p:txBody>
-      </p:sp>
-    </p:spTree>
-  </p:cSld>
-  <p:clrMapOvr>
-    <a:masterClrMapping/>
-  </p:clrMapOvr>
-</p:sld>
-</file>
-
-<file path=ppt/slides/slide3.xml><?xml version="1.0" encoding="utf-8"?>
-<p:sld xmlns:a="http://schemas.openxmlformats.org/drawingml/2006/main" xmlns:r="http://schemas.openxmlformats.org/officeDocument/2006/relationships" xmlns:p="http://schemas.openxmlformats.org/presentationml/2006/main">
-  <p:cSld>
-    <p:spTree>
-      <p:nvGrpSpPr>
-        <p:cNvPr id="1" name=""/>
-        <p:cNvGrpSpPr/>
-        <p:nvPr/>
-      </p:nvGrpSpPr>
-      <p:grpSpPr>
-        <a:xfrm>
-          <a:off x="0" y="0"/>
-          <a:ext cx="0" cy="0"/>
-          <a:chOff x="0" y="0"/>
-          <a:chExt cx="0" cy="0"/>
-        </a:xfrm>
-      </p:grpSpPr>
-      <p:sp>
-        <p:nvSpPr>
-          <p:cNvPr id="2" name="Title 1"/>
-          <p:cNvSpPr>
-            <a:spLocks noGrp="1"/>
-          </p:cNvSpPr>
-          <p:nvPr>
-            <p:ph type="title"/>
-          </p:nvPr>
-        </p:nvSpPr>
-        <p:spPr/>
-        <p:txBody>
-          <a:bodyPr/>
-          <a:lstStyle/>
-          <a:p>
-            <a:r>
-              <a:rPr lang="en-US" dirty="0"/>
-              <a:t>Feed-Forward Networks</a:t>
-            </a:r>
-          </a:p>
-        </p:txBody>
-      </p:sp>
-      <p:sp>
-        <p:nvSpPr>
-          <p:cNvPr id="3" name="Content Placeholder 2"/>
-          <p:cNvSpPr>
-            <a:spLocks noGrp="1"/>
-          </p:cNvSpPr>
-          <p:nvPr>
-            <p:ph idx="1"/>
-          </p:nvPr>
-        </p:nvSpPr>
-        <p:spPr/>
-        <p:txBody>
-          <a:bodyPr/>
-          <a:lstStyle/>
-          <a:p>
-            <a:r>
-              <a:rPr lang="en-US" dirty="0"/>
-              <a:t>One of the historic downfalls of the perceptron was that it cannot learn modestly nontrivial patterns present in data.</a:t>
-            </a:r>
-          </a:p>
-          <a:p>
-            <a:r>
-              <a:rPr lang="en-US" dirty="0"/>
-              <a:t>Feed-Forward Networks</a:t>
-            </a:r>
-          </a:p>
-          <a:p>
-            <a:pPr lvl="1"/>
-            <a:r>
-              <a:rPr lang="en-US" dirty="0"/>
-              <a:t>Multilayer perceptron (MLP)</a:t>
-            </a:r>
-          </a:p>
-          <a:p>
-            <a:pPr lvl="1"/>
-            <a:r>
-              <a:rPr lang="en-US" dirty="0"/>
-              <a:t>Convolutional neural network (CNN)</a:t>
-            </a:r>
-          </a:p>
-          <a:p>
-            <a:r>
-              <a:rPr lang="en-US" dirty="0"/>
-              <a:t>MLP extends the simple perceptron </a:t>
-            </a:r>
-          </a:p>
-          <a:p>
-            <a:pPr lvl="1"/>
-            <a:r>
-              <a:rPr lang="en-US" dirty="0"/>
-              <a:t>by grouping many </a:t>
-            </a:r>
-            <a:r>
-              <a:rPr lang="en-US" dirty="0" err="1"/>
-              <a:t>perceptrons</a:t>
-            </a:r>
-            <a:r>
-              <a:rPr lang="en-US" dirty="0"/>
-              <a:t> in a single layer and</a:t>
-            </a:r>
-          </a:p>
-          <a:p>
-            <a:pPr lvl="1"/>
-            <a:r>
-              <a:rPr lang="en-US" dirty="0"/>
-              <a:t>stacking multiple layers together</a:t>
-            </a:r>
-          </a:p>
-          <a:p>
-            <a:pPr lvl="1"/>
-            <a:endParaRPr lang="en-US" dirty="0"/>
-          </a:p>
-        </p:txBody>
-      </p:sp>
-    </p:spTree>
-    <p:extLst>
-      <p:ext uri="{BB962C8B-B14F-4D97-AF65-F5344CB8AC3E}">
-        <p14:creationId xmlns:p14="http://schemas.microsoft.com/office/powerpoint/2010/main" val="597552629"/>
+        <p14:creationId xmlns:p14="http://schemas.microsoft.com/office/powerpoint/2010/main" val="94184856"/>
       </p:ext>
     </p:extLst>
   </p:cSld>
@@ -5888,64 +4550,1001 @@
             <p:ph type="title"/>
           </p:nvPr>
         </p:nvSpPr>
-        <p:spPr/>
+        <p:spPr>
+          <a:xfrm>
+            <a:off x="-2631" y="0"/>
+            <a:ext cx="9144000" cy="500042"/>
+          </a:xfrm>
+        </p:spPr>
         <p:txBody>
           <a:bodyPr/>
           <a:lstStyle/>
           <a:p>
             <a:r>
-              <a:rPr lang="en-US"/>
-              <a:t>The Multilayer Perceptron</a:t>
+              <a:rPr lang="en-US" dirty="0"/>
+              <a:t>Preprocessing</a:t>
             </a:r>
-            <a:endParaRPr lang="en-US" dirty="0"/>
           </a:p>
         </p:txBody>
       </p:sp>
-      <p:sp>
-        <p:nvSpPr>
-          <p:cNvPr id="3" name="Content Placeholder 2"/>
-          <p:cNvSpPr>
-            <a:spLocks noGrp="1"/>
-          </p:cNvSpPr>
+      <p:graphicFrame>
+        <p:nvGraphicFramePr>
+          <p:cNvPr id="16" name="Table 16">
+            <a:extLst>
+              <a:ext uri="{FF2B5EF4-FFF2-40B4-BE49-F238E27FC236}">
+                <a16:creationId xmlns:a16="http://schemas.microsoft.com/office/drawing/2014/main" id="{93F44A5E-B3CE-3BA0-3C48-A4083A6F3496}"/>
+              </a:ext>
+            </a:extLst>
+          </p:cNvPr>
+          <p:cNvGraphicFramePr>
+            <a:graphicFrameLocks noGrp="1"/>
+          </p:cNvGraphicFramePr>
           <p:nvPr>
-            <p:ph idx="1"/>
+            <p:extLst>
+              <p:ext uri="{D42A27DB-BD31-4B8C-83A1-F6EECF244321}">
+                <p14:modId xmlns:p14="http://schemas.microsoft.com/office/powerpoint/2010/main" val="666452802"/>
+              </p:ext>
+            </p:extLst>
           </p:nvPr>
-        </p:nvSpPr>
-        <p:spPr/>
-        <p:txBody>
-          <a:bodyPr/>
-          <a:lstStyle/>
-          <a:p>
-            <a:r>
-              <a:rPr lang="en-US"/>
-              <a:t>The multilayer perceptron is considered one of the most basic neural network building blocks. </a:t>
-            </a:r>
-          </a:p>
-          <a:p>
-            <a:r>
-              <a:rPr lang="en-US"/>
-              <a:t>The simplest MLP is an extension to the perceptron.</a:t>
-            </a:r>
-          </a:p>
-          <a:p>
-            <a:r>
-              <a:rPr lang="en-US"/>
-              <a:t>The perceptron takes the data vector as input and computes a single output value. </a:t>
-            </a:r>
-          </a:p>
-          <a:p>
-            <a:r>
-              <a:rPr lang="en-US"/>
-              <a:t>In an MLP, many perceptrons are grouped so that the output of a single layer is a new vector instead of a single output value</a:t>
-            </a:r>
-            <a:endParaRPr lang="en-US" dirty="0"/>
-          </a:p>
-        </p:txBody>
-      </p:sp>
+        </p:nvGraphicFramePr>
+        <p:xfrm>
+          <a:off x="179512" y="548680"/>
+          <a:ext cx="8640960" cy="4907280"/>
+        </p:xfrm>
+        <a:graphic>
+          <a:graphicData uri="http://schemas.openxmlformats.org/drawingml/2006/table">
+            <a:tbl>
+              <a:tblPr>
+                <a:tableStyleId>{5C22544A-7EE6-4342-B048-85BDC9FD1C3A}</a:tableStyleId>
+              </a:tblPr>
+              <a:tblGrid>
+                <a:gridCol w="8640960">
+                  <a:extLst>
+                    <a:ext uri="{9D8B030D-6E8A-4147-A177-3AD203B41FA5}">
+                      <a16:colId xmlns:a16="http://schemas.microsoft.com/office/drawing/2014/main" val="2706851558"/>
+                    </a:ext>
+                  </a:extLst>
+                </a:gridCol>
+              </a:tblGrid>
+              <a:tr h="202515">
+                <a:tc>
+                  <a:txBody>
+                    <a:bodyPr/>
+                    <a:lstStyle/>
+                    <a:p>
+                      <a:pPr marL="0" marR="0" lvl="0" indent="0" algn="l" defTabSz="914400" rtl="0" eaLnBrk="1" fontAlgn="auto" latinLnBrk="0" hangingPunct="1">
+                        <a:lnSpc>
+                          <a:spcPct val="100000"/>
+                        </a:lnSpc>
+                        <a:spcBef>
+                          <a:spcPts val="0"/>
+                        </a:spcBef>
+                        <a:spcAft>
+                          <a:spcPts val="0"/>
+                        </a:spcAft>
+                        <a:buClrTx/>
+                        <a:buSzTx/>
+                        <a:buFontTx/>
+                        <a:buNone/>
+                        <a:tabLst/>
+                        <a:defRPr/>
+                      </a:pPr>
+                      <a:r>
+                        <a:rPr lang="hr-HR" sz="1600" b="0" dirty="0" err="1"/>
+                        <a:t>Raw</a:t>
+                      </a:r>
+                      <a:r>
+                        <a:rPr lang="hr-HR" sz="1600" b="0" dirty="0"/>
+                        <a:t> </a:t>
+                      </a:r>
+                      <a:r>
+                        <a:rPr lang="hr-HR" sz="1600" b="0" dirty="0" err="1"/>
+                        <a:t>dataset</a:t>
+                      </a:r>
+                      <a:r>
+                        <a:rPr lang="hr-HR" sz="1600" b="0" dirty="0"/>
+                        <a:t> </a:t>
+                      </a:r>
+                      <a:r>
+                        <a:rPr lang="hr-HR" sz="1600" b="0" dirty="0" err="1"/>
+                        <a:t>contains</a:t>
+                      </a:r>
+                      <a:r>
+                        <a:rPr lang="hr-HR" sz="1600" b="0" dirty="0"/>
+                        <a:t> 10980 </a:t>
+                      </a:r>
+                      <a:r>
+                        <a:rPr lang="hr-HR" sz="1600" b="0" dirty="0" err="1"/>
+                        <a:t>surnames</a:t>
+                      </a:r>
+                      <a:endParaRPr lang="en-GB" sz="1600" dirty="0"/>
+                    </a:p>
+                  </a:txBody>
+                  <a:tcPr>
+                    <a:lnL w="12700" cap="flat" cmpd="sng" algn="ctr">
+                      <a:noFill/>
+                      <a:prstDash val="solid"/>
+                      <a:round/>
+                      <a:headEnd type="none" w="med" len="med"/>
+                      <a:tailEnd type="none" w="med" len="med"/>
+                    </a:lnL>
+                    <a:lnR w="12700" cap="flat" cmpd="sng" algn="ctr">
+                      <a:noFill/>
+                      <a:prstDash val="solid"/>
+                      <a:round/>
+                      <a:headEnd type="none" w="med" len="med"/>
+                      <a:tailEnd type="none" w="med" len="med"/>
+                    </a:lnR>
+                    <a:lnT w="12700" cap="flat" cmpd="sng" algn="ctr">
+                      <a:noFill/>
+                      <a:prstDash val="solid"/>
+                      <a:round/>
+                      <a:headEnd type="none" w="med" len="med"/>
+                      <a:tailEnd type="none" w="med" len="med"/>
+                    </a:lnT>
+                    <a:lnB w="12700" cap="flat" cmpd="sng" algn="ctr">
+                      <a:solidFill>
+                        <a:schemeClr val="accent1"/>
+                      </a:solidFill>
+                      <a:prstDash val="solid"/>
+                      <a:round/>
+                      <a:headEnd type="none" w="med" len="med"/>
+                      <a:tailEnd type="none" w="med" len="med"/>
+                    </a:lnB>
+                    <a:lnTlToBr w="12700" cmpd="sng">
+                      <a:noFill/>
+                      <a:prstDash val="solid"/>
+                    </a:lnTlToBr>
+                    <a:lnBlToTr w="12700" cmpd="sng">
+                      <a:noFill/>
+                      <a:prstDash val="solid"/>
+                    </a:lnBlToTr>
+                    <a:noFill/>
+                  </a:tcPr>
+                </a:tc>
+                <a:extLst>
+                  <a:ext uri="{0D108BD9-81ED-4DB2-BD59-A6C34878D82A}">
+                    <a16:rowId xmlns:a16="http://schemas.microsoft.com/office/drawing/2014/main" val="533612861"/>
+                  </a:ext>
+                </a:extLst>
+              </a:tr>
+              <a:tr h="202515">
+                <a:tc>
+                  <a:txBody>
+                    <a:bodyPr/>
+                    <a:lstStyle/>
+                    <a:p>
+                      <a:r>
+                        <a:rPr lang="en-US" sz="1600" i="1" dirty="0">
+                          <a:solidFill>
+                            <a:srgbClr val="408080"/>
+                          </a:solidFill>
+                          <a:effectLst/>
+                          <a:latin typeface="Courier New" panose="02070309020205020404" pitchFamily="49" charset="0"/>
+                          <a:cs typeface="Courier New" panose="02070309020205020404" pitchFamily="49" charset="0"/>
+                        </a:rPr>
+                        <a:t># Read raw data</a:t>
+                      </a:r>
+                      <a:r>
+                        <a:rPr lang="en-US" sz="1600" dirty="0">
+                          <a:latin typeface="Courier New" panose="02070309020205020404" pitchFamily="49" charset="0"/>
+                          <a:cs typeface="Courier New" panose="02070309020205020404" pitchFamily="49" charset="0"/>
+                        </a:rPr>
+                        <a:t> </a:t>
+                      </a:r>
+                    </a:p>
+                    <a:p>
+                      <a:r>
+                        <a:rPr lang="en-US" sz="1600" dirty="0">
+                          <a:effectLst/>
+                          <a:latin typeface="Courier New" panose="02070309020205020404" pitchFamily="49" charset="0"/>
+                          <a:cs typeface="Courier New" panose="02070309020205020404" pitchFamily="49" charset="0"/>
+                        </a:rPr>
+                        <a:t>surnames</a:t>
+                      </a:r>
+                      <a:r>
+                        <a:rPr lang="en-US" sz="1600" dirty="0">
+                          <a:latin typeface="Courier New" panose="02070309020205020404" pitchFamily="49" charset="0"/>
+                          <a:cs typeface="Courier New" panose="02070309020205020404" pitchFamily="49" charset="0"/>
+                        </a:rPr>
+                        <a:t> </a:t>
+                      </a:r>
+                      <a:r>
+                        <a:rPr lang="en-US" sz="1600" dirty="0">
+                          <a:solidFill>
+                            <a:srgbClr val="666666"/>
+                          </a:solidFill>
+                          <a:effectLst/>
+                          <a:latin typeface="Courier New" panose="02070309020205020404" pitchFamily="49" charset="0"/>
+                          <a:cs typeface="Courier New" panose="02070309020205020404" pitchFamily="49" charset="0"/>
+                        </a:rPr>
+                        <a:t>=</a:t>
+                      </a:r>
+                      <a:r>
+                        <a:rPr lang="en-US" sz="1600" dirty="0">
+                          <a:latin typeface="Courier New" panose="02070309020205020404" pitchFamily="49" charset="0"/>
+                          <a:cs typeface="Courier New" panose="02070309020205020404" pitchFamily="49" charset="0"/>
+                        </a:rPr>
+                        <a:t> </a:t>
+                      </a:r>
+                      <a:r>
+                        <a:rPr lang="en-US" sz="1600" dirty="0" err="1">
+                          <a:effectLst/>
+                          <a:latin typeface="Courier New" panose="02070309020205020404" pitchFamily="49" charset="0"/>
+                          <a:cs typeface="Courier New" panose="02070309020205020404" pitchFamily="49" charset="0"/>
+                        </a:rPr>
+                        <a:t>pd</a:t>
+                      </a:r>
+                      <a:r>
+                        <a:rPr lang="en-US" sz="1600" dirty="0" err="1">
+                          <a:solidFill>
+                            <a:srgbClr val="666666"/>
+                          </a:solidFill>
+                          <a:effectLst/>
+                          <a:latin typeface="Courier New" panose="02070309020205020404" pitchFamily="49" charset="0"/>
+                          <a:cs typeface="Courier New" panose="02070309020205020404" pitchFamily="49" charset="0"/>
+                        </a:rPr>
+                        <a:t>.</a:t>
+                      </a:r>
+                      <a:r>
+                        <a:rPr lang="en-US" sz="1600" dirty="0" err="1">
+                          <a:effectLst/>
+                          <a:latin typeface="Courier New" panose="02070309020205020404" pitchFamily="49" charset="0"/>
+                          <a:cs typeface="Courier New" panose="02070309020205020404" pitchFamily="49" charset="0"/>
+                        </a:rPr>
+                        <a:t>read_csv</a:t>
+                      </a:r>
+                      <a:r>
+                        <a:rPr lang="en-US" sz="1600" dirty="0">
+                          <a:effectLst/>
+                          <a:latin typeface="Courier New" panose="02070309020205020404" pitchFamily="49" charset="0"/>
+                          <a:cs typeface="Courier New" panose="02070309020205020404" pitchFamily="49" charset="0"/>
+                        </a:rPr>
+                        <a:t>(</a:t>
+                      </a:r>
+                      <a:r>
+                        <a:rPr lang="en-US" sz="1600" dirty="0" err="1">
+                          <a:effectLst/>
+                          <a:latin typeface="Courier New" panose="02070309020205020404" pitchFamily="49" charset="0"/>
+                          <a:cs typeface="Courier New" panose="02070309020205020404" pitchFamily="49" charset="0"/>
+                        </a:rPr>
+                        <a:t>args</a:t>
+                      </a:r>
+                      <a:r>
+                        <a:rPr lang="en-US" sz="1600" dirty="0" err="1">
+                          <a:solidFill>
+                            <a:srgbClr val="666666"/>
+                          </a:solidFill>
+                          <a:effectLst/>
+                          <a:latin typeface="Courier New" panose="02070309020205020404" pitchFamily="49" charset="0"/>
+                          <a:cs typeface="Courier New" panose="02070309020205020404" pitchFamily="49" charset="0"/>
+                        </a:rPr>
+                        <a:t>.</a:t>
+                      </a:r>
+                      <a:r>
+                        <a:rPr lang="en-US" sz="1600" dirty="0" err="1">
+                          <a:effectLst/>
+                          <a:latin typeface="Courier New" panose="02070309020205020404" pitchFamily="49" charset="0"/>
+                          <a:cs typeface="Courier New" panose="02070309020205020404" pitchFamily="49" charset="0"/>
+                        </a:rPr>
+                        <a:t>raw_dataset_csv</a:t>
+                      </a:r>
+                      <a:r>
+                        <a:rPr lang="en-US" sz="1600" dirty="0">
+                          <a:effectLst/>
+                          <a:latin typeface="Courier New" panose="02070309020205020404" pitchFamily="49" charset="0"/>
+                          <a:cs typeface="Courier New" panose="02070309020205020404" pitchFamily="49" charset="0"/>
+                        </a:rPr>
+                        <a:t>,</a:t>
+                      </a:r>
+                      <a:r>
+                        <a:rPr lang="en-US" sz="1600" dirty="0">
+                          <a:latin typeface="Courier New" panose="02070309020205020404" pitchFamily="49" charset="0"/>
+                          <a:cs typeface="Courier New" panose="02070309020205020404" pitchFamily="49" charset="0"/>
+                        </a:rPr>
+                        <a:t> </a:t>
+                      </a:r>
+                      <a:r>
+                        <a:rPr lang="en-US" sz="1600" dirty="0">
+                          <a:effectLst/>
+                          <a:latin typeface="Courier New" panose="02070309020205020404" pitchFamily="49" charset="0"/>
+                          <a:cs typeface="Courier New" panose="02070309020205020404" pitchFamily="49" charset="0"/>
+                        </a:rPr>
+                        <a:t>header</a:t>
+                      </a:r>
+                      <a:r>
+                        <a:rPr lang="en-US" sz="1600" dirty="0">
+                          <a:solidFill>
+                            <a:srgbClr val="666666"/>
+                          </a:solidFill>
+                          <a:effectLst/>
+                          <a:latin typeface="Courier New" panose="02070309020205020404" pitchFamily="49" charset="0"/>
+                          <a:cs typeface="Courier New" panose="02070309020205020404" pitchFamily="49" charset="0"/>
+                        </a:rPr>
+                        <a:t>=0</a:t>
+                      </a:r>
+                      <a:r>
+                        <a:rPr lang="en-US" sz="1600" dirty="0">
+                          <a:effectLst/>
+                          <a:latin typeface="Courier New" panose="02070309020205020404" pitchFamily="49" charset="0"/>
+                          <a:cs typeface="Courier New" panose="02070309020205020404" pitchFamily="49" charset="0"/>
+                        </a:rPr>
+                        <a:t>)</a:t>
+                      </a:r>
+                    </a:p>
+                    <a:p>
+                      <a:r>
+                        <a:rPr lang="en-US" sz="1600" b="0" dirty="0">
+                          <a:solidFill>
+                            <a:srgbClr val="000000"/>
+                          </a:solidFill>
+                          <a:effectLst/>
+                          <a:latin typeface="Courier New" panose="02070309020205020404" pitchFamily="49" charset="0"/>
+                          <a:cs typeface="Courier New" panose="02070309020205020404" pitchFamily="49" charset="0"/>
+                        </a:rPr>
+                        <a:t>surnames</a:t>
+                      </a:r>
+                      <a:endParaRPr lang="en-GB" sz="1500" b="0" dirty="0">
+                        <a:solidFill>
+                          <a:srgbClr val="000000"/>
+                        </a:solidFill>
+                        <a:effectLst/>
+                        <a:latin typeface="Courier New" panose="02070309020205020404" pitchFamily="49" charset="0"/>
+                        <a:cs typeface="Courier New" panose="02070309020205020404" pitchFamily="49" charset="0"/>
+                      </a:endParaRPr>
+                    </a:p>
+                  </a:txBody>
+                  <a:tcPr>
+                    <a:lnL w="12700" cap="flat" cmpd="sng" algn="ctr">
+                      <a:solidFill>
+                        <a:schemeClr val="accent1"/>
+                      </a:solidFill>
+                      <a:prstDash val="solid"/>
+                      <a:round/>
+                      <a:headEnd type="none" w="med" len="med"/>
+                      <a:tailEnd type="none" w="med" len="med"/>
+                    </a:lnL>
+                    <a:lnR w="12700" cap="flat" cmpd="sng" algn="ctr">
+                      <a:solidFill>
+                        <a:schemeClr val="accent1"/>
+                      </a:solidFill>
+                      <a:prstDash val="solid"/>
+                      <a:round/>
+                      <a:headEnd type="none" w="med" len="med"/>
+                      <a:tailEnd type="none" w="med" len="med"/>
+                    </a:lnR>
+                    <a:lnT w="12700" cap="flat" cmpd="sng" algn="ctr">
+                      <a:solidFill>
+                        <a:schemeClr val="accent1"/>
+                      </a:solidFill>
+                      <a:prstDash val="solid"/>
+                      <a:round/>
+                      <a:headEnd type="none" w="med" len="med"/>
+                      <a:tailEnd type="none" w="med" len="med"/>
+                    </a:lnT>
+                    <a:lnB w="12700" cap="flat" cmpd="sng" algn="ctr">
+                      <a:solidFill>
+                        <a:schemeClr val="accent1"/>
+                      </a:solidFill>
+                      <a:prstDash val="solid"/>
+                      <a:round/>
+                      <a:headEnd type="none" w="med" len="med"/>
+                      <a:tailEnd type="none" w="med" len="med"/>
+                    </a:lnB>
+                    <a:solidFill>
+                      <a:schemeClr val="bg1">
+                        <a:lumMod val="95000"/>
+                      </a:schemeClr>
+                    </a:solidFill>
+                  </a:tcPr>
+                </a:tc>
+                <a:extLst>
+                  <a:ext uri="{0D108BD9-81ED-4DB2-BD59-A6C34878D82A}">
+                    <a16:rowId xmlns:a16="http://schemas.microsoft.com/office/drawing/2014/main" val="2014089395"/>
+                  </a:ext>
+                </a:extLst>
+              </a:tr>
+              <a:tr h="202515">
+                <a:tc>
+                  <a:txBody>
+                    <a:bodyPr/>
+                    <a:lstStyle/>
+                    <a:p>
+                      <a:pPr marL="0" marR="0" indent="0" algn="l" defTabSz="914400" rtl="0" eaLnBrk="1" fontAlgn="auto" latinLnBrk="0" hangingPunct="1">
+                        <a:lnSpc>
+                          <a:spcPct val="100000"/>
+                        </a:lnSpc>
+                        <a:spcBef>
+                          <a:spcPts val="0"/>
+                        </a:spcBef>
+                        <a:spcAft>
+                          <a:spcPts val="0"/>
+                        </a:spcAft>
+                        <a:buClrTx/>
+                        <a:buSzTx/>
+                        <a:buFontTx/>
+                        <a:buNone/>
+                        <a:tabLst/>
+                        <a:defRPr/>
+                      </a:pPr>
+                      <a:r>
+                        <a:rPr lang="en-US" sz="1600" b="0" i="0" u="none" strike="noStrike" dirty="0">
+                          <a:solidFill>
+                            <a:srgbClr val="212121"/>
+                          </a:solidFill>
+                          <a:effectLst/>
+                          <a:latin typeface="Courier New" panose="02070309020205020404" pitchFamily="49" charset="0"/>
+                        </a:rPr>
+                        <a:t>surname nationality </a:t>
+                      </a:r>
+                    </a:p>
+                    <a:p>
+                      <a:pPr marL="0" marR="0" indent="0" algn="l" defTabSz="914400" rtl="0" eaLnBrk="1" fontAlgn="auto" latinLnBrk="0" hangingPunct="1">
+                        <a:lnSpc>
+                          <a:spcPct val="100000"/>
+                        </a:lnSpc>
+                        <a:spcBef>
+                          <a:spcPts val="0"/>
+                        </a:spcBef>
+                        <a:spcAft>
+                          <a:spcPts val="0"/>
+                        </a:spcAft>
+                        <a:buClrTx/>
+                        <a:buSzTx/>
+                        <a:buFontTx/>
+                        <a:buNone/>
+                        <a:tabLst/>
+                        <a:defRPr/>
+                      </a:pPr>
+                      <a:r>
+                        <a:rPr lang="en-US" sz="1600" b="0" i="0" u="none" strike="noStrike" dirty="0">
+                          <a:solidFill>
+                            <a:srgbClr val="212121"/>
+                          </a:solidFill>
+                          <a:effectLst/>
+                          <a:latin typeface="Courier New" panose="02070309020205020404" pitchFamily="49" charset="0"/>
+                        </a:rPr>
+                        <a:t>0 Woodford English </a:t>
+                      </a:r>
+                    </a:p>
+                    <a:p>
+                      <a:pPr marL="0" marR="0" indent="0" algn="l" defTabSz="914400" rtl="0" eaLnBrk="1" fontAlgn="auto" latinLnBrk="0" hangingPunct="1">
+                        <a:lnSpc>
+                          <a:spcPct val="100000"/>
+                        </a:lnSpc>
+                        <a:spcBef>
+                          <a:spcPts val="0"/>
+                        </a:spcBef>
+                        <a:spcAft>
+                          <a:spcPts val="0"/>
+                        </a:spcAft>
+                        <a:buClrTx/>
+                        <a:buSzTx/>
+                        <a:buFontTx/>
+                        <a:buNone/>
+                        <a:tabLst/>
+                        <a:defRPr/>
+                      </a:pPr>
+                      <a:r>
+                        <a:rPr lang="en-US" sz="1600" b="0" i="0" u="none" strike="noStrike" dirty="0">
+                          <a:solidFill>
+                            <a:srgbClr val="212121"/>
+                          </a:solidFill>
+                          <a:effectLst/>
+                          <a:latin typeface="Courier New" panose="02070309020205020404" pitchFamily="49" charset="0"/>
+                        </a:rPr>
+                        <a:t>1 </a:t>
+                      </a:r>
+                      <a:r>
+                        <a:rPr lang="en-US" sz="1600" b="0" i="0" u="none" strike="noStrike" dirty="0" err="1">
+                          <a:solidFill>
+                            <a:srgbClr val="212121"/>
+                          </a:solidFill>
+                          <a:effectLst/>
+                          <a:latin typeface="Courier New" panose="02070309020205020404" pitchFamily="49" charset="0"/>
+                        </a:rPr>
+                        <a:t>Coté</a:t>
+                      </a:r>
+                      <a:r>
+                        <a:rPr lang="en-US" sz="1600" b="0" i="0" u="none" strike="noStrike" dirty="0">
+                          <a:solidFill>
+                            <a:srgbClr val="212121"/>
+                          </a:solidFill>
+                          <a:effectLst/>
+                          <a:latin typeface="Courier New" panose="02070309020205020404" pitchFamily="49" charset="0"/>
+                        </a:rPr>
+                        <a:t> French </a:t>
+                      </a:r>
+                    </a:p>
+                    <a:p>
+                      <a:pPr marL="0" marR="0" indent="0" algn="l" defTabSz="914400" rtl="0" eaLnBrk="1" fontAlgn="auto" latinLnBrk="0" hangingPunct="1">
+                        <a:lnSpc>
+                          <a:spcPct val="100000"/>
+                        </a:lnSpc>
+                        <a:spcBef>
+                          <a:spcPts val="0"/>
+                        </a:spcBef>
+                        <a:spcAft>
+                          <a:spcPts val="0"/>
+                        </a:spcAft>
+                        <a:buClrTx/>
+                        <a:buSzTx/>
+                        <a:buFontTx/>
+                        <a:buNone/>
+                        <a:tabLst/>
+                        <a:defRPr/>
+                      </a:pPr>
+                      <a:r>
+                        <a:rPr lang="en-US" sz="1600" b="0" i="0" u="none" strike="noStrike" dirty="0">
+                          <a:solidFill>
+                            <a:srgbClr val="212121"/>
+                          </a:solidFill>
+                          <a:effectLst/>
+                          <a:latin typeface="Courier New" panose="02070309020205020404" pitchFamily="49" charset="0"/>
+                        </a:rPr>
+                        <a:t>2 Kore English </a:t>
+                      </a:r>
+                    </a:p>
+                    <a:p>
+                      <a:pPr marL="0" marR="0" indent="0" algn="l" defTabSz="914400" rtl="0" eaLnBrk="1" fontAlgn="auto" latinLnBrk="0" hangingPunct="1">
+                        <a:lnSpc>
+                          <a:spcPct val="100000"/>
+                        </a:lnSpc>
+                        <a:spcBef>
+                          <a:spcPts val="0"/>
+                        </a:spcBef>
+                        <a:spcAft>
+                          <a:spcPts val="0"/>
+                        </a:spcAft>
+                        <a:buClrTx/>
+                        <a:buSzTx/>
+                        <a:buFontTx/>
+                        <a:buNone/>
+                        <a:tabLst/>
+                        <a:defRPr/>
+                      </a:pPr>
+                      <a:r>
+                        <a:rPr lang="en-US" sz="1600" b="0" i="0" u="none" strike="noStrike" dirty="0">
+                          <a:solidFill>
+                            <a:srgbClr val="212121"/>
+                          </a:solidFill>
+                          <a:effectLst/>
+                          <a:latin typeface="Courier New" panose="02070309020205020404" pitchFamily="49" charset="0"/>
+                        </a:rPr>
+                        <a:t>3 </a:t>
+                      </a:r>
+                      <a:r>
+                        <a:rPr lang="en-US" sz="1600" b="0" i="0" u="none" strike="noStrike" dirty="0" err="1">
+                          <a:solidFill>
+                            <a:srgbClr val="212121"/>
+                          </a:solidFill>
+                          <a:effectLst/>
+                          <a:latin typeface="Courier New" panose="02070309020205020404" pitchFamily="49" charset="0"/>
+                        </a:rPr>
+                        <a:t>Koury</a:t>
+                      </a:r>
+                      <a:r>
+                        <a:rPr lang="en-US" sz="1600" b="0" i="0" u="none" strike="noStrike" dirty="0">
+                          <a:solidFill>
+                            <a:srgbClr val="212121"/>
+                          </a:solidFill>
+                          <a:effectLst/>
+                          <a:latin typeface="Courier New" panose="02070309020205020404" pitchFamily="49" charset="0"/>
+                        </a:rPr>
+                        <a:t> Arabic </a:t>
+                      </a:r>
+                    </a:p>
+                    <a:p>
+                      <a:pPr marL="0" marR="0" indent="0" algn="l" defTabSz="914400" rtl="0" eaLnBrk="1" fontAlgn="auto" latinLnBrk="0" hangingPunct="1">
+                        <a:lnSpc>
+                          <a:spcPct val="100000"/>
+                        </a:lnSpc>
+                        <a:spcBef>
+                          <a:spcPts val="0"/>
+                        </a:spcBef>
+                        <a:spcAft>
+                          <a:spcPts val="0"/>
+                        </a:spcAft>
+                        <a:buClrTx/>
+                        <a:buSzTx/>
+                        <a:buFontTx/>
+                        <a:buNone/>
+                        <a:tabLst/>
+                        <a:defRPr/>
+                      </a:pPr>
+                      <a:r>
+                        <a:rPr lang="en-US" sz="1600" b="0" i="0" u="none" strike="noStrike" dirty="0">
+                          <a:solidFill>
+                            <a:srgbClr val="212121"/>
+                          </a:solidFill>
+                          <a:effectLst/>
+                          <a:latin typeface="Courier New" panose="02070309020205020404" pitchFamily="49" charset="0"/>
+                        </a:rPr>
+                        <a:t>4 </a:t>
+                      </a:r>
+                      <a:r>
+                        <a:rPr lang="en-US" sz="1600" b="0" i="0" u="none" strike="noStrike" dirty="0" err="1">
+                          <a:solidFill>
+                            <a:srgbClr val="212121"/>
+                          </a:solidFill>
+                          <a:effectLst/>
+                          <a:latin typeface="Courier New" panose="02070309020205020404" pitchFamily="49" charset="0"/>
+                        </a:rPr>
+                        <a:t>Lebzak</a:t>
+                      </a:r>
+                      <a:r>
+                        <a:rPr lang="en-US" sz="1600" b="0" i="0" u="none" strike="noStrike" dirty="0">
+                          <a:solidFill>
+                            <a:srgbClr val="212121"/>
+                          </a:solidFill>
+                          <a:effectLst/>
+                          <a:latin typeface="Courier New" panose="02070309020205020404" pitchFamily="49" charset="0"/>
+                        </a:rPr>
+                        <a:t> Russian </a:t>
+                      </a:r>
+                    </a:p>
+                    <a:p>
+                      <a:pPr marL="0" marR="0" indent="0" algn="l" defTabSz="914400" rtl="0" eaLnBrk="1" fontAlgn="auto" latinLnBrk="0" hangingPunct="1">
+                        <a:lnSpc>
+                          <a:spcPct val="100000"/>
+                        </a:lnSpc>
+                        <a:spcBef>
+                          <a:spcPts val="0"/>
+                        </a:spcBef>
+                        <a:spcAft>
+                          <a:spcPts val="0"/>
+                        </a:spcAft>
+                        <a:buClrTx/>
+                        <a:buSzTx/>
+                        <a:buFontTx/>
+                        <a:buNone/>
+                        <a:tabLst/>
+                        <a:defRPr/>
+                      </a:pPr>
+                      <a:r>
+                        <a:rPr lang="en-US" sz="1600" b="0" i="0" u="none" strike="noStrike" dirty="0">
+                          <a:solidFill>
+                            <a:srgbClr val="212121"/>
+                          </a:solidFill>
+                          <a:effectLst/>
+                          <a:latin typeface="Courier New" panose="02070309020205020404" pitchFamily="49" charset="0"/>
+                        </a:rPr>
+                        <a:t>... </a:t>
+                      </a:r>
+                    </a:p>
+                    <a:p>
+                      <a:pPr marL="0" marR="0" indent="0" algn="l" defTabSz="914400" rtl="0" eaLnBrk="1" fontAlgn="auto" latinLnBrk="0" hangingPunct="1">
+                        <a:lnSpc>
+                          <a:spcPct val="100000"/>
+                        </a:lnSpc>
+                        <a:spcBef>
+                          <a:spcPts val="0"/>
+                        </a:spcBef>
+                        <a:spcAft>
+                          <a:spcPts val="0"/>
+                        </a:spcAft>
+                        <a:buClrTx/>
+                        <a:buSzTx/>
+                        <a:buFontTx/>
+                        <a:buNone/>
+                        <a:tabLst/>
+                        <a:defRPr/>
+                      </a:pPr>
+                      <a:r>
+                        <a:rPr lang="en-US" sz="1600" b="0" i="0" u="none" strike="noStrike" dirty="0">
+                          <a:solidFill>
+                            <a:srgbClr val="212121"/>
+                          </a:solidFill>
+                          <a:effectLst/>
+                          <a:latin typeface="Courier New" panose="02070309020205020404" pitchFamily="49" charset="0"/>
+                        </a:rPr>
+                        <a:t>... </a:t>
+                      </a:r>
+                    </a:p>
+                    <a:p>
+                      <a:pPr marL="0" marR="0" indent="0" algn="l" defTabSz="914400" rtl="0" eaLnBrk="1" fontAlgn="auto" latinLnBrk="0" hangingPunct="1">
+                        <a:lnSpc>
+                          <a:spcPct val="100000"/>
+                        </a:lnSpc>
+                        <a:spcBef>
+                          <a:spcPts val="0"/>
+                        </a:spcBef>
+                        <a:spcAft>
+                          <a:spcPts val="0"/>
+                        </a:spcAft>
+                        <a:buClrTx/>
+                        <a:buSzTx/>
+                        <a:buFontTx/>
+                        <a:buNone/>
+                        <a:tabLst/>
+                        <a:defRPr/>
+                      </a:pPr>
+                      <a:r>
+                        <a:rPr lang="en-US" sz="1600" b="0" i="0" u="none" strike="noStrike" dirty="0">
+                          <a:solidFill>
+                            <a:srgbClr val="212121"/>
+                          </a:solidFill>
+                          <a:effectLst/>
+                          <a:latin typeface="Courier New" panose="02070309020205020404" pitchFamily="49" charset="0"/>
+                        </a:rPr>
+                        <a:t>... </a:t>
+                      </a:r>
+                    </a:p>
+                    <a:p>
+                      <a:pPr marL="0" marR="0" indent="0" algn="l" defTabSz="914400" rtl="0" eaLnBrk="1" fontAlgn="auto" latinLnBrk="0" hangingPunct="1">
+                        <a:lnSpc>
+                          <a:spcPct val="100000"/>
+                        </a:lnSpc>
+                        <a:spcBef>
+                          <a:spcPts val="0"/>
+                        </a:spcBef>
+                        <a:spcAft>
+                          <a:spcPts val="0"/>
+                        </a:spcAft>
+                        <a:buClrTx/>
+                        <a:buSzTx/>
+                        <a:buFontTx/>
+                        <a:buNone/>
+                        <a:tabLst/>
+                        <a:defRPr/>
+                      </a:pPr>
+                      <a:r>
+                        <a:rPr lang="en-US" sz="1600" b="0" i="0" u="none" strike="noStrike" dirty="0">
+                          <a:solidFill>
+                            <a:srgbClr val="212121"/>
+                          </a:solidFill>
+                          <a:effectLst/>
+                          <a:latin typeface="Courier New" panose="02070309020205020404" pitchFamily="49" charset="0"/>
+                        </a:rPr>
+                        <a:t>10975 Quraishi Arabic </a:t>
+                      </a:r>
+                    </a:p>
+                    <a:p>
+                      <a:pPr marL="0" marR="0" indent="0" algn="l" defTabSz="914400" rtl="0" eaLnBrk="1" fontAlgn="auto" latinLnBrk="0" hangingPunct="1">
+                        <a:lnSpc>
+                          <a:spcPct val="100000"/>
+                        </a:lnSpc>
+                        <a:spcBef>
+                          <a:spcPts val="0"/>
+                        </a:spcBef>
+                        <a:spcAft>
+                          <a:spcPts val="0"/>
+                        </a:spcAft>
+                        <a:buClrTx/>
+                        <a:buSzTx/>
+                        <a:buFontTx/>
+                        <a:buNone/>
+                        <a:tabLst/>
+                        <a:defRPr/>
+                      </a:pPr>
+                      <a:r>
+                        <a:rPr lang="en-US" sz="1600" b="0" i="0" u="none" strike="noStrike" dirty="0">
+                          <a:solidFill>
+                            <a:srgbClr val="212121"/>
+                          </a:solidFill>
+                          <a:effectLst/>
+                          <a:latin typeface="Courier New" panose="02070309020205020404" pitchFamily="49" charset="0"/>
+                        </a:rPr>
+                        <a:t>10976 </a:t>
+                      </a:r>
+                      <a:r>
+                        <a:rPr lang="en-US" sz="1600" b="0" i="0" u="none" strike="noStrike" dirty="0" err="1">
+                          <a:solidFill>
+                            <a:srgbClr val="212121"/>
+                          </a:solidFill>
+                          <a:effectLst/>
+                          <a:latin typeface="Courier New" panose="02070309020205020404" pitchFamily="49" charset="0"/>
+                        </a:rPr>
+                        <a:t>Innalls</a:t>
+                      </a:r>
+                      <a:r>
+                        <a:rPr lang="en-US" sz="1600" b="0" i="0" u="none" strike="noStrike" dirty="0">
+                          <a:solidFill>
+                            <a:srgbClr val="212121"/>
+                          </a:solidFill>
+                          <a:effectLst/>
+                          <a:latin typeface="Courier New" panose="02070309020205020404" pitchFamily="49" charset="0"/>
+                        </a:rPr>
+                        <a:t> English </a:t>
+                      </a:r>
+                    </a:p>
+                    <a:p>
+                      <a:pPr marL="0" marR="0" indent="0" algn="l" defTabSz="914400" rtl="0" eaLnBrk="1" fontAlgn="auto" latinLnBrk="0" hangingPunct="1">
+                        <a:lnSpc>
+                          <a:spcPct val="100000"/>
+                        </a:lnSpc>
+                        <a:spcBef>
+                          <a:spcPts val="0"/>
+                        </a:spcBef>
+                        <a:spcAft>
+                          <a:spcPts val="0"/>
+                        </a:spcAft>
+                        <a:buClrTx/>
+                        <a:buSzTx/>
+                        <a:buFontTx/>
+                        <a:buNone/>
+                        <a:tabLst/>
+                        <a:defRPr/>
+                      </a:pPr>
+                      <a:r>
+                        <a:rPr lang="en-US" sz="1600" b="0" i="0" u="none" strike="noStrike" dirty="0">
+                          <a:solidFill>
+                            <a:srgbClr val="212121"/>
+                          </a:solidFill>
+                          <a:effectLst/>
+                          <a:latin typeface="Courier New" panose="02070309020205020404" pitchFamily="49" charset="0"/>
+                        </a:rPr>
+                        <a:t>10977 </a:t>
+                      </a:r>
+                      <a:r>
+                        <a:rPr lang="en-US" sz="1600" b="0" i="0" u="none" strike="noStrike" dirty="0" err="1">
+                          <a:solidFill>
+                            <a:srgbClr val="212121"/>
+                          </a:solidFill>
+                          <a:effectLst/>
+                          <a:latin typeface="Courier New" panose="02070309020205020404" pitchFamily="49" charset="0"/>
+                        </a:rPr>
+                        <a:t>Król</a:t>
+                      </a:r>
+                      <a:r>
+                        <a:rPr lang="en-US" sz="1600" b="0" i="0" u="none" strike="noStrike" dirty="0">
+                          <a:solidFill>
+                            <a:srgbClr val="212121"/>
+                          </a:solidFill>
+                          <a:effectLst/>
+                          <a:latin typeface="Courier New" panose="02070309020205020404" pitchFamily="49" charset="0"/>
+                        </a:rPr>
+                        <a:t> Polish </a:t>
+                      </a:r>
+                    </a:p>
+                    <a:p>
+                      <a:pPr marL="0" marR="0" indent="0" algn="l" defTabSz="914400" rtl="0" eaLnBrk="1" fontAlgn="auto" latinLnBrk="0" hangingPunct="1">
+                        <a:lnSpc>
+                          <a:spcPct val="100000"/>
+                        </a:lnSpc>
+                        <a:spcBef>
+                          <a:spcPts val="0"/>
+                        </a:spcBef>
+                        <a:spcAft>
+                          <a:spcPts val="0"/>
+                        </a:spcAft>
+                        <a:buClrTx/>
+                        <a:buSzTx/>
+                        <a:buFontTx/>
+                        <a:buNone/>
+                        <a:tabLst/>
+                        <a:defRPr/>
+                      </a:pPr>
+                      <a:r>
+                        <a:rPr lang="en-US" sz="1600" b="0" i="0" u="none" strike="noStrike" dirty="0">
+                          <a:solidFill>
+                            <a:srgbClr val="212121"/>
+                          </a:solidFill>
+                          <a:effectLst/>
+                          <a:latin typeface="Courier New" panose="02070309020205020404" pitchFamily="49" charset="0"/>
+                        </a:rPr>
+                        <a:t>10978 Purvis English </a:t>
+                      </a:r>
+                    </a:p>
+                    <a:p>
+                      <a:pPr marL="0" marR="0" indent="0" algn="l" defTabSz="914400" rtl="0" eaLnBrk="1" fontAlgn="auto" latinLnBrk="0" hangingPunct="1">
+                        <a:lnSpc>
+                          <a:spcPct val="100000"/>
+                        </a:lnSpc>
+                        <a:spcBef>
+                          <a:spcPts val="0"/>
+                        </a:spcBef>
+                        <a:spcAft>
+                          <a:spcPts val="0"/>
+                        </a:spcAft>
+                        <a:buClrTx/>
+                        <a:buSzTx/>
+                        <a:buFontTx/>
+                        <a:buNone/>
+                        <a:tabLst/>
+                        <a:defRPr/>
+                      </a:pPr>
+                      <a:r>
+                        <a:rPr lang="en-US" sz="1600" b="0" i="0" u="none" strike="noStrike" dirty="0">
+                          <a:solidFill>
+                            <a:srgbClr val="212121"/>
+                          </a:solidFill>
+                          <a:effectLst/>
+                          <a:latin typeface="Courier New" panose="02070309020205020404" pitchFamily="49" charset="0"/>
+                        </a:rPr>
+                        <a:t>10979 Messerli German </a:t>
+                      </a:r>
+                    </a:p>
+                    <a:p>
+                      <a:pPr marL="0" marR="0" indent="0" algn="l" defTabSz="914400" rtl="0" eaLnBrk="1" fontAlgn="auto" latinLnBrk="0" hangingPunct="1">
+                        <a:lnSpc>
+                          <a:spcPct val="100000"/>
+                        </a:lnSpc>
+                        <a:spcBef>
+                          <a:spcPts val="0"/>
+                        </a:spcBef>
+                        <a:spcAft>
+                          <a:spcPts val="0"/>
+                        </a:spcAft>
+                        <a:buClrTx/>
+                        <a:buSzTx/>
+                        <a:buFontTx/>
+                        <a:buNone/>
+                        <a:tabLst/>
+                        <a:defRPr/>
+                      </a:pPr>
+                      <a:r>
+                        <a:rPr lang="en-US" sz="1600" b="0" i="0" u="none" strike="noStrike" dirty="0">
+                          <a:solidFill>
+                            <a:srgbClr val="212121"/>
+                          </a:solidFill>
+                          <a:effectLst/>
+                          <a:latin typeface="Courier New" panose="02070309020205020404" pitchFamily="49" charset="0"/>
+                        </a:rPr>
+                        <a:t>[10980 rows x 2 columns]</a:t>
+                      </a:r>
+                      <a:endParaRPr lang="es-ES_tradnl" sz="1500" noProof="1">
+                        <a:latin typeface="Courier New" panose="02070309020205020404" pitchFamily="49" charset="0"/>
+                        <a:cs typeface="Courier New" panose="02070309020205020404" pitchFamily="49" charset="0"/>
+                      </a:endParaRPr>
+                    </a:p>
+                  </a:txBody>
+                  <a:tcPr>
+                    <a:lnL w="12700" cap="flat" cmpd="sng" algn="ctr">
+                      <a:solidFill>
+                        <a:schemeClr val="accent1"/>
+                      </a:solidFill>
+                      <a:prstDash val="solid"/>
+                      <a:round/>
+                      <a:headEnd type="none" w="med" len="med"/>
+                      <a:tailEnd type="none" w="med" len="med"/>
+                    </a:lnL>
+                    <a:lnR w="12700" cap="flat" cmpd="sng" algn="ctr">
+                      <a:solidFill>
+                        <a:schemeClr val="accent1"/>
+                      </a:solidFill>
+                      <a:prstDash val="solid"/>
+                      <a:round/>
+                      <a:headEnd type="none" w="med" len="med"/>
+                      <a:tailEnd type="none" w="med" len="med"/>
+                    </a:lnR>
+                    <a:lnT w="12700" cap="flat" cmpd="sng" algn="ctr">
+                      <a:solidFill>
+                        <a:schemeClr val="accent1"/>
+                      </a:solidFill>
+                      <a:prstDash val="solid"/>
+                      <a:round/>
+                      <a:headEnd type="none" w="med" len="med"/>
+                      <a:tailEnd type="none" w="med" len="med"/>
+                    </a:lnT>
+                    <a:lnB w="12700" cap="flat" cmpd="sng" algn="ctr">
+                      <a:solidFill>
+                        <a:schemeClr val="accent1"/>
+                      </a:solidFill>
+                      <a:prstDash val="solid"/>
+                      <a:round/>
+                      <a:headEnd type="none" w="med" len="med"/>
+                      <a:tailEnd type="none" w="med" len="med"/>
+                    </a:lnB>
+                    <a:solidFill>
+                      <a:schemeClr val="bg1"/>
+                    </a:solidFill>
+                  </a:tcPr>
+                </a:tc>
+                <a:extLst>
+                  <a:ext uri="{0D108BD9-81ED-4DB2-BD59-A6C34878D82A}">
+                    <a16:rowId xmlns:a16="http://schemas.microsoft.com/office/drawing/2014/main" val="2433388719"/>
+                  </a:ext>
+                </a:extLst>
+              </a:tr>
+            </a:tbl>
+          </a:graphicData>
+        </a:graphic>
+      </p:graphicFrame>
     </p:spTree>
     <p:extLst>
       <p:ext uri="{BB962C8B-B14F-4D97-AF65-F5344CB8AC3E}">
-        <p14:creationId xmlns:p14="http://schemas.microsoft.com/office/powerpoint/2010/main" val="860069773"/>
+        <p14:creationId xmlns:p14="http://schemas.microsoft.com/office/powerpoint/2010/main" val="1156249095"/>
       </p:ext>
     </p:extLst>
   </p:cSld>
@@ -5982,90 +5581,757 @@
             <p:ph type="title"/>
           </p:nvPr>
         </p:nvSpPr>
-        <p:spPr/>
+        <p:spPr>
+          <a:xfrm>
+            <a:off x="-2631" y="0"/>
+            <a:ext cx="9144000" cy="500042"/>
+          </a:xfrm>
+        </p:spPr>
         <p:txBody>
           <a:bodyPr/>
           <a:lstStyle/>
           <a:p>
             <a:r>
-              <a:rPr lang="en-US"/>
-              <a:t>The Multilayer Perceptron</a:t>
+              <a:rPr lang="en-US" dirty="0"/>
+              <a:t>Preprocessing</a:t>
             </a:r>
-            <a:endParaRPr lang="en-US" dirty="0"/>
           </a:p>
         </p:txBody>
       </p:sp>
-      <p:sp>
-        <p:nvSpPr>
-          <p:cNvPr id="3" name="Content Placeholder 2"/>
-          <p:cNvSpPr>
-            <a:spLocks noGrp="1"/>
-          </p:cNvSpPr>
+      <p:graphicFrame>
+        <p:nvGraphicFramePr>
+          <p:cNvPr id="16" name="Table 16">
+            <a:extLst>
+              <a:ext uri="{FF2B5EF4-FFF2-40B4-BE49-F238E27FC236}">
+                <a16:creationId xmlns:a16="http://schemas.microsoft.com/office/drawing/2014/main" id="{93F44A5E-B3CE-3BA0-3C48-A4083A6F3496}"/>
+              </a:ext>
+            </a:extLst>
+          </p:cNvPr>
+          <p:cNvGraphicFramePr>
+            <a:graphicFrameLocks noGrp="1"/>
+          </p:cNvGraphicFramePr>
           <p:nvPr>
-            <p:ph idx="1"/>
+            <p:extLst>
+              <p:ext uri="{D42A27DB-BD31-4B8C-83A1-F6EECF244321}">
+                <p14:modId xmlns:p14="http://schemas.microsoft.com/office/powerpoint/2010/main" val="538695627"/>
+              </p:ext>
+            </p:extLst>
           </p:nvPr>
-        </p:nvSpPr>
-        <p:spPr/>
-        <p:txBody>
-          <a:bodyPr/>
-          <a:lstStyle/>
-          <a:p>
-            <a:r>
-              <a:rPr lang="en-US" dirty="0"/>
-              <a:t>The simplest MLP is composed of </a:t>
-            </a:r>
-          </a:p>
-          <a:p>
-            <a:pPr lvl="1"/>
-            <a:r>
-              <a:rPr lang="en-US" dirty="0"/>
-              <a:t>three stages of representation and </a:t>
-            </a:r>
-          </a:p>
-          <a:p>
-            <a:pPr lvl="1"/>
-            <a:r>
-              <a:rPr lang="en-US" dirty="0"/>
-              <a:t>two Linear layers</a:t>
-            </a:r>
-          </a:p>
-          <a:p>
-            <a:r>
-              <a:rPr lang="en-US" dirty="0"/>
-              <a:t>The First stage is the input vector</a:t>
-            </a:r>
-          </a:p>
-          <a:p>
-            <a:r>
-              <a:rPr lang="en-US" dirty="0"/>
-              <a:t>The First linear layer computes a hidden vector</a:t>
-            </a:r>
-          </a:p>
-          <a:p>
-            <a:r>
-              <a:rPr lang="en-US" dirty="0"/>
-              <a:t>The Second stage is that hidden vector</a:t>
-            </a:r>
-          </a:p>
-          <a:p>
-            <a:r>
-              <a:rPr lang="en-US" dirty="0"/>
-              <a:t>The Second linear layer computes an output vector</a:t>
-            </a:r>
-          </a:p>
-        </p:txBody>
-      </p:sp>
+        </p:nvGraphicFramePr>
+        <p:xfrm>
+          <a:off x="179512" y="548680"/>
+          <a:ext cx="8640960" cy="4963392"/>
+        </p:xfrm>
+        <a:graphic>
+          <a:graphicData uri="http://schemas.openxmlformats.org/drawingml/2006/table">
+            <a:tbl>
+              <a:tblPr>
+                <a:tableStyleId>{5C22544A-7EE6-4342-B048-85BDC9FD1C3A}</a:tableStyleId>
+              </a:tblPr>
+              <a:tblGrid>
+                <a:gridCol w="8640960">
+                  <a:extLst>
+                    <a:ext uri="{9D8B030D-6E8A-4147-A177-3AD203B41FA5}">
+                      <a16:colId xmlns:a16="http://schemas.microsoft.com/office/drawing/2014/main" val="2706851558"/>
+                    </a:ext>
+                  </a:extLst>
+                </a:gridCol>
+              </a:tblGrid>
+              <a:tr h="376693">
+                <a:tc>
+                  <a:txBody>
+                    <a:bodyPr/>
+                    <a:lstStyle/>
+                    <a:p>
+                      <a:pPr marL="0" marR="0" lvl="0" indent="0" algn="l" defTabSz="914400" rtl="0" eaLnBrk="1" fontAlgn="auto" latinLnBrk="0" hangingPunct="1">
+                        <a:lnSpc>
+                          <a:spcPct val="100000"/>
+                        </a:lnSpc>
+                        <a:spcBef>
+                          <a:spcPts val="0"/>
+                        </a:spcBef>
+                        <a:spcAft>
+                          <a:spcPts val="0"/>
+                        </a:spcAft>
+                        <a:buClrTx/>
+                        <a:buSzTx/>
+                        <a:buFontTx/>
+                        <a:buNone/>
+                        <a:tabLst/>
+                        <a:defRPr/>
+                      </a:pPr>
+                      <a:r>
+                        <a:rPr lang="hr-HR" sz="1600" b="0" dirty="0" err="1"/>
+                        <a:t>Distribution</a:t>
+                      </a:r>
+                      <a:r>
+                        <a:rPr lang="hr-HR" sz="1600" b="0" dirty="0"/>
+                        <a:t> </a:t>
+                      </a:r>
+                      <a:r>
+                        <a:rPr lang="hr-HR" sz="1600" b="0" dirty="0" err="1"/>
+                        <a:t>of</a:t>
+                      </a:r>
+                      <a:r>
+                        <a:rPr lang="hr-HR" sz="1600" b="0" dirty="0"/>
+                        <a:t> </a:t>
+                      </a:r>
+                      <a:r>
+                        <a:rPr lang="hr-HR" sz="1600" b="0" dirty="0" err="1"/>
+                        <a:t>surnames</a:t>
+                      </a:r>
+                      <a:r>
+                        <a:rPr lang="hr-HR" sz="1600" b="0" dirty="0"/>
+                        <a:t> per </a:t>
+                      </a:r>
+                      <a:r>
+                        <a:rPr lang="hr-HR" sz="1600" b="0" dirty="0" err="1"/>
+                        <a:t>nationality</a:t>
+                      </a:r>
+                      <a:endParaRPr lang="en-GB" sz="1600" dirty="0"/>
+                    </a:p>
+                  </a:txBody>
+                  <a:tcPr>
+                    <a:lnL w="12700" cap="flat" cmpd="sng" algn="ctr">
+                      <a:noFill/>
+                      <a:prstDash val="solid"/>
+                      <a:round/>
+                      <a:headEnd type="none" w="med" len="med"/>
+                      <a:tailEnd type="none" w="med" len="med"/>
+                    </a:lnL>
+                    <a:lnR w="12700" cap="flat" cmpd="sng" algn="ctr">
+                      <a:noFill/>
+                      <a:prstDash val="solid"/>
+                      <a:round/>
+                      <a:headEnd type="none" w="med" len="med"/>
+                      <a:tailEnd type="none" w="med" len="med"/>
+                    </a:lnR>
+                    <a:lnT w="12700" cap="flat" cmpd="sng" algn="ctr">
+                      <a:noFill/>
+                      <a:prstDash val="solid"/>
+                      <a:round/>
+                      <a:headEnd type="none" w="med" len="med"/>
+                      <a:tailEnd type="none" w="med" len="med"/>
+                    </a:lnT>
+                    <a:lnB w="12700" cap="flat" cmpd="sng" algn="ctr">
+                      <a:solidFill>
+                        <a:schemeClr val="accent1"/>
+                      </a:solidFill>
+                      <a:prstDash val="solid"/>
+                      <a:round/>
+                      <a:headEnd type="none" w="med" len="med"/>
+                      <a:tailEnd type="none" w="med" len="med"/>
+                    </a:lnB>
+                    <a:lnTlToBr w="12700" cmpd="sng">
+                      <a:noFill/>
+                      <a:prstDash val="solid"/>
+                    </a:lnTlToBr>
+                    <a:lnBlToTr w="12700" cmpd="sng">
+                      <a:noFill/>
+                      <a:prstDash val="solid"/>
+                    </a:lnBlToTr>
+                    <a:noFill/>
+                  </a:tcPr>
+                </a:tc>
+                <a:extLst>
+                  <a:ext uri="{0D108BD9-81ED-4DB2-BD59-A6C34878D82A}">
+                    <a16:rowId xmlns:a16="http://schemas.microsoft.com/office/drawing/2014/main" val="533612861"/>
+                  </a:ext>
+                </a:extLst>
+              </a:tr>
+              <a:tr h="631419">
+                <a:tc>
+                  <a:txBody>
+                    <a:bodyPr/>
+                    <a:lstStyle/>
+                    <a:p>
+                      <a:pPr algn="l"/>
+                      <a:r>
+                        <a:rPr lang="en-US" sz="1400" b="0" i="0" u="none" strike="noStrike" dirty="0">
+                          <a:solidFill>
+                            <a:srgbClr val="008000"/>
+                          </a:solidFill>
+                          <a:effectLst/>
+                          <a:latin typeface="Courier New" panose="02070309020205020404" pitchFamily="49" charset="0"/>
+                        </a:rPr>
+                        <a:t># Unique classes</a:t>
+                      </a:r>
+                      <a:endParaRPr lang="en-US" sz="1400" b="0" i="0" u="none" strike="noStrike" dirty="0">
+                        <a:solidFill>
+                          <a:srgbClr val="000000"/>
+                        </a:solidFill>
+                        <a:effectLst/>
+                        <a:latin typeface="Courier New" panose="02070309020205020404" pitchFamily="49" charset="0"/>
+                      </a:endParaRPr>
+                    </a:p>
+                    <a:p>
+                      <a:pPr algn="l"/>
+                      <a:r>
+                        <a:rPr lang="en-US" sz="1400" b="0" i="0" u="none" strike="noStrike" dirty="0" err="1">
+                          <a:solidFill>
+                            <a:srgbClr val="000000"/>
+                          </a:solidFill>
+                          <a:effectLst/>
+                          <a:latin typeface="Courier New" panose="02070309020205020404" pitchFamily="49" charset="0"/>
+                        </a:rPr>
+                        <a:t>pd.DataFrame</a:t>
+                      </a:r>
+                      <a:r>
+                        <a:rPr lang="en-US" sz="1400" b="0" i="0" u="none" strike="noStrike" dirty="0">
+                          <a:solidFill>
+                            <a:srgbClr val="000000"/>
+                          </a:solidFill>
+                          <a:effectLst/>
+                          <a:latin typeface="Courier New" panose="02070309020205020404" pitchFamily="49" charset="0"/>
+                        </a:rPr>
+                        <a:t>(</a:t>
+                      </a:r>
+                      <a:r>
+                        <a:rPr lang="en-US" sz="1400" b="0" i="0" u="none" strike="noStrike" dirty="0" err="1">
+                          <a:solidFill>
+                            <a:srgbClr val="000000"/>
+                          </a:solidFill>
+                          <a:effectLst/>
+                          <a:latin typeface="Courier New" panose="02070309020205020404" pitchFamily="49" charset="0"/>
+                        </a:rPr>
+                        <a:t>surnames.nationality.value_counts</a:t>
+                      </a:r>
+                      <a:r>
+                        <a:rPr lang="en-US" sz="1400" b="0" i="0" u="none" strike="noStrike" dirty="0">
+                          <a:solidFill>
+                            <a:srgbClr val="000000"/>
+                          </a:solidFill>
+                          <a:effectLst/>
+                          <a:latin typeface="Courier New" panose="02070309020205020404" pitchFamily="49" charset="0"/>
+                        </a:rPr>
+                        <a:t>()).</a:t>
+                      </a:r>
+                      <a:r>
+                        <a:rPr lang="en-US" sz="1400" b="0" i="0" u="none" strike="noStrike" dirty="0" err="1">
+                          <a:solidFill>
+                            <a:srgbClr val="000000"/>
+                          </a:solidFill>
+                          <a:effectLst/>
+                          <a:latin typeface="Courier New" panose="02070309020205020404" pitchFamily="49" charset="0"/>
+                        </a:rPr>
+                        <a:t>plot.bar</a:t>
+                      </a:r>
+                      <a:r>
+                        <a:rPr lang="en-US" sz="1400" b="0" i="0" u="none" strike="noStrike" dirty="0">
+                          <a:solidFill>
+                            <a:srgbClr val="000000"/>
+                          </a:solidFill>
+                          <a:effectLst/>
+                          <a:latin typeface="Courier New" panose="02070309020205020404" pitchFamily="49" charset="0"/>
+                        </a:rPr>
+                        <a:t>(</a:t>
+                      </a:r>
+                      <a:r>
+                        <a:rPr lang="en-US" sz="1400" b="0" i="0" u="none" strike="noStrike" dirty="0" err="1">
+                          <a:solidFill>
+                            <a:srgbClr val="000000"/>
+                          </a:solidFill>
+                          <a:effectLst/>
+                          <a:latin typeface="Courier New" panose="02070309020205020404" pitchFamily="49" charset="0"/>
+                        </a:rPr>
+                        <a:t>ylabel</a:t>
+                      </a:r>
+                      <a:r>
+                        <a:rPr lang="en-US" sz="1400" b="0" i="0" u="none" strike="noStrike" dirty="0">
+                          <a:solidFill>
+                            <a:srgbClr val="000000"/>
+                          </a:solidFill>
+                          <a:effectLst/>
+                          <a:latin typeface="Courier New" panose="02070309020205020404" pitchFamily="49" charset="0"/>
+                        </a:rPr>
+                        <a:t>=</a:t>
+                      </a:r>
+                      <a:r>
+                        <a:rPr lang="en-US" sz="1400" b="0" i="0" u="none" strike="noStrike" dirty="0">
+                          <a:solidFill>
+                            <a:srgbClr val="A31515"/>
+                          </a:solidFill>
+                          <a:effectLst/>
+                          <a:latin typeface="Courier New" panose="02070309020205020404" pitchFamily="49" charset="0"/>
+                        </a:rPr>
+                        <a:t>"# surnames"</a:t>
+                      </a:r>
+                      <a:r>
+                        <a:rPr lang="en-US" sz="1400" b="0" i="0" u="none" strike="noStrike" dirty="0">
+                          <a:solidFill>
+                            <a:srgbClr val="000000"/>
+                          </a:solidFill>
+                          <a:effectLst/>
+                          <a:latin typeface="Courier New" panose="02070309020205020404" pitchFamily="49" charset="0"/>
+                        </a:rPr>
+                        <a:t>)</a:t>
+                      </a:r>
+                    </a:p>
+                  </a:txBody>
+                  <a:tcPr>
+                    <a:lnL w="12700" cap="flat" cmpd="sng" algn="ctr">
+                      <a:solidFill>
+                        <a:schemeClr val="accent1"/>
+                      </a:solidFill>
+                      <a:prstDash val="solid"/>
+                      <a:round/>
+                      <a:headEnd type="none" w="med" len="med"/>
+                      <a:tailEnd type="none" w="med" len="med"/>
+                    </a:lnL>
+                    <a:lnR w="12700" cap="flat" cmpd="sng" algn="ctr">
+                      <a:solidFill>
+                        <a:schemeClr val="accent1"/>
+                      </a:solidFill>
+                      <a:prstDash val="solid"/>
+                      <a:round/>
+                      <a:headEnd type="none" w="med" len="med"/>
+                      <a:tailEnd type="none" w="med" len="med"/>
+                    </a:lnR>
+                    <a:lnT w="12700" cap="flat" cmpd="sng" algn="ctr">
+                      <a:solidFill>
+                        <a:schemeClr val="accent1"/>
+                      </a:solidFill>
+                      <a:prstDash val="solid"/>
+                      <a:round/>
+                      <a:headEnd type="none" w="med" len="med"/>
+                      <a:tailEnd type="none" w="med" len="med"/>
+                    </a:lnT>
+                    <a:lnB w="12700" cap="flat" cmpd="sng" algn="ctr">
+                      <a:solidFill>
+                        <a:schemeClr val="accent1"/>
+                      </a:solidFill>
+                      <a:prstDash val="solid"/>
+                      <a:round/>
+                      <a:headEnd type="none" w="med" len="med"/>
+                      <a:tailEnd type="none" w="med" len="med"/>
+                    </a:lnB>
+                    <a:solidFill>
+                      <a:schemeClr val="bg1">
+                        <a:lumMod val="95000"/>
+                      </a:schemeClr>
+                    </a:solidFill>
+                  </a:tcPr>
+                </a:tc>
+                <a:extLst>
+                  <a:ext uri="{0D108BD9-81ED-4DB2-BD59-A6C34878D82A}">
+                    <a16:rowId xmlns:a16="http://schemas.microsoft.com/office/drawing/2014/main" val="2014089395"/>
+                  </a:ext>
+                </a:extLst>
+              </a:tr>
+              <a:tr h="3955280">
+                <a:tc>
+                  <a:txBody>
+                    <a:bodyPr/>
+                    <a:lstStyle/>
+                    <a:p>
+                      <a:pPr marL="0" marR="0" indent="0" algn="l" defTabSz="914400" rtl="0" eaLnBrk="1" fontAlgn="auto" latinLnBrk="0" hangingPunct="1">
+                        <a:lnSpc>
+                          <a:spcPct val="100000"/>
+                        </a:lnSpc>
+                        <a:spcBef>
+                          <a:spcPts val="0"/>
+                        </a:spcBef>
+                        <a:spcAft>
+                          <a:spcPts val="0"/>
+                        </a:spcAft>
+                        <a:buClrTx/>
+                        <a:buSzTx/>
+                        <a:buFontTx/>
+                        <a:buNone/>
+                        <a:tabLst/>
+                        <a:defRPr/>
+                      </a:pPr>
+                      <a:endParaRPr lang="es-ES_tradnl" sz="1500" noProof="1">
+                        <a:latin typeface="Courier New" panose="02070309020205020404" pitchFamily="49" charset="0"/>
+                        <a:cs typeface="Courier New" panose="02070309020205020404" pitchFamily="49" charset="0"/>
+                      </a:endParaRPr>
+                    </a:p>
+                    <a:p>
+                      <a:pPr marL="0" marR="0" indent="0" algn="l" defTabSz="914400" rtl="0" eaLnBrk="1" fontAlgn="auto" latinLnBrk="0" hangingPunct="1">
+                        <a:lnSpc>
+                          <a:spcPct val="100000"/>
+                        </a:lnSpc>
+                        <a:spcBef>
+                          <a:spcPts val="0"/>
+                        </a:spcBef>
+                        <a:spcAft>
+                          <a:spcPts val="0"/>
+                        </a:spcAft>
+                        <a:buClrTx/>
+                        <a:buSzTx/>
+                        <a:buFontTx/>
+                        <a:buNone/>
+                        <a:tabLst/>
+                        <a:defRPr/>
+                      </a:pPr>
+                      <a:endParaRPr lang="es-ES_tradnl" sz="1500" noProof="1">
+                        <a:latin typeface="Courier New" panose="02070309020205020404" pitchFamily="49" charset="0"/>
+                        <a:cs typeface="Courier New" panose="02070309020205020404" pitchFamily="49" charset="0"/>
+                      </a:endParaRPr>
+                    </a:p>
+                    <a:p>
+                      <a:pPr marL="0" marR="0" indent="0" algn="l" defTabSz="914400" rtl="0" eaLnBrk="1" fontAlgn="auto" latinLnBrk="0" hangingPunct="1">
+                        <a:lnSpc>
+                          <a:spcPct val="100000"/>
+                        </a:lnSpc>
+                        <a:spcBef>
+                          <a:spcPts val="0"/>
+                        </a:spcBef>
+                        <a:spcAft>
+                          <a:spcPts val="0"/>
+                        </a:spcAft>
+                        <a:buClrTx/>
+                        <a:buSzTx/>
+                        <a:buFontTx/>
+                        <a:buNone/>
+                        <a:tabLst/>
+                        <a:defRPr/>
+                      </a:pPr>
+                      <a:endParaRPr lang="es-ES_tradnl" sz="1500" noProof="1">
+                        <a:latin typeface="Courier New" panose="02070309020205020404" pitchFamily="49" charset="0"/>
+                        <a:cs typeface="Courier New" panose="02070309020205020404" pitchFamily="49" charset="0"/>
+                      </a:endParaRPr>
+                    </a:p>
+                    <a:p>
+                      <a:pPr marL="0" marR="0" indent="0" algn="l" defTabSz="914400" rtl="0" eaLnBrk="1" fontAlgn="auto" latinLnBrk="0" hangingPunct="1">
+                        <a:lnSpc>
+                          <a:spcPct val="100000"/>
+                        </a:lnSpc>
+                        <a:spcBef>
+                          <a:spcPts val="0"/>
+                        </a:spcBef>
+                        <a:spcAft>
+                          <a:spcPts val="0"/>
+                        </a:spcAft>
+                        <a:buClrTx/>
+                        <a:buSzTx/>
+                        <a:buFontTx/>
+                        <a:buNone/>
+                        <a:tabLst/>
+                        <a:defRPr/>
+                      </a:pPr>
+                      <a:endParaRPr lang="es-ES_tradnl" sz="1500" noProof="1">
+                        <a:latin typeface="Courier New" panose="02070309020205020404" pitchFamily="49" charset="0"/>
+                        <a:cs typeface="Courier New" panose="02070309020205020404" pitchFamily="49" charset="0"/>
+                      </a:endParaRPr>
+                    </a:p>
+                    <a:p>
+                      <a:pPr marL="0" marR="0" indent="0" algn="l" defTabSz="914400" rtl="0" eaLnBrk="1" fontAlgn="auto" latinLnBrk="0" hangingPunct="1">
+                        <a:lnSpc>
+                          <a:spcPct val="100000"/>
+                        </a:lnSpc>
+                        <a:spcBef>
+                          <a:spcPts val="0"/>
+                        </a:spcBef>
+                        <a:spcAft>
+                          <a:spcPts val="0"/>
+                        </a:spcAft>
+                        <a:buClrTx/>
+                        <a:buSzTx/>
+                        <a:buFontTx/>
+                        <a:buNone/>
+                        <a:tabLst/>
+                        <a:defRPr/>
+                      </a:pPr>
+                      <a:endParaRPr lang="es-ES_tradnl" sz="1500" noProof="1">
+                        <a:latin typeface="Courier New" panose="02070309020205020404" pitchFamily="49" charset="0"/>
+                        <a:cs typeface="Courier New" panose="02070309020205020404" pitchFamily="49" charset="0"/>
+                      </a:endParaRPr>
+                    </a:p>
+                    <a:p>
+                      <a:pPr marL="0" marR="0" indent="0" algn="l" defTabSz="914400" rtl="0" eaLnBrk="1" fontAlgn="auto" latinLnBrk="0" hangingPunct="1">
+                        <a:lnSpc>
+                          <a:spcPct val="100000"/>
+                        </a:lnSpc>
+                        <a:spcBef>
+                          <a:spcPts val="0"/>
+                        </a:spcBef>
+                        <a:spcAft>
+                          <a:spcPts val="0"/>
+                        </a:spcAft>
+                        <a:buClrTx/>
+                        <a:buSzTx/>
+                        <a:buFontTx/>
+                        <a:buNone/>
+                        <a:tabLst/>
+                        <a:defRPr/>
+                      </a:pPr>
+                      <a:endParaRPr lang="es-ES_tradnl" sz="1500" noProof="1">
+                        <a:latin typeface="Courier New" panose="02070309020205020404" pitchFamily="49" charset="0"/>
+                        <a:cs typeface="Courier New" panose="02070309020205020404" pitchFamily="49" charset="0"/>
+                      </a:endParaRPr>
+                    </a:p>
+                    <a:p>
+                      <a:pPr marL="0" marR="0" indent="0" algn="l" defTabSz="914400" rtl="0" eaLnBrk="1" fontAlgn="auto" latinLnBrk="0" hangingPunct="1">
+                        <a:lnSpc>
+                          <a:spcPct val="100000"/>
+                        </a:lnSpc>
+                        <a:spcBef>
+                          <a:spcPts val="0"/>
+                        </a:spcBef>
+                        <a:spcAft>
+                          <a:spcPts val="0"/>
+                        </a:spcAft>
+                        <a:buClrTx/>
+                        <a:buSzTx/>
+                        <a:buFontTx/>
+                        <a:buNone/>
+                        <a:tabLst/>
+                        <a:defRPr/>
+                      </a:pPr>
+                      <a:endParaRPr lang="es-ES_tradnl" sz="1500" noProof="1">
+                        <a:latin typeface="Courier New" panose="02070309020205020404" pitchFamily="49" charset="0"/>
+                        <a:cs typeface="Courier New" panose="02070309020205020404" pitchFamily="49" charset="0"/>
+                      </a:endParaRPr>
+                    </a:p>
+                    <a:p>
+                      <a:pPr marL="0" marR="0" indent="0" algn="l" defTabSz="914400" rtl="0" eaLnBrk="1" fontAlgn="auto" latinLnBrk="0" hangingPunct="1">
+                        <a:lnSpc>
+                          <a:spcPct val="100000"/>
+                        </a:lnSpc>
+                        <a:spcBef>
+                          <a:spcPts val="0"/>
+                        </a:spcBef>
+                        <a:spcAft>
+                          <a:spcPts val="0"/>
+                        </a:spcAft>
+                        <a:buClrTx/>
+                        <a:buSzTx/>
+                        <a:buFontTx/>
+                        <a:buNone/>
+                        <a:tabLst/>
+                        <a:defRPr/>
+                      </a:pPr>
+                      <a:endParaRPr lang="es-ES_tradnl" sz="1500" noProof="1">
+                        <a:latin typeface="Courier New" panose="02070309020205020404" pitchFamily="49" charset="0"/>
+                        <a:cs typeface="Courier New" panose="02070309020205020404" pitchFamily="49" charset="0"/>
+                      </a:endParaRPr>
+                    </a:p>
+                    <a:p>
+                      <a:pPr marL="0" marR="0" indent="0" algn="l" defTabSz="914400" rtl="0" eaLnBrk="1" fontAlgn="auto" latinLnBrk="0" hangingPunct="1">
+                        <a:lnSpc>
+                          <a:spcPct val="100000"/>
+                        </a:lnSpc>
+                        <a:spcBef>
+                          <a:spcPts val="0"/>
+                        </a:spcBef>
+                        <a:spcAft>
+                          <a:spcPts val="0"/>
+                        </a:spcAft>
+                        <a:buClrTx/>
+                        <a:buSzTx/>
+                        <a:buFontTx/>
+                        <a:buNone/>
+                        <a:tabLst/>
+                        <a:defRPr/>
+                      </a:pPr>
+                      <a:endParaRPr lang="es-ES_tradnl" sz="1500" noProof="1">
+                        <a:latin typeface="Courier New" panose="02070309020205020404" pitchFamily="49" charset="0"/>
+                        <a:cs typeface="Courier New" panose="02070309020205020404" pitchFamily="49" charset="0"/>
+                      </a:endParaRPr>
+                    </a:p>
+                    <a:p>
+                      <a:pPr marL="0" marR="0" indent="0" algn="l" defTabSz="914400" rtl="0" eaLnBrk="1" fontAlgn="auto" latinLnBrk="0" hangingPunct="1">
+                        <a:lnSpc>
+                          <a:spcPct val="100000"/>
+                        </a:lnSpc>
+                        <a:spcBef>
+                          <a:spcPts val="0"/>
+                        </a:spcBef>
+                        <a:spcAft>
+                          <a:spcPts val="0"/>
+                        </a:spcAft>
+                        <a:buClrTx/>
+                        <a:buSzTx/>
+                        <a:buFontTx/>
+                        <a:buNone/>
+                        <a:tabLst/>
+                        <a:defRPr/>
+                      </a:pPr>
+                      <a:endParaRPr lang="es-ES_tradnl" sz="1500" noProof="1">
+                        <a:latin typeface="Courier New" panose="02070309020205020404" pitchFamily="49" charset="0"/>
+                        <a:cs typeface="Courier New" panose="02070309020205020404" pitchFamily="49" charset="0"/>
+                      </a:endParaRPr>
+                    </a:p>
+                    <a:p>
+                      <a:pPr marL="0" marR="0" indent="0" algn="l" defTabSz="914400" rtl="0" eaLnBrk="1" fontAlgn="auto" latinLnBrk="0" hangingPunct="1">
+                        <a:lnSpc>
+                          <a:spcPct val="100000"/>
+                        </a:lnSpc>
+                        <a:spcBef>
+                          <a:spcPts val="0"/>
+                        </a:spcBef>
+                        <a:spcAft>
+                          <a:spcPts val="0"/>
+                        </a:spcAft>
+                        <a:buClrTx/>
+                        <a:buSzTx/>
+                        <a:buFontTx/>
+                        <a:buNone/>
+                        <a:tabLst/>
+                        <a:defRPr/>
+                      </a:pPr>
+                      <a:endParaRPr lang="es-ES_tradnl" sz="1500" noProof="1">
+                        <a:latin typeface="Courier New" panose="02070309020205020404" pitchFamily="49" charset="0"/>
+                        <a:cs typeface="Courier New" panose="02070309020205020404" pitchFamily="49" charset="0"/>
+                      </a:endParaRPr>
+                    </a:p>
+                    <a:p>
+                      <a:pPr marL="0" marR="0" indent="0" algn="l" defTabSz="914400" rtl="0" eaLnBrk="1" fontAlgn="auto" latinLnBrk="0" hangingPunct="1">
+                        <a:lnSpc>
+                          <a:spcPct val="100000"/>
+                        </a:lnSpc>
+                        <a:spcBef>
+                          <a:spcPts val="0"/>
+                        </a:spcBef>
+                        <a:spcAft>
+                          <a:spcPts val="0"/>
+                        </a:spcAft>
+                        <a:buClrTx/>
+                        <a:buSzTx/>
+                        <a:buFontTx/>
+                        <a:buNone/>
+                        <a:tabLst/>
+                        <a:defRPr/>
+                      </a:pPr>
+                      <a:endParaRPr lang="es-ES_tradnl" sz="1500" noProof="1">
+                        <a:latin typeface="Courier New" panose="02070309020205020404" pitchFamily="49" charset="0"/>
+                        <a:cs typeface="Courier New" panose="02070309020205020404" pitchFamily="49" charset="0"/>
+                      </a:endParaRPr>
+                    </a:p>
+                    <a:p>
+                      <a:pPr marL="0" marR="0" indent="0" algn="l" defTabSz="914400" rtl="0" eaLnBrk="1" fontAlgn="auto" latinLnBrk="0" hangingPunct="1">
+                        <a:lnSpc>
+                          <a:spcPct val="100000"/>
+                        </a:lnSpc>
+                        <a:spcBef>
+                          <a:spcPts val="0"/>
+                        </a:spcBef>
+                        <a:spcAft>
+                          <a:spcPts val="0"/>
+                        </a:spcAft>
+                        <a:buClrTx/>
+                        <a:buSzTx/>
+                        <a:buFontTx/>
+                        <a:buNone/>
+                        <a:tabLst/>
+                        <a:defRPr/>
+                      </a:pPr>
+                      <a:endParaRPr lang="es-ES_tradnl" sz="1500" noProof="1">
+                        <a:latin typeface="Courier New" panose="02070309020205020404" pitchFamily="49" charset="0"/>
+                        <a:cs typeface="Courier New" panose="02070309020205020404" pitchFamily="49" charset="0"/>
+                      </a:endParaRPr>
+                    </a:p>
+                    <a:p>
+                      <a:pPr marL="0" marR="0" indent="0" algn="l" defTabSz="914400" rtl="0" eaLnBrk="1" fontAlgn="auto" latinLnBrk="0" hangingPunct="1">
+                        <a:lnSpc>
+                          <a:spcPct val="100000"/>
+                        </a:lnSpc>
+                        <a:spcBef>
+                          <a:spcPts val="0"/>
+                        </a:spcBef>
+                        <a:spcAft>
+                          <a:spcPts val="0"/>
+                        </a:spcAft>
+                        <a:buClrTx/>
+                        <a:buSzTx/>
+                        <a:buFontTx/>
+                        <a:buNone/>
+                        <a:tabLst/>
+                        <a:defRPr/>
+                      </a:pPr>
+                      <a:endParaRPr lang="es-ES_tradnl" sz="1500" noProof="1">
+                        <a:latin typeface="Courier New" panose="02070309020205020404" pitchFamily="49" charset="0"/>
+                        <a:cs typeface="Courier New" panose="02070309020205020404" pitchFamily="49" charset="0"/>
+                      </a:endParaRPr>
+                    </a:p>
+                    <a:p>
+                      <a:pPr marL="0" marR="0" indent="0" algn="l" defTabSz="914400" rtl="0" eaLnBrk="1" fontAlgn="auto" latinLnBrk="0" hangingPunct="1">
+                        <a:lnSpc>
+                          <a:spcPct val="100000"/>
+                        </a:lnSpc>
+                        <a:spcBef>
+                          <a:spcPts val="0"/>
+                        </a:spcBef>
+                        <a:spcAft>
+                          <a:spcPts val="0"/>
+                        </a:spcAft>
+                        <a:buClrTx/>
+                        <a:buSzTx/>
+                        <a:buFontTx/>
+                        <a:buNone/>
+                        <a:tabLst/>
+                        <a:defRPr/>
+                      </a:pPr>
+                      <a:endParaRPr lang="es-ES_tradnl" sz="1500" noProof="1">
+                        <a:latin typeface="Courier New" panose="02070309020205020404" pitchFamily="49" charset="0"/>
+                        <a:cs typeface="Courier New" panose="02070309020205020404" pitchFamily="49" charset="0"/>
+                      </a:endParaRPr>
+                    </a:p>
+                  </a:txBody>
+                  <a:tcPr>
+                    <a:lnL w="12700" cap="flat" cmpd="sng" algn="ctr">
+                      <a:solidFill>
+                        <a:schemeClr val="accent1"/>
+                      </a:solidFill>
+                      <a:prstDash val="solid"/>
+                      <a:round/>
+                      <a:headEnd type="none" w="med" len="med"/>
+                      <a:tailEnd type="none" w="med" len="med"/>
+                    </a:lnL>
+                    <a:lnR w="12700" cap="flat" cmpd="sng" algn="ctr">
+                      <a:solidFill>
+                        <a:schemeClr val="accent1"/>
+                      </a:solidFill>
+                      <a:prstDash val="solid"/>
+                      <a:round/>
+                      <a:headEnd type="none" w="med" len="med"/>
+                      <a:tailEnd type="none" w="med" len="med"/>
+                    </a:lnR>
+                    <a:lnT w="12700" cap="flat" cmpd="sng" algn="ctr">
+                      <a:solidFill>
+                        <a:schemeClr val="accent1"/>
+                      </a:solidFill>
+                      <a:prstDash val="solid"/>
+                      <a:round/>
+                      <a:headEnd type="none" w="med" len="med"/>
+                      <a:tailEnd type="none" w="med" len="med"/>
+                    </a:lnT>
+                    <a:lnB w="12700" cap="flat" cmpd="sng" algn="ctr">
+                      <a:solidFill>
+                        <a:schemeClr val="accent1"/>
+                      </a:solidFill>
+                      <a:prstDash val="solid"/>
+                      <a:round/>
+                      <a:headEnd type="none" w="med" len="med"/>
+                      <a:tailEnd type="none" w="med" len="med"/>
+                    </a:lnB>
+                    <a:solidFill>
+                      <a:schemeClr val="bg1"/>
+                    </a:solidFill>
+                  </a:tcPr>
+                </a:tc>
+                <a:extLst>
+                  <a:ext uri="{0D108BD9-81ED-4DB2-BD59-A6C34878D82A}">
+                    <a16:rowId xmlns:a16="http://schemas.microsoft.com/office/drawing/2014/main" val="2433388719"/>
+                  </a:ext>
+                </a:extLst>
+              </a:tr>
+            </a:tbl>
+          </a:graphicData>
+        </a:graphic>
+      </p:graphicFrame>
       <p:pic>
         <p:nvPicPr>
-          <p:cNvPr id="5" name="Picture 4">
+          <p:cNvPr id="1026" name="Picture 2">
             <a:extLst>
               <a:ext uri="{FF2B5EF4-FFF2-40B4-BE49-F238E27FC236}">
-                <a16:creationId xmlns:a16="http://schemas.microsoft.com/office/drawing/2014/main" id="{E4674752-6E0E-6F87-4DAD-84B0CC364783}"/>
+                <a16:creationId xmlns:a16="http://schemas.microsoft.com/office/drawing/2014/main" id="{F51FC87B-366D-1867-9FB3-F032D96F9E0A}"/>
               </a:ext>
             </a:extLst>
           </p:cNvPr>
           <p:cNvPicPr>
-            <a:picLocks noChangeAspect="1"/>
+            <a:picLocks noChangeAspect="1" noChangeArrowheads="1"/>
           </p:cNvPicPr>
           <p:nvPr/>
         </p:nvPicPr>
@@ -6077,24 +6343,35 @@
               </a:ext>
             </a:extLst>
           </a:blip>
+          <a:srcRect/>
           <a:stretch>
             <a:fillRect/>
           </a:stretch>
         </p:blipFill>
-        <p:spPr>
+        <p:spPr bwMode="auto">
           <a:xfrm>
-            <a:off x="2051720" y="3727447"/>
-            <a:ext cx="4392488" cy="2773387"/>
+            <a:off x="323528" y="1628800"/>
+            <a:ext cx="5016500" cy="3771900"/>
           </a:xfrm>
           <a:prstGeom prst="rect">
             <a:avLst/>
           </a:prstGeom>
+          <a:noFill/>
+          <a:extLst>
+            <a:ext uri="{909E8E84-426E-40DD-AFC4-6F175D3DCCD1}">
+              <a14:hiddenFill xmlns:a14="http://schemas.microsoft.com/office/drawing/2010/main">
+                <a:solidFill>
+                  <a:srgbClr val="FFFFFF"/>
+                </a:solidFill>
+              </a14:hiddenFill>
+            </a:ext>
+          </a:extLst>
         </p:spPr>
       </p:pic>
     </p:spTree>
     <p:extLst>
       <p:ext uri="{BB962C8B-B14F-4D97-AF65-F5344CB8AC3E}">
-        <p14:creationId xmlns:p14="http://schemas.microsoft.com/office/powerpoint/2010/main" val="1766225639"/>
+        <p14:creationId xmlns:p14="http://schemas.microsoft.com/office/powerpoint/2010/main" val="779059485"/>
       </p:ext>
     </p:extLst>
   </p:cSld>
@@ -6131,151 +6408,747 @@
             <p:ph type="title"/>
           </p:nvPr>
         </p:nvSpPr>
-        <p:spPr/>
+        <p:spPr>
+          <a:xfrm>
+            <a:off x="-2631" y="0"/>
+            <a:ext cx="9144000" cy="500042"/>
+          </a:xfrm>
+        </p:spPr>
         <p:txBody>
           <a:bodyPr/>
           <a:lstStyle/>
           <a:p>
             <a:r>
-              <a:rPr lang="en-US"/>
-              <a:t>A Simple Example: XOR</a:t>
+              <a:rPr lang="en-US" dirty="0"/>
+              <a:t>Preprocessing</a:t>
             </a:r>
-            <a:endParaRPr lang="en-US" dirty="0"/>
           </a:p>
         </p:txBody>
       </p:sp>
-      <p:sp>
-        <p:nvSpPr>
-          <p:cNvPr id="3" name="Content Placeholder 2"/>
-          <p:cNvSpPr>
-            <a:spLocks noGrp="1"/>
-          </p:cNvSpPr>
-          <p:nvPr>
-            <p:ph idx="1"/>
-          </p:nvPr>
-        </p:nvSpPr>
-        <p:spPr/>
-        <p:txBody>
-          <a:bodyPr/>
-          <a:lstStyle/>
-          <a:p>
-            <a:r>
-              <a:rPr lang="en-US" dirty="0"/>
-              <a:t>Two classes in the XOR dataset plotted as circles and stars.</a:t>
-            </a:r>
-          </a:p>
-        </p:txBody>
-      </p:sp>
-      <p:sp>
-        <p:nvSpPr>
-          <p:cNvPr id="13" name="TextBox 12">
+      <p:graphicFrame>
+        <p:nvGraphicFramePr>
+          <p:cNvPr id="16" name="Table 16">
             <a:extLst>
               <a:ext uri="{FF2B5EF4-FFF2-40B4-BE49-F238E27FC236}">
-                <a16:creationId xmlns:a16="http://schemas.microsoft.com/office/drawing/2014/main" id="{63F4053E-F634-40A1-F472-3D659D1BB213}"/>
+                <a16:creationId xmlns:a16="http://schemas.microsoft.com/office/drawing/2014/main" id="{93F44A5E-B3CE-3BA0-3C48-A4083A6F3496}"/>
               </a:ext>
             </a:extLst>
           </p:cNvPr>
-          <p:cNvSpPr txBox="1"/>
-          <p:nvPr/>
-        </p:nvSpPr>
-        <p:spPr>
-          <a:xfrm>
-            <a:off x="1547664" y="4640607"/>
-            <a:ext cx="1221873" cy="369332"/>
-          </a:xfrm>
-          <a:prstGeom prst="rect">
-            <a:avLst/>
-          </a:prstGeom>
-          <a:noFill/>
-        </p:spPr>
-        <p:txBody>
-          <a:bodyPr wrap="none" rtlCol="0">
-            <a:spAutoFit/>
-          </a:bodyPr>
-          <a:lstStyle/>
-          <a:p>
-            <a:r>
-              <a:rPr lang="en-HR" dirty="0"/>
-              <a:t>Perceptron</a:t>
-            </a:r>
-          </a:p>
-        </p:txBody>
-      </p:sp>
-      <p:sp>
-        <p:nvSpPr>
-          <p:cNvPr id="14" name="TextBox 13">
-            <a:extLst>
-              <a:ext uri="{FF2B5EF4-FFF2-40B4-BE49-F238E27FC236}">
-                <a16:creationId xmlns:a16="http://schemas.microsoft.com/office/drawing/2014/main" id="{2B6BADF4-F3EE-537E-F25A-9614DFFA9D81}"/>
-              </a:ext>
-            </a:extLst>
-          </p:cNvPr>
-          <p:cNvSpPr txBox="1"/>
-          <p:nvPr/>
-        </p:nvSpPr>
-        <p:spPr>
-          <a:xfrm>
-            <a:off x="5310129" y="4640607"/>
-            <a:ext cx="598241" cy="369332"/>
-          </a:xfrm>
-          <a:prstGeom prst="rect">
-            <a:avLst/>
-          </a:prstGeom>
-          <a:noFill/>
-        </p:spPr>
-        <p:txBody>
-          <a:bodyPr wrap="none" rtlCol="0">
-            <a:spAutoFit/>
-          </a:bodyPr>
-          <a:lstStyle/>
-          <a:p>
-            <a:r>
-              <a:rPr lang="en-HR" dirty="0"/>
-              <a:t>MLP</a:t>
-            </a:r>
-          </a:p>
-        </p:txBody>
-      </p:sp>
-      <p:pic>
-        <p:nvPicPr>
-          <p:cNvPr id="5" name="Picture 4">
-            <a:extLst>
-              <a:ext uri="{FF2B5EF4-FFF2-40B4-BE49-F238E27FC236}">
-                <a16:creationId xmlns:a16="http://schemas.microsoft.com/office/drawing/2014/main" id="{3E812898-E4CA-3BF0-8E07-47E3109F50EF}"/>
-              </a:ext>
-            </a:extLst>
-          </p:cNvPr>
-          <p:cNvPicPr>
-            <a:picLocks noChangeAspect="1"/>
-          </p:cNvPicPr>
-          <p:nvPr/>
-        </p:nvPicPr>
-        <p:blipFill>
-          <a:blip r:embed="rId2">
-            <a:extLst>
-              <a:ext uri="{28A0092B-C50C-407E-A947-70E740481C1C}">
-                <a14:useLocalDpi xmlns:a14="http://schemas.microsoft.com/office/drawing/2010/main" val="0"/>
-              </a:ext>
-            </a:extLst>
-          </a:blip>
-          <a:stretch>
-            <a:fillRect/>
-          </a:stretch>
-        </p:blipFill>
-        <p:spPr>
-          <a:xfrm>
-            <a:off x="1449536" y="1412776"/>
-            <a:ext cx="6146800" cy="4584700"/>
-          </a:xfrm>
-          <a:prstGeom prst="rect">
-            <a:avLst/>
-          </a:prstGeom>
-        </p:spPr>
-      </p:pic>
+          <p:cNvGraphicFramePr>
+            <a:graphicFrameLocks noGrp="1"/>
+          </p:cNvGraphicFramePr>
+          <p:nvPr>
+            <p:extLst>
+              <p:ext uri="{D42A27DB-BD31-4B8C-83A1-F6EECF244321}">
+                <p14:modId xmlns:p14="http://schemas.microsoft.com/office/powerpoint/2010/main" val="2427850307"/>
+              </p:ext>
+            </p:extLst>
+          </p:nvPr>
+        </p:nvGraphicFramePr>
+        <p:xfrm>
+          <a:off x="179512" y="548680"/>
+          <a:ext cx="8640960" cy="3444240"/>
+        </p:xfrm>
+        <a:graphic>
+          <a:graphicData uri="http://schemas.openxmlformats.org/drawingml/2006/table">
+            <a:tbl>
+              <a:tblPr>
+                <a:tableStyleId>{5C22544A-7EE6-4342-B048-85BDC9FD1C3A}</a:tableStyleId>
+              </a:tblPr>
+              <a:tblGrid>
+                <a:gridCol w="8640960">
+                  <a:extLst>
+                    <a:ext uri="{9D8B030D-6E8A-4147-A177-3AD203B41FA5}">
+                      <a16:colId xmlns:a16="http://schemas.microsoft.com/office/drawing/2014/main" val="2706851558"/>
+                    </a:ext>
+                  </a:extLst>
+                </a:gridCol>
+              </a:tblGrid>
+              <a:tr h="202515">
+                <a:tc>
+                  <a:txBody>
+                    <a:bodyPr/>
+                    <a:lstStyle/>
+                    <a:p>
+                      <a:pPr marL="0" marR="0" lvl="0" indent="0" algn="l" defTabSz="914400" rtl="0" eaLnBrk="1" fontAlgn="auto" latinLnBrk="0" hangingPunct="1">
+                        <a:lnSpc>
+                          <a:spcPct val="100000"/>
+                        </a:lnSpc>
+                        <a:spcBef>
+                          <a:spcPts val="0"/>
+                        </a:spcBef>
+                        <a:spcAft>
+                          <a:spcPts val="0"/>
+                        </a:spcAft>
+                        <a:buClrTx/>
+                        <a:buSzTx/>
+                        <a:buFontTx/>
+                        <a:buNone/>
+                        <a:tabLst/>
+                        <a:defRPr/>
+                      </a:pPr>
+                      <a:r>
+                        <a:rPr lang="hr-HR" sz="1600" b="0" dirty="0" err="1"/>
+                        <a:t>Reviews</a:t>
+                      </a:r>
+                      <a:r>
+                        <a:rPr lang="hr-HR" sz="1600" b="0" dirty="0"/>
+                        <a:t> are </a:t>
+                      </a:r>
+                      <a:r>
+                        <a:rPr lang="hr-HR" sz="1600" b="0" dirty="0" err="1"/>
+                        <a:t>grouped</a:t>
+                      </a:r>
+                      <a:r>
+                        <a:rPr lang="hr-HR" sz="1600" b="0" dirty="0"/>
+                        <a:t> </a:t>
+                      </a:r>
+                      <a:r>
+                        <a:rPr lang="hr-HR" sz="1600" b="0" dirty="0" err="1"/>
+                        <a:t>by</a:t>
+                      </a:r>
+                      <a:r>
+                        <a:rPr lang="hr-HR" sz="1600" b="0" dirty="0"/>
+                        <a:t> </a:t>
+                      </a:r>
+                      <a:r>
+                        <a:rPr lang="hr-HR" sz="1600" b="0" dirty="0" err="1"/>
+                        <a:t>ratings</a:t>
+                      </a:r>
+                      <a:r>
+                        <a:rPr lang="hr-HR" sz="1600" b="0" dirty="0"/>
+                        <a:t>.</a:t>
+                      </a:r>
+                      <a:endParaRPr lang="en-GB" sz="1600" dirty="0"/>
+                    </a:p>
+                  </a:txBody>
+                  <a:tcPr>
+                    <a:lnL w="12700" cap="flat" cmpd="sng" algn="ctr">
+                      <a:noFill/>
+                      <a:prstDash val="solid"/>
+                      <a:round/>
+                      <a:headEnd type="none" w="med" len="med"/>
+                      <a:tailEnd type="none" w="med" len="med"/>
+                    </a:lnL>
+                    <a:lnR w="12700" cap="flat" cmpd="sng" algn="ctr">
+                      <a:noFill/>
+                      <a:prstDash val="solid"/>
+                      <a:round/>
+                      <a:headEnd type="none" w="med" len="med"/>
+                      <a:tailEnd type="none" w="med" len="med"/>
+                    </a:lnR>
+                    <a:lnT w="12700" cap="flat" cmpd="sng" algn="ctr">
+                      <a:noFill/>
+                      <a:prstDash val="solid"/>
+                      <a:round/>
+                      <a:headEnd type="none" w="med" len="med"/>
+                      <a:tailEnd type="none" w="med" len="med"/>
+                    </a:lnT>
+                    <a:lnB w="12700" cap="flat" cmpd="sng" algn="ctr">
+                      <a:solidFill>
+                        <a:schemeClr val="accent1"/>
+                      </a:solidFill>
+                      <a:prstDash val="solid"/>
+                      <a:round/>
+                      <a:headEnd type="none" w="med" len="med"/>
+                      <a:tailEnd type="none" w="med" len="med"/>
+                    </a:lnB>
+                    <a:lnTlToBr w="12700" cmpd="sng">
+                      <a:noFill/>
+                      <a:prstDash val="solid"/>
+                    </a:lnTlToBr>
+                    <a:lnBlToTr w="12700" cmpd="sng">
+                      <a:noFill/>
+                      <a:prstDash val="solid"/>
+                    </a:lnBlToTr>
+                    <a:noFill/>
+                  </a:tcPr>
+                </a:tc>
+                <a:extLst>
+                  <a:ext uri="{0D108BD9-81ED-4DB2-BD59-A6C34878D82A}">
+                    <a16:rowId xmlns:a16="http://schemas.microsoft.com/office/drawing/2014/main" val="533612861"/>
+                  </a:ext>
+                </a:extLst>
+              </a:tr>
+              <a:tr h="202515">
+                <a:tc>
+                  <a:txBody>
+                    <a:bodyPr/>
+                    <a:lstStyle/>
+                    <a:p>
+                      <a:pPr algn="l"/>
+                      <a:r>
+                        <a:rPr lang="en-US" sz="1600" b="0" i="0" u="none" strike="noStrike" dirty="0">
+                          <a:solidFill>
+                            <a:srgbClr val="008000"/>
+                          </a:solidFill>
+                          <a:effectLst/>
+                          <a:latin typeface="Courier New" panose="02070309020205020404" pitchFamily="49" charset="0"/>
+                        </a:rPr>
+                        <a:t># Splitting train by nationality</a:t>
+                      </a:r>
+                      <a:endParaRPr lang="en-US" sz="1600" b="0" i="0" u="none" strike="noStrike" dirty="0">
+                        <a:solidFill>
+                          <a:srgbClr val="000000"/>
+                        </a:solidFill>
+                        <a:effectLst/>
+                        <a:latin typeface="Courier New" panose="02070309020205020404" pitchFamily="49" charset="0"/>
+                      </a:endParaRPr>
+                    </a:p>
+                    <a:p>
+                      <a:pPr algn="l"/>
+                      <a:r>
+                        <a:rPr lang="en-US" sz="1600" b="0" i="0" u="none" strike="noStrike" dirty="0">
+                          <a:solidFill>
+                            <a:srgbClr val="008000"/>
+                          </a:solidFill>
+                          <a:effectLst/>
+                          <a:latin typeface="Courier New" panose="02070309020205020404" pitchFamily="49" charset="0"/>
+                        </a:rPr>
+                        <a:t># Create </a:t>
+                      </a:r>
+                      <a:r>
+                        <a:rPr lang="en-US" sz="1600" b="0" i="0" u="none" strike="noStrike" dirty="0" err="1">
+                          <a:solidFill>
+                            <a:srgbClr val="008000"/>
+                          </a:solidFill>
+                          <a:effectLst/>
+                          <a:latin typeface="Courier New" panose="02070309020205020404" pitchFamily="49" charset="0"/>
+                        </a:rPr>
+                        <a:t>dict</a:t>
+                      </a:r>
+                      <a:endParaRPr lang="en-US" sz="1600" b="0" i="0" u="none" strike="noStrike" dirty="0">
+                        <a:solidFill>
+                          <a:srgbClr val="000000"/>
+                        </a:solidFill>
+                        <a:effectLst/>
+                        <a:latin typeface="Courier New" panose="02070309020205020404" pitchFamily="49" charset="0"/>
+                      </a:endParaRPr>
+                    </a:p>
+                    <a:p>
+                      <a:pPr algn="l"/>
+                      <a:r>
+                        <a:rPr lang="en-US" sz="1600" b="0" i="0" u="none" strike="noStrike" dirty="0" err="1">
+                          <a:solidFill>
+                            <a:srgbClr val="000000"/>
+                          </a:solidFill>
+                          <a:effectLst/>
+                          <a:latin typeface="Courier New" panose="02070309020205020404" pitchFamily="49" charset="0"/>
+                        </a:rPr>
+                        <a:t>by_nationality</a:t>
+                      </a:r>
+                      <a:r>
+                        <a:rPr lang="en-US" sz="1600" b="0" i="0" u="none" strike="noStrike" dirty="0">
+                          <a:solidFill>
+                            <a:srgbClr val="000000"/>
+                          </a:solidFill>
+                          <a:effectLst/>
+                          <a:latin typeface="Courier New" panose="02070309020205020404" pitchFamily="49" charset="0"/>
+                        </a:rPr>
+                        <a:t> = </a:t>
+                      </a:r>
+                      <a:r>
+                        <a:rPr lang="en-US" sz="1600" b="0" i="0" u="none" strike="noStrike" dirty="0" err="1">
+                          <a:solidFill>
+                            <a:srgbClr val="000000"/>
+                          </a:solidFill>
+                          <a:effectLst/>
+                          <a:latin typeface="Courier New" panose="02070309020205020404" pitchFamily="49" charset="0"/>
+                        </a:rPr>
+                        <a:t>collections.defaultdict</a:t>
+                      </a:r>
+                      <a:r>
+                        <a:rPr lang="en-US" sz="1600" b="0" i="0" u="none" strike="noStrike" dirty="0">
+                          <a:solidFill>
+                            <a:srgbClr val="000000"/>
+                          </a:solidFill>
+                          <a:effectLst/>
+                          <a:latin typeface="Courier New" panose="02070309020205020404" pitchFamily="49" charset="0"/>
+                        </a:rPr>
+                        <a:t>(</a:t>
+                      </a:r>
+                      <a:r>
+                        <a:rPr lang="en-US" sz="1600" b="0" i="0" u="none" strike="noStrike" dirty="0">
+                          <a:solidFill>
+                            <a:srgbClr val="267F99"/>
+                          </a:solidFill>
+                          <a:effectLst/>
+                          <a:latin typeface="Courier New" panose="02070309020205020404" pitchFamily="49" charset="0"/>
+                        </a:rPr>
+                        <a:t>list</a:t>
+                      </a:r>
+                      <a:r>
+                        <a:rPr lang="en-US" sz="1600" b="0" i="0" u="none" strike="noStrike" dirty="0">
+                          <a:solidFill>
+                            <a:srgbClr val="000000"/>
+                          </a:solidFill>
+                          <a:effectLst/>
+                          <a:latin typeface="Courier New" panose="02070309020205020404" pitchFamily="49" charset="0"/>
+                        </a:rPr>
+                        <a:t>)</a:t>
+                      </a:r>
+                    </a:p>
+                    <a:p>
+                      <a:pPr algn="l"/>
+                      <a:r>
+                        <a:rPr lang="en-US" sz="1600" b="0" i="0" u="none" strike="noStrike" dirty="0">
+                          <a:solidFill>
+                            <a:srgbClr val="AF00DB"/>
+                          </a:solidFill>
+                          <a:effectLst/>
+                          <a:latin typeface="Courier New" panose="02070309020205020404" pitchFamily="49" charset="0"/>
+                        </a:rPr>
+                        <a:t>for</a:t>
+                      </a:r>
+                      <a:r>
+                        <a:rPr lang="en-US" sz="1600" b="0" i="0" u="none" strike="noStrike" dirty="0">
+                          <a:solidFill>
+                            <a:srgbClr val="000000"/>
+                          </a:solidFill>
+                          <a:effectLst/>
+                          <a:latin typeface="Courier New" panose="02070309020205020404" pitchFamily="49" charset="0"/>
+                        </a:rPr>
+                        <a:t> _, row </a:t>
+                      </a:r>
+                      <a:r>
+                        <a:rPr lang="en-US" sz="1600" b="0" i="0" u="none" strike="noStrike" dirty="0">
+                          <a:solidFill>
+                            <a:srgbClr val="0000FF"/>
+                          </a:solidFill>
+                          <a:effectLst/>
+                          <a:latin typeface="Courier New" panose="02070309020205020404" pitchFamily="49" charset="0"/>
+                        </a:rPr>
+                        <a:t>in</a:t>
+                      </a:r>
+                      <a:r>
+                        <a:rPr lang="en-US" sz="1600" b="0" i="0" u="none" strike="noStrike" dirty="0">
+                          <a:solidFill>
+                            <a:srgbClr val="000000"/>
+                          </a:solidFill>
+                          <a:effectLst/>
+                          <a:latin typeface="Courier New" panose="02070309020205020404" pitchFamily="49" charset="0"/>
+                        </a:rPr>
+                        <a:t> </a:t>
+                      </a:r>
+                      <a:r>
+                        <a:rPr lang="en-US" sz="1600" b="0" i="0" u="none" strike="noStrike" dirty="0" err="1">
+                          <a:solidFill>
+                            <a:srgbClr val="000000"/>
+                          </a:solidFill>
+                          <a:effectLst/>
+                          <a:latin typeface="Courier New" panose="02070309020205020404" pitchFamily="49" charset="0"/>
+                        </a:rPr>
+                        <a:t>surnames.iterrows</a:t>
+                      </a:r>
+                      <a:r>
+                        <a:rPr lang="en-US" sz="1600" b="0" i="0" u="none" strike="noStrike" dirty="0">
+                          <a:solidFill>
+                            <a:srgbClr val="000000"/>
+                          </a:solidFill>
+                          <a:effectLst/>
+                          <a:latin typeface="Courier New" panose="02070309020205020404" pitchFamily="49" charset="0"/>
+                        </a:rPr>
+                        <a:t>():</a:t>
+                      </a:r>
+                    </a:p>
+                    <a:p>
+                      <a:pPr algn="l"/>
+                      <a:r>
+                        <a:rPr lang="en-US" sz="1600" b="0" i="0" u="none" strike="noStrike" dirty="0">
+                          <a:solidFill>
+                            <a:srgbClr val="000000"/>
+                          </a:solidFill>
+                          <a:effectLst/>
+                          <a:latin typeface="Courier New" panose="02070309020205020404" pitchFamily="49" charset="0"/>
+                        </a:rPr>
+                        <a:t>    </a:t>
+                      </a:r>
+                      <a:r>
+                        <a:rPr lang="en-US" sz="1600" b="0" i="0" u="none" strike="noStrike" dirty="0" err="1">
+                          <a:solidFill>
+                            <a:srgbClr val="000000"/>
+                          </a:solidFill>
+                          <a:effectLst/>
+                          <a:latin typeface="Courier New" panose="02070309020205020404" pitchFamily="49" charset="0"/>
+                        </a:rPr>
+                        <a:t>by_nationality</a:t>
+                      </a:r>
+                      <a:r>
+                        <a:rPr lang="en-US" sz="1600" b="0" i="0" u="none" strike="noStrike" dirty="0">
+                          <a:solidFill>
+                            <a:srgbClr val="000000"/>
+                          </a:solidFill>
+                          <a:effectLst/>
+                          <a:latin typeface="Courier New" panose="02070309020205020404" pitchFamily="49" charset="0"/>
+                        </a:rPr>
+                        <a:t>[</a:t>
+                      </a:r>
+                      <a:r>
+                        <a:rPr lang="en-US" sz="1600" b="0" i="0" u="none" strike="noStrike" dirty="0" err="1">
+                          <a:solidFill>
+                            <a:srgbClr val="000000"/>
+                          </a:solidFill>
+                          <a:effectLst/>
+                          <a:latin typeface="Courier New" panose="02070309020205020404" pitchFamily="49" charset="0"/>
+                        </a:rPr>
+                        <a:t>row.nationality</a:t>
+                      </a:r>
+                      <a:r>
+                        <a:rPr lang="en-US" sz="1600" b="0" i="0" u="none" strike="noStrike" dirty="0">
+                          <a:solidFill>
+                            <a:srgbClr val="000000"/>
+                          </a:solidFill>
+                          <a:effectLst/>
+                          <a:latin typeface="Courier New" panose="02070309020205020404" pitchFamily="49" charset="0"/>
+                        </a:rPr>
+                        <a:t>].append(</a:t>
+                      </a:r>
+                      <a:r>
+                        <a:rPr lang="en-US" sz="1600" b="0" i="0" u="none" strike="noStrike" dirty="0" err="1">
+                          <a:solidFill>
+                            <a:srgbClr val="000000"/>
+                          </a:solidFill>
+                          <a:effectLst/>
+                          <a:latin typeface="Courier New" panose="02070309020205020404" pitchFamily="49" charset="0"/>
+                        </a:rPr>
+                        <a:t>row.to_dict</a:t>
+                      </a:r>
+                      <a:r>
+                        <a:rPr lang="en-US" sz="1600" b="0" i="0" u="none" strike="noStrike" dirty="0">
+                          <a:solidFill>
+                            <a:srgbClr val="000000"/>
+                          </a:solidFill>
+                          <a:effectLst/>
+                          <a:latin typeface="Courier New" panose="02070309020205020404" pitchFamily="49" charset="0"/>
+                        </a:rPr>
+                        <a:t>())</a:t>
+                      </a:r>
+                      <a:br>
+                        <a:rPr lang="en-US" sz="1600" b="0" i="0" u="none" strike="noStrike" dirty="0">
+                          <a:solidFill>
+                            <a:srgbClr val="000000"/>
+                          </a:solidFill>
+                          <a:effectLst/>
+                          <a:latin typeface="Courier New" panose="02070309020205020404" pitchFamily="49" charset="0"/>
+                        </a:rPr>
+                      </a:br>
+                      <a:r>
+                        <a:rPr lang="en-US" sz="1600" b="0" i="0" u="none" strike="noStrike" dirty="0" err="1">
+                          <a:solidFill>
+                            <a:srgbClr val="000000"/>
+                          </a:solidFill>
+                          <a:effectLst/>
+                          <a:latin typeface="Courier New" panose="02070309020205020404" pitchFamily="49" charset="0"/>
+                        </a:rPr>
+                        <a:t>by_nationality</a:t>
+                      </a:r>
+                      <a:endParaRPr lang="en-US" sz="1600" b="0" i="0" u="none" strike="noStrike" dirty="0">
+                        <a:solidFill>
+                          <a:srgbClr val="000000"/>
+                        </a:solidFill>
+                        <a:effectLst/>
+                        <a:latin typeface="Courier New" panose="02070309020205020404" pitchFamily="49" charset="0"/>
+                      </a:endParaRPr>
+                    </a:p>
+                  </a:txBody>
+                  <a:tcPr>
+                    <a:lnL w="12700" cap="flat" cmpd="sng" algn="ctr">
+                      <a:solidFill>
+                        <a:schemeClr val="accent1"/>
+                      </a:solidFill>
+                      <a:prstDash val="solid"/>
+                      <a:round/>
+                      <a:headEnd type="none" w="med" len="med"/>
+                      <a:tailEnd type="none" w="med" len="med"/>
+                    </a:lnL>
+                    <a:lnR w="12700" cap="flat" cmpd="sng" algn="ctr">
+                      <a:solidFill>
+                        <a:schemeClr val="accent1"/>
+                      </a:solidFill>
+                      <a:prstDash val="solid"/>
+                      <a:round/>
+                      <a:headEnd type="none" w="med" len="med"/>
+                      <a:tailEnd type="none" w="med" len="med"/>
+                    </a:lnR>
+                    <a:lnT w="12700" cap="flat" cmpd="sng" algn="ctr">
+                      <a:solidFill>
+                        <a:schemeClr val="accent1"/>
+                      </a:solidFill>
+                      <a:prstDash val="solid"/>
+                      <a:round/>
+                      <a:headEnd type="none" w="med" len="med"/>
+                      <a:tailEnd type="none" w="med" len="med"/>
+                    </a:lnT>
+                    <a:lnB w="12700" cap="flat" cmpd="sng" algn="ctr">
+                      <a:solidFill>
+                        <a:schemeClr val="accent1"/>
+                      </a:solidFill>
+                      <a:prstDash val="solid"/>
+                      <a:round/>
+                      <a:headEnd type="none" w="med" len="med"/>
+                      <a:tailEnd type="none" w="med" len="med"/>
+                    </a:lnB>
+                    <a:solidFill>
+                      <a:schemeClr val="bg1">
+                        <a:lumMod val="95000"/>
+                      </a:schemeClr>
+                    </a:solidFill>
+                  </a:tcPr>
+                </a:tc>
+                <a:extLst>
+                  <a:ext uri="{0D108BD9-81ED-4DB2-BD59-A6C34878D82A}">
+                    <a16:rowId xmlns:a16="http://schemas.microsoft.com/office/drawing/2014/main" val="2014089395"/>
+                  </a:ext>
+                </a:extLst>
+              </a:tr>
+              <a:tr h="202515">
+                <a:tc>
+                  <a:txBody>
+                    <a:bodyPr/>
+                    <a:lstStyle/>
+                    <a:p>
+                      <a:pPr marL="0" marR="0" indent="0" algn="l" defTabSz="914400" rtl="0" eaLnBrk="1" fontAlgn="auto" latinLnBrk="0" hangingPunct="1">
+                        <a:lnSpc>
+                          <a:spcPct val="100000"/>
+                        </a:lnSpc>
+                        <a:spcBef>
+                          <a:spcPts val="0"/>
+                        </a:spcBef>
+                        <a:spcAft>
+                          <a:spcPts val="0"/>
+                        </a:spcAft>
+                        <a:buClrTx/>
+                        <a:buSzTx/>
+                        <a:buFontTx/>
+                        <a:buNone/>
+                        <a:tabLst/>
+                        <a:defRPr/>
+                      </a:pPr>
+                      <a:r>
+                        <a:rPr lang="en-US" sz="1600" b="0" i="0" u="none" strike="noStrike" dirty="0" err="1">
+                          <a:solidFill>
+                            <a:srgbClr val="212121"/>
+                          </a:solidFill>
+                          <a:effectLst/>
+                          <a:latin typeface="Courier New" panose="02070309020205020404" pitchFamily="49" charset="0"/>
+                        </a:rPr>
+                        <a:t>defaultdict</a:t>
+                      </a:r>
+                      <a:r>
+                        <a:rPr lang="en-US" sz="1600" b="0" i="0" u="none" strike="noStrike" dirty="0">
+                          <a:solidFill>
+                            <a:srgbClr val="212121"/>
+                          </a:solidFill>
+                          <a:effectLst/>
+                          <a:latin typeface="Courier New" panose="02070309020205020404" pitchFamily="49" charset="0"/>
+                        </a:rPr>
+                        <a:t>(list, {'English': [{'surname': 'Woodford', </a:t>
+                      </a:r>
+                    </a:p>
+                    <a:p>
+                      <a:pPr marL="0" marR="0" indent="0" algn="l" defTabSz="914400" rtl="0" eaLnBrk="1" fontAlgn="auto" latinLnBrk="0" hangingPunct="1">
+                        <a:lnSpc>
+                          <a:spcPct val="100000"/>
+                        </a:lnSpc>
+                        <a:spcBef>
+                          <a:spcPts val="0"/>
+                        </a:spcBef>
+                        <a:spcAft>
+                          <a:spcPts val="0"/>
+                        </a:spcAft>
+                        <a:buClrTx/>
+                        <a:buSzTx/>
+                        <a:buFontTx/>
+                        <a:buNone/>
+                        <a:tabLst/>
+                        <a:defRPr/>
+                      </a:pPr>
+                      <a:r>
+                        <a:rPr lang="en-US" sz="1600" b="0" i="0" u="none" strike="noStrike" dirty="0">
+                          <a:solidFill>
+                            <a:srgbClr val="212121"/>
+                          </a:solidFill>
+                          <a:effectLst/>
+                          <a:latin typeface="Courier New" panose="02070309020205020404" pitchFamily="49" charset="0"/>
+                        </a:rPr>
+                        <a:t>                                'nationality': 'English'},</a:t>
+                      </a:r>
+                    </a:p>
+                    <a:p>
+                      <a:pPr marL="0" marR="0" indent="0" algn="l" defTabSz="914400" rtl="0" eaLnBrk="1" fontAlgn="auto" latinLnBrk="0" hangingPunct="1">
+                        <a:lnSpc>
+                          <a:spcPct val="100000"/>
+                        </a:lnSpc>
+                        <a:spcBef>
+                          <a:spcPts val="0"/>
+                        </a:spcBef>
+                        <a:spcAft>
+                          <a:spcPts val="0"/>
+                        </a:spcAft>
+                        <a:buClrTx/>
+                        <a:buSzTx/>
+                        <a:buFontTx/>
+                        <a:buNone/>
+                        <a:tabLst/>
+                        <a:defRPr/>
+                      </a:pPr>
+                      <a:r>
+                        <a:rPr lang="en-US" sz="1600" b="0" i="0" u="none" strike="noStrike" dirty="0">
+                          <a:solidFill>
+                            <a:srgbClr val="212121"/>
+                          </a:solidFill>
+                          <a:effectLst/>
+                          <a:latin typeface="Courier New" panose="02070309020205020404" pitchFamily="49" charset="0"/>
+                        </a:rPr>
+                        <a:t>                               {'surname': 'Kore', </a:t>
+                      </a:r>
+                    </a:p>
+                    <a:p>
+                      <a:pPr marL="0" marR="0" indent="0" algn="l" defTabSz="914400" rtl="0" eaLnBrk="1" fontAlgn="auto" latinLnBrk="0" hangingPunct="1">
+                        <a:lnSpc>
+                          <a:spcPct val="100000"/>
+                        </a:lnSpc>
+                        <a:spcBef>
+                          <a:spcPts val="0"/>
+                        </a:spcBef>
+                        <a:spcAft>
+                          <a:spcPts val="0"/>
+                        </a:spcAft>
+                        <a:buClrTx/>
+                        <a:buSzTx/>
+                        <a:buFontTx/>
+                        <a:buNone/>
+                        <a:tabLst/>
+                        <a:defRPr/>
+                      </a:pPr>
+                      <a:r>
+                        <a:rPr lang="en-US" sz="1600" b="0" i="0" u="none" strike="noStrike" dirty="0">
+                          <a:solidFill>
+                            <a:srgbClr val="212121"/>
+                          </a:solidFill>
+                          <a:effectLst/>
+                          <a:latin typeface="Courier New" panose="02070309020205020404" pitchFamily="49" charset="0"/>
+                        </a:rPr>
+                        <a:t>                                'nationality': 'English'},</a:t>
+                      </a:r>
+                    </a:p>
+                    <a:p>
+                      <a:pPr marL="0" marR="0" indent="0" algn="l" defTabSz="914400" rtl="0" eaLnBrk="1" fontAlgn="auto" latinLnBrk="0" hangingPunct="1">
+                        <a:lnSpc>
+                          <a:spcPct val="100000"/>
+                        </a:lnSpc>
+                        <a:spcBef>
+                          <a:spcPts val="0"/>
+                        </a:spcBef>
+                        <a:spcAft>
+                          <a:spcPts val="0"/>
+                        </a:spcAft>
+                        <a:buClrTx/>
+                        <a:buSzTx/>
+                        <a:buFontTx/>
+                        <a:buNone/>
+                        <a:tabLst/>
+                        <a:defRPr/>
+                      </a:pPr>
+                      <a:r>
+                        <a:rPr lang="en-US" sz="1600" b="0" i="0" u="none" strike="noStrike" noProof="1">
+                          <a:solidFill>
+                            <a:srgbClr val="212121"/>
+                          </a:solidFill>
+                          <a:effectLst/>
+                          <a:latin typeface="Courier New" panose="02070309020205020404" pitchFamily="49" charset="0"/>
+                          <a:cs typeface="Courier New" panose="02070309020205020404" pitchFamily="49" charset="0"/>
+                        </a:rPr>
+                        <a:t>                               ...]},</a:t>
+                      </a:r>
+                    </a:p>
+                    <a:p>
+                      <a:pPr marL="0" marR="0" indent="0" algn="l" defTabSz="914400" rtl="0" eaLnBrk="1" fontAlgn="auto" latinLnBrk="0" hangingPunct="1">
+                        <a:lnSpc>
+                          <a:spcPct val="100000"/>
+                        </a:lnSpc>
+                        <a:spcBef>
+                          <a:spcPts val="0"/>
+                        </a:spcBef>
+                        <a:spcAft>
+                          <a:spcPts val="0"/>
+                        </a:spcAft>
+                        <a:buClrTx/>
+                        <a:buSzTx/>
+                        <a:buFontTx/>
+                        <a:buNone/>
+                        <a:tabLst/>
+                        <a:defRPr/>
+                      </a:pPr>
+                      <a:r>
+                        <a:rPr lang="en-US" sz="1600" b="0" i="0" u="none" strike="noStrike" noProof="1">
+                          <a:solidFill>
+                            <a:srgbClr val="212121"/>
+                          </a:solidFill>
+                          <a:effectLst/>
+                          <a:latin typeface="Courier New" panose="02070309020205020404" pitchFamily="49" charset="0"/>
+                          <a:cs typeface="Courier New" panose="02070309020205020404" pitchFamily="49" charset="0"/>
+                        </a:rPr>
+                        <a:t>                   ...})</a:t>
+                      </a:r>
+                    </a:p>
+                  </a:txBody>
+                  <a:tcPr>
+                    <a:lnL w="12700" cap="flat" cmpd="sng" algn="ctr">
+                      <a:solidFill>
+                        <a:schemeClr val="accent1"/>
+                      </a:solidFill>
+                      <a:prstDash val="solid"/>
+                      <a:round/>
+                      <a:headEnd type="none" w="med" len="med"/>
+                      <a:tailEnd type="none" w="med" len="med"/>
+                    </a:lnL>
+                    <a:lnR w="12700" cap="flat" cmpd="sng" algn="ctr">
+                      <a:solidFill>
+                        <a:schemeClr val="accent1"/>
+                      </a:solidFill>
+                      <a:prstDash val="solid"/>
+                      <a:round/>
+                      <a:headEnd type="none" w="med" len="med"/>
+                      <a:tailEnd type="none" w="med" len="med"/>
+                    </a:lnR>
+                    <a:lnT w="12700" cap="flat" cmpd="sng" algn="ctr">
+                      <a:solidFill>
+                        <a:schemeClr val="accent1"/>
+                      </a:solidFill>
+                      <a:prstDash val="solid"/>
+                      <a:round/>
+                      <a:headEnd type="none" w="med" len="med"/>
+                      <a:tailEnd type="none" w="med" len="med"/>
+                    </a:lnT>
+                    <a:lnB w="12700" cap="flat" cmpd="sng" algn="ctr">
+                      <a:solidFill>
+                        <a:schemeClr val="accent1"/>
+                      </a:solidFill>
+                      <a:prstDash val="solid"/>
+                      <a:round/>
+                      <a:headEnd type="none" w="med" len="med"/>
+                      <a:tailEnd type="none" w="med" len="med"/>
+                    </a:lnB>
+                    <a:solidFill>
+                      <a:schemeClr val="bg1"/>
+                    </a:solidFill>
+                  </a:tcPr>
+                </a:tc>
+                <a:extLst>
+                  <a:ext uri="{0D108BD9-81ED-4DB2-BD59-A6C34878D82A}">
+                    <a16:rowId xmlns:a16="http://schemas.microsoft.com/office/drawing/2014/main" val="2433388719"/>
+                  </a:ext>
+                </a:extLst>
+              </a:tr>
+            </a:tbl>
+          </a:graphicData>
+        </a:graphic>
+      </p:graphicFrame>
     </p:spTree>
     <p:extLst>
       <p:ext uri="{BB962C8B-B14F-4D97-AF65-F5344CB8AC3E}">
-        <p14:creationId xmlns:p14="http://schemas.microsoft.com/office/powerpoint/2010/main" val="1917404122"/>
+        <p14:creationId xmlns:p14="http://schemas.microsoft.com/office/powerpoint/2010/main" val="2499581247"/>
       </p:ext>
     </p:extLst>
   </p:cSld>
@@ -6312,244 +7185,1474 @@
             <p:ph type="title"/>
           </p:nvPr>
         </p:nvSpPr>
-        <p:spPr/>
+        <p:spPr>
+          <a:xfrm>
+            <a:off x="-2631" y="0"/>
+            <a:ext cx="9144000" cy="500042"/>
+          </a:xfrm>
+        </p:spPr>
         <p:txBody>
           <a:bodyPr/>
           <a:lstStyle/>
           <a:p>
             <a:r>
-              <a:rPr lang="en-US"/>
-              <a:t>A Simple Example: XOR</a:t>
+              <a:rPr lang="en-US" dirty="0"/>
+              <a:t>Preprocessing</a:t>
             </a:r>
-            <a:endParaRPr lang="en-US" dirty="0"/>
           </a:p>
         </p:txBody>
       </p:sp>
-      <p:sp>
-        <p:nvSpPr>
-          <p:cNvPr id="3" name="Content Placeholder 2"/>
-          <p:cNvSpPr>
-            <a:spLocks noGrp="1"/>
-          </p:cNvSpPr>
-          <p:nvPr>
-            <p:ph idx="1"/>
-          </p:nvPr>
-        </p:nvSpPr>
-        <p:spPr/>
-        <p:txBody>
-          <a:bodyPr>
-            <a:normAutofit fontScale="85000" lnSpcReduction="20000"/>
-          </a:bodyPr>
-          <a:lstStyle/>
-          <a:p>
-            <a:r>
-              <a:rPr lang="en-US" dirty="0"/>
-              <a:t>The decision boundary cannot be a single straight line </a:t>
-            </a:r>
-            <a:br>
-              <a:rPr lang="en-US" dirty="0"/>
-            </a:br>
-            <a:r>
-              <a:rPr lang="en-US" dirty="0"/>
-              <a:t>(linearly separable)</a:t>
-            </a:r>
-          </a:p>
-          <a:p>
-            <a:endParaRPr lang="en-US" dirty="0"/>
-          </a:p>
-          <a:p>
-            <a:endParaRPr lang="en-US" dirty="0"/>
-          </a:p>
-          <a:p>
-            <a:endParaRPr lang="en-US" dirty="0"/>
-          </a:p>
-          <a:p>
-            <a:endParaRPr lang="en-US" dirty="0"/>
-          </a:p>
-          <a:p>
-            <a:endParaRPr lang="en-US" dirty="0"/>
-          </a:p>
-          <a:p>
-            <a:endParaRPr lang="en-US" dirty="0"/>
-          </a:p>
-          <a:p>
-            <a:endParaRPr lang="en-US" dirty="0"/>
-          </a:p>
-          <a:p>
-            <a:endParaRPr lang="en-US" dirty="0"/>
-          </a:p>
-          <a:p>
-            <a:endParaRPr lang="en-US" dirty="0"/>
-          </a:p>
-          <a:p>
-            <a:endParaRPr lang="en-US" dirty="0"/>
-          </a:p>
-          <a:p>
-            <a:endParaRPr lang="en-US" dirty="0"/>
-          </a:p>
-          <a:p>
-            <a:endParaRPr lang="en-US" dirty="0"/>
-          </a:p>
-          <a:p>
-            <a:r>
-              <a:rPr lang="en-US" dirty="0"/>
-              <a:t>It appears that the MLP has two decision boundaries, and that is its advantage, it is actually just one decision boundary! </a:t>
-            </a:r>
-          </a:p>
-          <a:p>
-            <a:r>
-              <a:rPr lang="en-US" dirty="0"/>
-              <a:t>The decision boundary just appears that way because the intermediate representation has morphed the space to allow one hyperplane to appear in both of those positions.</a:t>
-            </a:r>
-          </a:p>
-        </p:txBody>
-      </p:sp>
-      <p:pic>
-        <p:nvPicPr>
-          <p:cNvPr id="10" name="Picture 9" descr="A picture containing tree, sky&#10;&#10;Description automatically generated">
+      <p:graphicFrame>
+        <p:nvGraphicFramePr>
+          <p:cNvPr id="16" name="Table 16">
             <a:extLst>
               <a:ext uri="{FF2B5EF4-FFF2-40B4-BE49-F238E27FC236}">
-                <a16:creationId xmlns:a16="http://schemas.microsoft.com/office/drawing/2014/main" id="{0B15890B-234B-3291-EC91-D0476912A430}"/>
+                <a16:creationId xmlns:a16="http://schemas.microsoft.com/office/drawing/2014/main" id="{93F44A5E-B3CE-3BA0-3C48-A4083A6F3496}"/>
               </a:ext>
             </a:extLst>
           </p:cNvPr>
-          <p:cNvPicPr>
-            <a:picLocks noChangeAspect="1"/>
-          </p:cNvPicPr>
-          <p:nvPr/>
-        </p:nvPicPr>
-        <p:blipFill>
-          <a:blip r:embed="rId2">
-            <a:extLst>
-              <a:ext uri="{28A0092B-C50C-407E-A947-70E740481C1C}">
-                <a14:useLocalDpi xmlns:a14="http://schemas.microsoft.com/office/drawing/2010/main" val="0"/>
-              </a:ext>
-            </a:extLst>
-          </a:blip>
-          <a:stretch>
-            <a:fillRect/>
-          </a:stretch>
-        </p:blipFill>
-        <p:spPr>
-          <a:xfrm>
-            <a:off x="326969" y="1516913"/>
-            <a:ext cx="4069330" cy="2643220"/>
-          </a:xfrm>
-          <a:prstGeom prst="rect">
-            <a:avLst/>
-          </a:prstGeom>
-        </p:spPr>
-      </p:pic>
-      <p:pic>
-        <p:nvPicPr>
-          <p:cNvPr id="12" name="Picture 11" descr="A picture containing sky, tree, orange&#10;&#10;Description automatically generated">
-            <a:extLst>
-              <a:ext uri="{FF2B5EF4-FFF2-40B4-BE49-F238E27FC236}">
-                <a16:creationId xmlns:a16="http://schemas.microsoft.com/office/drawing/2014/main" id="{5CD3ADE7-6C49-57D2-15AA-54EE8E7D7933}"/>
-              </a:ext>
-            </a:extLst>
-          </p:cNvPr>
-          <p:cNvPicPr>
-            <a:picLocks noChangeAspect="1"/>
-          </p:cNvPicPr>
-          <p:nvPr/>
-        </p:nvPicPr>
-        <p:blipFill>
-          <a:blip r:embed="rId3">
-            <a:extLst>
-              <a:ext uri="{28A0092B-C50C-407E-A947-70E740481C1C}">
-                <a14:useLocalDpi xmlns:a14="http://schemas.microsoft.com/office/drawing/2010/main" val="0"/>
-              </a:ext>
-            </a:extLst>
-          </a:blip>
-          <a:stretch>
-            <a:fillRect/>
-          </a:stretch>
-        </p:blipFill>
-        <p:spPr>
-          <a:xfrm>
-            <a:off x="4427984" y="1484784"/>
-            <a:ext cx="4032448" cy="2655515"/>
-          </a:xfrm>
-          <a:prstGeom prst="rect">
-            <a:avLst/>
-          </a:prstGeom>
-        </p:spPr>
-      </p:pic>
-      <p:sp>
-        <p:nvSpPr>
-          <p:cNvPr id="13" name="TextBox 12">
-            <a:extLst>
-              <a:ext uri="{FF2B5EF4-FFF2-40B4-BE49-F238E27FC236}">
-                <a16:creationId xmlns:a16="http://schemas.microsoft.com/office/drawing/2014/main" id="{63F4053E-F634-40A1-F472-3D659D1BB213}"/>
-              </a:ext>
-            </a:extLst>
-          </p:cNvPr>
-          <p:cNvSpPr txBox="1"/>
-          <p:nvPr/>
-        </p:nvSpPr>
-        <p:spPr>
-          <a:xfrm>
-            <a:off x="1579446" y="4293096"/>
-            <a:ext cx="1221873" cy="369332"/>
-          </a:xfrm>
-          <a:prstGeom prst="rect">
-            <a:avLst/>
-          </a:prstGeom>
-          <a:noFill/>
-        </p:spPr>
-        <p:txBody>
-          <a:bodyPr wrap="none" rtlCol="0">
-            <a:spAutoFit/>
-          </a:bodyPr>
-          <a:lstStyle/>
-          <a:p>
-            <a:r>
-              <a:rPr lang="en-HR" dirty="0"/>
-              <a:t>Perceptron</a:t>
-            </a:r>
-          </a:p>
-        </p:txBody>
-      </p:sp>
-      <p:sp>
-        <p:nvSpPr>
-          <p:cNvPr id="14" name="TextBox 13">
-            <a:extLst>
-              <a:ext uri="{FF2B5EF4-FFF2-40B4-BE49-F238E27FC236}">
-                <a16:creationId xmlns:a16="http://schemas.microsoft.com/office/drawing/2014/main" id="{2B6BADF4-F3EE-537E-F25A-9614DFFA9D81}"/>
-              </a:ext>
-            </a:extLst>
-          </p:cNvPr>
-          <p:cNvSpPr txBox="1"/>
-          <p:nvPr/>
-        </p:nvSpPr>
-        <p:spPr>
-          <a:xfrm>
-            <a:off x="6012160" y="4293096"/>
-            <a:ext cx="598241" cy="369332"/>
-          </a:xfrm>
-          <a:prstGeom prst="rect">
-            <a:avLst/>
-          </a:prstGeom>
-          <a:noFill/>
-        </p:spPr>
-        <p:txBody>
-          <a:bodyPr wrap="none" rtlCol="0">
-            <a:spAutoFit/>
-          </a:bodyPr>
-          <a:lstStyle/>
-          <a:p>
-            <a:r>
-              <a:rPr lang="en-HR" dirty="0"/>
-              <a:t>MLP</a:t>
-            </a:r>
-          </a:p>
-        </p:txBody>
-      </p:sp>
+          <p:cNvGraphicFramePr>
+            <a:graphicFrameLocks noGrp="1"/>
+          </p:cNvGraphicFramePr>
+          <p:nvPr>
+            <p:extLst>
+              <p:ext uri="{D42A27DB-BD31-4B8C-83A1-F6EECF244321}">
+                <p14:modId xmlns:p14="http://schemas.microsoft.com/office/powerpoint/2010/main" val="44360062"/>
+              </p:ext>
+            </p:extLst>
+          </p:nvPr>
+        </p:nvGraphicFramePr>
+        <p:xfrm>
+          <a:off x="179512" y="548680"/>
+          <a:ext cx="8640960" cy="5638800"/>
+        </p:xfrm>
+        <a:graphic>
+          <a:graphicData uri="http://schemas.openxmlformats.org/drawingml/2006/table">
+            <a:tbl>
+              <a:tblPr>
+                <a:tableStyleId>{5C22544A-7EE6-4342-B048-85BDC9FD1C3A}</a:tableStyleId>
+              </a:tblPr>
+              <a:tblGrid>
+                <a:gridCol w="8640960">
+                  <a:extLst>
+                    <a:ext uri="{9D8B030D-6E8A-4147-A177-3AD203B41FA5}">
+                      <a16:colId xmlns:a16="http://schemas.microsoft.com/office/drawing/2014/main" val="2706851558"/>
+                    </a:ext>
+                  </a:extLst>
+                </a:gridCol>
+              </a:tblGrid>
+              <a:tr h="202515">
+                <a:tc>
+                  <a:txBody>
+                    <a:bodyPr/>
+                    <a:lstStyle/>
+                    <a:p>
+                      <a:pPr marL="0" marR="0" lvl="0" indent="0" algn="l" defTabSz="914400" rtl="0" eaLnBrk="1" fontAlgn="auto" latinLnBrk="0" hangingPunct="1">
+                        <a:lnSpc>
+                          <a:spcPct val="100000"/>
+                        </a:lnSpc>
+                        <a:spcBef>
+                          <a:spcPts val="0"/>
+                        </a:spcBef>
+                        <a:spcAft>
+                          <a:spcPts val="0"/>
+                        </a:spcAft>
+                        <a:buClrTx/>
+                        <a:buSzTx/>
+                        <a:buFontTx/>
+                        <a:buNone/>
+                        <a:tabLst/>
+                        <a:defRPr/>
+                      </a:pPr>
+                      <a:r>
+                        <a:rPr lang="en-US" sz="1600" b="0" noProof="0" dirty="0"/>
+                        <a:t>Splitting to train, validate and test datasets.</a:t>
+                      </a:r>
+                    </a:p>
+                    <a:p>
+                      <a:pPr marL="0" marR="0" lvl="0" indent="0" algn="l" defTabSz="914400" rtl="0" eaLnBrk="1" fontAlgn="auto" latinLnBrk="0" hangingPunct="1">
+                        <a:lnSpc>
+                          <a:spcPct val="100000"/>
+                        </a:lnSpc>
+                        <a:spcBef>
+                          <a:spcPts val="0"/>
+                        </a:spcBef>
+                        <a:spcAft>
+                          <a:spcPts val="0"/>
+                        </a:spcAft>
+                        <a:buClrTx/>
+                        <a:buSzTx/>
+                        <a:buFontTx/>
+                        <a:buNone/>
+                        <a:tabLst/>
+                        <a:defRPr/>
+                      </a:pPr>
+                      <a:r>
+                        <a:rPr lang="en-US" sz="1600" b="0" noProof="0" dirty="0"/>
+                        <a:t>To each datapoint is added split field that tells if that datapoint is going to be used for training, validating or testing.</a:t>
+                      </a:r>
+                    </a:p>
+                    <a:p>
+                      <a:r>
+                        <a:rPr lang="en-GB" sz="1600" b="0" dirty="0" err="1">
+                          <a:solidFill>
+                            <a:srgbClr val="000000"/>
+                          </a:solidFill>
+                          <a:effectLst/>
+                          <a:latin typeface="Courier New" panose="02070309020205020404" pitchFamily="49" charset="0"/>
+                        </a:rPr>
+                        <a:t>train_proportion</a:t>
+                      </a:r>
+                      <a:r>
+                        <a:rPr lang="en-GB" sz="1600" b="0" dirty="0">
+                          <a:solidFill>
+                            <a:srgbClr val="000000"/>
+                          </a:solidFill>
+                          <a:effectLst/>
+                          <a:latin typeface="Courier New" panose="02070309020205020404" pitchFamily="49" charset="0"/>
+                        </a:rPr>
+                        <a:t>=</a:t>
+                      </a:r>
+                      <a:r>
+                        <a:rPr lang="en-GB" sz="1600" b="0" dirty="0">
+                          <a:solidFill>
+                            <a:srgbClr val="09885A"/>
+                          </a:solidFill>
+                          <a:effectLst/>
+                          <a:latin typeface="Courier New" panose="02070309020205020404" pitchFamily="49" charset="0"/>
+                        </a:rPr>
+                        <a:t>0.7</a:t>
+                      </a:r>
+                      <a:r>
+                        <a:rPr lang="en-GB" sz="1600" b="0" dirty="0">
+                          <a:solidFill>
+                            <a:srgbClr val="000000"/>
+                          </a:solidFill>
+                          <a:effectLst/>
+                          <a:latin typeface="Courier New" panose="02070309020205020404" pitchFamily="49" charset="0"/>
+                        </a:rPr>
+                        <a:t>, </a:t>
+                      </a:r>
+                      <a:r>
+                        <a:rPr lang="en-GB" sz="1600" b="0" dirty="0" err="1">
+                          <a:solidFill>
+                            <a:srgbClr val="000000"/>
+                          </a:solidFill>
+                          <a:effectLst/>
+                          <a:latin typeface="Courier New" panose="02070309020205020404" pitchFamily="49" charset="0"/>
+                        </a:rPr>
+                        <a:t>val_proportion</a:t>
+                      </a:r>
+                      <a:r>
+                        <a:rPr lang="en-GB" sz="1600" b="0" dirty="0">
+                          <a:solidFill>
+                            <a:srgbClr val="000000"/>
+                          </a:solidFill>
+                          <a:effectLst/>
+                          <a:latin typeface="Courier New" panose="02070309020205020404" pitchFamily="49" charset="0"/>
+                        </a:rPr>
+                        <a:t>=</a:t>
+                      </a:r>
+                      <a:r>
+                        <a:rPr lang="en-GB" sz="1600" b="0" dirty="0">
+                          <a:solidFill>
+                            <a:srgbClr val="09885A"/>
+                          </a:solidFill>
+                          <a:effectLst/>
+                          <a:latin typeface="Courier New" panose="02070309020205020404" pitchFamily="49" charset="0"/>
+                        </a:rPr>
+                        <a:t>0.15</a:t>
+                      </a:r>
+                      <a:r>
+                        <a:rPr lang="en-GB" sz="1600" b="0" dirty="0">
+                          <a:solidFill>
+                            <a:srgbClr val="000000"/>
+                          </a:solidFill>
+                          <a:effectLst/>
+                          <a:latin typeface="Courier New" panose="02070309020205020404" pitchFamily="49" charset="0"/>
+                        </a:rPr>
+                        <a:t>, </a:t>
+                      </a:r>
+                      <a:r>
+                        <a:rPr lang="en-GB" sz="1600" b="0" dirty="0" err="1">
+                          <a:solidFill>
+                            <a:srgbClr val="000000"/>
+                          </a:solidFill>
+                          <a:effectLst/>
+                          <a:latin typeface="Courier New" panose="02070309020205020404" pitchFamily="49" charset="0"/>
+                        </a:rPr>
+                        <a:t>test_proportion</a:t>
+                      </a:r>
+                      <a:r>
+                        <a:rPr lang="en-GB" sz="1600" b="0" dirty="0">
+                          <a:solidFill>
+                            <a:srgbClr val="000000"/>
+                          </a:solidFill>
+                          <a:effectLst/>
+                          <a:latin typeface="Courier New" panose="02070309020205020404" pitchFamily="49" charset="0"/>
+                        </a:rPr>
+                        <a:t>=</a:t>
+                      </a:r>
+                      <a:r>
+                        <a:rPr lang="en-GB" sz="1600" b="0" dirty="0">
+                          <a:solidFill>
+                            <a:srgbClr val="09885A"/>
+                          </a:solidFill>
+                          <a:effectLst/>
+                          <a:latin typeface="Courier New" panose="02070309020205020404" pitchFamily="49" charset="0"/>
+                        </a:rPr>
+                        <a:t>0.15</a:t>
+                      </a:r>
+                      <a:r>
+                        <a:rPr lang="en-GB" sz="1600" b="0" dirty="0">
+                          <a:solidFill>
+                            <a:srgbClr val="000000"/>
+                          </a:solidFill>
+                          <a:effectLst/>
+                          <a:latin typeface="Courier New" panose="02070309020205020404" pitchFamily="49" charset="0"/>
+                        </a:rPr>
+                        <a:t>,</a:t>
+                      </a:r>
+                      <a:endParaRPr lang="en-US" sz="1600" noProof="0" dirty="0"/>
+                    </a:p>
+                  </a:txBody>
+                  <a:tcPr>
+                    <a:lnL w="12700" cap="flat" cmpd="sng" algn="ctr">
+                      <a:noFill/>
+                      <a:prstDash val="solid"/>
+                      <a:round/>
+                      <a:headEnd type="none" w="med" len="med"/>
+                      <a:tailEnd type="none" w="med" len="med"/>
+                    </a:lnL>
+                    <a:lnR w="12700" cap="flat" cmpd="sng" algn="ctr">
+                      <a:noFill/>
+                      <a:prstDash val="solid"/>
+                      <a:round/>
+                      <a:headEnd type="none" w="med" len="med"/>
+                      <a:tailEnd type="none" w="med" len="med"/>
+                    </a:lnR>
+                    <a:lnT w="12700" cap="flat" cmpd="sng" algn="ctr">
+                      <a:noFill/>
+                      <a:prstDash val="solid"/>
+                      <a:round/>
+                      <a:headEnd type="none" w="med" len="med"/>
+                      <a:tailEnd type="none" w="med" len="med"/>
+                    </a:lnT>
+                    <a:lnB w="12700" cap="flat" cmpd="sng" algn="ctr">
+                      <a:solidFill>
+                        <a:schemeClr val="accent1"/>
+                      </a:solidFill>
+                      <a:prstDash val="solid"/>
+                      <a:round/>
+                      <a:headEnd type="none" w="med" len="med"/>
+                      <a:tailEnd type="none" w="med" len="med"/>
+                    </a:lnB>
+                    <a:lnTlToBr w="12700" cmpd="sng">
+                      <a:noFill/>
+                      <a:prstDash val="solid"/>
+                    </a:lnTlToBr>
+                    <a:lnBlToTr w="12700" cmpd="sng">
+                      <a:noFill/>
+                      <a:prstDash val="solid"/>
+                    </a:lnBlToTr>
+                    <a:noFill/>
+                  </a:tcPr>
+                </a:tc>
+                <a:extLst>
+                  <a:ext uri="{0D108BD9-81ED-4DB2-BD59-A6C34878D82A}">
+                    <a16:rowId xmlns:a16="http://schemas.microsoft.com/office/drawing/2014/main" val="533612861"/>
+                  </a:ext>
+                </a:extLst>
+              </a:tr>
+              <a:tr h="202515">
+                <a:tc>
+                  <a:txBody>
+                    <a:bodyPr/>
+                    <a:lstStyle/>
+                    <a:p>
+                      <a:pPr algn="l"/>
+                      <a:r>
+                        <a:rPr lang="en-US" sz="1400" b="0" i="0" u="none" strike="noStrike" dirty="0">
+                          <a:solidFill>
+                            <a:srgbClr val="008000"/>
+                          </a:solidFill>
+                          <a:effectLst/>
+                          <a:latin typeface="Courier New" panose="02070309020205020404" pitchFamily="49" charset="0"/>
+                        </a:rPr>
+                        <a:t># Create split data</a:t>
+                      </a:r>
+                      <a:endParaRPr lang="en-US" sz="1400" b="0" i="0" u="none" strike="noStrike" dirty="0">
+                        <a:solidFill>
+                          <a:srgbClr val="000000"/>
+                        </a:solidFill>
+                        <a:effectLst/>
+                        <a:latin typeface="Courier New" panose="02070309020205020404" pitchFamily="49" charset="0"/>
+                      </a:endParaRPr>
+                    </a:p>
+                    <a:p>
+                      <a:pPr algn="l"/>
+                      <a:r>
+                        <a:rPr lang="en-US" sz="1400" b="0" i="0" u="none" strike="noStrike" dirty="0" err="1">
+                          <a:solidFill>
+                            <a:srgbClr val="000000"/>
+                          </a:solidFill>
+                          <a:effectLst/>
+                          <a:latin typeface="Courier New" panose="02070309020205020404" pitchFamily="49" charset="0"/>
+                        </a:rPr>
+                        <a:t>final_list</a:t>
+                      </a:r>
+                      <a:r>
+                        <a:rPr lang="en-US" sz="1400" b="0" i="0" u="none" strike="noStrike" dirty="0">
+                          <a:solidFill>
+                            <a:srgbClr val="000000"/>
+                          </a:solidFill>
+                          <a:effectLst/>
+                          <a:latin typeface="Courier New" panose="02070309020205020404" pitchFamily="49" charset="0"/>
+                        </a:rPr>
+                        <a:t> = []</a:t>
+                      </a:r>
+                    </a:p>
+                    <a:p>
+                      <a:pPr algn="l"/>
+                      <a:r>
+                        <a:rPr lang="en-US" sz="1400" b="0" i="0" u="none" strike="noStrike" dirty="0" err="1">
+                          <a:solidFill>
+                            <a:srgbClr val="000000"/>
+                          </a:solidFill>
+                          <a:effectLst/>
+                          <a:latin typeface="Courier New" panose="02070309020205020404" pitchFamily="49" charset="0"/>
+                        </a:rPr>
+                        <a:t>np.random.seed</a:t>
+                      </a:r>
+                      <a:r>
+                        <a:rPr lang="en-US" sz="1400" b="0" i="0" u="none" strike="noStrike" dirty="0">
+                          <a:solidFill>
+                            <a:srgbClr val="000000"/>
+                          </a:solidFill>
+                          <a:effectLst/>
+                          <a:latin typeface="Courier New" panose="02070309020205020404" pitchFamily="49" charset="0"/>
+                        </a:rPr>
+                        <a:t>(</a:t>
+                      </a:r>
+                      <a:r>
+                        <a:rPr lang="en-US" sz="1400" b="0" i="0" u="none" strike="noStrike" dirty="0" err="1">
+                          <a:solidFill>
+                            <a:srgbClr val="000000"/>
+                          </a:solidFill>
+                          <a:effectLst/>
+                          <a:latin typeface="Courier New" panose="02070309020205020404" pitchFamily="49" charset="0"/>
+                        </a:rPr>
+                        <a:t>args.seed</a:t>
+                      </a:r>
+                      <a:r>
+                        <a:rPr lang="en-US" sz="1400" b="0" i="0" u="none" strike="noStrike" dirty="0">
+                          <a:solidFill>
+                            <a:srgbClr val="000000"/>
+                          </a:solidFill>
+                          <a:effectLst/>
+                          <a:latin typeface="Courier New" panose="02070309020205020404" pitchFamily="49" charset="0"/>
+                        </a:rPr>
+                        <a:t>)</a:t>
+                      </a:r>
+                    </a:p>
+                    <a:p>
+                      <a:pPr algn="l"/>
+                      <a:r>
+                        <a:rPr lang="en-US" sz="1400" b="0" i="0" u="none" strike="noStrike" dirty="0">
+                          <a:solidFill>
+                            <a:srgbClr val="AF00DB"/>
+                          </a:solidFill>
+                          <a:effectLst/>
+                          <a:latin typeface="Courier New" panose="02070309020205020404" pitchFamily="49" charset="0"/>
+                        </a:rPr>
+                        <a:t>for</a:t>
+                      </a:r>
+                      <a:r>
+                        <a:rPr lang="en-US" sz="1400" b="0" i="0" u="none" strike="noStrike" dirty="0">
+                          <a:solidFill>
+                            <a:srgbClr val="000000"/>
+                          </a:solidFill>
+                          <a:effectLst/>
+                          <a:latin typeface="Courier New" panose="02070309020205020404" pitchFamily="49" charset="0"/>
+                        </a:rPr>
+                        <a:t> _, </a:t>
+                      </a:r>
+                      <a:r>
+                        <a:rPr lang="en-US" sz="1400" b="0" i="0" u="none" strike="noStrike" dirty="0" err="1">
+                          <a:solidFill>
+                            <a:srgbClr val="000000"/>
+                          </a:solidFill>
+                          <a:effectLst/>
+                          <a:latin typeface="Courier New" panose="02070309020205020404" pitchFamily="49" charset="0"/>
+                        </a:rPr>
+                        <a:t>item_list</a:t>
+                      </a:r>
+                      <a:r>
+                        <a:rPr lang="en-US" sz="1400" b="0" i="0" u="none" strike="noStrike" dirty="0">
+                          <a:solidFill>
+                            <a:srgbClr val="000000"/>
+                          </a:solidFill>
+                          <a:effectLst/>
+                          <a:latin typeface="Courier New" panose="02070309020205020404" pitchFamily="49" charset="0"/>
+                        </a:rPr>
+                        <a:t> </a:t>
+                      </a:r>
+                      <a:r>
+                        <a:rPr lang="en-US" sz="1400" b="0" i="0" u="none" strike="noStrike" dirty="0">
+                          <a:solidFill>
+                            <a:srgbClr val="0000FF"/>
+                          </a:solidFill>
+                          <a:effectLst/>
+                          <a:latin typeface="Courier New" panose="02070309020205020404" pitchFamily="49" charset="0"/>
+                        </a:rPr>
+                        <a:t>in</a:t>
+                      </a:r>
+                      <a:r>
+                        <a:rPr lang="en-US" sz="1400" b="0" i="0" u="none" strike="noStrike" dirty="0">
+                          <a:solidFill>
+                            <a:srgbClr val="000000"/>
+                          </a:solidFill>
+                          <a:effectLst/>
+                          <a:latin typeface="Courier New" panose="02070309020205020404" pitchFamily="49" charset="0"/>
+                        </a:rPr>
+                        <a:t> </a:t>
+                      </a:r>
+                      <a:r>
+                        <a:rPr lang="en-US" sz="1400" b="0" i="0" u="none" strike="noStrike" dirty="0">
+                          <a:solidFill>
+                            <a:srgbClr val="795E26"/>
+                          </a:solidFill>
+                          <a:effectLst/>
+                          <a:latin typeface="Courier New" panose="02070309020205020404" pitchFamily="49" charset="0"/>
+                        </a:rPr>
+                        <a:t>sorted</a:t>
+                      </a:r>
+                      <a:r>
+                        <a:rPr lang="en-US" sz="1400" b="0" i="0" u="none" strike="noStrike" dirty="0">
+                          <a:solidFill>
+                            <a:srgbClr val="000000"/>
+                          </a:solidFill>
+                          <a:effectLst/>
+                          <a:latin typeface="Courier New" panose="02070309020205020404" pitchFamily="49" charset="0"/>
+                        </a:rPr>
+                        <a:t>(</a:t>
+                      </a:r>
+                      <a:r>
+                        <a:rPr lang="en-US" sz="1400" b="0" i="0" u="none" strike="noStrike" dirty="0" err="1">
+                          <a:solidFill>
+                            <a:srgbClr val="000000"/>
+                          </a:solidFill>
+                          <a:effectLst/>
+                          <a:latin typeface="Courier New" panose="02070309020205020404" pitchFamily="49" charset="0"/>
+                        </a:rPr>
+                        <a:t>by_nationality.items</a:t>
+                      </a:r>
+                      <a:r>
+                        <a:rPr lang="en-US" sz="1400" b="0" i="0" u="none" strike="noStrike" dirty="0">
+                          <a:solidFill>
+                            <a:srgbClr val="000000"/>
+                          </a:solidFill>
+                          <a:effectLst/>
+                          <a:latin typeface="Courier New" panose="02070309020205020404" pitchFamily="49" charset="0"/>
+                        </a:rPr>
+                        <a:t>()):</a:t>
+                      </a:r>
+                    </a:p>
+                    <a:p>
+                      <a:pPr algn="l"/>
+                      <a:r>
+                        <a:rPr lang="en-US" sz="1400" b="0" i="0" u="none" strike="noStrike" dirty="0">
+                          <a:solidFill>
+                            <a:srgbClr val="000000"/>
+                          </a:solidFill>
+                          <a:effectLst/>
+                          <a:latin typeface="Courier New" panose="02070309020205020404" pitchFamily="49" charset="0"/>
+                        </a:rPr>
+                        <a:t>    </a:t>
+                      </a:r>
+                      <a:r>
+                        <a:rPr lang="en-US" sz="1400" b="0" i="0" u="none" strike="noStrike" dirty="0" err="1">
+                          <a:solidFill>
+                            <a:srgbClr val="000000"/>
+                          </a:solidFill>
+                          <a:effectLst/>
+                          <a:latin typeface="Courier New" panose="02070309020205020404" pitchFamily="49" charset="0"/>
+                        </a:rPr>
+                        <a:t>np.random.shuffle</a:t>
+                      </a:r>
+                      <a:r>
+                        <a:rPr lang="en-US" sz="1400" b="0" i="0" u="none" strike="noStrike" dirty="0">
+                          <a:solidFill>
+                            <a:srgbClr val="000000"/>
+                          </a:solidFill>
+                          <a:effectLst/>
+                          <a:latin typeface="Courier New" panose="02070309020205020404" pitchFamily="49" charset="0"/>
+                        </a:rPr>
+                        <a:t>(</a:t>
+                      </a:r>
+                      <a:r>
+                        <a:rPr lang="en-US" sz="1400" b="0" i="0" u="none" strike="noStrike" dirty="0" err="1">
+                          <a:solidFill>
+                            <a:srgbClr val="000000"/>
+                          </a:solidFill>
+                          <a:effectLst/>
+                          <a:latin typeface="Courier New" panose="02070309020205020404" pitchFamily="49" charset="0"/>
+                        </a:rPr>
+                        <a:t>item_list</a:t>
+                      </a:r>
+                      <a:r>
+                        <a:rPr lang="en-US" sz="1400" b="0" i="0" u="none" strike="noStrike" dirty="0">
+                          <a:solidFill>
+                            <a:srgbClr val="000000"/>
+                          </a:solidFill>
+                          <a:effectLst/>
+                          <a:latin typeface="Courier New" panose="02070309020205020404" pitchFamily="49" charset="0"/>
+                        </a:rPr>
+                        <a:t>)</a:t>
+                      </a:r>
+                    </a:p>
+                    <a:p>
+                      <a:pPr algn="l"/>
+                      <a:r>
+                        <a:rPr lang="en-US" sz="1400" b="0" i="0" u="none" strike="noStrike" dirty="0">
+                          <a:solidFill>
+                            <a:srgbClr val="000000"/>
+                          </a:solidFill>
+                          <a:effectLst/>
+                          <a:latin typeface="Courier New" panose="02070309020205020404" pitchFamily="49" charset="0"/>
+                        </a:rPr>
+                        <a:t>    n = </a:t>
+                      </a:r>
+                      <a:r>
+                        <a:rPr lang="en-US" sz="1400" b="0" i="0" u="none" strike="noStrike" dirty="0" err="1">
+                          <a:solidFill>
+                            <a:srgbClr val="795E26"/>
+                          </a:solidFill>
+                          <a:effectLst/>
+                          <a:latin typeface="Courier New" panose="02070309020205020404" pitchFamily="49" charset="0"/>
+                        </a:rPr>
+                        <a:t>len</a:t>
+                      </a:r>
+                      <a:r>
+                        <a:rPr lang="en-US" sz="1400" b="0" i="0" u="none" strike="noStrike" dirty="0">
+                          <a:solidFill>
+                            <a:srgbClr val="000000"/>
+                          </a:solidFill>
+                          <a:effectLst/>
+                          <a:latin typeface="Courier New" panose="02070309020205020404" pitchFamily="49" charset="0"/>
+                        </a:rPr>
+                        <a:t>(</a:t>
+                      </a:r>
+                      <a:r>
+                        <a:rPr lang="en-US" sz="1400" b="0" i="0" u="none" strike="noStrike" dirty="0" err="1">
+                          <a:solidFill>
+                            <a:srgbClr val="000000"/>
+                          </a:solidFill>
+                          <a:effectLst/>
+                          <a:latin typeface="Courier New" panose="02070309020205020404" pitchFamily="49" charset="0"/>
+                        </a:rPr>
+                        <a:t>item_list</a:t>
+                      </a:r>
+                      <a:r>
+                        <a:rPr lang="en-US" sz="1400" b="0" i="0" u="none" strike="noStrike" dirty="0">
+                          <a:solidFill>
+                            <a:srgbClr val="000000"/>
+                          </a:solidFill>
+                          <a:effectLst/>
+                          <a:latin typeface="Courier New" panose="02070309020205020404" pitchFamily="49" charset="0"/>
+                        </a:rPr>
+                        <a:t>)</a:t>
+                      </a:r>
+                    </a:p>
+                    <a:p>
+                      <a:pPr algn="l"/>
+                      <a:endParaRPr lang="en-US" sz="1400" b="0" i="0" u="none" strike="noStrike" dirty="0">
+                        <a:solidFill>
+                          <a:srgbClr val="000000"/>
+                        </a:solidFill>
+                        <a:effectLst/>
+                        <a:latin typeface="Courier New" panose="02070309020205020404" pitchFamily="49" charset="0"/>
+                      </a:endParaRPr>
+                    </a:p>
+                    <a:p>
+                      <a:pPr algn="l"/>
+                      <a:r>
+                        <a:rPr lang="en-US" sz="1400" b="0" i="0" u="none" strike="noStrike" dirty="0">
+                          <a:solidFill>
+                            <a:srgbClr val="000000"/>
+                          </a:solidFill>
+                          <a:effectLst/>
+                          <a:latin typeface="Courier New" panose="02070309020205020404" pitchFamily="49" charset="0"/>
+                        </a:rPr>
+                        <a:t>    </a:t>
+                      </a:r>
+                      <a:r>
+                        <a:rPr lang="en-US" sz="1400" b="0" i="0" u="none" strike="noStrike" dirty="0" err="1">
+                          <a:solidFill>
+                            <a:srgbClr val="000000"/>
+                          </a:solidFill>
+                          <a:effectLst/>
+                          <a:latin typeface="Courier New" panose="02070309020205020404" pitchFamily="49" charset="0"/>
+                        </a:rPr>
+                        <a:t>n_train</a:t>
+                      </a:r>
+                      <a:r>
+                        <a:rPr lang="en-US" sz="1400" b="0" i="0" u="none" strike="noStrike" dirty="0">
+                          <a:solidFill>
+                            <a:srgbClr val="000000"/>
+                          </a:solidFill>
+                          <a:effectLst/>
+                          <a:latin typeface="Courier New" panose="02070309020205020404" pitchFamily="49" charset="0"/>
+                        </a:rPr>
+                        <a:t> = </a:t>
+                      </a:r>
+                      <a:r>
+                        <a:rPr lang="en-US" sz="1400" b="0" i="0" u="none" strike="noStrike" dirty="0">
+                          <a:solidFill>
+                            <a:srgbClr val="267F99"/>
+                          </a:solidFill>
+                          <a:effectLst/>
+                          <a:latin typeface="Courier New" panose="02070309020205020404" pitchFamily="49" charset="0"/>
+                        </a:rPr>
+                        <a:t>int</a:t>
+                      </a:r>
+                      <a:r>
+                        <a:rPr lang="en-US" sz="1400" b="0" i="0" u="none" strike="noStrike" dirty="0">
+                          <a:solidFill>
+                            <a:srgbClr val="000000"/>
+                          </a:solidFill>
+                          <a:effectLst/>
+                          <a:latin typeface="Courier New" panose="02070309020205020404" pitchFamily="49" charset="0"/>
+                        </a:rPr>
+                        <a:t>(</a:t>
+                      </a:r>
+                      <a:r>
+                        <a:rPr lang="en-US" sz="1400" b="0" i="0" u="none" strike="noStrike" dirty="0" err="1">
+                          <a:solidFill>
+                            <a:srgbClr val="000000"/>
+                          </a:solidFill>
+                          <a:effectLst/>
+                          <a:latin typeface="Courier New" panose="02070309020205020404" pitchFamily="49" charset="0"/>
+                        </a:rPr>
+                        <a:t>args.train_proportion</a:t>
+                      </a:r>
+                      <a:r>
+                        <a:rPr lang="en-US" sz="1400" b="0" i="0" u="none" strike="noStrike" dirty="0">
+                          <a:solidFill>
+                            <a:srgbClr val="000000"/>
+                          </a:solidFill>
+                          <a:effectLst/>
+                          <a:latin typeface="Courier New" panose="02070309020205020404" pitchFamily="49" charset="0"/>
+                        </a:rPr>
+                        <a:t> * n)</a:t>
+                      </a:r>
+                    </a:p>
+                    <a:p>
+                      <a:pPr algn="l"/>
+                      <a:r>
+                        <a:rPr lang="en-US" sz="1400" b="0" i="0" u="none" strike="noStrike" dirty="0">
+                          <a:solidFill>
+                            <a:srgbClr val="000000"/>
+                          </a:solidFill>
+                          <a:effectLst/>
+                          <a:latin typeface="Courier New" panose="02070309020205020404" pitchFamily="49" charset="0"/>
+                        </a:rPr>
+                        <a:t>    </a:t>
+                      </a:r>
+                      <a:r>
+                        <a:rPr lang="en-US" sz="1400" b="0" i="0" u="none" strike="noStrike" dirty="0" err="1">
+                          <a:solidFill>
+                            <a:srgbClr val="000000"/>
+                          </a:solidFill>
+                          <a:effectLst/>
+                          <a:latin typeface="Courier New" panose="02070309020205020404" pitchFamily="49" charset="0"/>
+                        </a:rPr>
+                        <a:t>n_val</a:t>
+                      </a:r>
+                      <a:r>
+                        <a:rPr lang="en-US" sz="1400" b="0" i="0" u="none" strike="noStrike" dirty="0">
+                          <a:solidFill>
+                            <a:srgbClr val="000000"/>
+                          </a:solidFill>
+                          <a:effectLst/>
+                          <a:latin typeface="Courier New" panose="02070309020205020404" pitchFamily="49" charset="0"/>
+                        </a:rPr>
+                        <a:t> = </a:t>
+                      </a:r>
+                      <a:r>
+                        <a:rPr lang="en-US" sz="1400" b="0" i="0" u="none" strike="noStrike" dirty="0">
+                          <a:solidFill>
+                            <a:srgbClr val="267F99"/>
+                          </a:solidFill>
+                          <a:effectLst/>
+                          <a:latin typeface="Courier New" panose="02070309020205020404" pitchFamily="49" charset="0"/>
+                        </a:rPr>
+                        <a:t>int</a:t>
+                      </a:r>
+                      <a:r>
+                        <a:rPr lang="en-US" sz="1400" b="0" i="0" u="none" strike="noStrike" dirty="0">
+                          <a:solidFill>
+                            <a:srgbClr val="000000"/>
+                          </a:solidFill>
+                          <a:effectLst/>
+                          <a:latin typeface="Courier New" panose="02070309020205020404" pitchFamily="49" charset="0"/>
+                        </a:rPr>
+                        <a:t>(</a:t>
+                      </a:r>
+                      <a:r>
+                        <a:rPr lang="en-US" sz="1400" b="0" i="0" u="none" strike="noStrike" dirty="0" err="1">
+                          <a:solidFill>
+                            <a:srgbClr val="000000"/>
+                          </a:solidFill>
+                          <a:effectLst/>
+                          <a:latin typeface="Courier New" panose="02070309020205020404" pitchFamily="49" charset="0"/>
+                        </a:rPr>
+                        <a:t>args.val_proportion</a:t>
+                      </a:r>
+                      <a:r>
+                        <a:rPr lang="en-US" sz="1400" b="0" i="0" u="none" strike="noStrike" dirty="0">
+                          <a:solidFill>
+                            <a:srgbClr val="000000"/>
+                          </a:solidFill>
+                          <a:effectLst/>
+                          <a:latin typeface="Courier New" panose="02070309020205020404" pitchFamily="49" charset="0"/>
+                        </a:rPr>
+                        <a:t> * n)</a:t>
+                      </a:r>
+                    </a:p>
+                    <a:p>
+                      <a:pPr algn="l"/>
+                      <a:r>
+                        <a:rPr lang="en-US" sz="1400" b="0" i="0" u="none" strike="noStrike" dirty="0">
+                          <a:solidFill>
+                            <a:srgbClr val="000000"/>
+                          </a:solidFill>
+                          <a:effectLst/>
+                          <a:latin typeface="Courier New" panose="02070309020205020404" pitchFamily="49" charset="0"/>
+                        </a:rPr>
+                        <a:t>    </a:t>
+                      </a:r>
+                      <a:r>
+                        <a:rPr lang="en-US" sz="1400" b="0" i="0" u="none" strike="noStrike" dirty="0" err="1">
+                          <a:solidFill>
+                            <a:srgbClr val="000000"/>
+                          </a:solidFill>
+                          <a:effectLst/>
+                          <a:latin typeface="Courier New" panose="02070309020205020404" pitchFamily="49" charset="0"/>
+                        </a:rPr>
+                        <a:t>n_test</a:t>
+                      </a:r>
+                      <a:r>
+                        <a:rPr lang="en-US" sz="1400" b="0" i="0" u="none" strike="noStrike" dirty="0">
+                          <a:solidFill>
+                            <a:srgbClr val="000000"/>
+                          </a:solidFill>
+                          <a:effectLst/>
+                          <a:latin typeface="Courier New" panose="02070309020205020404" pitchFamily="49" charset="0"/>
+                        </a:rPr>
+                        <a:t> = </a:t>
+                      </a:r>
+                      <a:r>
+                        <a:rPr lang="en-US" sz="1400" b="0" i="0" u="none" strike="noStrike" dirty="0">
+                          <a:solidFill>
+                            <a:srgbClr val="267F99"/>
+                          </a:solidFill>
+                          <a:effectLst/>
+                          <a:latin typeface="Courier New" panose="02070309020205020404" pitchFamily="49" charset="0"/>
+                        </a:rPr>
+                        <a:t>int</a:t>
+                      </a:r>
+                      <a:r>
+                        <a:rPr lang="en-US" sz="1400" b="0" i="0" u="none" strike="noStrike" dirty="0">
+                          <a:solidFill>
+                            <a:srgbClr val="000000"/>
+                          </a:solidFill>
+                          <a:effectLst/>
+                          <a:latin typeface="Courier New" panose="02070309020205020404" pitchFamily="49" charset="0"/>
+                        </a:rPr>
+                        <a:t>(</a:t>
+                      </a:r>
+                      <a:r>
+                        <a:rPr lang="en-US" sz="1400" b="0" i="0" u="none" strike="noStrike" dirty="0" err="1">
+                          <a:solidFill>
+                            <a:srgbClr val="000000"/>
+                          </a:solidFill>
+                          <a:effectLst/>
+                          <a:latin typeface="Courier New" panose="02070309020205020404" pitchFamily="49" charset="0"/>
+                        </a:rPr>
+                        <a:t>args.test_proportion</a:t>
+                      </a:r>
+                      <a:r>
+                        <a:rPr lang="en-US" sz="1400" b="0" i="0" u="none" strike="noStrike" dirty="0">
+                          <a:solidFill>
+                            <a:srgbClr val="000000"/>
+                          </a:solidFill>
+                          <a:effectLst/>
+                          <a:latin typeface="Courier New" panose="02070309020205020404" pitchFamily="49" charset="0"/>
+                        </a:rPr>
+                        <a:t> * n)</a:t>
+                      </a:r>
+                    </a:p>
+                    <a:p>
+                      <a:pPr algn="l"/>
+                      <a:r>
+                        <a:rPr lang="en-US" sz="1400" b="0" i="0" u="none" strike="noStrike" dirty="0">
+                          <a:solidFill>
+                            <a:srgbClr val="008000"/>
+                          </a:solidFill>
+                          <a:effectLst/>
+                          <a:latin typeface="Courier New" panose="02070309020205020404" pitchFamily="49" charset="0"/>
+                        </a:rPr>
+                        <a:t>    </a:t>
+                      </a:r>
+                    </a:p>
+                    <a:p>
+                      <a:pPr algn="l"/>
+                      <a:r>
+                        <a:rPr lang="en-US" sz="1400" b="0" i="0" u="none" strike="noStrike" dirty="0">
+                          <a:solidFill>
+                            <a:srgbClr val="008000"/>
+                          </a:solidFill>
+                          <a:effectLst/>
+                          <a:latin typeface="Courier New" panose="02070309020205020404" pitchFamily="49" charset="0"/>
+                        </a:rPr>
+                        <a:t>    # Give data point a split attribute</a:t>
+                      </a:r>
+                      <a:endParaRPr lang="en-US" sz="1400" b="0" i="0" u="none" strike="noStrike" dirty="0">
+                        <a:solidFill>
+                          <a:srgbClr val="000000"/>
+                        </a:solidFill>
+                        <a:effectLst/>
+                        <a:latin typeface="Courier New" panose="02070309020205020404" pitchFamily="49" charset="0"/>
+                      </a:endParaRPr>
+                    </a:p>
+                    <a:p>
+                      <a:pPr algn="l"/>
+                      <a:r>
+                        <a:rPr lang="en-US" sz="1400" b="0" i="0" u="none" strike="noStrike" dirty="0">
+                          <a:solidFill>
+                            <a:srgbClr val="AF00DB"/>
+                          </a:solidFill>
+                          <a:effectLst/>
+                          <a:latin typeface="Courier New" panose="02070309020205020404" pitchFamily="49" charset="0"/>
+                        </a:rPr>
+                        <a:t>    for</a:t>
+                      </a:r>
+                      <a:r>
+                        <a:rPr lang="en-US" sz="1400" b="0" i="0" u="none" strike="noStrike" dirty="0">
+                          <a:solidFill>
+                            <a:srgbClr val="000000"/>
+                          </a:solidFill>
+                          <a:effectLst/>
+                          <a:latin typeface="Courier New" panose="02070309020205020404" pitchFamily="49" charset="0"/>
+                        </a:rPr>
+                        <a:t> item </a:t>
+                      </a:r>
+                      <a:r>
+                        <a:rPr lang="en-US" sz="1400" b="0" i="0" u="none" strike="noStrike" dirty="0">
+                          <a:solidFill>
+                            <a:srgbClr val="0000FF"/>
+                          </a:solidFill>
+                          <a:effectLst/>
+                          <a:latin typeface="Courier New" panose="02070309020205020404" pitchFamily="49" charset="0"/>
+                        </a:rPr>
+                        <a:t>in</a:t>
+                      </a:r>
+                      <a:r>
+                        <a:rPr lang="en-US" sz="1400" b="0" i="0" u="none" strike="noStrike" dirty="0">
+                          <a:solidFill>
+                            <a:srgbClr val="000000"/>
+                          </a:solidFill>
+                          <a:effectLst/>
+                          <a:latin typeface="Courier New" panose="02070309020205020404" pitchFamily="49" charset="0"/>
+                        </a:rPr>
+                        <a:t> </a:t>
+                      </a:r>
+                      <a:r>
+                        <a:rPr lang="en-US" sz="1400" b="0" i="0" u="none" strike="noStrike" dirty="0" err="1">
+                          <a:solidFill>
+                            <a:srgbClr val="000000"/>
+                          </a:solidFill>
+                          <a:effectLst/>
+                          <a:latin typeface="Courier New" panose="02070309020205020404" pitchFamily="49" charset="0"/>
+                        </a:rPr>
+                        <a:t>item_list</a:t>
+                      </a:r>
+                      <a:r>
+                        <a:rPr lang="en-US" sz="1400" b="0" i="0" u="none" strike="noStrike" dirty="0">
+                          <a:solidFill>
+                            <a:srgbClr val="000000"/>
+                          </a:solidFill>
+                          <a:effectLst/>
+                          <a:latin typeface="Courier New" panose="02070309020205020404" pitchFamily="49" charset="0"/>
+                        </a:rPr>
+                        <a:t>[:</a:t>
+                      </a:r>
+                      <a:r>
+                        <a:rPr lang="en-US" sz="1400" b="0" i="0" u="none" strike="noStrike" dirty="0" err="1">
+                          <a:solidFill>
+                            <a:srgbClr val="000000"/>
+                          </a:solidFill>
+                          <a:effectLst/>
+                          <a:latin typeface="Courier New" panose="02070309020205020404" pitchFamily="49" charset="0"/>
+                        </a:rPr>
+                        <a:t>n_train</a:t>
+                      </a:r>
+                      <a:r>
+                        <a:rPr lang="en-US" sz="1400" b="0" i="0" u="none" strike="noStrike" dirty="0">
+                          <a:solidFill>
+                            <a:srgbClr val="000000"/>
+                          </a:solidFill>
+                          <a:effectLst/>
+                          <a:latin typeface="Courier New" panose="02070309020205020404" pitchFamily="49" charset="0"/>
+                        </a:rPr>
+                        <a:t>]:</a:t>
+                      </a:r>
+                    </a:p>
+                    <a:p>
+                      <a:pPr algn="l"/>
+                      <a:r>
+                        <a:rPr lang="en-US" sz="1400" b="0" i="0" u="none" strike="noStrike" dirty="0">
+                          <a:solidFill>
+                            <a:srgbClr val="000000"/>
+                          </a:solidFill>
+                          <a:effectLst/>
+                          <a:latin typeface="Courier New" panose="02070309020205020404" pitchFamily="49" charset="0"/>
+                        </a:rPr>
+                        <a:t>        item[</a:t>
+                      </a:r>
+                      <a:r>
+                        <a:rPr lang="en-US" sz="1400" b="0" i="0" u="none" strike="noStrike" dirty="0">
+                          <a:solidFill>
+                            <a:srgbClr val="A31515"/>
+                          </a:solidFill>
+                          <a:effectLst/>
+                          <a:latin typeface="Courier New" panose="02070309020205020404" pitchFamily="49" charset="0"/>
+                        </a:rPr>
+                        <a:t>'split'</a:t>
+                      </a:r>
+                      <a:r>
+                        <a:rPr lang="en-US" sz="1400" b="0" i="0" u="none" strike="noStrike" dirty="0">
+                          <a:solidFill>
+                            <a:srgbClr val="000000"/>
+                          </a:solidFill>
+                          <a:effectLst/>
+                          <a:latin typeface="Courier New" panose="02070309020205020404" pitchFamily="49" charset="0"/>
+                        </a:rPr>
+                        <a:t>] = </a:t>
+                      </a:r>
+                      <a:r>
+                        <a:rPr lang="en-US" sz="1400" b="0" i="0" u="none" strike="noStrike" dirty="0">
+                          <a:solidFill>
+                            <a:srgbClr val="A31515"/>
+                          </a:solidFill>
+                          <a:effectLst/>
+                          <a:latin typeface="Courier New" panose="02070309020205020404" pitchFamily="49" charset="0"/>
+                        </a:rPr>
+                        <a:t>'train'</a:t>
+                      </a:r>
+                      <a:endParaRPr lang="en-US" sz="1400" b="0" i="0" u="none" strike="noStrike" dirty="0">
+                        <a:solidFill>
+                          <a:srgbClr val="000000"/>
+                        </a:solidFill>
+                        <a:effectLst/>
+                        <a:latin typeface="Courier New" panose="02070309020205020404" pitchFamily="49" charset="0"/>
+                      </a:endParaRPr>
+                    </a:p>
+                    <a:p>
+                      <a:pPr algn="l"/>
+                      <a:r>
+                        <a:rPr lang="en-US" sz="1400" b="0" i="0" u="none" strike="noStrike" dirty="0">
+                          <a:solidFill>
+                            <a:srgbClr val="AF00DB"/>
+                          </a:solidFill>
+                          <a:effectLst/>
+                          <a:latin typeface="Courier New" panose="02070309020205020404" pitchFamily="49" charset="0"/>
+                        </a:rPr>
+                        <a:t>    for</a:t>
+                      </a:r>
+                      <a:r>
+                        <a:rPr lang="en-US" sz="1400" b="0" i="0" u="none" strike="noStrike" dirty="0">
+                          <a:solidFill>
+                            <a:srgbClr val="000000"/>
+                          </a:solidFill>
+                          <a:effectLst/>
+                          <a:latin typeface="Courier New" panose="02070309020205020404" pitchFamily="49" charset="0"/>
+                        </a:rPr>
+                        <a:t> item </a:t>
+                      </a:r>
+                      <a:r>
+                        <a:rPr lang="en-US" sz="1400" b="0" i="0" u="none" strike="noStrike" dirty="0">
+                          <a:solidFill>
+                            <a:srgbClr val="0000FF"/>
+                          </a:solidFill>
+                          <a:effectLst/>
+                          <a:latin typeface="Courier New" panose="02070309020205020404" pitchFamily="49" charset="0"/>
+                        </a:rPr>
+                        <a:t>in</a:t>
+                      </a:r>
+                      <a:r>
+                        <a:rPr lang="en-US" sz="1400" b="0" i="0" u="none" strike="noStrike" dirty="0">
+                          <a:solidFill>
+                            <a:srgbClr val="000000"/>
+                          </a:solidFill>
+                          <a:effectLst/>
+                          <a:latin typeface="Courier New" panose="02070309020205020404" pitchFamily="49" charset="0"/>
+                        </a:rPr>
+                        <a:t> </a:t>
+                      </a:r>
+                      <a:r>
+                        <a:rPr lang="en-US" sz="1400" b="0" i="0" u="none" strike="noStrike" dirty="0" err="1">
+                          <a:solidFill>
+                            <a:srgbClr val="000000"/>
+                          </a:solidFill>
+                          <a:effectLst/>
+                          <a:latin typeface="Courier New" panose="02070309020205020404" pitchFamily="49" charset="0"/>
+                        </a:rPr>
+                        <a:t>item_list</a:t>
+                      </a:r>
+                      <a:r>
+                        <a:rPr lang="en-US" sz="1400" b="0" i="0" u="none" strike="noStrike" dirty="0">
+                          <a:solidFill>
+                            <a:srgbClr val="000000"/>
+                          </a:solidFill>
+                          <a:effectLst/>
+                          <a:latin typeface="Courier New" panose="02070309020205020404" pitchFamily="49" charset="0"/>
+                        </a:rPr>
+                        <a:t>[</a:t>
+                      </a:r>
+                      <a:r>
+                        <a:rPr lang="en-US" sz="1400" b="0" i="0" u="none" strike="noStrike" dirty="0" err="1">
+                          <a:solidFill>
+                            <a:srgbClr val="000000"/>
+                          </a:solidFill>
+                          <a:effectLst/>
+                          <a:latin typeface="Courier New" panose="02070309020205020404" pitchFamily="49" charset="0"/>
+                        </a:rPr>
+                        <a:t>n_train</a:t>
+                      </a:r>
+                      <a:r>
+                        <a:rPr lang="en-US" sz="1400" b="0" i="0" u="none" strike="noStrike" dirty="0">
+                          <a:solidFill>
+                            <a:srgbClr val="000000"/>
+                          </a:solidFill>
+                          <a:effectLst/>
+                          <a:latin typeface="Courier New" panose="02070309020205020404" pitchFamily="49" charset="0"/>
+                        </a:rPr>
+                        <a:t> : </a:t>
+                      </a:r>
+                      <a:r>
+                        <a:rPr lang="en-US" sz="1400" b="0" i="0" u="none" strike="noStrike" dirty="0" err="1">
+                          <a:solidFill>
+                            <a:srgbClr val="000000"/>
+                          </a:solidFill>
+                          <a:effectLst/>
+                          <a:latin typeface="Courier New" panose="02070309020205020404" pitchFamily="49" charset="0"/>
+                        </a:rPr>
+                        <a:t>n_train</a:t>
+                      </a:r>
+                      <a:r>
+                        <a:rPr lang="en-US" sz="1400" b="0" i="0" u="none" strike="noStrike" dirty="0">
+                          <a:solidFill>
+                            <a:srgbClr val="000000"/>
+                          </a:solidFill>
+                          <a:effectLst/>
+                          <a:latin typeface="Courier New" panose="02070309020205020404" pitchFamily="49" charset="0"/>
+                        </a:rPr>
+                        <a:t> + </a:t>
+                      </a:r>
+                      <a:r>
+                        <a:rPr lang="en-US" sz="1400" b="0" i="0" u="none" strike="noStrike" dirty="0" err="1">
+                          <a:solidFill>
+                            <a:srgbClr val="000000"/>
+                          </a:solidFill>
+                          <a:effectLst/>
+                          <a:latin typeface="Courier New" panose="02070309020205020404" pitchFamily="49" charset="0"/>
+                        </a:rPr>
+                        <a:t>n_val</a:t>
+                      </a:r>
+                      <a:r>
+                        <a:rPr lang="en-US" sz="1400" b="0" i="0" u="none" strike="noStrike" dirty="0">
+                          <a:solidFill>
+                            <a:srgbClr val="000000"/>
+                          </a:solidFill>
+                          <a:effectLst/>
+                          <a:latin typeface="Courier New" panose="02070309020205020404" pitchFamily="49" charset="0"/>
+                        </a:rPr>
+                        <a:t>]:</a:t>
+                      </a:r>
+                    </a:p>
+                    <a:p>
+                      <a:pPr algn="l"/>
+                      <a:r>
+                        <a:rPr lang="en-US" sz="1400" b="0" i="0" u="none" strike="noStrike" dirty="0">
+                          <a:solidFill>
+                            <a:srgbClr val="000000"/>
+                          </a:solidFill>
+                          <a:effectLst/>
+                          <a:latin typeface="Courier New" panose="02070309020205020404" pitchFamily="49" charset="0"/>
+                        </a:rPr>
+                        <a:t>        item[</a:t>
+                      </a:r>
+                      <a:r>
+                        <a:rPr lang="en-US" sz="1400" b="0" i="0" u="none" strike="noStrike" dirty="0">
+                          <a:solidFill>
+                            <a:srgbClr val="A31515"/>
+                          </a:solidFill>
+                          <a:effectLst/>
+                          <a:latin typeface="Courier New" panose="02070309020205020404" pitchFamily="49" charset="0"/>
+                        </a:rPr>
+                        <a:t>'split'</a:t>
+                      </a:r>
+                      <a:r>
+                        <a:rPr lang="en-US" sz="1400" b="0" i="0" u="none" strike="noStrike" dirty="0">
+                          <a:solidFill>
+                            <a:srgbClr val="000000"/>
+                          </a:solidFill>
+                          <a:effectLst/>
+                          <a:latin typeface="Courier New" panose="02070309020205020404" pitchFamily="49" charset="0"/>
+                        </a:rPr>
+                        <a:t>] = </a:t>
+                      </a:r>
+                      <a:r>
+                        <a:rPr lang="en-US" sz="1400" b="0" i="0" u="none" strike="noStrike" dirty="0">
+                          <a:solidFill>
+                            <a:srgbClr val="A31515"/>
+                          </a:solidFill>
+                          <a:effectLst/>
+                          <a:latin typeface="Courier New" panose="02070309020205020404" pitchFamily="49" charset="0"/>
+                        </a:rPr>
+                        <a:t>'</a:t>
+                      </a:r>
+                      <a:r>
+                        <a:rPr lang="en-US" sz="1400" b="0" i="0" u="none" strike="noStrike" dirty="0" err="1">
+                          <a:solidFill>
+                            <a:srgbClr val="A31515"/>
+                          </a:solidFill>
+                          <a:effectLst/>
+                          <a:latin typeface="Courier New" panose="02070309020205020404" pitchFamily="49" charset="0"/>
+                        </a:rPr>
+                        <a:t>val</a:t>
+                      </a:r>
+                      <a:r>
+                        <a:rPr lang="en-US" sz="1400" b="0" i="0" u="none" strike="noStrike" dirty="0">
+                          <a:solidFill>
+                            <a:srgbClr val="A31515"/>
+                          </a:solidFill>
+                          <a:effectLst/>
+                          <a:latin typeface="Courier New" panose="02070309020205020404" pitchFamily="49" charset="0"/>
+                        </a:rPr>
+                        <a:t>'</a:t>
+                      </a:r>
+                      <a:endParaRPr lang="en-US" sz="1400" b="0" i="0" u="none" strike="noStrike" dirty="0">
+                        <a:solidFill>
+                          <a:srgbClr val="000000"/>
+                        </a:solidFill>
+                        <a:effectLst/>
+                        <a:latin typeface="Courier New" panose="02070309020205020404" pitchFamily="49" charset="0"/>
+                      </a:endParaRPr>
+                    </a:p>
+                    <a:p>
+                      <a:pPr algn="l"/>
+                      <a:r>
+                        <a:rPr lang="en-US" sz="1400" b="0" i="0" u="none" strike="noStrike" dirty="0">
+                          <a:solidFill>
+                            <a:srgbClr val="AF00DB"/>
+                          </a:solidFill>
+                          <a:effectLst/>
+                          <a:latin typeface="Courier New" panose="02070309020205020404" pitchFamily="49" charset="0"/>
+                        </a:rPr>
+                        <a:t>    for</a:t>
+                      </a:r>
+                      <a:r>
+                        <a:rPr lang="en-US" sz="1400" b="0" i="0" u="none" strike="noStrike" dirty="0">
+                          <a:solidFill>
+                            <a:srgbClr val="000000"/>
+                          </a:solidFill>
+                          <a:effectLst/>
+                          <a:latin typeface="Courier New" panose="02070309020205020404" pitchFamily="49" charset="0"/>
+                        </a:rPr>
+                        <a:t> item </a:t>
+                      </a:r>
+                      <a:r>
+                        <a:rPr lang="en-US" sz="1400" b="0" i="0" u="none" strike="noStrike" dirty="0">
+                          <a:solidFill>
+                            <a:srgbClr val="0000FF"/>
+                          </a:solidFill>
+                          <a:effectLst/>
+                          <a:latin typeface="Courier New" panose="02070309020205020404" pitchFamily="49" charset="0"/>
+                        </a:rPr>
+                        <a:t>in</a:t>
+                      </a:r>
+                      <a:r>
+                        <a:rPr lang="en-US" sz="1400" b="0" i="0" u="none" strike="noStrike" dirty="0">
+                          <a:solidFill>
+                            <a:srgbClr val="000000"/>
+                          </a:solidFill>
+                          <a:effectLst/>
+                          <a:latin typeface="Courier New" panose="02070309020205020404" pitchFamily="49" charset="0"/>
+                        </a:rPr>
+                        <a:t> </a:t>
+                      </a:r>
+                      <a:r>
+                        <a:rPr lang="en-US" sz="1400" b="0" i="0" u="none" strike="noStrike" dirty="0" err="1">
+                          <a:solidFill>
+                            <a:srgbClr val="000000"/>
+                          </a:solidFill>
+                          <a:effectLst/>
+                          <a:latin typeface="Courier New" panose="02070309020205020404" pitchFamily="49" charset="0"/>
+                        </a:rPr>
+                        <a:t>item_list</a:t>
+                      </a:r>
+                      <a:r>
+                        <a:rPr lang="en-US" sz="1400" b="0" i="0" u="none" strike="noStrike" dirty="0">
+                          <a:solidFill>
+                            <a:srgbClr val="000000"/>
+                          </a:solidFill>
+                          <a:effectLst/>
+                          <a:latin typeface="Courier New" panose="02070309020205020404" pitchFamily="49" charset="0"/>
+                        </a:rPr>
+                        <a:t>[</a:t>
+                      </a:r>
+                      <a:r>
+                        <a:rPr lang="en-US" sz="1400" b="0" i="0" u="none" strike="noStrike" dirty="0" err="1">
+                          <a:solidFill>
+                            <a:srgbClr val="000000"/>
+                          </a:solidFill>
+                          <a:effectLst/>
+                          <a:latin typeface="Courier New" panose="02070309020205020404" pitchFamily="49" charset="0"/>
+                        </a:rPr>
+                        <a:t>n_train</a:t>
+                      </a:r>
+                      <a:r>
+                        <a:rPr lang="en-US" sz="1400" b="0" i="0" u="none" strike="noStrike" dirty="0">
+                          <a:solidFill>
+                            <a:srgbClr val="000000"/>
+                          </a:solidFill>
+                          <a:effectLst/>
+                          <a:latin typeface="Courier New" panose="02070309020205020404" pitchFamily="49" charset="0"/>
+                        </a:rPr>
+                        <a:t> + </a:t>
+                      </a:r>
+                      <a:r>
+                        <a:rPr lang="en-US" sz="1400" b="0" i="0" u="none" strike="noStrike" dirty="0" err="1">
+                          <a:solidFill>
+                            <a:srgbClr val="000000"/>
+                          </a:solidFill>
+                          <a:effectLst/>
+                          <a:latin typeface="Courier New" panose="02070309020205020404" pitchFamily="49" charset="0"/>
+                        </a:rPr>
+                        <a:t>n_val</a:t>
+                      </a:r>
+                      <a:r>
+                        <a:rPr lang="en-US" sz="1400" b="0" i="0" u="none" strike="noStrike" dirty="0">
+                          <a:solidFill>
+                            <a:srgbClr val="000000"/>
+                          </a:solidFill>
+                          <a:effectLst/>
+                          <a:latin typeface="Courier New" panose="02070309020205020404" pitchFamily="49" charset="0"/>
+                        </a:rPr>
+                        <a:t>:]:</a:t>
+                      </a:r>
+                    </a:p>
+                    <a:p>
+                      <a:pPr algn="l"/>
+                      <a:r>
+                        <a:rPr lang="en-US" sz="1400" b="0" i="0" u="none" strike="noStrike" dirty="0">
+                          <a:solidFill>
+                            <a:srgbClr val="000000"/>
+                          </a:solidFill>
+                          <a:effectLst/>
+                          <a:latin typeface="Courier New" panose="02070309020205020404" pitchFamily="49" charset="0"/>
+                        </a:rPr>
+                        <a:t>        item[</a:t>
+                      </a:r>
+                      <a:r>
+                        <a:rPr lang="en-US" sz="1400" b="0" i="0" u="none" strike="noStrike" dirty="0">
+                          <a:solidFill>
+                            <a:srgbClr val="A31515"/>
+                          </a:solidFill>
+                          <a:effectLst/>
+                          <a:latin typeface="Courier New" panose="02070309020205020404" pitchFamily="49" charset="0"/>
+                        </a:rPr>
+                        <a:t>'split'</a:t>
+                      </a:r>
+                      <a:r>
+                        <a:rPr lang="en-US" sz="1400" b="0" i="0" u="none" strike="noStrike" dirty="0">
+                          <a:solidFill>
+                            <a:srgbClr val="000000"/>
+                          </a:solidFill>
+                          <a:effectLst/>
+                          <a:latin typeface="Courier New" panose="02070309020205020404" pitchFamily="49" charset="0"/>
+                        </a:rPr>
+                        <a:t>] = </a:t>
+                      </a:r>
+                      <a:r>
+                        <a:rPr lang="en-US" sz="1400" b="0" i="0" u="none" strike="noStrike" dirty="0">
+                          <a:solidFill>
+                            <a:srgbClr val="A31515"/>
+                          </a:solidFill>
+                          <a:effectLst/>
+                          <a:latin typeface="Courier New" panose="02070309020205020404" pitchFamily="49" charset="0"/>
+                        </a:rPr>
+                        <a:t>'test'</a:t>
+                      </a:r>
+                      <a:r>
+                        <a:rPr lang="en-US" sz="1400" b="0" i="0" u="none" strike="noStrike" dirty="0">
+                          <a:solidFill>
+                            <a:srgbClr val="000000"/>
+                          </a:solidFill>
+                          <a:effectLst/>
+                          <a:latin typeface="Courier New" panose="02070309020205020404" pitchFamily="49" charset="0"/>
+                        </a:rPr>
+                        <a:t> </a:t>
+                      </a:r>
+                    </a:p>
+                    <a:p>
+                      <a:pPr algn="l"/>
+                      <a:r>
+                        <a:rPr lang="en-US" sz="1400" b="0" i="0" u="none" strike="noStrike" dirty="0">
+                          <a:solidFill>
+                            <a:srgbClr val="008000"/>
+                          </a:solidFill>
+                          <a:effectLst/>
+                          <a:latin typeface="Courier New" panose="02070309020205020404" pitchFamily="49" charset="0"/>
+                        </a:rPr>
+                        <a:t>    </a:t>
+                      </a:r>
+                    </a:p>
+                    <a:p>
+                      <a:pPr algn="l"/>
+                      <a:r>
+                        <a:rPr lang="en-US" sz="1400" b="0" i="0" u="none" strike="noStrike" dirty="0">
+                          <a:solidFill>
+                            <a:srgbClr val="008000"/>
+                          </a:solidFill>
+                          <a:effectLst/>
+                          <a:latin typeface="Courier New" panose="02070309020205020404" pitchFamily="49" charset="0"/>
+                        </a:rPr>
+                        <a:t>    # Add to final list</a:t>
+                      </a:r>
+                      <a:endParaRPr lang="en-US" sz="1400" b="0" i="0" u="none" strike="noStrike" dirty="0">
+                        <a:solidFill>
+                          <a:srgbClr val="000000"/>
+                        </a:solidFill>
+                        <a:effectLst/>
+                        <a:latin typeface="Courier New" panose="02070309020205020404" pitchFamily="49" charset="0"/>
+                      </a:endParaRPr>
+                    </a:p>
+                    <a:p>
+                      <a:pPr algn="l"/>
+                      <a:r>
+                        <a:rPr lang="en-US" sz="1400" b="0" i="0" u="none" strike="noStrike" dirty="0">
+                          <a:solidFill>
+                            <a:srgbClr val="000000"/>
+                          </a:solidFill>
+                          <a:effectLst/>
+                          <a:latin typeface="Courier New" panose="02070309020205020404" pitchFamily="49" charset="0"/>
+                        </a:rPr>
+                        <a:t>    </a:t>
+                      </a:r>
+                      <a:r>
+                        <a:rPr lang="en-US" sz="1400" b="0" i="0" u="none" strike="noStrike" dirty="0" err="1">
+                          <a:solidFill>
+                            <a:srgbClr val="000000"/>
+                          </a:solidFill>
+                          <a:effectLst/>
+                          <a:latin typeface="Courier New" panose="02070309020205020404" pitchFamily="49" charset="0"/>
+                        </a:rPr>
+                        <a:t>final_list.extend</a:t>
+                      </a:r>
+                      <a:r>
+                        <a:rPr lang="en-US" sz="1400" b="0" i="0" u="none" strike="noStrike" dirty="0">
+                          <a:solidFill>
+                            <a:srgbClr val="000000"/>
+                          </a:solidFill>
+                          <a:effectLst/>
+                          <a:latin typeface="Courier New" panose="02070309020205020404" pitchFamily="49" charset="0"/>
+                        </a:rPr>
+                        <a:t>(</a:t>
+                      </a:r>
+                      <a:r>
+                        <a:rPr lang="en-US" sz="1400" b="0" i="0" u="none" strike="noStrike" dirty="0" err="1">
+                          <a:solidFill>
+                            <a:srgbClr val="000000"/>
+                          </a:solidFill>
+                          <a:effectLst/>
+                          <a:latin typeface="Courier New" panose="02070309020205020404" pitchFamily="49" charset="0"/>
+                        </a:rPr>
+                        <a:t>item_list</a:t>
+                      </a:r>
+                      <a:r>
+                        <a:rPr lang="en-US" sz="1400" b="0" i="0" u="none" strike="noStrike" dirty="0">
+                          <a:solidFill>
+                            <a:srgbClr val="000000"/>
+                          </a:solidFill>
+                          <a:effectLst/>
+                          <a:latin typeface="Courier New" panose="02070309020205020404" pitchFamily="49" charset="0"/>
+                        </a:rPr>
+                        <a:t>)</a:t>
+                      </a:r>
+                    </a:p>
+                  </a:txBody>
+                  <a:tcPr>
+                    <a:lnL w="12700" cap="flat" cmpd="sng" algn="ctr">
+                      <a:solidFill>
+                        <a:schemeClr val="accent1"/>
+                      </a:solidFill>
+                      <a:prstDash val="solid"/>
+                      <a:round/>
+                      <a:headEnd type="none" w="med" len="med"/>
+                      <a:tailEnd type="none" w="med" len="med"/>
+                    </a:lnL>
+                    <a:lnR w="12700" cap="flat" cmpd="sng" algn="ctr">
+                      <a:solidFill>
+                        <a:schemeClr val="accent1"/>
+                      </a:solidFill>
+                      <a:prstDash val="solid"/>
+                      <a:round/>
+                      <a:headEnd type="none" w="med" len="med"/>
+                      <a:tailEnd type="none" w="med" len="med"/>
+                    </a:lnR>
+                    <a:lnT w="12700" cap="flat" cmpd="sng" algn="ctr">
+                      <a:solidFill>
+                        <a:schemeClr val="accent1"/>
+                      </a:solidFill>
+                      <a:prstDash val="solid"/>
+                      <a:round/>
+                      <a:headEnd type="none" w="med" len="med"/>
+                      <a:tailEnd type="none" w="med" len="med"/>
+                    </a:lnT>
+                    <a:lnB w="12700" cap="flat" cmpd="sng" algn="ctr">
+                      <a:solidFill>
+                        <a:schemeClr val="accent1"/>
+                      </a:solidFill>
+                      <a:prstDash val="solid"/>
+                      <a:round/>
+                      <a:headEnd type="none" w="med" len="med"/>
+                      <a:tailEnd type="none" w="med" len="med"/>
+                    </a:lnB>
+                    <a:solidFill>
+                      <a:schemeClr val="bg1">
+                        <a:lumMod val="95000"/>
+                      </a:schemeClr>
+                    </a:solidFill>
+                  </a:tcPr>
+                </a:tc>
+                <a:extLst>
+                  <a:ext uri="{0D108BD9-81ED-4DB2-BD59-A6C34878D82A}">
+                    <a16:rowId xmlns:a16="http://schemas.microsoft.com/office/drawing/2014/main" val="2014089395"/>
+                  </a:ext>
+                </a:extLst>
+              </a:tr>
+            </a:tbl>
+          </a:graphicData>
+        </a:graphic>
+      </p:graphicFrame>
     </p:spTree>
     <p:extLst>
       <p:ext uri="{BB962C8B-B14F-4D97-AF65-F5344CB8AC3E}">
-        <p14:creationId xmlns:p14="http://schemas.microsoft.com/office/powerpoint/2010/main" val="3187191691"/>
+        <p14:creationId xmlns:p14="http://schemas.microsoft.com/office/powerpoint/2010/main" val="2580780779"/>
       </p:ext>
     </p:extLst>
   </p:cSld>
@@ -6578,41 +8681,6 @@
       </p:grpSpPr>
       <p:sp>
         <p:nvSpPr>
-          <p:cNvPr id="3" name="Content Placeholder 2">
-            <a:extLst>
-              <a:ext uri="{FF2B5EF4-FFF2-40B4-BE49-F238E27FC236}">
-                <a16:creationId xmlns:a16="http://schemas.microsoft.com/office/drawing/2014/main" id="{801FCE30-56FD-AA4B-7226-B62C8677C06D}"/>
-              </a:ext>
-            </a:extLst>
-          </p:cNvPr>
-          <p:cNvSpPr>
-            <a:spLocks noGrp="1"/>
-          </p:cNvSpPr>
-          <p:nvPr>
-            <p:ph idx="1"/>
-          </p:nvPr>
-        </p:nvSpPr>
-        <p:spPr>
-          <a:xfrm>
-            <a:off x="71406" y="571480"/>
-            <a:ext cx="9001188" cy="5929354"/>
-          </a:xfrm>
-        </p:spPr>
-        <p:txBody>
-          <a:bodyPr>
-            <a:normAutofit/>
-          </a:bodyPr>
-          <a:lstStyle/>
-          <a:p>
-            <a:r>
-              <a:rPr lang="en-US" dirty="0"/>
-              <a:t>MLP has learned to “warp” the space in which the data lives so that it can divide the dataset with a single line by the time it passes through the final layer.</a:t>
-            </a:r>
-          </a:p>
-        </p:txBody>
-      </p:sp>
-      <p:sp>
-        <p:nvSpPr>
           <p:cNvPr id="2" name="Title 1"/>
           <p:cNvSpPr>
             <a:spLocks noGrp="1"/>
@@ -6621,351 +8689,19 @@
             <p:ph type="title"/>
           </p:nvPr>
         </p:nvSpPr>
-        <p:spPr/>
+        <p:spPr>
+          <a:xfrm>
+            <a:off x="-2631" y="0"/>
+            <a:ext cx="9144000" cy="500042"/>
+          </a:xfrm>
+        </p:spPr>
         <p:txBody>
           <a:bodyPr/>
           <a:lstStyle/>
           <a:p>
             <a:r>
-              <a:rPr lang="en-US"/>
-              <a:t>A Simple Example: XOR</a:t>
-            </a:r>
-            <a:endParaRPr lang="en-US" dirty="0"/>
-          </a:p>
-        </p:txBody>
-      </p:sp>
-      <p:pic>
-        <p:nvPicPr>
-          <p:cNvPr id="5" name="Picture 4" descr="Scatter chart&#10;&#10;Description automatically generated">
-            <a:extLst>
-              <a:ext uri="{FF2B5EF4-FFF2-40B4-BE49-F238E27FC236}">
-                <a16:creationId xmlns:a16="http://schemas.microsoft.com/office/drawing/2014/main" id="{006339B5-F13F-387C-B816-DAFC1DB8A19D}"/>
-              </a:ext>
-            </a:extLst>
-          </p:cNvPr>
-          <p:cNvPicPr>
-            <a:picLocks noChangeAspect="1"/>
-          </p:cNvPicPr>
-          <p:nvPr/>
-        </p:nvPicPr>
-        <p:blipFill>
-          <a:blip r:embed="rId2">
-            <a:extLst>
-              <a:ext uri="{28A0092B-C50C-407E-A947-70E740481C1C}">
-                <a14:useLocalDpi xmlns:a14="http://schemas.microsoft.com/office/drawing/2010/main" val="0"/>
-              </a:ext>
-            </a:extLst>
-          </a:blip>
-          <a:stretch>
-            <a:fillRect/>
-          </a:stretch>
-        </p:blipFill>
-        <p:spPr>
-          <a:xfrm>
-            <a:off x="370650" y="1749446"/>
-            <a:ext cx="3276378" cy="2203082"/>
-          </a:xfrm>
-          <a:prstGeom prst="rect">
-            <a:avLst/>
-          </a:prstGeom>
-        </p:spPr>
-      </p:pic>
-      <p:pic>
-        <p:nvPicPr>
-          <p:cNvPr id="7" name="Picture 6" descr="Shape&#10;&#10;Description automatically generated">
-            <a:extLst>
-              <a:ext uri="{FF2B5EF4-FFF2-40B4-BE49-F238E27FC236}">
-                <a16:creationId xmlns:a16="http://schemas.microsoft.com/office/drawing/2014/main" id="{192D74CA-D074-C046-D8A8-0D42C3AE7909}"/>
-              </a:ext>
-            </a:extLst>
-          </p:cNvPr>
-          <p:cNvPicPr>
-            <a:picLocks noChangeAspect="1"/>
-          </p:cNvPicPr>
-          <p:nvPr/>
-        </p:nvPicPr>
-        <p:blipFill>
-          <a:blip r:embed="rId3">
-            <a:extLst>
-              <a:ext uri="{28A0092B-C50C-407E-A947-70E740481C1C}">
-                <a14:useLocalDpi xmlns:a14="http://schemas.microsoft.com/office/drawing/2010/main" val="0"/>
-              </a:ext>
-            </a:extLst>
-          </a:blip>
-          <a:stretch>
-            <a:fillRect/>
-          </a:stretch>
-        </p:blipFill>
-        <p:spPr>
-          <a:xfrm>
-            <a:off x="4738643" y="1689053"/>
-            <a:ext cx="3191645" cy="2240742"/>
-          </a:xfrm>
-          <a:prstGeom prst="rect">
-            <a:avLst/>
-          </a:prstGeom>
-        </p:spPr>
-      </p:pic>
-      <p:pic>
-        <p:nvPicPr>
-          <p:cNvPr id="9" name="Picture 8" descr="Shape&#10;&#10;Description automatically generated">
-            <a:extLst>
-              <a:ext uri="{FF2B5EF4-FFF2-40B4-BE49-F238E27FC236}">
-                <a16:creationId xmlns:a16="http://schemas.microsoft.com/office/drawing/2014/main" id="{AFDDD219-2544-A261-0198-70F3E772E63E}"/>
-              </a:ext>
-            </a:extLst>
-          </p:cNvPr>
-          <p:cNvPicPr>
-            <a:picLocks noChangeAspect="1"/>
-          </p:cNvPicPr>
-          <p:nvPr/>
-        </p:nvPicPr>
-        <p:blipFill>
-          <a:blip r:embed="rId4">
-            <a:extLst>
-              <a:ext uri="{28A0092B-C50C-407E-A947-70E740481C1C}">
-                <a14:useLocalDpi xmlns:a14="http://schemas.microsoft.com/office/drawing/2010/main" val="0"/>
-              </a:ext>
-            </a:extLst>
-          </a:blip>
-          <a:stretch>
-            <a:fillRect/>
-          </a:stretch>
-        </p:blipFill>
-        <p:spPr>
-          <a:xfrm>
-            <a:off x="375513" y="4256683"/>
-            <a:ext cx="3389357" cy="2306646"/>
-          </a:xfrm>
-          <a:prstGeom prst="rect">
-            <a:avLst/>
-          </a:prstGeom>
-        </p:spPr>
-      </p:pic>
-      <p:pic>
-        <p:nvPicPr>
-          <p:cNvPr id="15" name="Picture 14" descr="Shape&#10;&#10;Description automatically generated">
-            <a:extLst>
-              <a:ext uri="{FF2B5EF4-FFF2-40B4-BE49-F238E27FC236}">
-                <a16:creationId xmlns:a16="http://schemas.microsoft.com/office/drawing/2014/main" id="{514BE9FB-7AF9-2210-30F4-92C3AB73B195}"/>
-              </a:ext>
-            </a:extLst>
-          </p:cNvPr>
-          <p:cNvPicPr>
-            <a:picLocks noChangeAspect="1"/>
-          </p:cNvPicPr>
-          <p:nvPr/>
-        </p:nvPicPr>
-        <p:blipFill>
-          <a:blip r:embed="rId5">
-            <a:extLst>
-              <a:ext uri="{28A0092B-C50C-407E-A947-70E740481C1C}">
-                <a14:useLocalDpi xmlns:a14="http://schemas.microsoft.com/office/drawing/2010/main" val="0"/>
-              </a:ext>
-            </a:extLst>
-          </a:blip>
-          <a:stretch>
-            <a:fillRect/>
-          </a:stretch>
-        </p:blipFill>
-        <p:spPr>
-          <a:xfrm>
-            <a:off x="4572000" y="4205555"/>
-            <a:ext cx="3464676" cy="2268986"/>
-          </a:xfrm>
-          <a:prstGeom prst="rect">
-            <a:avLst/>
-          </a:prstGeom>
-        </p:spPr>
-      </p:pic>
-      <p:sp>
-        <p:nvSpPr>
-          <p:cNvPr id="16" name="TextBox 15">
-            <a:extLst>
-              <a:ext uri="{FF2B5EF4-FFF2-40B4-BE49-F238E27FC236}">
-                <a16:creationId xmlns:a16="http://schemas.microsoft.com/office/drawing/2014/main" id="{C6FA1B60-D56B-0E2E-ECE8-6394DE84ABAC}"/>
-              </a:ext>
-            </a:extLst>
-          </p:cNvPr>
-          <p:cNvSpPr txBox="1"/>
-          <p:nvPr/>
-        </p:nvSpPr>
-        <p:spPr>
-          <a:xfrm>
-            <a:off x="965119" y="3972562"/>
-            <a:ext cx="2282291" cy="369332"/>
-          </a:xfrm>
-          <a:prstGeom prst="rect">
-            <a:avLst/>
-          </a:prstGeom>
-          <a:noFill/>
-        </p:spPr>
-        <p:txBody>
-          <a:bodyPr wrap="none" rtlCol="0">
-            <a:spAutoFit/>
-          </a:bodyPr>
-          <a:lstStyle/>
-          <a:p>
-            <a:r>
-              <a:rPr lang="en-HR" dirty="0"/>
-              <a:t>1. input to the nework</a:t>
-            </a:r>
-          </a:p>
-        </p:txBody>
-      </p:sp>
-      <p:sp>
-        <p:nvSpPr>
-          <p:cNvPr id="17" name="TextBox 16">
-            <a:extLst>
-              <a:ext uri="{FF2B5EF4-FFF2-40B4-BE49-F238E27FC236}">
-                <a16:creationId xmlns:a16="http://schemas.microsoft.com/office/drawing/2014/main" id="{F5C192DD-D126-DCFF-59DA-629F282001F1}"/>
-              </a:ext>
-            </a:extLst>
-          </p:cNvPr>
-          <p:cNvSpPr txBox="1"/>
-          <p:nvPr/>
-        </p:nvSpPr>
-        <p:spPr>
-          <a:xfrm>
-            <a:off x="4738644" y="3952528"/>
-            <a:ext cx="3440237" cy="369332"/>
-          </a:xfrm>
-          <a:prstGeom prst="rect">
-            <a:avLst/>
-          </a:prstGeom>
-          <a:noFill/>
-        </p:spPr>
-        <p:txBody>
-          <a:bodyPr wrap="none" rtlCol="0">
-            <a:spAutoFit/>
-          </a:bodyPr>
-          <a:lstStyle/>
-          <a:p>
-            <a:r>
-              <a:rPr lang="en-HR" dirty="0"/>
-              <a:t>2. output of the first linear module</a:t>
-            </a:r>
-          </a:p>
-        </p:txBody>
-      </p:sp>
-      <p:sp>
-        <p:nvSpPr>
-          <p:cNvPr id="18" name="TextBox 17">
-            <a:extLst>
-              <a:ext uri="{FF2B5EF4-FFF2-40B4-BE49-F238E27FC236}">
-                <a16:creationId xmlns:a16="http://schemas.microsoft.com/office/drawing/2014/main" id="{59743620-C940-F8BF-4952-C5170734393E}"/>
-              </a:ext>
-            </a:extLst>
-          </p:cNvPr>
-          <p:cNvSpPr txBox="1"/>
-          <p:nvPr/>
-        </p:nvSpPr>
-        <p:spPr>
-          <a:xfrm>
-            <a:off x="435833" y="6468246"/>
-            <a:ext cx="3268715" cy="369332"/>
-          </a:xfrm>
-          <a:prstGeom prst="rect">
-            <a:avLst/>
-          </a:prstGeom>
-          <a:noFill/>
-        </p:spPr>
-        <p:txBody>
-          <a:bodyPr wrap="none" rtlCol="0">
-            <a:spAutoFit/>
-          </a:bodyPr>
-          <a:lstStyle/>
-          <a:p>
-            <a:r>
-              <a:rPr lang="en-HR" dirty="0"/>
-              <a:t>3. output of the first nonlinearity</a:t>
-            </a:r>
-          </a:p>
-        </p:txBody>
-      </p:sp>
-      <p:sp>
-        <p:nvSpPr>
-          <p:cNvPr id="19" name="TextBox 18">
-            <a:extLst>
-              <a:ext uri="{FF2B5EF4-FFF2-40B4-BE49-F238E27FC236}">
-                <a16:creationId xmlns:a16="http://schemas.microsoft.com/office/drawing/2014/main" id="{E6DFA47D-0F36-72E6-C32E-AA74338355FF}"/>
-              </a:ext>
-            </a:extLst>
-          </p:cNvPr>
-          <p:cNvSpPr txBox="1"/>
-          <p:nvPr/>
-        </p:nvSpPr>
-        <p:spPr>
-          <a:xfrm>
-            <a:off x="4738643" y="6516052"/>
-            <a:ext cx="3743012" cy="369332"/>
-          </a:xfrm>
-          <a:prstGeom prst="rect">
-            <a:avLst/>
-          </a:prstGeom>
-          <a:noFill/>
-        </p:spPr>
-        <p:txBody>
-          <a:bodyPr wrap="none" rtlCol="0">
-            <a:spAutoFit/>
-          </a:bodyPr>
-          <a:lstStyle/>
-          <a:p>
-            <a:r>
-              <a:rPr lang="en-HR" dirty="0"/>
-              <a:t>4. output of the second linear module</a:t>
-            </a:r>
-          </a:p>
-        </p:txBody>
-      </p:sp>
-    </p:spTree>
-    <p:extLst>
-      <p:ext uri="{BB962C8B-B14F-4D97-AF65-F5344CB8AC3E}">
-        <p14:creationId xmlns:p14="http://schemas.microsoft.com/office/powerpoint/2010/main" val="3398116240"/>
-      </p:ext>
-    </p:extLst>
-  </p:cSld>
-  <p:clrMapOvr>
-    <a:masterClrMapping/>
-  </p:clrMapOvr>
-</p:sld>
-</file>
-
-<file path=ppt/slides/slide9.xml><?xml version="1.0" encoding="utf-8"?>
-<p:sld xmlns:a="http://schemas.openxmlformats.org/drawingml/2006/main" xmlns:r="http://schemas.openxmlformats.org/officeDocument/2006/relationships" xmlns:p="http://schemas.openxmlformats.org/presentationml/2006/main">
-  <p:cSld>
-    <p:spTree>
-      <p:nvGrpSpPr>
-        <p:cNvPr id="1" name=""/>
-        <p:cNvGrpSpPr/>
-        <p:nvPr/>
-      </p:nvGrpSpPr>
-      <p:grpSpPr>
-        <a:xfrm>
-          <a:off x="0" y="0"/>
-          <a:ext cx="0" cy="0"/>
-          <a:chOff x="0" y="0"/>
-          <a:chExt cx="0" cy="0"/>
-        </a:xfrm>
-      </p:grpSpPr>
-      <p:sp>
-        <p:nvSpPr>
-          <p:cNvPr id="2" name="Title 1"/>
-          <p:cNvSpPr>
-            <a:spLocks noGrp="1"/>
-          </p:cNvSpPr>
-          <p:nvPr>
-            <p:ph type="title"/>
-          </p:nvPr>
-        </p:nvSpPr>
-        <p:spPr/>
-        <p:txBody>
-          <a:bodyPr/>
-          <a:lstStyle/>
-          <a:p>
-            <a:r>
               <a:rPr lang="en-US" dirty="0"/>
-              <a:t>The Multilayer Perceptron</a:t>
+              <a:t>Preprocessing</a:t>
             </a:r>
           </a:p>
         </p:txBody>
@@ -6985,14 +8721,14 @@
           <p:nvPr>
             <p:extLst>
               <p:ext uri="{D42A27DB-BD31-4B8C-83A1-F6EECF244321}">
-                <p14:modId xmlns:p14="http://schemas.microsoft.com/office/powerpoint/2010/main" val="6231068"/>
+                <p14:modId xmlns:p14="http://schemas.microsoft.com/office/powerpoint/2010/main" val="3200624657"/>
               </p:ext>
             </p:extLst>
           </p:nvPr>
         </p:nvGraphicFramePr>
         <p:xfrm>
           <a:off x="179512" y="548680"/>
-          <a:ext cx="8640960" cy="6096000"/>
+          <a:ext cx="8640960" cy="5791200"/>
         </p:xfrm>
         <a:graphic>
           <a:graphicData uri="http://schemas.openxmlformats.org/drawingml/2006/table">
@@ -7015,248 +8751,39 @@
                     <a:bodyPr/>
                     <a:lstStyle/>
                     <a:p>
-                      <a:r>
-                        <a:rPr lang="en-GB" sz="1800" b="0" noProof="1">
-                          <a:ln>
-                            <a:solidFill>
-                              <a:schemeClr val="tx1"/>
-                            </a:solidFill>
-                          </a:ln>
-                          <a:solidFill>
-                            <a:schemeClr val="tx1"/>
-                          </a:solidFill>
-                          <a:latin typeface="+mn-lt"/>
-                        </a:rPr>
-                        <a:t>Because of the </a:t>
-                      </a:r>
-                      <a:r>
-                        <a:rPr lang="en-GB" sz="1800" b="0" noProof="1">
-                          <a:ln>
-                            <a:solidFill>
-                              <a:schemeClr val="tx1"/>
-                            </a:solidFill>
-                          </a:ln>
-                          <a:solidFill>
-                            <a:schemeClr val="tx1"/>
-                          </a:solidFill>
-                          <a:latin typeface="+mn-lt"/>
-                          <a:cs typeface="MoolBoran" panose="020B0100010101010101" pitchFamily="34" charset="0"/>
-                        </a:rPr>
-                        <a:t>sequential</a:t>
-                      </a:r>
-                      <a:r>
-                        <a:rPr lang="en-GB" sz="1800" b="0" noProof="1">
-                          <a:ln>
-                            <a:solidFill>
-                              <a:schemeClr val="tx1"/>
-                            </a:solidFill>
-                          </a:ln>
-                          <a:solidFill>
-                            <a:schemeClr val="tx1"/>
-                          </a:solidFill>
-                          <a:latin typeface="+mn-lt"/>
-                        </a:rPr>
-                        <a:t> nature of the layers, you must take care to ensure that the number of outputs in a layer is equal to the number of inputs to the next layer.</a:t>
-                      </a:r>
-                    </a:p>
-                    <a:p>
-                      <a:pPr marL="342900" indent="-342900">
-                        <a:buAutoNum type="arabicParenBoth"/>
-                      </a:pPr>
-                      <a:r>
-                        <a:rPr lang="en-GB" sz="1800" b="0" i="0" kern="1200" dirty="0">
-                          <a:solidFill>
-                            <a:schemeClr val="dk1"/>
-                          </a:solidFill>
-                          <a:effectLst/>
-                          <a:latin typeface="+mn-lt"/>
-                          <a:ea typeface="+mn-ea"/>
-                          <a:cs typeface="Courier New" panose="02070309020205020404" pitchFamily="49" charset="0"/>
-                        </a:rPr>
-                        <a:t> </a:t>
-                      </a:r>
-                      <a:r>
-                        <a:rPr lang="en-GB" sz="1800" b="0" i="0" kern="1200" dirty="0" err="1">
-                          <a:solidFill>
-                            <a:schemeClr val="dk1"/>
-                          </a:solidFill>
-                          <a:effectLst/>
-                          <a:latin typeface="Courier New" panose="02070309020205020404" pitchFamily="49" charset="0"/>
-                          <a:ea typeface="+mn-ea"/>
-                          <a:cs typeface="Courier New" panose="02070309020205020404" pitchFamily="49" charset="0"/>
-                        </a:rPr>
-                        <a:t>ModuleList</a:t>
-                      </a:r>
-                      <a:r>
-                        <a:rPr lang="en-GB" sz="1800" b="0" i="0" kern="1200" dirty="0">
-                          <a:solidFill>
-                            <a:schemeClr val="dk1"/>
-                          </a:solidFill>
-                          <a:effectLst/>
-                          <a:latin typeface="+mn-lt"/>
-                          <a:ea typeface="+mn-ea"/>
-                          <a:cs typeface="Courier New" panose="02070309020205020404" pitchFamily="49" charset="0"/>
-                        </a:rPr>
-                        <a:t> will be list of input and hidden layers</a:t>
-                      </a:r>
-                    </a:p>
-                    <a:p>
-                      <a:pPr marL="342900" indent="-342900">
-                        <a:buAutoNum type="arabicParenBoth"/>
-                      </a:pPr>
-                      <a:r>
-                        <a:rPr lang="es-ES_tradnl" sz="1800" noProof="1">
-                          <a:latin typeface="+mn-lt"/>
-                          <a:cs typeface="Courier New" pitchFamily="49" charset="0"/>
-                        </a:rPr>
-                        <a:t>fully connected layer is at the end</a:t>
-                      </a:r>
-                    </a:p>
-                    <a:p>
-                      <a:pPr marL="342900" indent="-342900">
-                        <a:buAutoNum type="arabicParenBoth"/>
-                      </a:pPr>
-                      <a:r>
-                        <a:rPr lang="es-ES_tradnl" sz="1800" noProof="1">
-                          <a:latin typeface="+mn-lt"/>
-                          <a:cs typeface="Courier New" pitchFamily="49" charset="0"/>
-                        </a:rPr>
-                        <a:t> </a:t>
-                      </a:r>
-                      <a:r>
-                        <a:rPr lang="es-ES_tradnl" sz="1800" noProof="1">
-                          <a:latin typeface="Courier New" panose="02070309020205020404" pitchFamily="49" charset="0"/>
-                          <a:cs typeface="Courier New" panose="02070309020205020404" pitchFamily="49" charset="0"/>
-                        </a:rPr>
-                        <a:t>last_forward_cache</a:t>
-                      </a:r>
-                      <a:r>
-                        <a:rPr lang="es-ES_tradnl" sz="1800" noProof="1">
-                          <a:latin typeface="+mn-lt"/>
-                          <a:cs typeface="Courier New" pitchFamily="49" charset="0"/>
-                        </a:rPr>
-                        <a:t> will be used to store layer's output</a:t>
-                      </a:r>
-                    </a:p>
-                    <a:p>
-                      <a:pPr marL="342900" indent="-342900">
-                        <a:buAutoNum type="arabicParenBoth"/>
-                      </a:pPr>
-                      <a:endParaRPr lang="es-ES_tradnl" sz="1800" noProof="1">
-                        <a:latin typeface="+mn-lt"/>
-                        <a:cs typeface="Courier New" pitchFamily="49" charset="0"/>
-                      </a:endParaRPr>
-                    </a:p>
-                  </a:txBody>
-                  <a:tcPr>
-                    <a:lnL w="9525" cap="flat" cmpd="sng" algn="ctr">
-                      <a:noFill/>
-                      <a:prstDash val="solid"/>
-                      <a:round/>
-                      <a:headEnd type="none" w="med" len="med"/>
-                      <a:tailEnd type="none" w="med" len="med"/>
-                    </a:lnL>
-                    <a:lnR w="9525" cap="flat" cmpd="sng" algn="ctr">
-                      <a:noFill/>
-                      <a:prstDash val="solid"/>
-                      <a:round/>
-                      <a:headEnd type="none" w="med" len="med"/>
-                      <a:tailEnd type="none" w="med" len="med"/>
-                    </a:lnR>
-                    <a:lnT w="9525" cap="flat" cmpd="sng" algn="ctr">
-                      <a:noFill/>
-                      <a:prstDash val="solid"/>
-                      <a:round/>
-                      <a:headEnd type="none" w="med" len="med"/>
-                      <a:tailEnd type="none" w="med" len="med"/>
-                    </a:lnT>
-                    <a:lnB w="9525" cap="flat" cmpd="sng" algn="ctr">
-                      <a:solidFill>
-                        <a:schemeClr val="accent1"/>
-                      </a:solidFill>
-                      <a:prstDash val="solid"/>
-                      <a:round/>
-                      <a:headEnd type="none" w="med" len="med"/>
-                      <a:tailEnd type="none" w="med" len="med"/>
-                    </a:lnB>
-                    <a:noFill/>
-                  </a:tcPr>
-                </a:tc>
-                <a:extLst>
-                  <a:ext uri="{0D108BD9-81ED-4DB2-BD59-A6C34878D82A}">
-                    <a16:rowId xmlns:a16="http://schemas.microsoft.com/office/drawing/2014/main" val="533612861"/>
-                  </a:ext>
-                </a:extLst>
-              </a:tr>
-              <a:tr h="202515">
-                <a:tc>
-                  <a:txBody>
-                    <a:bodyPr/>
-                    <a:lstStyle/>
-                    <a:p>
-                      <a:r>
-                        <a:rPr lang="en-GB" sz="1400" b="0" noProof="1">
-                          <a:solidFill>
-                            <a:srgbClr val="AF00DB"/>
-                          </a:solidFill>
-                          <a:effectLst/>
-                          <a:latin typeface="Courier New" panose="02070309020205020404" pitchFamily="49" charset="0"/>
-                        </a:rPr>
-                        <a:t>import</a:t>
-                      </a:r>
-                      <a:r>
-                        <a:rPr lang="en-GB" sz="1400" b="0" noProof="1">
-                          <a:solidFill>
-                            <a:srgbClr val="000000"/>
-                          </a:solidFill>
-                          <a:effectLst/>
-                          <a:latin typeface="Courier New" panose="02070309020205020404" pitchFamily="49" charset="0"/>
-                        </a:rPr>
-                        <a:t> torch</a:t>
-                      </a:r>
-                    </a:p>
-                    <a:p>
-                      <a:br>
-                        <a:rPr lang="en-GB" sz="1400" b="0" noProof="1">
-                          <a:solidFill>
-                            <a:srgbClr val="000000"/>
-                          </a:solidFill>
-                          <a:effectLst/>
-                          <a:latin typeface="Courier New" panose="02070309020205020404" pitchFamily="49" charset="0"/>
-                        </a:rPr>
-                      </a:br>
-                      <a:r>
-                        <a:rPr lang="en-GB" sz="1400" b="0" noProof="1">
-                          <a:solidFill>
-                            <a:srgbClr val="0000FF"/>
-                          </a:solidFill>
-                          <a:effectLst/>
-                          <a:latin typeface="Courier New" panose="02070309020205020404" pitchFamily="49" charset="0"/>
-                        </a:rPr>
-                        <a:t>class</a:t>
-                      </a:r>
-                      <a:r>
-                        <a:rPr lang="en-GB" sz="1400" b="0" noProof="1">
-                          <a:solidFill>
-                            <a:srgbClr val="000000"/>
-                          </a:solidFill>
-                          <a:effectLst/>
-                          <a:latin typeface="Courier New" panose="02070309020205020404" pitchFamily="49" charset="0"/>
-                        </a:rPr>
-                        <a:t> </a:t>
-                      </a:r>
-                      <a:r>
-                        <a:rPr lang="en-GB" sz="1400" b="0" noProof="1">
-                          <a:solidFill>
-                            <a:srgbClr val="267F99"/>
-                          </a:solidFill>
-                          <a:effectLst/>
-                          <a:latin typeface="Courier New" panose="02070309020205020404" pitchFamily="49" charset="0"/>
-                        </a:rPr>
-                        <a:t>MultilayerPerceptron</a:t>
-                      </a:r>
-                      <a:r>
-                        <a:rPr lang="en-GB" sz="1400" b="0" noProof="1">
+                      <a:pPr algn="l"/>
+                      <a:r>
+                        <a:rPr lang="en-US" sz="1400" b="0" i="0" u="none" strike="noStrike" dirty="0" err="1">
+                          <a:solidFill>
+                            <a:srgbClr val="000000"/>
+                          </a:solidFill>
+                          <a:effectLst/>
+                          <a:latin typeface="Courier New" panose="02070309020205020404" pitchFamily="49" charset="0"/>
+                        </a:rPr>
+                        <a:t>final_surnames</a:t>
+                      </a:r>
+                      <a:r>
+                        <a:rPr lang="en-US" sz="1400" b="0" i="0" u="none" strike="noStrike" dirty="0">
+                          <a:solidFill>
+                            <a:srgbClr val="000000"/>
+                          </a:solidFill>
+                          <a:effectLst/>
+                          <a:latin typeface="Courier New" panose="02070309020205020404" pitchFamily="49" charset="0"/>
+                        </a:rPr>
+                        <a:t> = </a:t>
+                      </a:r>
+                      <a:r>
+                        <a:rPr lang="en-US" sz="1400" b="0" i="0" u="none" strike="noStrike" dirty="0" err="1">
+                          <a:solidFill>
+                            <a:srgbClr val="000000"/>
+                          </a:solidFill>
+                          <a:effectLst/>
+                          <a:latin typeface="Courier New" panose="02070309020205020404" pitchFamily="49" charset="0"/>
+                        </a:rPr>
+                        <a:t>pd.DataFrame</a:t>
+                      </a:r>
+                      <a:r>
+                        <a:rPr lang="en-US" sz="1400" b="0" i="0" u="none" strike="noStrike" dirty="0">
                           <a:solidFill>
                             <a:srgbClr val="000000"/>
                           </a:solidFill>
@@ -7266,292 +8793,39 @@
                         <a:t>(</a:t>
                       </a:r>
                       <a:r>
-                        <a:rPr lang="en-GB" sz="1400" b="0" noProof="1">
-                          <a:solidFill>
-                            <a:srgbClr val="267F99"/>
-                          </a:solidFill>
-                          <a:effectLst/>
-                          <a:latin typeface="Courier New" panose="02070309020205020404" pitchFamily="49" charset="0"/>
-                        </a:rPr>
-                        <a:t>torch</a:t>
-                      </a:r>
-                      <a:r>
-                        <a:rPr lang="en-GB" sz="1400" b="0" noProof="1">
-                          <a:solidFill>
-                            <a:srgbClr val="000000"/>
-                          </a:solidFill>
-                          <a:effectLst/>
-                          <a:latin typeface="Courier New" panose="02070309020205020404" pitchFamily="49" charset="0"/>
-                        </a:rPr>
-                        <a:t>.</a:t>
-                      </a:r>
-                      <a:r>
-                        <a:rPr lang="en-GB" sz="1400" b="0" noProof="1">
-                          <a:solidFill>
-                            <a:srgbClr val="267F99"/>
-                          </a:solidFill>
-                          <a:effectLst/>
-                          <a:latin typeface="Courier New" panose="02070309020205020404" pitchFamily="49" charset="0"/>
-                        </a:rPr>
-                        <a:t>nn</a:t>
-                      </a:r>
-                      <a:r>
-                        <a:rPr lang="en-GB" sz="1400" b="0" noProof="1">
-                          <a:solidFill>
-                            <a:srgbClr val="000000"/>
-                          </a:solidFill>
-                          <a:effectLst/>
-                          <a:latin typeface="Courier New" panose="02070309020205020404" pitchFamily="49" charset="0"/>
-                        </a:rPr>
-                        <a:t>.</a:t>
-                      </a:r>
-                      <a:r>
-                        <a:rPr lang="en-GB" sz="1400" b="0" noProof="1">
-                          <a:solidFill>
-                            <a:srgbClr val="267F99"/>
-                          </a:solidFill>
-                          <a:effectLst/>
-                          <a:latin typeface="Courier New" panose="02070309020205020404" pitchFamily="49" charset="0"/>
-                        </a:rPr>
-                        <a:t>Module</a:t>
-                      </a:r>
-                      <a:r>
-                        <a:rPr lang="en-GB" sz="1400" b="0" noProof="1">
-                          <a:solidFill>
-                            <a:srgbClr val="000000"/>
-                          </a:solidFill>
-                          <a:effectLst/>
-                          <a:latin typeface="Courier New" panose="02070309020205020404" pitchFamily="49" charset="0"/>
-                        </a:rPr>
-                        <a:t>):</a:t>
-                      </a:r>
-                    </a:p>
-                    <a:p>
-                      <a:r>
-                        <a:rPr lang="en-GB" sz="1400" b="0" noProof="1">
-                          <a:solidFill>
-                            <a:srgbClr val="0000FF"/>
-                          </a:solidFill>
-                          <a:effectLst/>
-                          <a:latin typeface="Courier New" panose="02070309020205020404" pitchFamily="49" charset="0"/>
-                        </a:rPr>
-                        <a:t>    def</a:t>
-                      </a:r>
-                      <a:r>
-                        <a:rPr lang="en-GB" sz="1400" b="0" noProof="1">
-                          <a:solidFill>
-                            <a:srgbClr val="000000"/>
-                          </a:solidFill>
-                          <a:effectLst/>
-                          <a:latin typeface="Courier New" panose="02070309020205020404" pitchFamily="49" charset="0"/>
-                        </a:rPr>
-                        <a:t> </a:t>
-                      </a:r>
-                      <a:r>
-                        <a:rPr lang="en-GB" sz="1400" b="0" noProof="1">
-                          <a:solidFill>
-                            <a:srgbClr val="795E26"/>
-                          </a:solidFill>
-                          <a:effectLst/>
-                          <a:latin typeface="Courier New" panose="02070309020205020404" pitchFamily="49" charset="0"/>
-                        </a:rPr>
-                        <a:t>__init__</a:t>
-                      </a:r>
-                      <a:r>
-                        <a:rPr lang="en-GB" sz="1400" b="0" noProof="1">
-                          <a:solidFill>
-                            <a:srgbClr val="000000"/>
-                          </a:solidFill>
-                          <a:effectLst/>
-                          <a:latin typeface="Courier New" panose="02070309020205020404" pitchFamily="49" charset="0"/>
-                        </a:rPr>
-                        <a:t>(</a:t>
-                      </a:r>
-                      <a:r>
-                        <a:rPr lang="en-GB" sz="1400" b="0" noProof="1">
-                          <a:solidFill>
-                            <a:srgbClr val="001080"/>
-                          </a:solidFill>
-                          <a:effectLst/>
-                          <a:latin typeface="Courier New" panose="02070309020205020404" pitchFamily="49" charset="0"/>
-                        </a:rPr>
-                        <a:t>self</a:t>
-                      </a:r>
-                      <a:r>
-                        <a:rPr lang="en-GB" sz="1400" b="0" noProof="1">
-                          <a:solidFill>
-                            <a:srgbClr val="000000"/>
-                          </a:solidFill>
-                          <a:effectLst/>
-                          <a:latin typeface="Courier New" panose="02070309020205020404" pitchFamily="49" charset="0"/>
-                        </a:rPr>
-                        <a:t>, </a:t>
-                      </a:r>
-                      <a:r>
-                        <a:rPr lang="en-GB" sz="1400" b="0" noProof="1">
-                          <a:solidFill>
-                            <a:srgbClr val="001080"/>
-                          </a:solidFill>
-                          <a:effectLst/>
-                          <a:latin typeface="Courier New" panose="02070309020205020404" pitchFamily="49" charset="0"/>
-                        </a:rPr>
-                        <a:t>input_size</a:t>
-                      </a:r>
-                      <a:r>
-                        <a:rPr lang="en-GB" sz="1400" b="0" noProof="1">
-                          <a:solidFill>
-                            <a:srgbClr val="000000"/>
-                          </a:solidFill>
-                          <a:effectLst/>
-                          <a:latin typeface="Courier New" panose="02070309020205020404" pitchFamily="49" charset="0"/>
-                        </a:rPr>
-                        <a:t>, </a:t>
-                      </a:r>
-                      <a:r>
-                        <a:rPr lang="en-GB" sz="1400" b="0" noProof="1">
-                          <a:solidFill>
-                            <a:srgbClr val="001080"/>
-                          </a:solidFill>
-                          <a:effectLst/>
-                          <a:latin typeface="Courier New" panose="02070309020205020404" pitchFamily="49" charset="0"/>
-                        </a:rPr>
-                        <a:t>hidden_size</a:t>
-                      </a:r>
-                      <a:r>
-                        <a:rPr lang="en-GB" sz="1400" b="0" noProof="1">
-                          <a:solidFill>
-                            <a:srgbClr val="000000"/>
-                          </a:solidFill>
-                          <a:effectLst/>
-                          <a:latin typeface="Courier New" panose="02070309020205020404" pitchFamily="49" charset="0"/>
-                        </a:rPr>
-                        <a:t>=</a:t>
-                      </a:r>
-                      <a:r>
-                        <a:rPr lang="en-GB" sz="1400" b="0" noProof="1">
-                          <a:solidFill>
-                            <a:srgbClr val="09885A"/>
-                          </a:solidFill>
-                          <a:effectLst/>
-                          <a:latin typeface="Courier New" panose="02070309020205020404" pitchFamily="49" charset="0"/>
-                        </a:rPr>
-                        <a:t>2</a:t>
-                      </a:r>
-                      <a:r>
-                        <a:rPr lang="en-GB" sz="1400" b="0" noProof="1">
-                          <a:solidFill>
-                            <a:srgbClr val="000000"/>
-                          </a:solidFill>
-                          <a:effectLst/>
-                          <a:latin typeface="Courier New" panose="02070309020205020404" pitchFamily="49" charset="0"/>
-                        </a:rPr>
-                        <a:t>, </a:t>
-                      </a:r>
-                      <a:r>
-                        <a:rPr lang="en-GB" sz="1400" b="0" noProof="1">
-                          <a:solidFill>
-                            <a:srgbClr val="001080"/>
-                          </a:solidFill>
-                          <a:effectLst/>
-                          <a:latin typeface="Courier New" panose="02070309020205020404" pitchFamily="49" charset="0"/>
-                        </a:rPr>
-                        <a:t>output_size</a:t>
-                      </a:r>
-                      <a:r>
-                        <a:rPr lang="en-GB" sz="1400" b="0" noProof="1">
-                          <a:solidFill>
-                            <a:srgbClr val="000000"/>
-                          </a:solidFill>
-                          <a:effectLst/>
-                          <a:latin typeface="Courier New" panose="02070309020205020404" pitchFamily="49" charset="0"/>
-                        </a:rPr>
-                        <a:t>=</a:t>
-                      </a:r>
-                      <a:r>
-                        <a:rPr lang="en-GB" sz="1400" b="0" noProof="1">
-                          <a:solidFill>
-                            <a:srgbClr val="09885A"/>
-                          </a:solidFill>
-                          <a:effectLst/>
-                          <a:latin typeface="Courier New" panose="02070309020205020404" pitchFamily="49" charset="0"/>
-                        </a:rPr>
-                        <a:t>3</a:t>
-                      </a:r>
-                      <a:r>
-                        <a:rPr lang="en-GB" sz="1400" b="0" noProof="1">
-                          <a:solidFill>
-                            <a:srgbClr val="000000"/>
-                          </a:solidFill>
-                          <a:effectLst/>
-                          <a:latin typeface="Courier New" panose="02070309020205020404" pitchFamily="49" charset="0"/>
-                        </a:rPr>
-                        <a:t>, </a:t>
-                      </a:r>
-                    </a:p>
-                    <a:p>
-                      <a:r>
-                        <a:rPr lang="en-GB" sz="1400" b="0" noProof="1">
-                          <a:solidFill>
-                            <a:srgbClr val="001080"/>
-                          </a:solidFill>
-                          <a:effectLst/>
-                          <a:latin typeface="Courier New" panose="02070309020205020404" pitchFamily="49" charset="0"/>
-                        </a:rPr>
-                        <a:t>                 num_hidden_layers</a:t>
-                      </a:r>
-                      <a:r>
-                        <a:rPr lang="en-GB" sz="1400" b="0" noProof="1">
-                          <a:solidFill>
-                            <a:srgbClr val="000000"/>
-                          </a:solidFill>
-                          <a:effectLst/>
-                          <a:latin typeface="Courier New" panose="02070309020205020404" pitchFamily="49" charset="0"/>
-                        </a:rPr>
-                        <a:t>=</a:t>
-                      </a:r>
-                      <a:r>
-                        <a:rPr lang="en-GB" sz="1400" b="0" noProof="1">
-                          <a:solidFill>
-                            <a:srgbClr val="09885A"/>
-                          </a:solidFill>
-                          <a:effectLst/>
-                          <a:latin typeface="Courier New" panose="02070309020205020404" pitchFamily="49" charset="0"/>
-                        </a:rPr>
-                        <a:t>1</a:t>
-                      </a:r>
-                      <a:r>
-                        <a:rPr lang="en-GB" sz="1400" b="0" noProof="1">
-                          <a:solidFill>
-                            <a:srgbClr val="000000"/>
-                          </a:solidFill>
-                          <a:effectLst/>
-                          <a:latin typeface="Courier New" panose="02070309020205020404" pitchFamily="49" charset="0"/>
-                        </a:rPr>
-                        <a:t>, </a:t>
-                      </a:r>
-                      <a:r>
-                        <a:rPr lang="en-GB" sz="1400" b="0" noProof="1">
-                          <a:solidFill>
-                            <a:srgbClr val="001080"/>
-                          </a:solidFill>
-                          <a:effectLst/>
-                          <a:latin typeface="Courier New" panose="02070309020205020404" pitchFamily="49" charset="0"/>
-                        </a:rPr>
-                        <a:t>hidden_activation</a:t>
-                      </a:r>
-                      <a:r>
-                        <a:rPr lang="en-GB" sz="1400" b="0" noProof="1">
-                          <a:solidFill>
-                            <a:srgbClr val="000000"/>
-                          </a:solidFill>
-                          <a:effectLst/>
-                          <a:latin typeface="Courier New" panose="02070309020205020404" pitchFamily="49" charset="0"/>
-                        </a:rPr>
-                        <a:t>=torch.nn.Sigmoid):</a:t>
-                      </a:r>
-                    </a:p>
-                    <a:p>
-                      <a:endParaRPr lang="en-GB" sz="1400" b="0" noProof="1">
+                        <a:rPr lang="en-US" sz="1400" b="0" i="0" u="none" strike="noStrike" dirty="0" err="1">
+                          <a:solidFill>
+                            <a:srgbClr val="000000"/>
+                          </a:solidFill>
+                          <a:effectLst/>
+                          <a:latin typeface="Courier New" panose="02070309020205020404" pitchFamily="49" charset="0"/>
+                        </a:rPr>
+                        <a:t>final_list</a:t>
+                      </a:r>
+                      <a:r>
+                        <a:rPr lang="en-US" sz="1400" b="0" i="0" u="none" strike="noStrike" dirty="0">
+                          <a:solidFill>
+                            <a:srgbClr val="000000"/>
+                          </a:solidFill>
+                          <a:effectLst/>
+                          <a:latin typeface="Courier New" panose="02070309020205020404" pitchFamily="49" charset="0"/>
+                        </a:rPr>
+                        <a:t>)</a:t>
+                      </a:r>
+                    </a:p>
+                    <a:p>
+                      <a:pPr algn="l"/>
+                      <a:r>
+                        <a:rPr lang="en-US" sz="1400" b="0" i="0" u="none" strike="noStrike" dirty="0" err="1">
+                          <a:solidFill>
+                            <a:srgbClr val="000000"/>
+                          </a:solidFill>
+                          <a:effectLst/>
+                          <a:latin typeface="Courier New" panose="02070309020205020404" pitchFamily="49" charset="0"/>
+                        </a:rPr>
+                        <a:t>final_surnames</a:t>
+                      </a:r>
+                      <a:endParaRPr lang="en-US" sz="1400" b="0" i="0" u="none" strike="noStrike" dirty="0">
                         <a:solidFill>
                           <a:srgbClr val="000000"/>
                         </a:solidFill>
@@ -7559,367 +8833,9 @@
                         <a:latin typeface="Courier New" panose="02070309020205020404" pitchFamily="49" charset="0"/>
                       </a:endParaRPr>
                     </a:p>
-                    <a:p>
-                      <a:r>
-                        <a:rPr lang="en-GB" sz="1400" b="0" noProof="1">
-                          <a:solidFill>
-                            <a:srgbClr val="000000"/>
-                          </a:solidFill>
-                          <a:effectLst/>
-                          <a:latin typeface="Courier New" panose="02070309020205020404" pitchFamily="49" charset="0"/>
-                        </a:rPr>
-                        <a:t>        super(MultilayerPerceptron, </a:t>
-                      </a:r>
-                      <a:r>
-                        <a:rPr lang="en-GB" sz="1400" b="0" noProof="1">
-                          <a:solidFill>
-                            <a:srgbClr val="001080"/>
-                          </a:solidFill>
-                          <a:effectLst/>
-                          <a:latin typeface="Courier New" panose="02070309020205020404" pitchFamily="49" charset="0"/>
-                        </a:rPr>
-                        <a:t>self</a:t>
-                      </a:r>
-                      <a:r>
-                        <a:rPr lang="en-GB" sz="1400" b="0" noProof="1">
-                          <a:solidFill>
-                            <a:srgbClr val="000000"/>
-                          </a:solidFill>
-                          <a:effectLst/>
-                          <a:latin typeface="Courier New" panose="02070309020205020404" pitchFamily="49" charset="0"/>
-                        </a:rPr>
-                        <a:t>).</a:t>
-                      </a:r>
-                      <a:r>
-                        <a:rPr lang="en-GB" sz="1400" b="0" noProof="1">
-                          <a:solidFill>
-                            <a:srgbClr val="795E26"/>
-                          </a:solidFill>
-                          <a:effectLst/>
-                          <a:latin typeface="Courier New" panose="02070309020205020404" pitchFamily="49" charset="0"/>
-                        </a:rPr>
-                        <a:t>__init__</a:t>
-                      </a:r>
-                      <a:r>
-                        <a:rPr lang="en-GB" sz="1400" b="0" noProof="1">
-                          <a:solidFill>
-                            <a:srgbClr val="000000"/>
-                          </a:solidFill>
-                          <a:effectLst/>
-                          <a:latin typeface="Courier New" panose="02070309020205020404" pitchFamily="49" charset="0"/>
-                        </a:rPr>
-                        <a:t>()</a:t>
-                      </a:r>
-                    </a:p>
-                    <a:p>
-                      <a:endParaRPr lang="en-GB" sz="1400" b="0" noProof="1">
-                        <a:solidFill>
-                          <a:srgbClr val="000000"/>
-                        </a:solidFill>
-                        <a:effectLst/>
-                        <a:latin typeface="Courier New" panose="02070309020205020404" pitchFamily="49" charset="0"/>
-                      </a:endParaRPr>
-                    </a:p>
-                    <a:p>
-                      <a:r>
-                        <a:rPr lang="en-GB" sz="1400" b="0" noProof="1">
-                          <a:solidFill>
-                            <a:srgbClr val="001080"/>
-                          </a:solidFill>
-                          <a:effectLst/>
-                          <a:latin typeface="Courier New" panose="02070309020205020404" pitchFamily="49" charset="0"/>
-                        </a:rPr>
-                        <a:t>        self</a:t>
-                      </a:r>
-                      <a:r>
-                        <a:rPr lang="en-GB" sz="1400" b="0" noProof="1">
-                          <a:solidFill>
-                            <a:srgbClr val="000000"/>
-                          </a:solidFill>
-                          <a:effectLst/>
-                          <a:latin typeface="Courier New" panose="02070309020205020404" pitchFamily="49" charset="0"/>
-                        </a:rPr>
-                        <a:t>.module_list = torch.nn.ModuleList()  # </a:t>
-                      </a:r>
-                      <a:r>
-                        <a:rPr lang="en-GB" sz="1400" b="0" noProof="1">
-                          <a:solidFill>
-                            <a:srgbClr val="000000"/>
-                          </a:solidFill>
-                          <a:effectLst/>
-                          <a:highlight>
-                            <a:srgbClr val="FFFF00"/>
-                          </a:highlight>
-                          <a:latin typeface="Courier New" panose="02070309020205020404" pitchFamily="49" charset="0"/>
-                        </a:rPr>
-                        <a:t>(1)</a:t>
-                      </a:r>
-                    </a:p>
-                    <a:p>
-                      <a:r>
-                        <a:rPr lang="en-GB" sz="1400" b="0" noProof="1">
-                          <a:solidFill>
-                            <a:srgbClr val="000000"/>
-                          </a:solidFill>
-                          <a:effectLst/>
-                          <a:latin typeface="Courier New" panose="02070309020205020404" pitchFamily="49" charset="0"/>
-                        </a:rPr>
-                        <a:t>        interim_input_size = input_size</a:t>
-                      </a:r>
-                    </a:p>
-                    <a:p>
-                      <a:r>
-                        <a:rPr lang="en-GB" sz="1400" b="0" noProof="1">
-                          <a:solidFill>
-                            <a:srgbClr val="000000"/>
-                          </a:solidFill>
-                          <a:effectLst/>
-                          <a:latin typeface="Courier New" panose="02070309020205020404" pitchFamily="49" charset="0"/>
-                        </a:rPr>
-                        <a:t>        interim_output_size = hidden_size</a:t>
-                      </a:r>
-                    </a:p>
-                    <a:p>
-                      <a:endParaRPr lang="en-GB" sz="1400" b="0" noProof="1">
-                        <a:solidFill>
-                          <a:srgbClr val="000000"/>
-                        </a:solidFill>
-                        <a:effectLst/>
-                        <a:latin typeface="Courier New" panose="02070309020205020404" pitchFamily="49" charset="0"/>
-                      </a:endParaRPr>
-                    </a:p>
-                    <a:p>
-                      <a:r>
-                        <a:rPr lang="en-GB" sz="1400" b="0" noProof="1">
-                          <a:solidFill>
-                            <a:srgbClr val="AF00DB"/>
-                          </a:solidFill>
-                          <a:effectLst/>
-                          <a:latin typeface="Courier New" panose="02070309020205020404" pitchFamily="49" charset="0"/>
-                        </a:rPr>
-                        <a:t>        for</a:t>
-                      </a:r>
-                      <a:r>
-                        <a:rPr lang="en-GB" sz="1400" b="0" noProof="1">
-                          <a:solidFill>
-                            <a:srgbClr val="000000"/>
-                          </a:solidFill>
-                          <a:effectLst/>
-                          <a:latin typeface="Courier New" panose="02070309020205020404" pitchFamily="49" charset="0"/>
-                        </a:rPr>
-                        <a:t> _ </a:t>
-                      </a:r>
-                      <a:r>
-                        <a:rPr lang="en-GB" sz="1400" b="0" noProof="1">
-                          <a:solidFill>
-                            <a:srgbClr val="0000FF"/>
-                          </a:solidFill>
-                          <a:effectLst/>
-                          <a:latin typeface="Courier New" panose="02070309020205020404" pitchFamily="49" charset="0"/>
-                        </a:rPr>
-                        <a:t>in</a:t>
-                      </a:r>
-                      <a:r>
-                        <a:rPr lang="en-GB" sz="1400" b="0" noProof="1">
-                          <a:solidFill>
-                            <a:srgbClr val="000000"/>
-                          </a:solidFill>
-                          <a:effectLst/>
-                          <a:latin typeface="Courier New" panose="02070309020205020404" pitchFamily="49" charset="0"/>
-                        </a:rPr>
-                        <a:t> </a:t>
-                      </a:r>
-                      <a:r>
-                        <a:rPr lang="en-GB" sz="1400" b="0" noProof="1">
-                          <a:solidFill>
-                            <a:srgbClr val="795E26"/>
-                          </a:solidFill>
-                          <a:effectLst/>
-                          <a:latin typeface="Courier New" panose="02070309020205020404" pitchFamily="49" charset="0"/>
-                        </a:rPr>
-                        <a:t>range</a:t>
-                      </a:r>
-                      <a:r>
-                        <a:rPr lang="en-GB" sz="1400" b="0" noProof="1">
-                          <a:solidFill>
-                            <a:srgbClr val="000000"/>
-                          </a:solidFill>
-                          <a:effectLst/>
-                          <a:latin typeface="Courier New" panose="02070309020205020404" pitchFamily="49" charset="0"/>
-                        </a:rPr>
-                        <a:t>(num_hidden_layers):</a:t>
-                      </a:r>
-                    </a:p>
-                    <a:p>
-                      <a:r>
-                        <a:rPr lang="en-GB" sz="1400" b="0" noProof="1">
-                          <a:solidFill>
-                            <a:srgbClr val="001080"/>
-                          </a:solidFill>
-                          <a:effectLst/>
-                          <a:latin typeface="Courier New" panose="02070309020205020404" pitchFamily="49" charset="0"/>
-                        </a:rPr>
-                        <a:t>            self</a:t>
-                      </a:r>
-                      <a:r>
-                        <a:rPr lang="en-GB" sz="1400" b="0" noProof="1">
-                          <a:solidFill>
-                            <a:srgbClr val="000000"/>
-                          </a:solidFill>
-                          <a:effectLst/>
-                          <a:latin typeface="Courier New" panose="02070309020205020404" pitchFamily="49" charset="0"/>
-                        </a:rPr>
-                        <a:t>.module_list.append(torch.nn.Linear(interim_input_size,</a:t>
-                      </a:r>
-                    </a:p>
-                    <a:p>
-                      <a:r>
-                        <a:rPr lang="en-GB" sz="1400" b="0" noProof="1">
-                          <a:solidFill>
-                            <a:srgbClr val="000000"/>
-                          </a:solidFill>
-                          <a:effectLst/>
-                          <a:latin typeface="Courier New" panose="02070309020205020404" pitchFamily="49" charset="0"/>
-                        </a:rPr>
-                        <a:t>                                                    interim_output_size))</a:t>
-                      </a:r>
-                    </a:p>
-                    <a:p>
-                      <a:r>
-                        <a:rPr lang="en-GB" sz="1400" b="0" noProof="1">
-                          <a:solidFill>
-                            <a:srgbClr val="001080"/>
-                          </a:solidFill>
-                          <a:effectLst/>
-                          <a:latin typeface="Courier New" panose="02070309020205020404" pitchFamily="49" charset="0"/>
-                        </a:rPr>
-                        <a:t>            self</a:t>
-                      </a:r>
-                      <a:r>
-                        <a:rPr lang="en-GB" sz="1400" b="0" noProof="1">
-                          <a:solidFill>
-                            <a:srgbClr val="000000"/>
-                          </a:solidFill>
-                          <a:effectLst/>
-                          <a:latin typeface="Courier New" panose="02070309020205020404" pitchFamily="49" charset="0"/>
-                        </a:rPr>
-                        <a:t>.module_list.append(hidden_activation())</a:t>
-                      </a:r>
-                    </a:p>
-                    <a:p>
-                      <a:r>
-                        <a:rPr lang="en-GB" sz="1400" b="0" noProof="1">
-                          <a:solidFill>
-                            <a:srgbClr val="000000"/>
-                          </a:solidFill>
-                          <a:effectLst/>
-                          <a:latin typeface="Courier New" panose="02070309020205020404" pitchFamily="49" charset="0"/>
-                        </a:rPr>
-                        <a:t>            interim_input_size = interim_output_size</a:t>
-                      </a:r>
-                    </a:p>
-                    <a:p>
-                      <a:br>
-                        <a:rPr lang="en-GB" sz="1400" b="0" noProof="1">
-                          <a:solidFill>
-                            <a:srgbClr val="000000"/>
-                          </a:solidFill>
-                          <a:effectLst/>
-                          <a:latin typeface="Courier New" panose="02070309020205020404" pitchFamily="49" charset="0"/>
-                        </a:rPr>
-                      </a:br>
-                      <a:r>
-                        <a:rPr lang="en-GB" sz="1400" b="0" noProof="1">
-                          <a:solidFill>
-                            <a:srgbClr val="000000"/>
-                          </a:solidFill>
-                          <a:effectLst/>
-                          <a:latin typeface="Courier New" panose="02070309020205020404" pitchFamily="49" charset="0"/>
-                        </a:rPr>
-                        <a:t>        </a:t>
-                      </a:r>
-                      <a:r>
-                        <a:rPr lang="en-GB" sz="1400" b="0" noProof="1">
-                          <a:solidFill>
-                            <a:srgbClr val="001080"/>
-                          </a:solidFill>
-                          <a:effectLst/>
-                          <a:latin typeface="Courier New" panose="02070309020205020404" pitchFamily="49" charset="0"/>
-                        </a:rPr>
-                        <a:t>self</a:t>
-                      </a:r>
-                      <a:r>
-                        <a:rPr lang="en-GB" sz="1400" b="0" noProof="1">
-                          <a:solidFill>
-                            <a:srgbClr val="000000"/>
-                          </a:solidFill>
-                          <a:effectLst/>
-                          <a:latin typeface="Courier New" panose="02070309020205020404" pitchFamily="49" charset="0"/>
-                        </a:rPr>
-                        <a:t>.fc_final = torch.nn.Linear(interim_input_size, output_size)  # </a:t>
-                      </a:r>
-                      <a:r>
-                        <a:rPr lang="en-GB" sz="1400" b="0" noProof="1">
-                          <a:solidFill>
-                            <a:srgbClr val="000000"/>
-                          </a:solidFill>
-                          <a:effectLst/>
-                          <a:highlight>
-                            <a:srgbClr val="FFFF00"/>
-                          </a:highlight>
-                          <a:latin typeface="Courier New" panose="02070309020205020404" pitchFamily="49" charset="0"/>
-                        </a:rPr>
-                        <a:t>(2)</a:t>
-                      </a:r>
-                    </a:p>
-                    <a:p>
-                      <a:r>
-                        <a:rPr lang="en-GB" sz="1400" b="0" noProof="1">
-                          <a:solidFill>
-                            <a:srgbClr val="001080"/>
-                          </a:solidFill>
-                          <a:effectLst/>
-                          <a:latin typeface="Courier New" panose="02070309020205020404" pitchFamily="49" charset="0"/>
-                        </a:rPr>
-                        <a:t>        self</a:t>
-                      </a:r>
-                      <a:r>
-                        <a:rPr lang="en-GB" sz="1400" b="0" noProof="1">
-                          <a:solidFill>
-                            <a:srgbClr val="000000"/>
-                          </a:solidFill>
-                          <a:effectLst/>
-                          <a:latin typeface="Courier New" panose="02070309020205020404" pitchFamily="49" charset="0"/>
-                        </a:rPr>
-                        <a:t>.last_forward_cache = []  # </a:t>
-                      </a:r>
-                      <a:r>
-                        <a:rPr lang="en-GB" sz="1400" b="0" noProof="1">
-                          <a:solidFill>
-                            <a:srgbClr val="000000"/>
-                          </a:solidFill>
-                          <a:effectLst/>
-                          <a:highlight>
-                            <a:srgbClr val="FFFF00"/>
-                          </a:highlight>
-                          <a:latin typeface="Courier New" panose="02070309020205020404" pitchFamily="49" charset="0"/>
-                        </a:rPr>
-                        <a:t>(3)</a:t>
-                      </a:r>
-                      <a:endParaRPr lang="en-GB" sz="1100" b="0" noProof="1">
-                        <a:solidFill>
-                          <a:srgbClr val="000000"/>
-                        </a:solidFill>
-                        <a:effectLst/>
-                        <a:highlight>
-                          <a:srgbClr val="FFFF00"/>
-                        </a:highlight>
-                        <a:latin typeface="Courier New" panose="02070309020205020404" pitchFamily="49" charset="0"/>
-                      </a:endParaRPr>
-                    </a:p>
                   </a:txBody>
                   <a:tcPr>
-                    <a:lnL w="9525" cap="flat" cmpd="sng" algn="ctr">
+                    <a:lnL w="12700" cap="flat" cmpd="sng" algn="ctr">
                       <a:solidFill>
                         <a:schemeClr val="accent1"/>
                       </a:solidFill>
@@ -7928,7 +8844,7 @@
                       <a:headEnd type="none" w="med" len="med"/>
                       <a:tailEnd type="none" w="med" len="med"/>
                     </a:lnL>
-                    <a:lnR w="9525" cap="flat" cmpd="sng" algn="ctr">
+                    <a:lnR w="12700" cap="flat" cmpd="sng" algn="ctr">
                       <a:solidFill>
                         <a:schemeClr val="accent1"/>
                       </a:solidFill>
@@ -7937,7 +8853,7 @@
                       <a:headEnd type="none" w="med" len="med"/>
                       <a:tailEnd type="none" w="med" len="med"/>
                     </a:lnR>
-                    <a:lnT w="9525" cap="flat" cmpd="sng" algn="ctr">
+                    <a:lnT w="12700" cap="flat" cmpd="sng" algn="ctr">
                       <a:solidFill>
                         <a:schemeClr val="accent1"/>
                       </a:solidFill>
@@ -7947,7 +8863,9 @@
                       <a:tailEnd type="none" w="med" len="med"/>
                     </a:lnT>
                     <a:lnB w="12700" cap="flat" cmpd="sng" algn="ctr">
-                      <a:noFill/>
+                      <a:solidFill>
+                        <a:schemeClr val="accent1"/>
+                      </a:solidFill>
                       <a:prstDash val="solid"/>
                       <a:round/>
                       <a:headEnd type="none" w="med" len="med"/>
@@ -7966,6 +8884,1063 @@
                   </a:ext>
                 </a:extLst>
               </a:tr>
+              <a:tr h="202515">
+                <a:tc>
+                  <a:txBody>
+                    <a:bodyPr/>
+                    <a:lstStyle/>
+                    <a:p>
+                      <a:pPr marL="0" marR="0" indent="0" algn="l" defTabSz="914400" rtl="0" eaLnBrk="1" fontAlgn="auto" latinLnBrk="0" hangingPunct="1">
+                        <a:lnSpc>
+                          <a:spcPct val="100000"/>
+                        </a:lnSpc>
+                        <a:spcBef>
+                          <a:spcPts val="0"/>
+                        </a:spcBef>
+                        <a:spcAft>
+                          <a:spcPts val="0"/>
+                        </a:spcAft>
+                        <a:buClrTx/>
+                        <a:buSzTx/>
+                        <a:buFontTx/>
+                        <a:buNone/>
+                        <a:tabLst/>
+                        <a:defRPr/>
+                      </a:pPr>
+                      <a:r>
+                        <a:rPr lang="en-US" sz="1400" b="0" i="0" u="none" strike="noStrike" dirty="0">
+                          <a:solidFill>
+                            <a:srgbClr val="212121"/>
+                          </a:solidFill>
+                          <a:effectLst/>
+                          <a:latin typeface="Courier New" panose="02070309020205020404" pitchFamily="49" charset="0"/>
+                        </a:rPr>
+                        <a:t>surname nationality split </a:t>
+                      </a:r>
+                    </a:p>
+                    <a:p>
+                      <a:pPr marL="0" marR="0" indent="0" algn="l" defTabSz="914400" rtl="0" eaLnBrk="1" fontAlgn="auto" latinLnBrk="0" hangingPunct="1">
+                        <a:lnSpc>
+                          <a:spcPct val="100000"/>
+                        </a:lnSpc>
+                        <a:spcBef>
+                          <a:spcPts val="0"/>
+                        </a:spcBef>
+                        <a:spcAft>
+                          <a:spcPts val="0"/>
+                        </a:spcAft>
+                        <a:buClrTx/>
+                        <a:buSzTx/>
+                        <a:buFontTx/>
+                        <a:buNone/>
+                        <a:tabLst/>
+                        <a:defRPr/>
+                      </a:pPr>
+                      <a:r>
+                        <a:rPr lang="en-US" sz="1400" b="0" i="0" u="none" strike="noStrike" dirty="0">
+                          <a:solidFill>
+                            <a:srgbClr val="212121"/>
+                          </a:solidFill>
+                          <a:effectLst/>
+                          <a:latin typeface="Courier New" panose="02070309020205020404" pitchFamily="49" charset="0"/>
+                        </a:rPr>
+                        <a:t>0 </a:t>
+                      </a:r>
+                      <a:r>
+                        <a:rPr lang="en-US" sz="1400" b="0" i="0" u="none" strike="noStrike" dirty="0" err="1">
+                          <a:solidFill>
+                            <a:srgbClr val="212121"/>
+                          </a:solidFill>
+                          <a:effectLst/>
+                          <a:latin typeface="Courier New" panose="02070309020205020404" pitchFamily="49" charset="0"/>
+                        </a:rPr>
+                        <a:t>Totah</a:t>
+                      </a:r>
+                      <a:r>
+                        <a:rPr lang="en-US" sz="1400" b="0" i="0" u="none" strike="noStrike" dirty="0">
+                          <a:solidFill>
+                            <a:srgbClr val="212121"/>
+                          </a:solidFill>
+                          <a:effectLst/>
+                          <a:latin typeface="Courier New" panose="02070309020205020404" pitchFamily="49" charset="0"/>
+                        </a:rPr>
+                        <a:t> Arabic train </a:t>
+                      </a:r>
+                    </a:p>
+                    <a:p>
+                      <a:pPr marL="0" marR="0" indent="0" algn="l" defTabSz="914400" rtl="0" eaLnBrk="1" fontAlgn="auto" latinLnBrk="0" hangingPunct="1">
+                        <a:lnSpc>
+                          <a:spcPct val="100000"/>
+                        </a:lnSpc>
+                        <a:spcBef>
+                          <a:spcPts val="0"/>
+                        </a:spcBef>
+                        <a:spcAft>
+                          <a:spcPts val="0"/>
+                        </a:spcAft>
+                        <a:buClrTx/>
+                        <a:buSzTx/>
+                        <a:buFontTx/>
+                        <a:buNone/>
+                        <a:tabLst/>
+                        <a:defRPr/>
+                      </a:pPr>
+                      <a:r>
+                        <a:rPr lang="en-US" sz="1400" b="0" i="0" u="none" strike="noStrike" dirty="0">
+                          <a:solidFill>
+                            <a:srgbClr val="212121"/>
+                          </a:solidFill>
+                          <a:effectLst/>
+                          <a:latin typeface="Courier New" panose="02070309020205020404" pitchFamily="49" charset="0"/>
+                        </a:rPr>
+                        <a:t>1 </a:t>
+                      </a:r>
+                      <a:r>
+                        <a:rPr lang="en-US" sz="1400" b="0" i="0" u="none" strike="noStrike" dirty="0" err="1">
+                          <a:solidFill>
+                            <a:srgbClr val="212121"/>
+                          </a:solidFill>
+                          <a:effectLst/>
+                          <a:latin typeface="Courier New" panose="02070309020205020404" pitchFamily="49" charset="0"/>
+                        </a:rPr>
+                        <a:t>Abboud</a:t>
+                      </a:r>
+                      <a:r>
+                        <a:rPr lang="en-US" sz="1400" b="0" i="0" u="none" strike="noStrike" dirty="0">
+                          <a:solidFill>
+                            <a:srgbClr val="212121"/>
+                          </a:solidFill>
+                          <a:effectLst/>
+                          <a:latin typeface="Courier New" panose="02070309020205020404" pitchFamily="49" charset="0"/>
+                        </a:rPr>
+                        <a:t> Arabic train </a:t>
+                      </a:r>
+                    </a:p>
+                    <a:p>
+                      <a:pPr marL="0" marR="0" indent="0" algn="l" defTabSz="914400" rtl="0" eaLnBrk="1" fontAlgn="auto" latinLnBrk="0" hangingPunct="1">
+                        <a:lnSpc>
+                          <a:spcPct val="100000"/>
+                        </a:lnSpc>
+                        <a:spcBef>
+                          <a:spcPts val="0"/>
+                        </a:spcBef>
+                        <a:spcAft>
+                          <a:spcPts val="0"/>
+                        </a:spcAft>
+                        <a:buClrTx/>
+                        <a:buSzTx/>
+                        <a:buFontTx/>
+                        <a:buNone/>
+                        <a:tabLst/>
+                        <a:defRPr/>
+                      </a:pPr>
+                      <a:r>
+                        <a:rPr lang="en-US" sz="1400" b="0" i="0" u="none" strike="noStrike" dirty="0">
+                          <a:solidFill>
+                            <a:srgbClr val="212121"/>
+                          </a:solidFill>
+                          <a:effectLst/>
+                          <a:latin typeface="Courier New" panose="02070309020205020404" pitchFamily="49" charset="0"/>
+                        </a:rPr>
+                        <a:t>2 </a:t>
+                      </a:r>
+                      <a:r>
+                        <a:rPr lang="en-US" sz="1400" b="0" i="0" u="none" strike="noStrike" dirty="0" err="1">
+                          <a:solidFill>
+                            <a:srgbClr val="212121"/>
+                          </a:solidFill>
+                          <a:effectLst/>
+                          <a:latin typeface="Courier New" panose="02070309020205020404" pitchFamily="49" charset="0"/>
+                        </a:rPr>
+                        <a:t>Fakhoury</a:t>
+                      </a:r>
+                      <a:r>
+                        <a:rPr lang="en-US" sz="1400" b="0" i="0" u="none" strike="noStrike" dirty="0">
+                          <a:solidFill>
+                            <a:srgbClr val="212121"/>
+                          </a:solidFill>
+                          <a:effectLst/>
+                          <a:latin typeface="Courier New" panose="02070309020205020404" pitchFamily="49" charset="0"/>
+                        </a:rPr>
+                        <a:t> Arabic train </a:t>
+                      </a:r>
+                    </a:p>
+                    <a:p>
+                      <a:pPr marL="0" marR="0" indent="0" algn="l" defTabSz="914400" rtl="0" eaLnBrk="1" fontAlgn="auto" latinLnBrk="0" hangingPunct="1">
+                        <a:lnSpc>
+                          <a:spcPct val="100000"/>
+                        </a:lnSpc>
+                        <a:spcBef>
+                          <a:spcPts val="0"/>
+                        </a:spcBef>
+                        <a:spcAft>
+                          <a:spcPts val="0"/>
+                        </a:spcAft>
+                        <a:buClrTx/>
+                        <a:buSzTx/>
+                        <a:buFontTx/>
+                        <a:buNone/>
+                        <a:tabLst/>
+                        <a:defRPr/>
+                      </a:pPr>
+                      <a:r>
+                        <a:rPr lang="en-US" sz="1400" b="0" i="0" u="none" strike="noStrike" dirty="0">
+                          <a:solidFill>
+                            <a:srgbClr val="212121"/>
+                          </a:solidFill>
+                          <a:effectLst/>
+                          <a:latin typeface="Courier New" panose="02070309020205020404" pitchFamily="49" charset="0"/>
+                        </a:rPr>
+                        <a:t>3 </a:t>
+                      </a:r>
+                      <a:r>
+                        <a:rPr lang="en-US" sz="1400" b="0" i="0" u="none" strike="noStrike" dirty="0" err="1">
+                          <a:solidFill>
+                            <a:srgbClr val="212121"/>
+                          </a:solidFill>
+                          <a:effectLst/>
+                          <a:latin typeface="Courier New" panose="02070309020205020404" pitchFamily="49" charset="0"/>
+                        </a:rPr>
+                        <a:t>Srour</a:t>
+                      </a:r>
+                      <a:r>
+                        <a:rPr lang="en-US" sz="1400" b="0" i="0" u="none" strike="noStrike" dirty="0">
+                          <a:solidFill>
+                            <a:srgbClr val="212121"/>
+                          </a:solidFill>
+                          <a:effectLst/>
+                          <a:latin typeface="Courier New" panose="02070309020205020404" pitchFamily="49" charset="0"/>
+                        </a:rPr>
+                        <a:t> Arabic train </a:t>
+                      </a:r>
+                    </a:p>
+                    <a:p>
+                      <a:pPr marL="0" marR="0" indent="0" algn="l" defTabSz="914400" rtl="0" eaLnBrk="1" fontAlgn="auto" latinLnBrk="0" hangingPunct="1">
+                        <a:lnSpc>
+                          <a:spcPct val="100000"/>
+                        </a:lnSpc>
+                        <a:spcBef>
+                          <a:spcPts val="0"/>
+                        </a:spcBef>
+                        <a:spcAft>
+                          <a:spcPts val="0"/>
+                        </a:spcAft>
+                        <a:buClrTx/>
+                        <a:buSzTx/>
+                        <a:buFontTx/>
+                        <a:buNone/>
+                        <a:tabLst/>
+                        <a:defRPr/>
+                      </a:pPr>
+                      <a:r>
+                        <a:rPr lang="en-US" sz="1400" b="0" i="0" u="none" strike="noStrike" dirty="0">
+                          <a:solidFill>
+                            <a:srgbClr val="212121"/>
+                          </a:solidFill>
+                          <a:effectLst/>
+                          <a:latin typeface="Courier New" panose="02070309020205020404" pitchFamily="49" charset="0"/>
+                        </a:rPr>
+                        <a:t>4 Sayegh Arabic train </a:t>
+                      </a:r>
+                    </a:p>
+                    <a:p>
+                      <a:pPr marL="0" marR="0" indent="0" algn="l" defTabSz="914400" rtl="0" eaLnBrk="1" fontAlgn="auto" latinLnBrk="0" hangingPunct="1">
+                        <a:lnSpc>
+                          <a:spcPct val="100000"/>
+                        </a:lnSpc>
+                        <a:spcBef>
+                          <a:spcPts val="0"/>
+                        </a:spcBef>
+                        <a:spcAft>
+                          <a:spcPts val="0"/>
+                        </a:spcAft>
+                        <a:buClrTx/>
+                        <a:buSzTx/>
+                        <a:buFontTx/>
+                        <a:buNone/>
+                        <a:tabLst/>
+                        <a:defRPr/>
+                      </a:pPr>
+                      <a:r>
+                        <a:rPr lang="en-US" sz="1400" b="0" i="0" u="none" strike="noStrike" dirty="0">
+                          <a:solidFill>
+                            <a:srgbClr val="212121"/>
+                          </a:solidFill>
+                          <a:effectLst/>
+                          <a:latin typeface="Courier New" panose="02070309020205020404" pitchFamily="49" charset="0"/>
+                        </a:rPr>
+                        <a:t>... </a:t>
+                      </a:r>
+                    </a:p>
+                    <a:p>
+                      <a:pPr marL="0" marR="0" indent="0" algn="l" defTabSz="914400" rtl="0" eaLnBrk="1" fontAlgn="auto" latinLnBrk="0" hangingPunct="1">
+                        <a:lnSpc>
+                          <a:spcPct val="100000"/>
+                        </a:lnSpc>
+                        <a:spcBef>
+                          <a:spcPts val="0"/>
+                        </a:spcBef>
+                        <a:spcAft>
+                          <a:spcPts val="0"/>
+                        </a:spcAft>
+                        <a:buClrTx/>
+                        <a:buSzTx/>
+                        <a:buFontTx/>
+                        <a:buNone/>
+                        <a:tabLst/>
+                        <a:defRPr/>
+                      </a:pPr>
+                      <a:r>
+                        <a:rPr lang="en-US" sz="1400" b="0" i="0" u="none" strike="noStrike" dirty="0">
+                          <a:solidFill>
+                            <a:srgbClr val="212121"/>
+                          </a:solidFill>
+                          <a:effectLst/>
+                          <a:latin typeface="Courier New" panose="02070309020205020404" pitchFamily="49" charset="0"/>
+                        </a:rPr>
+                        <a:t>... </a:t>
+                      </a:r>
+                    </a:p>
+                    <a:p>
+                      <a:pPr marL="0" marR="0" indent="0" algn="l" defTabSz="914400" rtl="0" eaLnBrk="1" fontAlgn="auto" latinLnBrk="0" hangingPunct="1">
+                        <a:lnSpc>
+                          <a:spcPct val="100000"/>
+                        </a:lnSpc>
+                        <a:spcBef>
+                          <a:spcPts val="0"/>
+                        </a:spcBef>
+                        <a:spcAft>
+                          <a:spcPts val="0"/>
+                        </a:spcAft>
+                        <a:buClrTx/>
+                        <a:buSzTx/>
+                        <a:buFontTx/>
+                        <a:buNone/>
+                        <a:tabLst/>
+                        <a:defRPr/>
+                      </a:pPr>
+                      <a:r>
+                        <a:rPr lang="en-US" sz="1400" b="0" i="0" u="none" strike="noStrike" dirty="0">
+                          <a:solidFill>
+                            <a:srgbClr val="212121"/>
+                          </a:solidFill>
+                          <a:effectLst/>
+                          <a:latin typeface="Courier New" panose="02070309020205020404" pitchFamily="49" charset="0"/>
+                        </a:rPr>
+                        <a:t>... </a:t>
+                      </a:r>
+                    </a:p>
+                    <a:p>
+                      <a:pPr marL="0" marR="0" indent="0" algn="l" defTabSz="914400" rtl="0" eaLnBrk="1" fontAlgn="auto" latinLnBrk="0" hangingPunct="1">
+                        <a:lnSpc>
+                          <a:spcPct val="100000"/>
+                        </a:lnSpc>
+                        <a:spcBef>
+                          <a:spcPts val="0"/>
+                        </a:spcBef>
+                        <a:spcAft>
+                          <a:spcPts val="0"/>
+                        </a:spcAft>
+                        <a:buClrTx/>
+                        <a:buSzTx/>
+                        <a:buFontTx/>
+                        <a:buNone/>
+                        <a:tabLst/>
+                        <a:defRPr/>
+                      </a:pPr>
+                      <a:r>
+                        <a:rPr lang="en-US" sz="1400" b="0" i="0" u="none" strike="noStrike" dirty="0">
+                          <a:solidFill>
+                            <a:srgbClr val="212121"/>
+                          </a:solidFill>
+                          <a:effectLst/>
+                          <a:latin typeface="Courier New" panose="02070309020205020404" pitchFamily="49" charset="0"/>
+                        </a:rPr>
+                        <a:t>... </a:t>
+                      </a:r>
+                    </a:p>
+                    <a:p>
+                      <a:pPr marL="0" marR="0" indent="0" algn="l" defTabSz="914400" rtl="0" eaLnBrk="1" fontAlgn="auto" latinLnBrk="0" hangingPunct="1">
+                        <a:lnSpc>
+                          <a:spcPct val="100000"/>
+                        </a:lnSpc>
+                        <a:spcBef>
+                          <a:spcPts val="0"/>
+                        </a:spcBef>
+                        <a:spcAft>
+                          <a:spcPts val="0"/>
+                        </a:spcAft>
+                        <a:buClrTx/>
+                        <a:buSzTx/>
+                        <a:buFontTx/>
+                        <a:buNone/>
+                        <a:tabLst/>
+                        <a:defRPr/>
+                      </a:pPr>
+                      <a:r>
+                        <a:rPr lang="en-US" sz="1400" b="0" i="0" u="none" strike="noStrike" dirty="0">
+                          <a:solidFill>
+                            <a:srgbClr val="212121"/>
+                          </a:solidFill>
+                          <a:effectLst/>
+                          <a:latin typeface="Courier New" panose="02070309020205020404" pitchFamily="49" charset="0"/>
+                        </a:rPr>
+                        <a:t>10975 </a:t>
+                      </a:r>
+                      <a:r>
+                        <a:rPr lang="en-US" sz="1400" b="0" i="0" u="none" strike="noStrike" dirty="0" err="1">
+                          <a:solidFill>
+                            <a:srgbClr val="212121"/>
+                          </a:solidFill>
+                          <a:effectLst/>
+                          <a:latin typeface="Courier New" panose="02070309020205020404" pitchFamily="49" charset="0"/>
+                        </a:rPr>
+                        <a:t>Dinh</a:t>
+                      </a:r>
+                      <a:r>
+                        <a:rPr lang="en-US" sz="1400" b="0" i="0" u="none" strike="noStrike" dirty="0">
+                          <a:solidFill>
+                            <a:srgbClr val="212121"/>
+                          </a:solidFill>
+                          <a:effectLst/>
+                          <a:latin typeface="Courier New" panose="02070309020205020404" pitchFamily="49" charset="0"/>
+                        </a:rPr>
+                        <a:t> Vietnamese test </a:t>
+                      </a:r>
+                    </a:p>
+                    <a:p>
+                      <a:pPr marL="0" marR="0" indent="0" algn="l" defTabSz="914400" rtl="0" eaLnBrk="1" fontAlgn="auto" latinLnBrk="0" hangingPunct="1">
+                        <a:lnSpc>
+                          <a:spcPct val="100000"/>
+                        </a:lnSpc>
+                        <a:spcBef>
+                          <a:spcPts val="0"/>
+                        </a:spcBef>
+                        <a:spcAft>
+                          <a:spcPts val="0"/>
+                        </a:spcAft>
+                        <a:buClrTx/>
+                        <a:buSzTx/>
+                        <a:buFontTx/>
+                        <a:buNone/>
+                        <a:tabLst/>
+                        <a:defRPr/>
+                      </a:pPr>
+                      <a:r>
+                        <a:rPr lang="en-US" sz="1400" b="0" i="0" u="none" strike="noStrike" dirty="0">
+                          <a:solidFill>
+                            <a:srgbClr val="212121"/>
+                          </a:solidFill>
+                          <a:effectLst/>
+                          <a:latin typeface="Courier New" panose="02070309020205020404" pitchFamily="49" charset="0"/>
+                        </a:rPr>
+                        <a:t>10976 Phung Vietnamese test </a:t>
+                      </a:r>
+                    </a:p>
+                    <a:p>
+                      <a:pPr marL="0" marR="0" indent="0" algn="l" defTabSz="914400" rtl="0" eaLnBrk="1" fontAlgn="auto" latinLnBrk="0" hangingPunct="1">
+                        <a:lnSpc>
+                          <a:spcPct val="100000"/>
+                        </a:lnSpc>
+                        <a:spcBef>
+                          <a:spcPts val="0"/>
+                        </a:spcBef>
+                        <a:spcAft>
+                          <a:spcPts val="0"/>
+                        </a:spcAft>
+                        <a:buClrTx/>
+                        <a:buSzTx/>
+                        <a:buFontTx/>
+                        <a:buNone/>
+                        <a:tabLst/>
+                        <a:defRPr/>
+                      </a:pPr>
+                      <a:r>
+                        <a:rPr lang="en-US" sz="1400" b="0" i="0" u="none" strike="noStrike" dirty="0">
+                          <a:solidFill>
+                            <a:srgbClr val="212121"/>
+                          </a:solidFill>
+                          <a:effectLst/>
+                          <a:latin typeface="Courier New" panose="02070309020205020404" pitchFamily="49" charset="0"/>
+                        </a:rPr>
+                        <a:t>10977 Quang Vietnamese test </a:t>
+                      </a:r>
+                    </a:p>
+                    <a:p>
+                      <a:pPr marL="0" marR="0" indent="0" algn="l" defTabSz="914400" rtl="0" eaLnBrk="1" fontAlgn="auto" latinLnBrk="0" hangingPunct="1">
+                        <a:lnSpc>
+                          <a:spcPct val="100000"/>
+                        </a:lnSpc>
+                        <a:spcBef>
+                          <a:spcPts val="0"/>
+                        </a:spcBef>
+                        <a:spcAft>
+                          <a:spcPts val="0"/>
+                        </a:spcAft>
+                        <a:buClrTx/>
+                        <a:buSzTx/>
+                        <a:buFontTx/>
+                        <a:buNone/>
+                        <a:tabLst/>
+                        <a:defRPr/>
+                      </a:pPr>
+                      <a:r>
+                        <a:rPr lang="en-US" sz="1400" b="0" i="0" u="none" strike="noStrike" dirty="0">
+                          <a:solidFill>
+                            <a:srgbClr val="212121"/>
+                          </a:solidFill>
+                          <a:effectLst/>
+                          <a:latin typeface="Courier New" panose="02070309020205020404" pitchFamily="49" charset="0"/>
+                        </a:rPr>
+                        <a:t>10978 Vu Vietnamese test </a:t>
+                      </a:r>
+                    </a:p>
+                    <a:p>
+                      <a:pPr marL="0" marR="0" indent="0" algn="l" defTabSz="914400" rtl="0" eaLnBrk="1" fontAlgn="auto" latinLnBrk="0" hangingPunct="1">
+                        <a:lnSpc>
+                          <a:spcPct val="100000"/>
+                        </a:lnSpc>
+                        <a:spcBef>
+                          <a:spcPts val="0"/>
+                        </a:spcBef>
+                        <a:spcAft>
+                          <a:spcPts val="0"/>
+                        </a:spcAft>
+                        <a:buClrTx/>
+                        <a:buSzTx/>
+                        <a:buFontTx/>
+                        <a:buNone/>
+                        <a:tabLst/>
+                        <a:defRPr/>
+                      </a:pPr>
+                      <a:r>
+                        <a:rPr lang="en-US" sz="1400" b="0" i="0" u="none" strike="noStrike" dirty="0">
+                          <a:solidFill>
+                            <a:srgbClr val="212121"/>
+                          </a:solidFill>
+                          <a:effectLst/>
+                          <a:latin typeface="Courier New" panose="02070309020205020404" pitchFamily="49" charset="0"/>
+                        </a:rPr>
+                        <a:t>10979 Ha Vietnamese test </a:t>
+                      </a:r>
+                    </a:p>
+                    <a:p>
+                      <a:pPr marL="0" marR="0" indent="0" algn="l" defTabSz="914400" rtl="0" eaLnBrk="1" fontAlgn="auto" latinLnBrk="0" hangingPunct="1">
+                        <a:lnSpc>
+                          <a:spcPct val="100000"/>
+                        </a:lnSpc>
+                        <a:spcBef>
+                          <a:spcPts val="0"/>
+                        </a:spcBef>
+                        <a:spcAft>
+                          <a:spcPts val="0"/>
+                        </a:spcAft>
+                        <a:buClrTx/>
+                        <a:buSzTx/>
+                        <a:buFontTx/>
+                        <a:buNone/>
+                        <a:tabLst/>
+                        <a:defRPr/>
+                      </a:pPr>
+                      <a:r>
+                        <a:rPr lang="en-US" sz="1400" b="0" i="0" u="none" strike="noStrike" dirty="0">
+                          <a:solidFill>
+                            <a:srgbClr val="212121"/>
+                          </a:solidFill>
+                          <a:effectLst/>
+                          <a:latin typeface="Courier New" panose="02070309020205020404" pitchFamily="49" charset="0"/>
+                        </a:rPr>
+                        <a:t>[10980 rows x 3 columns]</a:t>
+                      </a:r>
+                      <a:endParaRPr lang="es-ES_tradnl" sz="1400" noProof="1">
+                        <a:latin typeface="Courier New" panose="02070309020205020404" pitchFamily="49" charset="0"/>
+                        <a:cs typeface="Courier New" panose="02070309020205020404" pitchFamily="49" charset="0"/>
+                      </a:endParaRPr>
+                    </a:p>
+                  </a:txBody>
+                  <a:tcPr>
+                    <a:lnL w="12700" cap="flat" cmpd="sng" algn="ctr">
+                      <a:solidFill>
+                        <a:schemeClr val="accent1"/>
+                      </a:solidFill>
+                      <a:prstDash val="solid"/>
+                      <a:round/>
+                      <a:headEnd type="none" w="med" len="med"/>
+                      <a:tailEnd type="none" w="med" len="med"/>
+                    </a:lnL>
+                    <a:lnR w="12700" cap="flat" cmpd="sng" algn="ctr">
+                      <a:solidFill>
+                        <a:schemeClr val="accent1"/>
+                      </a:solidFill>
+                      <a:prstDash val="solid"/>
+                      <a:round/>
+                      <a:headEnd type="none" w="med" len="med"/>
+                      <a:tailEnd type="none" w="med" len="med"/>
+                    </a:lnR>
+                    <a:lnT w="12700" cap="flat" cmpd="sng" algn="ctr">
+                      <a:solidFill>
+                        <a:schemeClr val="accent1"/>
+                      </a:solidFill>
+                      <a:prstDash val="solid"/>
+                      <a:round/>
+                      <a:headEnd type="none" w="med" len="med"/>
+                      <a:tailEnd type="none" w="med" len="med"/>
+                    </a:lnT>
+                    <a:lnB w="12700" cap="flat" cmpd="sng" algn="ctr">
+                      <a:solidFill>
+                        <a:schemeClr val="accent1"/>
+                      </a:solidFill>
+                      <a:prstDash val="solid"/>
+                      <a:round/>
+                      <a:headEnd type="none" w="med" len="med"/>
+                      <a:tailEnd type="none" w="med" len="med"/>
+                    </a:lnB>
+                    <a:solidFill>
+                      <a:schemeClr val="bg1"/>
+                    </a:solidFill>
+                  </a:tcPr>
+                </a:tc>
+                <a:extLst>
+                  <a:ext uri="{0D108BD9-81ED-4DB2-BD59-A6C34878D82A}">
+                    <a16:rowId xmlns:a16="http://schemas.microsoft.com/office/drawing/2014/main" val="2433388719"/>
+                  </a:ext>
+                </a:extLst>
+              </a:tr>
+              <a:tr h="202515">
+                <a:tc>
+                  <a:txBody>
+                    <a:bodyPr/>
+                    <a:lstStyle/>
+                    <a:p>
+                      <a:r>
+                        <a:rPr lang="en-GB" sz="1400" b="0" dirty="0" err="1">
+                          <a:solidFill>
+                            <a:srgbClr val="000000"/>
+                          </a:solidFill>
+                          <a:effectLst/>
+                          <a:latin typeface="Courier New" panose="02070309020205020404" pitchFamily="49" charset="0"/>
+                        </a:rPr>
+                        <a:t>final_surnames.split.value_counts</a:t>
+                      </a:r>
+                      <a:r>
+                        <a:rPr lang="en-GB" sz="1400" b="0" dirty="0">
+                          <a:solidFill>
+                            <a:srgbClr val="000000"/>
+                          </a:solidFill>
+                          <a:effectLst/>
+                          <a:latin typeface="Courier New" panose="02070309020205020404" pitchFamily="49" charset="0"/>
+                        </a:rPr>
+                        <a:t>()</a:t>
+                      </a:r>
+                    </a:p>
+                  </a:txBody>
+                  <a:tcPr>
+                    <a:lnL w="12700" cap="flat" cmpd="sng" algn="ctr">
+                      <a:solidFill>
+                        <a:schemeClr val="accent1"/>
+                      </a:solidFill>
+                      <a:prstDash val="solid"/>
+                      <a:round/>
+                      <a:headEnd type="none" w="med" len="med"/>
+                      <a:tailEnd type="none" w="med" len="med"/>
+                    </a:lnL>
+                    <a:lnR w="12700" cap="flat" cmpd="sng" algn="ctr">
+                      <a:solidFill>
+                        <a:schemeClr val="accent1"/>
+                      </a:solidFill>
+                      <a:prstDash val="solid"/>
+                      <a:round/>
+                      <a:headEnd type="none" w="med" len="med"/>
+                      <a:tailEnd type="none" w="med" len="med"/>
+                    </a:lnR>
+                    <a:lnT w="12700" cap="flat" cmpd="sng" algn="ctr">
+                      <a:solidFill>
+                        <a:schemeClr val="accent1"/>
+                      </a:solidFill>
+                      <a:prstDash val="solid"/>
+                      <a:round/>
+                      <a:headEnd type="none" w="med" len="med"/>
+                      <a:tailEnd type="none" w="med" len="med"/>
+                    </a:lnT>
+                    <a:lnB w="12700" cap="flat" cmpd="sng" algn="ctr">
+                      <a:solidFill>
+                        <a:schemeClr val="accent1"/>
+                      </a:solidFill>
+                      <a:prstDash val="solid"/>
+                      <a:round/>
+                      <a:headEnd type="none" w="med" len="med"/>
+                      <a:tailEnd type="none" w="med" len="med"/>
+                    </a:lnB>
+                    <a:solidFill>
+                      <a:schemeClr val="bg1">
+                        <a:lumMod val="95000"/>
+                      </a:schemeClr>
+                    </a:solidFill>
+                  </a:tcPr>
+                </a:tc>
+                <a:extLst>
+                  <a:ext uri="{0D108BD9-81ED-4DB2-BD59-A6C34878D82A}">
+                    <a16:rowId xmlns:a16="http://schemas.microsoft.com/office/drawing/2014/main" val="2606830187"/>
+                  </a:ext>
+                </a:extLst>
+              </a:tr>
+              <a:tr h="202515">
+                <a:tc>
+                  <a:txBody>
+                    <a:bodyPr/>
+                    <a:lstStyle/>
+                    <a:p>
+                      <a:pPr marL="0" marR="0" indent="0" algn="l" defTabSz="914400" rtl="0" eaLnBrk="1" fontAlgn="auto" latinLnBrk="0" hangingPunct="1">
+                        <a:lnSpc>
+                          <a:spcPct val="100000"/>
+                        </a:lnSpc>
+                        <a:spcBef>
+                          <a:spcPts val="0"/>
+                        </a:spcBef>
+                        <a:spcAft>
+                          <a:spcPts val="0"/>
+                        </a:spcAft>
+                        <a:buClrTx/>
+                        <a:buSzTx/>
+                        <a:buFontTx/>
+                        <a:buNone/>
+                        <a:tabLst/>
+                        <a:defRPr/>
+                      </a:pPr>
+                      <a:r>
+                        <a:rPr lang="en-GB" sz="1400" b="0" i="0" kern="1200" dirty="0">
+                          <a:solidFill>
+                            <a:schemeClr val="dk1"/>
+                          </a:solidFill>
+                          <a:effectLst/>
+                          <a:latin typeface="Courier New" panose="02070309020205020404" pitchFamily="49" charset="0"/>
+                          <a:ea typeface="+mn-ea"/>
+                          <a:cs typeface="Courier New" panose="02070309020205020404" pitchFamily="49" charset="0"/>
+                        </a:rPr>
+                        <a:t>train 7680</a:t>
+                      </a:r>
+                    </a:p>
+                    <a:p>
+                      <a:pPr marL="0" marR="0" indent="0" algn="l" defTabSz="914400" rtl="0" eaLnBrk="1" fontAlgn="auto" latinLnBrk="0" hangingPunct="1">
+                        <a:lnSpc>
+                          <a:spcPct val="100000"/>
+                        </a:lnSpc>
+                        <a:spcBef>
+                          <a:spcPts val="0"/>
+                        </a:spcBef>
+                        <a:spcAft>
+                          <a:spcPts val="0"/>
+                        </a:spcAft>
+                        <a:buClrTx/>
+                        <a:buSzTx/>
+                        <a:buFontTx/>
+                        <a:buNone/>
+                        <a:tabLst/>
+                        <a:defRPr/>
+                      </a:pPr>
+                      <a:r>
+                        <a:rPr lang="en-GB" sz="1400" b="0" i="0" kern="1200" dirty="0" err="1">
+                          <a:solidFill>
+                            <a:schemeClr val="dk1"/>
+                          </a:solidFill>
+                          <a:effectLst/>
+                          <a:latin typeface="Courier New" panose="02070309020205020404" pitchFamily="49" charset="0"/>
+                          <a:ea typeface="+mn-ea"/>
+                          <a:cs typeface="Courier New" panose="02070309020205020404" pitchFamily="49" charset="0"/>
+                        </a:rPr>
+                        <a:t>val</a:t>
+                      </a:r>
+                      <a:r>
+                        <a:rPr lang="en-GB" sz="1400" b="0" i="0" kern="1200" dirty="0">
+                          <a:solidFill>
+                            <a:schemeClr val="dk1"/>
+                          </a:solidFill>
+                          <a:effectLst/>
+                          <a:latin typeface="Courier New" panose="02070309020205020404" pitchFamily="49" charset="0"/>
+                          <a:ea typeface="+mn-ea"/>
+                          <a:cs typeface="Courier New" panose="02070309020205020404" pitchFamily="49" charset="0"/>
+                        </a:rPr>
+                        <a:t> 1660</a:t>
+                      </a:r>
+                    </a:p>
+                    <a:p>
+                      <a:pPr marL="0" marR="0" indent="0" algn="l" defTabSz="914400" rtl="0" eaLnBrk="1" fontAlgn="auto" latinLnBrk="0" hangingPunct="1">
+                        <a:lnSpc>
+                          <a:spcPct val="100000"/>
+                        </a:lnSpc>
+                        <a:spcBef>
+                          <a:spcPts val="0"/>
+                        </a:spcBef>
+                        <a:spcAft>
+                          <a:spcPts val="0"/>
+                        </a:spcAft>
+                        <a:buClrTx/>
+                        <a:buSzTx/>
+                        <a:buFontTx/>
+                        <a:buNone/>
+                        <a:tabLst/>
+                        <a:defRPr/>
+                      </a:pPr>
+                      <a:r>
+                        <a:rPr lang="en-GB" sz="1400" b="0" i="0" kern="1200" dirty="0">
+                          <a:solidFill>
+                            <a:schemeClr val="dk1"/>
+                          </a:solidFill>
+                          <a:effectLst/>
+                          <a:latin typeface="Courier New" panose="02070309020205020404" pitchFamily="49" charset="0"/>
+                          <a:ea typeface="+mn-ea"/>
+                          <a:cs typeface="Courier New" panose="02070309020205020404" pitchFamily="49" charset="0"/>
+                        </a:rPr>
+                        <a:t>test 1640</a:t>
+                      </a:r>
+                    </a:p>
+                    <a:p>
+                      <a:pPr marL="0" marR="0" indent="0" algn="l" defTabSz="914400" rtl="0" eaLnBrk="1" fontAlgn="auto" latinLnBrk="0" hangingPunct="1">
+                        <a:lnSpc>
+                          <a:spcPct val="100000"/>
+                        </a:lnSpc>
+                        <a:spcBef>
+                          <a:spcPts val="0"/>
+                        </a:spcBef>
+                        <a:spcAft>
+                          <a:spcPts val="0"/>
+                        </a:spcAft>
+                        <a:buClrTx/>
+                        <a:buSzTx/>
+                        <a:buFontTx/>
+                        <a:buNone/>
+                        <a:tabLst/>
+                        <a:defRPr/>
+                      </a:pPr>
+                      <a:r>
+                        <a:rPr lang="en-GB" sz="1400" b="0" i="0" kern="1200" dirty="0">
+                          <a:solidFill>
+                            <a:schemeClr val="dk1"/>
+                          </a:solidFill>
+                          <a:effectLst/>
+                          <a:latin typeface="Courier New" panose="02070309020205020404" pitchFamily="49" charset="0"/>
+                          <a:ea typeface="+mn-ea"/>
+                          <a:cs typeface="Courier New" panose="02070309020205020404" pitchFamily="49" charset="0"/>
+                        </a:rPr>
+                        <a:t>Name: split, </a:t>
+                      </a:r>
+                      <a:r>
+                        <a:rPr lang="en-GB" sz="1400" b="0" i="0" kern="1200" dirty="0" err="1">
+                          <a:solidFill>
+                            <a:schemeClr val="dk1"/>
+                          </a:solidFill>
+                          <a:effectLst/>
+                          <a:latin typeface="Courier New" panose="02070309020205020404" pitchFamily="49" charset="0"/>
+                          <a:ea typeface="+mn-ea"/>
+                          <a:cs typeface="Courier New" panose="02070309020205020404" pitchFamily="49" charset="0"/>
+                        </a:rPr>
+                        <a:t>dtype</a:t>
+                      </a:r>
+                      <a:r>
+                        <a:rPr lang="en-GB" sz="1400" b="0" i="0" kern="1200" dirty="0">
+                          <a:solidFill>
+                            <a:schemeClr val="dk1"/>
+                          </a:solidFill>
+                          <a:effectLst/>
+                          <a:latin typeface="Courier New" panose="02070309020205020404" pitchFamily="49" charset="0"/>
+                          <a:ea typeface="+mn-ea"/>
+                          <a:cs typeface="Courier New" panose="02070309020205020404" pitchFamily="49" charset="0"/>
+                        </a:rPr>
+                        <a:t>: int64</a:t>
+                      </a:r>
+                      <a:endParaRPr lang="es-ES_tradnl" sz="1400" noProof="1">
+                        <a:latin typeface="Courier New" panose="02070309020205020404" pitchFamily="49" charset="0"/>
+                        <a:cs typeface="Courier New" panose="02070309020205020404" pitchFamily="49" charset="0"/>
+                      </a:endParaRPr>
+                    </a:p>
+                  </a:txBody>
+                  <a:tcPr>
+                    <a:lnL w="12700" cap="flat" cmpd="sng" algn="ctr">
+                      <a:solidFill>
+                        <a:schemeClr val="accent1"/>
+                      </a:solidFill>
+                      <a:prstDash val="solid"/>
+                      <a:round/>
+                      <a:headEnd type="none" w="med" len="med"/>
+                      <a:tailEnd type="none" w="med" len="med"/>
+                    </a:lnL>
+                    <a:lnR w="12700" cap="flat" cmpd="sng" algn="ctr">
+                      <a:solidFill>
+                        <a:schemeClr val="accent1"/>
+                      </a:solidFill>
+                      <a:prstDash val="solid"/>
+                      <a:round/>
+                      <a:headEnd type="none" w="med" len="med"/>
+                      <a:tailEnd type="none" w="med" len="med"/>
+                    </a:lnR>
+                    <a:lnT w="12700" cap="flat" cmpd="sng" algn="ctr">
+                      <a:solidFill>
+                        <a:schemeClr val="accent1"/>
+                      </a:solidFill>
+                      <a:prstDash val="solid"/>
+                      <a:round/>
+                      <a:headEnd type="none" w="med" len="med"/>
+                      <a:tailEnd type="none" w="med" len="med"/>
+                    </a:lnT>
+                    <a:lnB w="12700" cap="flat" cmpd="sng" algn="ctr">
+                      <a:solidFill>
+                        <a:schemeClr val="accent1"/>
+                      </a:solidFill>
+                      <a:prstDash val="solid"/>
+                      <a:round/>
+                      <a:headEnd type="none" w="med" len="med"/>
+                      <a:tailEnd type="none" w="med" len="med"/>
+                    </a:lnB>
+                    <a:solidFill>
+                      <a:schemeClr val="bg1"/>
+                    </a:solidFill>
+                  </a:tcPr>
+                </a:tc>
+                <a:extLst>
+                  <a:ext uri="{0D108BD9-81ED-4DB2-BD59-A6C34878D82A}">
+                    <a16:rowId xmlns:a16="http://schemas.microsoft.com/office/drawing/2014/main" val="223894655"/>
+                  </a:ext>
+                </a:extLst>
+              </a:tr>
+              <a:tr h="202515">
+                <a:tc>
+                  <a:txBody>
+                    <a:bodyPr/>
+                    <a:lstStyle/>
+                    <a:p>
+                      <a:pPr algn="l"/>
+                      <a:r>
+                        <a:rPr lang="en-US" sz="1400" b="0" i="0" u="none" strike="noStrike" dirty="0">
+                          <a:solidFill>
+                            <a:srgbClr val="008000"/>
+                          </a:solidFill>
+                          <a:effectLst/>
+                          <a:latin typeface="Courier New" panose="02070309020205020404" pitchFamily="49" charset="0"/>
+                        </a:rPr>
+                        <a:t># Write munged data to CSV</a:t>
+                      </a:r>
+                      <a:endParaRPr lang="en-US" sz="1400" b="0" i="0" u="none" strike="noStrike" dirty="0">
+                        <a:solidFill>
+                          <a:srgbClr val="000000"/>
+                        </a:solidFill>
+                        <a:effectLst/>
+                        <a:latin typeface="Courier New" panose="02070309020205020404" pitchFamily="49" charset="0"/>
+                      </a:endParaRPr>
+                    </a:p>
+                    <a:p>
+                      <a:pPr algn="l"/>
+                      <a:r>
+                        <a:rPr lang="en-US" sz="1400" b="0" i="0" u="none" strike="noStrike" dirty="0" err="1">
+                          <a:solidFill>
+                            <a:srgbClr val="000000"/>
+                          </a:solidFill>
+                          <a:effectLst/>
+                          <a:latin typeface="Courier New" panose="02070309020205020404" pitchFamily="49" charset="0"/>
+                        </a:rPr>
+                        <a:t>final_surnames.to_csv</a:t>
+                      </a:r>
+                      <a:r>
+                        <a:rPr lang="en-US" sz="1400" b="0" i="0" u="none" strike="noStrike" dirty="0">
+                          <a:solidFill>
+                            <a:srgbClr val="000000"/>
+                          </a:solidFill>
+                          <a:effectLst/>
+                          <a:latin typeface="Courier New" panose="02070309020205020404" pitchFamily="49" charset="0"/>
+                        </a:rPr>
+                        <a:t>(</a:t>
+                      </a:r>
+                      <a:r>
+                        <a:rPr lang="en-US" sz="1400" b="0" i="0" u="none" strike="noStrike" dirty="0" err="1">
+                          <a:solidFill>
+                            <a:srgbClr val="000000"/>
+                          </a:solidFill>
+                          <a:effectLst/>
+                          <a:latin typeface="Courier New" panose="02070309020205020404" pitchFamily="49" charset="0"/>
+                        </a:rPr>
+                        <a:t>args.output_munged_csv</a:t>
+                      </a:r>
+                      <a:r>
+                        <a:rPr lang="en-US" sz="1400" b="0" i="0" u="none" strike="noStrike" dirty="0">
+                          <a:solidFill>
+                            <a:srgbClr val="000000"/>
+                          </a:solidFill>
+                          <a:effectLst/>
+                          <a:latin typeface="Courier New" panose="02070309020205020404" pitchFamily="49" charset="0"/>
+                        </a:rPr>
+                        <a:t>, index=</a:t>
+                      </a:r>
+                      <a:r>
+                        <a:rPr lang="en-US" sz="1400" b="0" i="0" u="none" strike="noStrike" dirty="0">
+                          <a:solidFill>
+                            <a:srgbClr val="0000FF"/>
+                          </a:solidFill>
+                          <a:effectLst/>
+                          <a:latin typeface="Courier New" panose="02070309020205020404" pitchFamily="49" charset="0"/>
+                        </a:rPr>
+                        <a:t>False</a:t>
+                      </a:r>
+                      <a:r>
+                        <a:rPr lang="en-US" sz="1400" b="0" i="0" u="none" strike="noStrike" dirty="0">
+                          <a:solidFill>
+                            <a:srgbClr val="000000"/>
+                          </a:solidFill>
+                          <a:effectLst/>
+                          <a:latin typeface="Courier New" panose="02070309020205020404" pitchFamily="49" charset="0"/>
+                        </a:rPr>
+                        <a:t>)</a:t>
+                      </a:r>
+                    </a:p>
+                  </a:txBody>
+                  <a:tcPr>
+                    <a:lnL w="12700" cap="flat" cmpd="sng" algn="ctr">
+                      <a:solidFill>
+                        <a:schemeClr val="accent1"/>
+                      </a:solidFill>
+                      <a:prstDash val="solid"/>
+                      <a:round/>
+                      <a:headEnd type="none" w="med" len="med"/>
+                      <a:tailEnd type="none" w="med" len="med"/>
+                    </a:lnL>
+                    <a:lnR w="12700" cap="flat" cmpd="sng" algn="ctr">
+                      <a:solidFill>
+                        <a:schemeClr val="accent1"/>
+                      </a:solidFill>
+                      <a:prstDash val="solid"/>
+                      <a:round/>
+                      <a:headEnd type="none" w="med" len="med"/>
+                      <a:tailEnd type="none" w="med" len="med"/>
+                    </a:lnR>
+                    <a:lnT w="12700" cap="flat" cmpd="sng" algn="ctr">
+                      <a:solidFill>
+                        <a:schemeClr val="accent1"/>
+                      </a:solidFill>
+                      <a:prstDash val="solid"/>
+                      <a:round/>
+                      <a:headEnd type="none" w="med" len="med"/>
+                      <a:tailEnd type="none" w="med" len="med"/>
+                    </a:lnT>
+                    <a:lnB w="12700" cap="flat" cmpd="sng" algn="ctr">
+                      <a:solidFill>
+                        <a:schemeClr val="accent1"/>
+                      </a:solidFill>
+                      <a:prstDash val="solid"/>
+                      <a:round/>
+                      <a:headEnd type="none" w="med" len="med"/>
+                      <a:tailEnd type="none" w="med" len="med"/>
+                    </a:lnB>
+                    <a:solidFill>
+                      <a:schemeClr val="bg1">
+                        <a:lumMod val="95000"/>
+                      </a:schemeClr>
+                    </a:solidFill>
+                  </a:tcPr>
+                </a:tc>
+                <a:extLst>
+                  <a:ext uri="{0D108BD9-81ED-4DB2-BD59-A6C34878D82A}">
+                    <a16:rowId xmlns:a16="http://schemas.microsoft.com/office/drawing/2014/main" val="940508680"/>
+                  </a:ext>
+                </a:extLst>
+              </a:tr>
             </a:tbl>
           </a:graphicData>
         </a:graphic>
@@ -7973,7 +9948,7 @@
     </p:spTree>
     <p:extLst>
       <p:ext uri="{BB962C8B-B14F-4D97-AF65-F5344CB8AC3E}">
-        <p14:creationId xmlns:p14="http://schemas.microsoft.com/office/powerpoint/2010/main" val="1213862209"/>
+        <p14:creationId xmlns:p14="http://schemas.microsoft.com/office/powerpoint/2010/main" val="2103142614"/>
       </p:ext>
     </p:extLst>
   </p:cSld>
